--- a/toki/tokistorage-partnership-deck-en.pptx
+++ b/toki/tokistorage-partnership-deck-en.pptx
@@ -3111,7 +3111,7 @@
             <a:avLst/>
           </a:prstGeom>
           <a:solidFill>
-            <a:srgbClr val="0A1628"/>
+            <a:srgbClr val="1E293B"/>
           </a:solidFill>
           <a:ln>
             <a:noFill/>
@@ -3170,7 +3170,7 @@
             <a:r>
               <a:rPr sz="700" b="0">
                 <a:solidFill>
-                  <a:srgbClr val="9999AA"/>
+                  <a:srgbClr val="94A3B8"/>
                 </a:solidFill>
                 <a:latin typeface="Calibri"/>
               </a:rPr>
@@ -3270,13 +3270,13 @@
         <p:spPr>
           <a:xfrm>
             <a:off x="0" y="4594860"/>
-            <a:ext cx="9144000" cy="36576"/>
+            <a:ext cx="9144000" cy="27432"/>
           </a:xfrm>
           <a:prstGeom prst="rect">
             <a:avLst/>
           </a:prstGeom>
           <a:solidFill>
-            <a:srgbClr val="1E6FD9"/>
+            <a:srgbClr val="2563EB"/>
           </a:solidFill>
           <a:ln>
             <a:noFill/>
@@ -3335,7 +3335,7 @@
             <a:r>
               <a:rPr sz="650" b="0">
                 <a:solidFill>
-                  <a:srgbClr val="9999AA"/>
+                  <a:srgbClr val="94A3B8"/>
                 </a:solidFill>
                 <a:latin typeface="Calibri"/>
               </a:rPr>
@@ -3375,7 +3375,7 @@
             <a:r>
               <a:rPr sz="650" b="0">
                 <a:solidFill>
-                  <a:srgbClr val="9999AA"/>
+                  <a:srgbClr val="94A3B8"/>
                 </a:solidFill>
                 <a:latin typeface="Calibri"/>
               </a:rPr>
@@ -3415,7 +3415,7 @@
             <a:r>
               <a:rPr sz="650" b="0">
                 <a:solidFill>
-                  <a:srgbClr val="9999AA"/>
+                  <a:srgbClr val="94A3B8"/>
                 </a:solidFill>
                 <a:latin typeface="Calibri"/>
               </a:rPr>
@@ -3457,7 +3457,7 @@
             <a:avLst/>
           </a:prstGeom>
           <a:solidFill>
-            <a:srgbClr val="0A1628"/>
+            <a:srgbClr val="1E293B"/>
           </a:solidFill>
           <a:ln>
             <a:noFill/>
@@ -3556,7 +3556,7 @@
             <a:r>
               <a:rPr sz="700" b="1">
                 <a:solidFill>
-                  <a:srgbClr val="1E6FD9"/>
+                  <a:srgbClr val="2563EB"/>
                 </a:solidFill>
                 <a:latin typeface="Calibri"/>
               </a:rPr>
@@ -3580,11 +3580,11 @@
             <a:avLst/>
           </a:prstGeom>
           <a:solidFill>
-            <a:srgbClr val="F8F9FB"/>
+            <a:srgbClr val="FFFFFF"/>
           </a:solidFill>
           <a:ln w="9525">
             <a:solidFill>
-              <a:srgbClr val="E2E5EB"/>
+              <a:srgbClr val="E2E8F0"/>
             </a:solidFill>
           </a:ln>
         </p:spPr>
@@ -3641,7 +3641,7 @@
             <a:r>
               <a:rPr sz="1100" b="1">
                 <a:solidFill>
-                  <a:srgbClr val="1E6FD9"/>
+                  <a:srgbClr val="2563EB"/>
                 </a:solidFill>
                 <a:latin typeface="Calibri"/>
               </a:rPr>
@@ -3681,7 +3681,7 @@
             <a:r>
               <a:rPr sz="800" b="1">
                 <a:solidFill>
-                  <a:srgbClr val="1A1A2E"/>
+                  <a:srgbClr val="1E293B"/>
                 </a:solidFill>
                 <a:latin typeface="Calibri"/>
               </a:rPr>
@@ -3721,7 +3721,7 @@
             <a:r>
               <a:rPr sz="700" b="0">
                 <a:solidFill>
-                  <a:srgbClr val="555570"/>
+                  <a:srgbClr val="475569"/>
                 </a:solidFill>
                 <a:latin typeface="Calibri"/>
               </a:rPr>
@@ -3745,11 +3745,11 @@
             <a:avLst/>
           </a:prstGeom>
           <a:solidFill>
-            <a:srgbClr val="F8F9FB"/>
+            <a:srgbClr val="FFFFFF"/>
           </a:solidFill>
           <a:ln w="9525">
             <a:solidFill>
-              <a:srgbClr val="E2E5EB"/>
+              <a:srgbClr val="E2E8F0"/>
             </a:solidFill>
           </a:ln>
         </p:spPr>
@@ -3806,7 +3806,7 @@
             <a:r>
               <a:rPr sz="1100" b="1">
                 <a:solidFill>
-                  <a:srgbClr val="1E6FD9"/>
+                  <a:srgbClr val="2563EB"/>
                 </a:solidFill>
                 <a:latin typeface="Calibri"/>
               </a:rPr>
@@ -3846,7 +3846,7 @@
             <a:r>
               <a:rPr sz="800" b="1">
                 <a:solidFill>
-                  <a:srgbClr val="1A1A2E"/>
+                  <a:srgbClr val="1E293B"/>
                 </a:solidFill>
                 <a:latin typeface="Calibri"/>
               </a:rPr>
@@ -3886,7 +3886,7 @@
             <a:r>
               <a:rPr sz="700" b="0">
                 <a:solidFill>
-                  <a:srgbClr val="555570"/>
+                  <a:srgbClr val="475569"/>
                 </a:solidFill>
                 <a:latin typeface="Calibri"/>
               </a:rPr>
@@ -3910,11 +3910,11 @@
             <a:avLst/>
           </a:prstGeom>
           <a:solidFill>
-            <a:srgbClr val="F8F9FB"/>
+            <a:srgbClr val="FFFFFF"/>
           </a:solidFill>
           <a:ln w="9525">
             <a:solidFill>
-              <a:srgbClr val="E2E5EB"/>
+              <a:srgbClr val="E2E8F0"/>
             </a:solidFill>
           </a:ln>
         </p:spPr>
@@ -3971,7 +3971,7 @@
             <a:r>
               <a:rPr sz="1100" b="1">
                 <a:solidFill>
-                  <a:srgbClr val="1E6FD9"/>
+                  <a:srgbClr val="2563EB"/>
                 </a:solidFill>
                 <a:latin typeface="Calibri"/>
               </a:rPr>
@@ -4011,7 +4011,7 @@
             <a:r>
               <a:rPr sz="800" b="1">
                 <a:solidFill>
-                  <a:srgbClr val="1A1A2E"/>
+                  <a:srgbClr val="1E293B"/>
                 </a:solidFill>
                 <a:latin typeface="Calibri"/>
               </a:rPr>
@@ -4051,7 +4051,7 @@
             <a:r>
               <a:rPr sz="700" b="0">
                 <a:solidFill>
-                  <a:srgbClr val="555570"/>
+                  <a:srgbClr val="475569"/>
                 </a:solidFill>
                 <a:latin typeface="Calibri"/>
               </a:rPr>
@@ -4075,7 +4075,7 @@
             <a:avLst/>
           </a:prstGeom>
           <a:solidFill>
-            <a:srgbClr val="E2E5EB"/>
+            <a:srgbClr val="E2E8F0"/>
           </a:solidFill>
           <a:ln>
             <a:noFill/>
@@ -4134,7 +4134,7 @@
             <a:r>
               <a:rPr sz="650" b="0">
                 <a:solidFill>
-                  <a:srgbClr val="9999AA"/>
+                  <a:srgbClr val="94A3B8"/>
                 </a:solidFill>
                 <a:latin typeface="Calibri"/>
               </a:rPr>
@@ -4174,7 +4174,7 @@
             <a:r>
               <a:rPr sz="650" b="0">
                 <a:solidFill>
-                  <a:srgbClr val="9999AA"/>
+                  <a:srgbClr val="94A3B8"/>
                 </a:solidFill>
                 <a:latin typeface="Calibri"/>
               </a:rPr>
@@ -4214,7 +4214,7 @@
             <a:r>
               <a:rPr sz="650" b="1">
                 <a:solidFill>
-                  <a:srgbClr val="9999AA"/>
+                  <a:srgbClr val="94A3B8"/>
                 </a:solidFill>
                 <a:latin typeface="Calibri"/>
               </a:rPr>
@@ -4256,7 +4256,7 @@
             <a:avLst/>
           </a:prstGeom>
           <a:solidFill>
-            <a:srgbClr val="0A1628"/>
+            <a:srgbClr val="1E293B"/>
           </a:solidFill>
           <a:ln>
             <a:noFill/>
@@ -4355,7 +4355,7 @@
             <a:r>
               <a:rPr sz="700" b="1">
                 <a:solidFill>
-                  <a:srgbClr val="1E6FD9"/>
+                  <a:srgbClr val="2563EB"/>
                 </a:solidFill>
                 <a:latin typeface="Calibri"/>
               </a:rPr>
@@ -4379,11 +4379,11 @@
             <a:avLst/>
           </a:prstGeom>
           <a:solidFill>
-            <a:srgbClr val="F8F9FB"/>
+            <a:srgbClr val="FFFFFF"/>
           </a:solidFill>
           <a:ln w="9525">
             <a:solidFill>
-              <a:srgbClr val="E2E5EB"/>
+              <a:srgbClr val="E2E8F0"/>
             </a:solidFill>
           </a:ln>
         </p:spPr>
@@ -4411,145 +4411,23 @@
       </p:sp>
       <p:sp>
         <p:nvSpPr>
-          <p:cNvPr id="6" name="TextBox 5"/>
-          <p:cNvSpPr txBox="1"/>
-          <p:nvPr/>
-        </p:nvSpPr>
-        <p:spPr>
-          <a:xfrm>
-            <a:off x="548640" y="987552"/>
-            <a:ext cx="320040" cy="320040"/>
-          </a:xfrm>
-          <a:prstGeom prst="rect">
-            <a:avLst/>
-          </a:prstGeom>
-          <a:noFill/>
-        </p:spPr>
-        <p:txBody>
-          <a:bodyPr wrap="square"/>
-          <a:lstStyle/>
-          <a:p>
-            <a:pPr algn="l">
-              <a:spcBef>
-                <a:spcPts val="0"/>
-              </a:spcBef>
-              <a:spcAft>
-                <a:spcPts val="0"/>
-              </a:spcAft>
-            </a:pPr>
-            <a:r>
-              <a:rPr sz="1400" b="0">
-                <a:solidFill>
-                  <a:srgbClr val="1A1A2E"/>
-                </a:solidFill>
-                <a:latin typeface="Calibri"/>
-              </a:rPr>
-              <a:t>💎</a:t>
-            </a:r>
-          </a:p>
-        </p:txBody>
-      </p:sp>
-      <p:sp>
-        <p:nvSpPr>
-          <p:cNvPr id="7" name="TextBox 6"/>
-          <p:cNvSpPr txBox="1"/>
-          <p:nvPr/>
-        </p:nvSpPr>
-        <p:spPr>
-          <a:xfrm>
-            <a:off x="868680" y="987552"/>
-            <a:ext cx="3383280" cy="182880"/>
-          </a:xfrm>
-          <a:prstGeom prst="rect">
-            <a:avLst/>
-          </a:prstGeom>
-          <a:noFill/>
-        </p:spPr>
-        <p:txBody>
-          <a:bodyPr wrap="square"/>
-          <a:lstStyle/>
-          <a:p>
-            <a:pPr algn="l">
-              <a:spcBef>
-                <a:spcPts val="0"/>
-              </a:spcBef>
-              <a:spcAft>
-                <a:spcPts val="0"/>
-              </a:spcAft>
-            </a:pPr>
-            <a:r>
-              <a:rPr sz="800" b="1">
-                <a:solidFill>
-                  <a:srgbClr val="1A1A2E"/>
-                </a:solidFill>
-                <a:latin typeface="Calibri"/>
-              </a:rPr>
-              <a:t>Quartz glass recording</a:t>
-            </a:r>
-          </a:p>
-        </p:txBody>
-      </p:sp>
-      <p:sp>
-        <p:nvSpPr>
-          <p:cNvPr id="8" name="TextBox 7"/>
-          <p:cNvSpPr txBox="1"/>
-          <p:nvPr/>
-        </p:nvSpPr>
-        <p:spPr>
-          <a:xfrm>
-            <a:off x="868680" y="1188720"/>
-            <a:ext cx="3383280" cy="1207008"/>
-          </a:xfrm>
-          <a:prstGeom prst="rect">
-            <a:avLst/>
-          </a:prstGeom>
-          <a:noFill/>
-        </p:spPr>
-        <p:txBody>
-          <a:bodyPr wrap="square"/>
-          <a:lstStyle/>
-          <a:p>
-            <a:pPr algn="l">
-              <a:spcBef>
-                <a:spcPts val="0"/>
-              </a:spcBef>
-              <a:spcAft>
-                <a:spcPts val="0"/>
-              </a:spcAft>
-            </a:pPr>
-            <a:r>
-              <a:rPr sz="650" b="0">
-                <a:solidFill>
-                  <a:srgbClr val="555570"/>
-                </a:solidFill>
-                <a:latin typeface="Calibri"/>
-              </a:rPr>
-              <a:t>QR codes inscribed via metal deposition. Zero servers, zero power. SLA 100%, guaranteed 1,000 years. Readable by any smartphone camera.</a:t>
-            </a:r>
-          </a:p>
-        </p:txBody>
-      </p:sp>
-      <p:sp>
-        <p:nvSpPr>
-          <p:cNvPr id="9" name="Rectangle 8"/>
+          <p:cNvPr id="6" name="Oval 5"/>
           <p:cNvSpPr/>
           <p:nvPr/>
         </p:nvSpPr>
         <p:spPr>
           <a:xfrm>
-            <a:off x="4617720" y="914400"/>
-            <a:ext cx="3931920" cy="1554480"/>
-          </a:xfrm>
-          <a:prstGeom prst="rect">
+            <a:off x="566928" y="1024128"/>
+            <a:ext cx="292608" cy="292608"/>
+          </a:xfrm>
+          <a:prstGeom prst="ellipse">
             <a:avLst/>
           </a:prstGeom>
           <a:solidFill>
-            <a:srgbClr val="F8F9FB"/>
+            <a:srgbClr val="EFF6FF"/>
           </a:solidFill>
-          <a:ln w="9525">
-            <a:solidFill>
-              <a:srgbClr val="E2E5EB"/>
-            </a:solidFill>
+          <a:ln>
+            <a:noFill/>
           </a:ln>
         </p:spPr>
         <p:style>
@@ -4576,14 +4454,54 @@
       </p:sp>
       <p:sp>
         <p:nvSpPr>
-          <p:cNvPr id="10" name="TextBox 9"/>
-          <p:cNvSpPr txBox="1"/>
-          <p:nvPr/>
-        </p:nvSpPr>
-        <p:spPr>
-          <a:xfrm>
-            <a:off x="4709160" y="987552"/>
-            <a:ext cx="320040" cy="320040"/>
+          <p:cNvPr id="7" name="TextBox 6"/>
+          <p:cNvSpPr txBox="1"/>
+          <p:nvPr/>
+        </p:nvSpPr>
+        <p:spPr>
+          <a:xfrm>
+            <a:off x="566928" y="1024128"/>
+            <a:ext cx="292608" cy="292608"/>
+          </a:xfrm>
+          <a:prstGeom prst="rect">
+            <a:avLst/>
+          </a:prstGeom>
+          <a:noFill/>
+        </p:spPr>
+        <p:txBody>
+          <a:bodyPr wrap="square" anchor="ctr"/>
+          <a:lstStyle/>
+          <a:p>
+            <a:pPr algn="ctr">
+              <a:spcBef>
+                <a:spcPts val="0"/>
+              </a:spcBef>
+              <a:spcAft>
+                <a:spcPts val="0"/>
+              </a:spcAft>
+            </a:pPr>
+            <a:r>
+              <a:rPr sz="900" b="1">
+                <a:solidFill>
+                  <a:srgbClr val="2563EB"/>
+                </a:solidFill>
+                <a:latin typeface="Calibri"/>
+              </a:rPr>
+              <a:t>Q</a:t>
+            </a:r>
+          </a:p>
+        </p:txBody>
+      </p:sp>
+      <p:sp>
+        <p:nvSpPr>
+          <p:cNvPr id="8" name="TextBox 7"/>
+          <p:cNvSpPr txBox="1"/>
+          <p:nvPr/>
+        </p:nvSpPr>
+        <p:spPr>
+          <a:xfrm>
+            <a:off x="932688" y="1024128"/>
+            <a:ext cx="3337560" cy="182880"/>
           </a:xfrm>
           <a:prstGeom prst="rect">
             <a:avLst/>
@@ -4603,27 +4521,27 @@
               </a:spcAft>
             </a:pPr>
             <a:r>
-              <a:rPr sz="1400" b="0">
-                <a:solidFill>
-                  <a:srgbClr val="1A1A2E"/>
-                </a:solidFill>
-                <a:latin typeface="Calibri"/>
-              </a:rPr>
-              <a:t>📊</a:t>
-            </a:r>
-          </a:p>
-        </p:txBody>
-      </p:sp>
-      <p:sp>
-        <p:nvSpPr>
-          <p:cNvPr id="11" name="TextBox 10"/>
-          <p:cNvSpPr txBox="1"/>
-          <p:nvPr/>
-        </p:nvSpPr>
-        <p:spPr>
-          <a:xfrm>
-            <a:off x="5029200" y="987552"/>
-            <a:ext cx="3383280" cy="182880"/>
+              <a:rPr sz="800" b="1">
+                <a:solidFill>
+                  <a:srgbClr val="1E293B"/>
+                </a:solidFill>
+                <a:latin typeface="Calibri"/>
+              </a:rPr>
+              <a:t>Quartz glass recording</a:t>
+            </a:r>
+          </a:p>
+        </p:txBody>
+      </p:sp>
+      <p:sp>
+        <p:nvSpPr>
+          <p:cNvPr id="9" name="TextBox 8"/>
+          <p:cNvSpPr txBox="1"/>
+          <p:nvPr/>
+        </p:nvSpPr>
+        <p:spPr>
+          <a:xfrm>
+            <a:off x="932688" y="1225296"/>
+            <a:ext cx="3337560" cy="1170432"/>
           </a:xfrm>
           <a:prstGeom prst="rect">
             <a:avLst/>
@@ -4643,77 +4561,37 @@
               </a:spcAft>
             </a:pPr>
             <a:r>
-              <a:rPr sz="800" b="1">
-                <a:solidFill>
-                  <a:srgbClr val="1A1A2E"/>
-                </a:solidFill>
-                <a:latin typeface="Calibri"/>
-              </a:rPr>
-              <a:t>200+ use cases (organized by industry)</a:t>
-            </a:r>
-          </a:p>
-        </p:txBody>
-      </p:sp>
-      <p:sp>
-        <p:nvSpPr>
-          <p:cNvPr id="12" name="TextBox 11"/>
-          <p:cNvSpPr txBox="1"/>
-          <p:nvPr/>
-        </p:nvSpPr>
-        <p:spPr>
-          <a:xfrm>
-            <a:off x="5029200" y="1188720"/>
-            <a:ext cx="3383280" cy="1207008"/>
-          </a:xfrm>
-          <a:prstGeom prst="rect">
-            <a:avLst/>
-          </a:prstGeom>
-          <a:noFill/>
-        </p:spPr>
-        <p:txBody>
-          <a:bodyPr wrap="square"/>
-          <a:lstStyle/>
-          <a:p>
-            <a:pPr algn="l">
-              <a:spcBef>
-                <a:spcPts val="0"/>
-              </a:spcBef>
-              <a:spcAft>
-                <a:spcPts val="0"/>
-              </a:spcAft>
-            </a:pPr>
-            <a:r>
               <a:rPr sz="650" b="0">
                 <a:solidFill>
-                  <a:srgbClr val="555570"/>
-                </a:solidFill>
-                <a:latin typeface="Calibri"/>
-              </a:rPr>
-              <a:t>End-of-life, weddings, temples, schools, corporations, municipalities, NGOs, hotels, airlines. Ready for direct proposal integration.</a:t>
-            </a:r>
-          </a:p>
-        </p:txBody>
-      </p:sp>
-      <p:sp>
-        <p:nvSpPr>
-          <p:cNvPr id="13" name="Rectangle 12"/>
+                  <a:srgbClr val="475569"/>
+                </a:solidFill>
+                <a:latin typeface="Calibri"/>
+              </a:rPr>
+              <a:t>QR codes inscribed via metal deposition. Zero servers, zero power. SLA 100%, guaranteed 1,000 years. Readable by any smartphone camera.</a:t>
+            </a:r>
+          </a:p>
+        </p:txBody>
+      </p:sp>
+      <p:sp>
+        <p:nvSpPr>
+          <p:cNvPr id="10" name="Rectangle 9"/>
           <p:cNvSpPr/>
           <p:nvPr/>
         </p:nvSpPr>
         <p:spPr>
           <a:xfrm>
-            <a:off x="457200" y="2651760"/>
+            <a:off x="4617720" y="914400"/>
             <a:ext cx="3931920" cy="1554480"/>
           </a:xfrm>
           <a:prstGeom prst="rect">
             <a:avLst/>
           </a:prstGeom>
           <a:solidFill>
-            <a:srgbClr val="F8F9FB"/>
+            <a:srgbClr val="FFFFFF"/>
           </a:solidFill>
           <a:ln w="9525">
             <a:solidFill>
-              <a:srgbClr val="E2E5EB"/>
+              <a:srgbClr val="E2E8F0"/>
             </a:solidFill>
           </a:ln>
         </p:spPr>
@@ -4741,145 +4619,23 @@
       </p:sp>
       <p:sp>
         <p:nvSpPr>
-          <p:cNvPr id="14" name="TextBox 13"/>
-          <p:cNvSpPr txBox="1"/>
-          <p:nvPr/>
-        </p:nvSpPr>
-        <p:spPr>
-          <a:xfrm>
-            <a:off x="548640" y="2724912"/>
-            <a:ext cx="320040" cy="320040"/>
-          </a:xfrm>
-          <a:prstGeom prst="rect">
-            <a:avLst/>
-          </a:prstGeom>
-          <a:noFill/>
-        </p:spPr>
-        <p:txBody>
-          <a:bodyPr wrap="square"/>
-          <a:lstStyle/>
-          <a:p>
-            <a:pPr algn="l">
-              <a:spcBef>
-                <a:spcPts val="0"/>
-              </a:spcBef>
-              <a:spcAft>
-                <a:spcPts val="0"/>
-              </a:spcAft>
-            </a:pPr>
-            <a:r>
-              <a:rPr sz="1400" b="0">
-                <a:solidFill>
-                  <a:srgbClr val="1A1A2E"/>
-                </a:solidFill>
-                <a:latin typeface="Calibri"/>
-              </a:rPr>
-              <a:t>📝</a:t>
-            </a:r>
-          </a:p>
-        </p:txBody>
-      </p:sp>
-      <p:sp>
-        <p:nvSpPr>
-          <p:cNvPr id="15" name="TextBox 14"/>
-          <p:cNvSpPr txBox="1"/>
-          <p:nvPr/>
-        </p:nvSpPr>
-        <p:spPr>
-          <a:xfrm>
-            <a:off x="868680" y="2724912"/>
-            <a:ext cx="3383280" cy="182880"/>
-          </a:xfrm>
-          <a:prstGeom prst="rect">
-            <a:avLst/>
-          </a:prstGeom>
-          <a:noFill/>
-        </p:spPr>
-        <p:txBody>
-          <a:bodyPr wrap="square"/>
-          <a:lstStyle/>
-          <a:p>
-            <a:pPr algn="l">
-              <a:spcBef>
-                <a:spcPts val="0"/>
-              </a:spcBef>
-              <a:spcAft>
-                <a:spcPts val="0"/>
-              </a:spcAft>
-            </a:pPr>
-            <a:r>
-              <a:rPr sz="800" b="1">
-                <a:solidFill>
-                  <a:srgbClr val="1A1A2E"/>
-                </a:solidFill>
-                <a:latin typeface="Calibri"/>
-              </a:rPr>
-              <a:t>70+ philosophical essays (9 domains)</a:t>
-            </a:r>
-          </a:p>
-        </p:txBody>
-      </p:sp>
-      <p:sp>
-        <p:nvSpPr>
-          <p:cNvPr id="16" name="TextBox 15"/>
-          <p:cNvSpPr txBox="1"/>
-          <p:nvPr/>
-        </p:nvSpPr>
-        <p:spPr>
-          <a:xfrm>
-            <a:off x="868680" y="2926080"/>
-            <a:ext cx="3383280" cy="1207008"/>
-          </a:xfrm>
-          <a:prstGeom prst="rect">
-            <a:avLst/>
-          </a:prstGeom>
-          <a:noFill/>
-        </p:spPr>
-        <p:txBody>
-          <a:bodyPr wrap="square"/>
-          <a:lstStyle/>
-          <a:p>
-            <a:pPr algn="l">
-              <a:spcBef>
-                <a:spcPts val="0"/>
-              </a:spcBef>
-              <a:spcAft>
-                <a:spcPts val="0"/>
-              </a:spcAft>
-            </a:pPr>
-            <a:r>
-              <a:rPr sz="650" b="0">
-                <a:solidFill>
-                  <a:srgbClr val="555570"/>
-                </a:solidFill>
-                <a:latin typeface="Calibri"/>
-              </a:rPr>
-              <a:t>Proof of existence explored across psychology, religion, economics, AI, and space. Standalone intellectual content for client proposals.</a:t>
-            </a:r>
-          </a:p>
-        </p:txBody>
-      </p:sp>
-      <p:sp>
-        <p:nvSpPr>
-          <p:cNvPr id="17" name="Rectangle 16"/>
+          <p:cNvPr id="11" name="Oval 10"/>
           <p:cNvSpPr/>
           <p:nvPr/>
         </p:nvSpPr>
         <p:spPr>
           <a:xfrm>
-            <a:off x="4617720" y="2651760"/>
-            <a:ext cx="3931920" cy="1554480"/>
-          </a:xfrm>
-          <a:prstGeom prst="rect">
+            <a:off x="4727448" y="1024128"/>
+            <a:ext cx="292608" cy="292608"/>
+          </a:xfrm>
+          <a:prstGeom prst="ellipse">
             <a:avLst/>
           </a:prstGeom>
           <a:solidFill>
-            <a:srgbClr val="F8F9FB"/>
+            <a:srgbClr val="EFF6FF"/>
           </a:solidFill>
-          <a:ln w="9525">
-            <a:solidFill>
-              <a:srgbClr val="E2E5EB"/>
-            </a:solidFill>
+          <a:ln>
+            <a:noFill/>
           </a:ln>
         </p:spPr>
         <p:style>
@@ -4906,14 +4662,54 @@
       </p:sp>
       <p:sp>
         <p:nvSpPr>
-          <p:cNvPr id="18" name="TextBox 17"/>
-          <p:cNvSpPr txBox="1"/>
-          <p:nvPr/>
-        </p:nvSpPr>
-        <p:spPr>
-          <a:xfrm>
-            <a:off x="4709160" y="2724912"/>
-            <a:ext cx="320040" cy="320040"/>
+          <p:cNvPr id="12" name="TextBox 11"/>
+          <p:cNvSpPr txBox="1"/>
+          <p:nvPr/>
+        </p:nvSpPr>
+        <p:spPr>
+          <a:xfrm>
+            <a:off x="4727448" y="1024128"/>
+            <a:ext cx="292608" cy="292608"/>
+          </a:xfrm>
+          <a:prstGeom prst="rect">
+            <a:avLst/>
+          </a:prstGeom>
+          <a:noFill/>
+        </p:spPr>
+        <p:txBody>
+          <a:bodyPr wrap="square" anchor="ctr"/>
+          <a:lstStyle/>
+          <a:p>
+            <a:pPr algn="ctr">
+              <a:spcBef>
+                <a:spcPts val="0"/>
+              </a:spcBef>
+              <a:spcAft>
+                <a:spcPts val="0"/>
+              </a:spcAft>
+            </a:pPr>
+            <a:r>
+              <a:rPr sz="900" b="1">
+                <a:solidFill>
+                  <a:srgbClr val="2563EB"/>
+                </a:solidFill>
+                <a:latin typeface="Calibri"/>
+              </a:rPr>
+              <a:t>U</a:t>
+            </a:r>
+          </a:p>
+        </p:txBody>
+      </p:sp>
+      <p:sp>
+        <p:nvSpPr>
+          <p:cNvPr id="13" name="TextBox 12"/>
+          <p:cNvSpPr txBox="1"/>
+          <p:nvPr/>
+        </p:nvSpPr>
+        <p:spPr>
+          <a:xfrm>
+            <a:off x="5093208" y="1024128"/>
+            <a:ext cx="3337560" cy="182880"/>
           </a:xfrm>
           <a:prstGeom prst="rect">
             <a:avLst/>
@@ -4933,27 +4729,27 @@
               </a:spcAft>
             </a:pPr>
             <a:r>
-              <a:rPr sz="1400" b="0">
-                <a:solidFill>
-                  <a:srgbClr val="1A1A2E"/>
-                </a:solidFill>
-                <a:latin typeface="Calibri"/>
-              </a:rPr>
-              <a:t>🐾</a:t>
-            </a:r>
-          </a:p>
-        </p:txBody>
-      </p:sp>
-      <p:sp>
-        <p:nvSpPr>
-          <p:cNvPr id="19" name="TextBox 18"/>
-          <p:cNvSpPr txBox="1"/>
-          <p:nvPr/>
-        </p:nvSpPr>
-        <p:spPr>
-          <a:xfrm>
-            <a:off x="5029200" y="2724912"/>
-            <a:ext cx="3383280" cy="182880"/>
+              <a:rPr sz="800" b="1">
+                <a:solidFill>
+                  <a:srgbClr val="1E293B"/>
+                </a:solidFill>
+                <a:latin typeface="Calibri"/>
+              </a:rPr>
+              <a:t>200+ use cases (organized by industry)</a:t>
+            </a:r>
+          </a:p>
+        </p:txBody>
+      </p:sp>
+      <p:sp>
+        <p:nvSpPr>
+          <p:cNvPr id="14" name="TextBox 13"/>
+          <p:cNvSpPr txBox="1"/>
+          <p:nvPr/>
+        </p:nvSpPr>
+        <p:spPr>
+          <a:xfrm>
+            <a:off x="5093208" y="1225296"/>
+            <a:ext cx="3337560" cy="1170432"/>
           </a:xfrm>
           <a:prstGeom prst="rect">
             <a:avLst/>
@@ -4973,76 +4769,38 @@
               </a:spcAft>
             </a:pPr>
             <a:r>
-              <a:rPr sz="800" b="1">
-                <a:solidFill>
-                  <a:srgbClr val="1A1A2E"/>
-                </a:solidFill>
-                <a:latin typeface="Calibri"/>
-              </a:rPr>
-              <a:t>Pearl Soap + Ambassador network</a:t>
-            </a:r>
-          </a:p>
-        </p:txBody>
-      </p:sp>
-      <p:sp>
-        <p:nvSpPr>
-          <p:cNvPr id="20" name="TextBox 19"/>
-          <p:cNvSpPr txBox="1"/>
-          <p:nvPr/>
-        </p:nvSpPr>
-        <p:spPr>
-          <a:xfrm>
-            <a:off x="5029200" y="2926080"/>
-            <a:ext cx="3383280" cy="1207008"/>
-          </a:xfrm>
-          <a:prstGeom prst="rect">
-            <a:avLst/>
-          </a:prstGeom>
-          <a:noFill/>
-        </p:spPr>
-        <p:txBody>
-          <a:bodyPr wrap="square"/>
-          <a:lstStyle/>
-          <a:p>
-            <a:pPr algn="l">
-              <a:spcBef>
-                <a:spcPts val="0"/>
-              </a:spcBef>
-              <a:spcAft>
-                <a:spcPts val="0"/>
-              </a:spcAft>
-            </a:pPr>
-            <a:r>
               <a:rPr sz="650" b="0">
                 <a:solidFill>
-                  <a:srgbClr val="555570"/>
-                </a:solidFill>
-                <a:latin typeface="Calibri"/>
-              </a:rPr>
-              <a:t>A gift-economy practice and decentralized workshop network ready to scale nationwide. Direct end-user touchpoint.</a:t>
-            </a:r>
-          </a:p>
-        </p:txBody>
-      </p:sp>
-      <p:sp>
-        <p:nvSpPr>
-          <p:cNvPr id="21" name="Rectangle 20"/>
+                  <a:srgbClr val="475569"/>
+                </a:solidFill>
+                <a:latin typeface="Calibri"/>
+              </a:rPr>
+              <a:t>End-of-life, weddings, temples, schools, corporations, municipalities, NGOs, hotels, airlines. Ready for direct proposal integration.</a:t>
+            </a:r>
+          </a:p>
+        </p:txBody>
+      </p:sp>
+      <p:sp>
+        <p:nvSpPr>
+          <p:cNvPr id="15" name="Rectangle 14"/>
           <p:cNvSpPr/>
           <p:nvPr/>
         </p:nvSpPr>
         <p:spPr>
           <a:xfrm>
-            <a:off x="0" y="4823460"/>
-            <a:ext cx="9144000" cy="6350"/>
+            <a:off x="457200" y="2651760"/>
+            <a:ext cx="3931920" cy="1554480"/>
           </a:xfrm>
           <a:prstGeom prst="rect">
             <a:avLst/>
           </a:prstGeom>
           <a:solidFill>
-            <a:srgbClr val="E2E5EB"/>
+            <a:srgbClr val="FFFFFF"/>
           </a:solidFill>
-          <a:ln>
-            <a:noFill/>
+          <a:ln w="9525">
+            <a:solidFill>
+              <a:srgbClr val="E2E8F0"/>
+            </a:solidFill>
           </a:ln>
         </p:spPr>
         <p:style>
@@ -5069,7 +4827,421 @@
       </p:sp>
       <p:sp>
         <p:nvSpPr>
+          <p:cNvPr id="16" name="Oval 15"/>
+          <p:cNvSpPr/>
+          <p:nvPr/>
+        </p:nvSpPr>
+        <p:spPr>
+          <a:xfrm>
+            <a:off x="566928" y="2761488"/>
+            <a:ext cx="292608" cy="292608"/>
+          </a:xfrm>
+          <a:prstGeom prst="ellipse">
+            <a:avLst/>
+          </a:prstGeom>
+          <a:solidFill>
+            <a:srgbClr val="EFF6FF"/>
+          </a:solidFill>
+          <a:ln>
+            <a:noFill/>
+          </a:ln>
+        </p:spPr>
+        <p:style>
+          <a:lnRef idx="1">
+            <a:schemeClr val="accent1"/>
+          </a:lnRef>
+          <a:fillRef idx="3">
+            <a:schemeClr val="accent1"/>
+          </a:fillRef>
+          <a:effectRef idx="2">
+            <a:schemeClr val="accent1"/>
+          </a:effectRef>
+          <a:fontRef idx="minor">
+            <a:schemeClr val="lt1"/>
+          </a:fontRef>
+        </p:style>
+        <p:txBody>
+          <a:bodyPr rtlCol="0" anchor="ctr"/>
+          <a:lstStyle/>
+          <a:p>
+            <a:pPr algn="ctr"/>
+          </a:p>
+        </p:txBody>
+      </p:sp>
+      <p:sp>
+        <p:nvSpPr>
+          <p:cNvPr id="17" name="TextBox 16"/>
+          <p:cNvSpPr txBox="1"/>
+          <p:nvPr/>
+        </p:nvSpPr>
+        <p:spPr>
+          <a:xfrm>
+            <a:off x="566928" y="2761488"/>
+            <a:ext cx="292608" cy="292608"/>
+          </a:xfrm>
+          <a:prstGeom prst="rect">
+            <a:avLst/>
+          </a:prstGeom>
+          <a:noFill/>
+        </p:spPr>
+        <p:txBody>
+          <a:bodyPr wrap="square" anchor="ctr"/>
+          <a:lstStyle/>
+          <a:p>
+            <a:pPr algn="ctr">
+              <a:spcBef>
+                <a:spcPts val="0"/>
+              </a:spcBef>
+              <a:spcAft>
+                <a:spcPts val="0"/>
+              </a:spcAft>
+            </a:pPr>
+            <a:r>
+              <a:rPr sz="900" b="1">
+                <a:solidFill>
+                  <a:srgbClr val="2563EB"/>
+                </a:solidFill>
+                <a:latin typeface="Calibri"/>
+              </a:rPr>
+              <a:t>E</a:t>
+            </a:r>
+          </a:p>
+        </p:txBody>
+      </p:sp>
+      <p:sp>
+        <p:nvSpPr>
+          <p:cNvPr id="18" name="TextBox 17"/>
+          <p:cNvSpPr txBox="1"/>
+          <p:nvPr/>
+        </p:nvSpPr>
+        <p:spPr>
+          <a:xfrm>
+            <a:off x="932688" y="2761488"/>
+            <a:ext cx="3337560" cy="182880"/>
+          </a:xfrm>
+          <a:prstGeom prst="rect">
+            <a:avLst/>
+          </a:prstGeom>
+          <a:noFill/>
+        </p:spPr>
+        <p:txBody>
+          <a:bodyPr wrap="square"/>
+          <a:lstStyle/>
+          <a:p>
+            <a:pPr algn="l">
+              <a:spcBef>
+                <a:spcPts val="0"/>
+              </a:spcBef>
+              <a:spcAft>
+                <a:spcPts val="0"/>
+              </a:spcAft>
+            </a:pPr>
+            <a:r>
+              <a:rPr sz="800" b="1">
+                <a:solidFill>
+                  <a:srgbClr val="1E293B"/>
+                </a:solidFill>
+                <a:latin typeface="Calibri"/>
+              </a:rPr>
+              <a:t>70+ philosophical essays (9 domains)</a:t>
+            </a:r>
+          </a:p>
+        </p:txBody>
+      </p:sp>
+      <p:sp>
+        <p:nvSpPr>
+          <p:cNvPr id="19" name="TextBox 18"/>
+          <p:cNvSpPr txBox="1"/>
+          <p:nvPr/>
+        </p:nvSpPr>
+        <p:spPr>
+          <a:xfrm>
+            <a:off x="932688" y="2962656"/>
+            <a:ext cx="3337560" cy="1170432"/>
+          </a:xfrm>
+          <a:prstGeom prst="rect">
+            <a:avLst/>
+          </a:prstGeom>
+          <a:noFill/>
+        </p:spPr>
+        <p:txBody>
+          <a:bodyPr wrap="square"/>
+          <a:lstStyle/>
+          <a:p>
+            <a:pPr algn="l">
+              <a:spcBef>
+                <a:spcPts val="0"/>
+              </a:spcBef>
+              <a:spcAft>
+                <a:spcPts val="0"/>
+              </a:spcAft>
+            </a:pPr>
+            <a:r>
+              <a:rPr sz="650" b="0">
+                <a:solidFill>
+                  <a:srgbClr val="475569"/>
+                </a:solidFill>
+                <a:latin typeface="Calibri"/>
+              </a:rPr>
+              <a:t>Proof of existence explored across psychology, religion, economics, AI, and space. Standalone intellectual content for client proposals.</a:t>
+            </a:r>
+          </a:p>
+        </p:txBody>
+      </p:sp>
+      <p:sp>
+        <p:nvSpPr>
+          <p:cNvPr id="20" name="Rectangle 19"/>
+          <p:cNvSpPr/>
+          <p:nvPr/>
+        </p:nvSpPr>
+        <p:spPr>
+          <a:xfrm>
+            <a:off x="4617720" y="2651760"/>
+            <a:ext cx="3931920" cy="1554480"/>
+          </a:xfrm>
+          <a:prstGeom prst="rect">
+            <a:avLst/>
+          </a:prstGeom>
+          <a:solidFill>
+            <a:srgbClr val="FFFFFF"/>
+          </a:solidFill>
+          <a:ln w="9525">
+            <a:solidFill>
+              <a:srgbClr val="E2E8F0"/>
+            </a:solidFill>
+          </a:ln>
+        </p:spPr>
+        <p:style>
+          <a:lnRef idx="1">
+            <a:schemeClr val="accent1"/>
+          </a:lnRef>
+          <a:fillRef idx="3">
+            <a:schemeClr val="accent1"/>
+          </a:fillRef>
+          <a:effectRef idx="2">
+            <a:schemeClr val="accent1"/>
+          </a:effectRef>
+          <a:fontRef idx="minor">
+            <a:schemeClr val="lt1"/>
+          </a:fontRef>
+        </p:style>
+        <p:txBody>
+          <a:bodyPr rtlCol="0" anchor="ctr"/>
+          <a:lstStyle/>
+          <a:p>
+            <a:pPr algn="ctr"/>
+          </a:p>
+        </p:txBody>
+      </p:sp>
+      <p:sp>
+        <p:nvSpPr>
+          <p:cNvPr id="21" name="Oval 20"/>
+          <p:cNvSpPr/>
+          <p:nvPr/>
+        </p:nvSpPr>
+        <p:spPr>
+          <a:xfrm>
+            <a:off x="4727448" y="2761488"/>
+            <a:ext cx="292608" cy="292608"/>
+          </a:xfrm>
+          <a:prstGeom prst="ellipse">
+            <a:avLst/>
+          </a:prstGeom>
+          <a:solidFill>
+            <a:srgbClr val="EFF6FF"/>
+          </a:solidFill>
+          <a:ln>
+            <a:noFill/>
+          </a:ln>
+        </p:spPr>
+        <p:style>
+          <a:lnRef idx="1">
+            <a:schemeClr val="accent1"/>
+          </a:lnRef>
+          <a:fillRef idx="3">
+            <a:schemeClr val="accent1"/>
+          </a:fillRef>
+          <a:effectRef idx="2">
+            <a:schemeClr val="accent1"/>
+          </a:effectRef>
+          <a:fontRef idx="minor">
+            <a:schemeClr val="lt1"/>
+          </a:fontRef>
+        </p:style>
+        <p:txBody>
+          <a:bodyPr rtlCol="0" anchor="ctr"/>
+          <a:lstStyle/>
+          <a:p>
+            <a:pPr algn="ctr"/>
+          </a:p>
+        </p:txBody>
+      </p:sp>
+      <p:sp>
+        <p:nvSpPr>
           <p:cNvPr id="22" name="TextBox 21"/>
+          <p:cNvSpPr txBox="1"/>
+          <p:nvPr/>
+        </p:nvSpPr>
+        <p:spPr>
+          <a:xfrm>
+            <a:off x="4727448" y="2761488"/>
+            <a:ext cx="292608" cy="292608"/>
+          </a:xfrm>
+          <a:prstGeom prst="rect">
+            <a:avLst/>
+          </a:prstGeom>
+          <a:noFill/>
+        </p:spPr>
+        <p:txBody>
+          <a:bodyPr wrap="square" anchor="ctr"/>
+          <a:lstStyle/>
+          <a:p>
+            <a:pPr algn="ctr">
+              <a:spcBef>
+                <a:spcPts val="0"/>
+              </a:spcBef>
+              <a:spcAft>
+                <a:spcPts val="0"/>
+              </a:spcAft>
+            </a:pPr>
+            <a:r>
+              <a:rPr sz="900" b="1">
+                <a:solidFill>
+                  <a:srgbClr val="2563EB"/>
+                </a:solidFill>
+                <a:latin typeface="Calibri"/>
+              </a:rPr>
+              <a:t>A</a:t>
+            </a:r>
+          </a:p>
+        </p:txBody>
+      </p:sp>
+      <p:sp>
+        <p:nvSpPr>
+          <p:cNvPr id="23" name="TextBox 22"/>
+          <p:cNvSpPr txBox="1"/>
+          <p:nvPr/>
+        </p:nvSpPr>
+        <p:spPr>
+          <a:xfrm>
+            <a:off x="5093208" y="2761488"/>
+            <a:ext cx="3337560" cy="182880"/>
+          </a:xfrm>
+          <a:prstGeom prst="rect">
+            <a:avLst/>
+          </a:prstGeom>
+          <a:noFill/>
+        </p:spPr>
+        <p:txBody>
+          <a:bodyPr wrap="square"/>
+          <a:lstStyle/>
+          <a:p>
+            <a:pPr algn="l">
+              <a:spcBef>
+                <a:spcPts val="0"/>
+              </a:spcBef>
+              <a:spcAft>
+                <a:spcPts val="0"/>
+              </a:spcAft>
+            </a:pPr>
+            <a:r>
+              <a:rPr sz="800" b="1">
+                <a:solidFill>
+                  <a:srgbClr val="1E293B"/>
+                </a:solidFill>
+                <a:latin typeface="Calibri"/>
+              </a:rPr>
+              <a:t>Pearl Soap + Ambassador network</a:t>
+            </a:r>
+          </a:p>
+        </p:txBody>
+      </p:sp>
+      <p:sp>
+        <p:nvSpPr>
+          <p:cNvPr id="24" name="TextBox 23"/>
+          <p:cNvSpPr txBox="1"/>
+          <p:nvPr/>
+        </p:nvSpPr>
+        <p:spPr>
+          <a:xfrm>
+            <a:off x="5093208" y="2962656"/>
+            <a:ext cx="3337560" cy="1170432"/>
+          </a:xfrm>
+          <a:prstGeom prst="rect">
+            <a:avLst/>
+          </a:prstGeom>
+          <a:noFill/>
+        </p:spPr>
+        <p:txBody>
+          <a:bodyPr wrap="square"/>
+          <a:lstStyle/>
+          <a:p>
+            <a:pPr algn="l">
+              <a:spcBef>
+                <a:spcPts val="0"/>
+              </a:spcBef>
+              <a:spcAft>
+                <a:spcPts val="0"/>
+              </a:spcAft>
+            </a:pPr>
+            <a:r>
+              <a:rPr sz="650" b="0">
+                <a:solidFill>
+                  <a:srgbClr val="475569"/>
+                </a:solidFill>
+                <a:latin typeface="Calibri"/>
+              </a:rPr>
+              <a:t>A gift-economy practice and decentralized workshop network ready to scale nationwide. Direct end-user touchpoint.</a:t>
+            </a:r>
+          </a:p>
+        </p:txBody>
+      </p:sp>
+      <p:sp>
+        <p:nvSpPr>
+          <p:cNvPr id="25" name="Rectangle 24"/>
+          <p:cNvSpPr/>
+          <p:nvPr/>
+        </p:nvSpPr>
+        <p:spPr>
+          <a:xfrm>
+            <a:off x="0" y="4823460"/>
+            <a:ext cx="9144000" cy="6350"/>
+          </a:xfrm>
+          <a:prstGeom prst="rect">
+            <a:avLst/>
+          </a:prstGeom>
+          <a:solidFill>
+            <a:srgbClr val="E2E8F0"/>
+          </a:solidFill>
+          <a:ln>
+            <a:noFill/>
+          </a:ln>
+        </p:spPr>
+        <p:style>
+          <a:lnRef idx="1">
+            <a:schemeClr val="accent1"/>
+          </a:lnRef>
+          <a:fillRef idx="3">
+            <a:schemeClr val="accent1"/>
+          </a:fillRef>
+          <a:effectRef idx="2">
+            <a:schemeClr val="accent1"/>
+          </a:effectRef>
+          <a:fontRef idx="minor">
+            <a:schemeClr val="lt1"/>
+          </a:fontRef>
+        </p:style>
+        <p:txBody>
+          <a:bodyPr rtlCol="0" anchor="ctr"/>
+          <a:lstStyle/>
+          <a:p>
+            <a:pPr algn="ctr"/>
+          </a:p>
+        </p:txBody>
+      </p:sp>
+      <p:sp>
+        <p:nvSpPr>
+          <p:cNvPr id="26" name="TextBox 25"/>
           <p:cNvSpPr txBox="1"/>
           <p:nvPr/>
         </p:nvSpPr>
@@ -5098,7 +5270,7 @@
             <a:r>
               <a:rPr sz="650" b="0">
                 <a:solidFill>
-                  <a:srgbClr val="9999AA"/>
+                  <a:srgbClr val="94A3B8"/>
                 </a:solidFill>
                 <a:latin typeface="Calibri"/>
               </a:rPr>
@@ -5109,7 +5281,7 @@
       </p:sp>
       <p:sp>
         <p:nvSpPr>
-          <p:cNvPr id="23" name="TextBox 22"/>
+          <p:cNvPr id="27" name="TextBox 26"/>
           <p:cNvSpPr txBox="1"/>
           <p:nvPr/>
         </p:nvSpPr>
@@ -5138,7 +5310,7 @@
             <a:r>
               <a:rPr sz="650" b="0">
                 <a:solidFill>
-                  <a:srgbClr val="9999AA"/>
+                  <a:srgbClr val="94A3B8"/>
                 </a:solidFill>
                 <a:latin typeface="Calibri"/>
               </a:rPr>
@@ -5149,7 +5321,7 @@
       </p:sp>
       <p:sp>
         <p:nvSpPr>
-          <p:cNvPr id="24" name="TextBox 23"/>
+          <p:cNvPr id="28" name="TextBox 27"/>
           <p:cNvSpPr txBox="1"/>
           <p:nvPr/>
         </p:nvSpPr>
@@ -5178,7 +5350,7 @@
             <a:r>
               <a:rPr sz="650" b="1">
                 <a:solidFill>
-                  <a:srgbClr val="9999AA"/>
+                  <a:srgbClr val="94A3B8"/>
                 </a:solidFill>
                 <a:latin typeface="Calibri"/>
               </a:rPr>
@@ -5220,7 +5392,7 @@
             <a:avLst/>
           </a:prstGeom>
           <a:solidFill>
-            <a:srgbClr val="0A1628"/>
+            <a:srgbClr val="1E293B"/>
           </a:solidFill>
           <a:ln>
             <a:noFill/>
@@ -5319,7 +5491,7 @@
             <a:r>
               <a:rPr sz="700" b="1">
                 <a:solidFill>
-                  <a:srgbClr val="1E6FD9"/>
+                  <a:srgbClr val="2563EB"/>
                 </a:solidFill>
                 <a:latin typeface="Calibri"/>
               </a:rPr>
@@ -5343,11 +5515,11 @@
             <a:avLst/>
           </a:prstGeom>
           <a:solidFill>
-            <a:srgbClr val="0A1628"/>
+            <a:srgbClr val="1E293B"/>
           </a:solidFill>
           <a:ln w="6350">
             <a:solidFill>
-              <a:srgbClr val="E2E5EB"/>
+              <a:srgbClr val="E2E8F0"/>
             </a:solidFill>
           </a:ln>
         </p:spPr>
@@ -5428,11 +5600,11 @@
             <a:avLst/>
           </a:prstGeom>
           <a:solidFill>
-            <a:srgbClr val="0A1628"/>
+            <a:srgbClr val="1E293B"/>
           </a:solidFill>
           <a:ln w="6350">
             <a:solidFill>
-              <a:srgbClr val="E2E5EB"/>
+              <a:srgbClr val="E2E8F0"/>
             </a:solidFill>
           </a:ln>
         </p:spPr>
@@ -5513,11 +5685,11 @@
             <a:avLst/>
           </a:prstGeom>
           <a:solidFill>
-            <a:srgbClr val="0A1628"/>
+            <a:srgbClr val="1E293B"/>
           </a:solidFill>
           <a:ln w="6350">
             <a:solidFill>
-              <a:srgbClr val="E2E5EB"/>
+              <a:srgbClr val="E2E8F0"/>
             </a:solidFill>
           </a:ln>
         </p:spPr>
@@ -5598,11 +5770,11 @@
             <a:avLst/>
           </a:prstGeom>
           <a:solidFill>
-            <a:srgbClr val="F8F9FB"/>
+            <a:srgbClr val="F1F5F9"/>
           </a:solidFill>
           <a:ln w="6350">
             <a:solidFill>
-              <a:srgbClr val="E2E5EB"/>
+              <a:srgbClr val="E2E8F0"/>
             </a:solidFill>
           </a:ln>
         </p:spPr>
@@ -5659,7 +5831,7 @@
             <a:r>
               <a:rPr sz="700" b="1">
                 <a:solidFill>
-                  <a:srgbClr val="1A1A2E"/>
+                  <a:srgbClr val="1E293B"/>
                 </a:solidFill>
                 <a:latin typeface="Calibri"/>
               </a:rPr>
@@ -5682,10 +5854,12 @@
           <a:prstGeom prst="rect">
             <a:avLst/>
           </a:prstGeom>
-          <a:noFill/>
+          <a:solidFill>
+            <a:srgbClr val="FFFFFF"/>
+          </a:solidFill>
           <a:ln w="6350">
             <a:solidFill>
-              <a:srgbClr val="E2E5EB"/>
+              <a:srgbClr val="E2E8F0"/>
             </a:solidFill>
           </a:ln>
         </p:spPr>
@@ -5742,7 +5916,7 @@
             <a:r>
               <a:rPr sz="700" b="0">
                 <a:solidFill>
-                  <a:srgbClr val="555570"/>
+                  <a:srgbClr val="475569"/>
                 </a:solidFill>
                 <a:latin typeface="Calibri"/>
               </a:rPr>
@@ -5766,11 +5940,11 @@
             <a:avLst/>
           </a:prstGeom>
           <a:solidFill>
-            <a:srgbClr val="F0F7FF"/>
+            <a:srgbClr val="EFF6FF"/>
           </a:solidFill>
           <a:ln w="6350">
             <a:solidFill>
-              <a:srgbClr val="E2E5EB"/>
+              <a:srgbClr val="E2E8F0"/>
             </a:solidFill>
           </a:ln>
         </p:spPr>
@@ -5827,7 +6001,7 @@
             <a:r>
               <a:rPr sz="700" b="0">
                 <a:solidFill>
-                  <a:srgbClr val="1E6FD9"/>
+                  <a:srgbClr val="1D4ED8"/>
                 </a:solidFill>
                 <a:latin typeface="Calibri"/>
               </a:rPr>
@@ -5851,11 +6025,11 @@
             <a:avLst/>
           </a:prstGeom>
           <a:solidFill>
-            <a:srgbClr val="F8F9FB"/>
+            <a:srgbClr val="F1F5F9"/>
           </a:solidFill>
           <a:ln w="6350">
             <a:solidFill>
-              <a:srgbClr val="E2E5EB"/>
+              <a:srgbClr val="E2E8F0"/>
             </a:solidFill>
           </a:ln>
         </p:spPr>
@@ -5912,7 +6086,7 @@
             <a:r>
               <a:rPr sz="700" b="1">
                 <a:solidFill>
-                  <a:srgbClr val="1A1A2E"/>
+                  <a:srgbClr val="1E293B"/>
                 </a:solidFill>
                 <a:latin typeface="Calibri"/>
               </a:rPr>
@@ -5935,10 +6109,12 @@
           <a:prstGeom prst="rect">
             <a:avLst/>
           </a:prstGeom>
-          <a:noFill/>
+          <a:solidFill>
+            <a:srgbClr val="FFFFFF"/>
+          </a:solidFill>
           <a:ln w="6350">
             <a:solidFill>
-              <a:srgbClr val="E2E5EB"/>
+              <a:srgbClr val="E2E8F0"/>
             </a:solidFill>
           </a:ln>
         </p:spPr>
@@ -5995,7 +6171,7 @@
             <a:r>
               <a:rPr sz="700" b="0">
                 <a:solidFill>
-                  <a:srgbClr val="555570"/>
+                  <a:srgbClr val="475569"/>
                 </a:solidFill>
                 <a:latin typeface="Calibri"/>
               </a:rPr>
@@ -6019,11 +6195,11 @@
             <a:avLst/>
           </a:prstGeom>
           <a:solidFill>
-            <a:srgbClr val="F0F7FF"/>
+            <a:srgbClr val="EFF6FF"/>
           </a:solidFill>
           <a:ln w="6350">
             <a:solidFill>
-              <a:srgbClr val="E2E5EB"/>
+              <a:srgbClr val="E2E8F0"/>
             </a:solidFill>
           </a:ln>
         </p:spPr>
@@ -6080,7 +6256,7 @@
             <a:r>
               <a:rPr sz="700" b="0">
                 <a:solidFill>
-                  <a:srgbClr val="1E6FD9"/>
+                  <a:srgbClr val="1D4ED8"/>
                 </a:solidFill>
                 <a:latin typeface="Calibri"/>
               </a:rPr>
@@ -6104,11 +6280,11 @@
             <a:avLst/>
           </a:prstGeom>
           <a:solidFill>
-            <a:srgbClr val="F8F9FB"/>
+            <a:srgbClr val="F1F5F9"/>
           </a:solidFill>
           <a:ln w="6350">
             <a:solidFill>
-              <a:srgbClr val="E2E5EB"/>
+              <a:srgbClr val="E2E8F0"/>
             </a:solidFill>
           </a:ln>
         </p:spPr>
@@ -6165,7 +6341,7 @@
             <a:r>
               <a:rPr sz="700" b="1">
                 <a:solidFill>
-                  <a:srgbClr val="1A1A2E"/>
+                  <a:srgbClr val="1E293B"/>
                 </a:solidFill>
                 <a:latin typeface="Calibri"/>
               </a:rPr>
@@ -6188,10 +6364,12 @@
           <a:prstGeom prst="rect">
             <a:avLst/>
           </a:prstGeom>
-          <a:noFill/>
+          <a:solidFill>
+            <a:srgbClr val="FFFFFF"/>
+          </a:solidFill>
           <a:ln w="6350">
             <a:solidFill>
-              <a:srgbClr val="E2E5EB"/>
+              <a:srgbClr val="E2E8F0"/>
             </a:solidFill>
           </a:ln>
         </p:spPr>
@@ -6248,7 +6426,7 @@
             <a:r>
               <a:rPr sz="700" b="0">
                 <a:solidFill>
-                  <a:srgbClr val="555570"/>
+                  <a:srgbClr val="475569"/>
                 </a:solidFill>
                 <a:latin typeface="Calibri"/>
               </a:rPr>
@@ -6272,11 +6450,11 @@
             <a:avLst/>
           </a:prstGeom>
           <a:solidFill>
-            <a:srgbClr val="F0F7FF"/>
+            <a:srgbClr val="EFF6FF"/>
           </a:solidFill>
           <a:ln w="6350">
             <a:solidFill>
-              <a:srgbClr val="E2E5EB"/>
+              <a:srgbClr val="E2E8F0"/>
             </a:solidFill>
           </a:ln>
         </p:spPr>
@@ -6333,7 +6511,7 @@
             <a:r>
               <a:rPr sz="700" b="0">
                 <a:solidFill>
-                  <a:srgbClr val="1E6FD9"/>
+                  <a:srgbClr val="1D4ED8"/>
                 </a:solidFill>
                 <a:latin typeface="Calibri"/>
               </a:rPr>
@@ -6357,11 +6535,11 @@
             <a:avLst/>
           </a:prstGeom>
           <a:solidFill>
-            <a:srgbClr val="F8F9FB"/>
+            <a:srgbClr val="F1F5F9"/>
           </a:solidFill>
           <a:ln w="6350">
             <a:solidFill>
-              <a:srgbClr val="E2E5EB"/>
+              <a:srgbClr val="E2E8F0"/>
             </a:solidFill>
           </a:ln>
         </p:spPr>
@@ -6418,7 +6596,7 @@
             <a:r>
               <a:rPr sz="700" b="1">
                 <a:solidFill>
-                  <a:srgbClr val="1A1A2E"/>
+                  <a:srgbClr val="1E293B"/>
                 </a:solidFill>
                 <a:latin typeface="Calibri"/>
               </a:rPr>
@@ -6441,10 +6619,12 @@
           <a:prstGeom prst="rect">
             <a:avLst/>
           </a:prstGeom>
-          <a:noFill/>
+          <a:solidFill>
+            <a:srgbClr val="FFFFFF"/>
+          </a:solidFill>
           <a:ln w="6350">
             <a:solidFill>
-              <a:srgbClr val="E2E5EB"/>
+              <a:srgbClr val="E2E8F0"/>
             </a:solidFill>
           </a:ln>
         </p:spPr>
@@ -6501,7 +6681,7 @@
             <a:r>
               <a:rPr sz="700" b="0">
                 <a:solidFill>
-                  <a:srgbClr val="555570"/>
+                  <a:srgbClr val="475569"/>
                 </a:solidFill>
                 <a:latin typeface="Calibri"/>
               </a:rPr>
@@ -6525,11 +6705,11 @@
             <a:avLst/>
           </a:prstGeom>
           <a:solidFill>
-            <a:srgbClr val="F0F7FF"/>
+            <a:srgbClr val="EFF6FF"/>
           </a:solidFill>
           <a:ln w="6350">
             <a:solidFill>
-              <a:srgbClr val="E2E5EB"/>
+              <a:srgbClr val="E2E8F0"/>
             </a:solidFill>
           </a:ln>
         </p:spPr>
@@ -6586,7 +6766,7 @@
             <a:r>
               <a:rPr sz="700" b="0">
                 <a:solidFill>
-                  <a:srgbClr val="1E6FD9"/>
+                  <a:srgbClr val="1D4ED8"/>
                 </a:solidFill>
                 <a:latin typeface="Calibri"/>
               </a:rPr>
@@ -6610,11 +6790,11 @@
             <a:avLst/>
           </a:prstGeom>
           <a:solidFill>
-            <a:srgbClr val="F8F9FB"/>
+            <a:srgbClr val="F1F5F9"/>
           </a:solidFill>
           <a:ln w="6350">
             <a:solidFill>
-              <a:srgbClr val="E2E5EB"/>
+              <a:srgbClr val="E2E8F0"/>
             </a:solidFill>
           </a:ln>
         </p:spPr>
@@ -6671,7 +6851,7 @@
             <a:r>
               <a:rPr sz="700" b="1">
                 <a:solidFill>
-                  <a:srgbClr val="1A1A2E"/>
+                  <a:srgbClr val="1E293B"/>
                 </a:solidFill>
                 <a:latin typeface="Calibri"/>
               </a:rPr>
@@ -6694,10 +6874,12 @@
           <a:prstGeom prst="rect">
             <a:avLst/>
           </a:prstGeom>
-          <a:noFill/>
+          <a:solidFill>
+            <a:srgbClr val="FFFFFF"/>
+          </a:solidFill>
           <a:ln w="6350">
             <a:solidFill>
-              <a:srgbClr val="E2E5EB"/>
+              <a:srgbClr val="E2E8F0"/>
             </a:solidFill>
           </a:ln>
         </p:spPr>
@@ -6754,7 +6936,7 @@
             <a:r>
               <a:rPr sz="700" b="0">
                 <a:solidFill>
-                  <a:srgbClr val="555570"/>
+                  <a:srgbClr val="475569"/>
                 </a:solidFill>
                 <a:latin typeface="Calibri"/>
               </a:rPr>
@@ -6778,11 +6960,11 @@
             <a:avLst/>
           </a:prstGeom>
           <a:solidFill>
-            <a:srgbClr val="F0F7FF"/>
+            <a:srgbClr val="EFF6FF"/>
           </a:solidFill>
           <a:ln w="6350">
             <a:solidFill>
-              <a:srgbClr val="E2E5EB"/>
+              <a:srgbClr val="E2E8F0"/>
             </a:solidFill>
           </a:ln>
         </p:spPr>
@@ -6839,7 +7021,7 @@
             <a:r>
               <a:rPr sz="700" b="0">
                 <a:solidFill>
-                  <a:srgbClr val="1E6FD9"/>
+                  <a:srgbClr val="1D4ED8"/>
                 </a:solidFill>
                 <a:latin typeface="Calibri"/>
               </a:rPr>
@@ -6863,11 +7045,11 @@
             <a:avLst/>
           </a:prstGeom>
           <a:solidFill>
-            <a:srgbClr val="F8F9FB"/>
+            <a:srgbClr val="F1F5F9"/>
           </a:solidFill>
           <a:ln w="6350">
             <a:solidFill>
-              <a:srgbClr val="E2E5EB"/>
+              <a:srgbClr val="E2E8F0"/>
             </a:solidFill>
           </a:ln>
         </p:spPr>
@@ -6924,7 +7106,7 @@
             <a:r>
               <a:rPr sz="700" b="1">
                 <a:solidFill>
-                  <a:srgbClr val="1A1A2E"/>
+                  <a:srgbClr val="1E293B"/>
                 </a:solidFill>
                 <a:latin typeface="Calibri"/>
               </a:rPr>
@@ -6947,10 +7129,12 @@
           <a:prstGeom prst="rect">
             <a:avLst/>
           </a:prstGeom>
-          <a:noFill/>
+          <a:solidFill>
+            <a:srgbClr val="FFFFFF"/>
+          </a:solidFill>
           <a:ln w="6350">
             <a:solidFill>
-              <a:srgbClr val="E2E5EB"/>
+              <a:srgbClr val="E2E8F0"/>
             </a:solidFill>
           </a:ln>
         </p:spPr>
@@ -7007,7 +7191,7 @@
             <a:r>
               <a:rPr sz="700" b="0">
                 <a:solidFill>
-                  <a:srgbClr val="555570"/>
+                  <a:srgbClr val="475569"/>
                 </a:solidFill>
                 <a:latin typeface="Calibri"/>
               </a:rPr>
@@ -7031,11 +7215,11 @@
             <a:avLst/>
           </a:prstGeom>
           <a:solidFill>
-            <a:srgbClr val="F0F7FF"/>
+            <a:srgbClr val="EFF6FF"/>
           </a:solidFill>
           <a:ln w="6350">
             <a:solidFill>
-              <a:srgbClr val="E2E5EB"/>
+              <a:srgbClr val="E2E8F0"/>
             </a:solidFill>
           </a:ln>
         </p:spPr>
@@ -7092,7 +7276,7 @@
             <a:r>
               <a:rPr sz="700" b="0">
                 <a:solidFill>
-                  <a:srgbClr val="1E6FD9"/>
+                  <a:srgbClr val="1D4ED8"/>
                 </a:solidFill>
                 <a:latin typeface="Calibri"/>
               </a:rPr>
@@ -7116,7 +7300,7 @@
             <a:avLst/>
           </a:prstGeom>
           <a:solidFill>
-            <a:srgbClr val="E2E5EB"/>
+            <a:srgbClr val="E2E8F0"/>
           </a:solidFill>
           <a:ln>
             <a:noFill/>
@@ -7175,7 +7359,7 @@
             <a:r>
               <a:rPr sz="650" b="0">
                 <a:solidFill>
-                  <a:srgbClr val="9999AA"/>
+                  <a:srgbClr val="94A3B8"/>
                 </a:solidFill>
                 <a:latin typeface="Calibri"/>
               </a:rPr>
@@ -7215,7 +7399,7 @@
             <a:r>
               <a:rPr sz="650" b="0">
                 <a:solidFill>
-                  <a:srgbClr val="9999AA"/>
+                  <a:srgbClr val="94A3B8"/>
                 </a:solidFill>
                 <a:latin typeface="Calibri"/>
               </a:rPr>
@@ -7255,7 +7439,7 @@
             <a:r>
               <a:rPr sz="650" b="1">
                 <a:solidFill>
-                  <a:srgbClr val="9999AA"/>
+                  <a:srgbClr val="94A3B8"/>
                 </a:solidFill>
                 <a:latin typeface="Calibri"/>
               </a:rPr>
@@ -7297,7 +7481,7 @@
             <a:avLst/>
           </a:prstGeom>
           <a:solidFill>
-            <a:srgbClr val="0A1628"/>
+            <a:srgbClr val="1E293B"/>
           </a:solidFill>
           <a:ln>
             <a:noFill/>
@@ -7396,7 +7580,7 @@
             <a:r>
               <a:rPr sz="700" b="1">
                 <a:solidFill>
-                  <a:srgbClr val="1E6FD9"/>
+                  <a:srgbClr val="2563EB"/>
                 </a:solidFill>
                 <a:latin typeface="Calibri"/>
               </a:rPr>
@@ -7420,11 +7604,11 @@
             <a:avLst/>
           </a:prstGeom>
           <a:solidFill>
-            <a:srgbClr val="F8F9FB"/>
+            <a:srgbClr val="FFFFFF"/>
           </a:solidFill>
           <a:ln w="9525">
             <a:solidFill>
-              <a:srgbClr val="E2E5EB"/>
+              <a:srgbClr val="E2E8F0"/>
             </a:solidFill>
           </a:ln>
         </p:spPr>
@@ -7465,7 +7649,7 @@
             <a:avLst/>
           </a:prstGeom>
           <a:solidFill>
-            <a:srgbClr val="1E6FD9"/>
+            <a:srgbClr val="2563EB"/>
           </a:solidFill>
           <a:ln>
             <a:noFill/>
@@ -7564,7 +7748,7 @@
             <a:r>
               <a:rPr sz="750" b="1">
                 <a:solidFill>
-                  <a:srgbClr val="1A1A2E"/>
+                  <a:srgbClr val="1E293B"/>
                 </a:solidFill>
                 <a:latin typeface="Calibri"/>
               </a:rPr>
@@ -7604,7 +7788,7 @@
             <a:r>
               <a:rPr sz="650" b="0">
                 <a:solidFill>
-                  <a:srgbClr val="555570"/>
+                  <a:srgbClr val="475569"/>
                 </a:solidFill>
                 <a:latin typeface="Calibri"/>
               </a:rPr>
@@ -7644,7 +7828,7 @@
             <a:r>
               <a:rPr sz="600" b="0">
                 <a:solidFill>
-                  <a:srgbClr val="1E6FD9"/>
+                  <a:srgbClr val="2563EB"/>
                 </a:solidFill>
                 <a:latin typeface="Calibri"/>
               </a:rPr>
@@ -7668,11 +7852,11 @@
             <a:avLst/>
           </a:prstGeom>
           <a:solidFill>
-            <a:srgbClr val="F8F9FB"/>
+            <a:srgbClr val="FFFFFF"/>
           </a:solidFill>
           <a:ln w="9525">
             <a:solidFill>
-              <a:srgbClr val="E2E5EB"/>
+              <a:srgbClr val="E2E8F0"/>
             </a:solidFill>
           </a:ln>
         </p:spPr>
@@ -7713,7 +7897,7 @@
             <a:avLst/>
           </a:prstGeom>
           <a:solidFill>
-            <a:srgbClr val="B48212"/>
+            <a:srgbClr val="C9A962"/>
           </a:solidFill>
           <a:ln>
             <a:noFill/>
@@ -7812,7 +7996,7 @@
             <a:r>
               <a:rPr sz="750" b="1">
                 <a:solidFill>
-                  <a:srgbClr val="1A1A2E"/>
+                  <a:srgbClr val="1E293B"/>
                 </a:solidFill>
                 <a:latin typeface="Calibri"/>
               </a:rPr>
@@ -7852,7 +8036,7 @@
             <a:r>
               <a:rPr sz="650" b="0">
                 <a:solidFill>
-                  <a:srgbClr val="555570"/>
+                  <a:srgbClr val="475569"/>
                 </a:solidFill>
                 <a:latin typeface="Calibri"/>
               </a:rPr>
@@ -7892,7 +8076,7 @@
             <a:r>
               <a:rPr sz="600" b="0">
                 <a:solidFill>
-                  <a:srgbClr val="1E6FD9"/>
+                  <a:srgbClr val="2563EB"/>
                 </a:solidFill>
                 <a:latin typeface="Calibri"/>
               </a:rPr>
@@ -7916,11 +8100,11 @@
             <a:avLst/>
           </a:prstGeom>
           <a:solidFill>
-            <a:srgbClr val="F8F9FB"/>
+            <a:srgbClr val="FFFFFF"/>
           </a:solidFill>
           <a:ln w="9525">
             <a:solidFill>
-              <a:srgbClr val="E2E5EB"/>
+              <a:srgbClr val="E2E8F0"/>
             </a:solidFill>
           </a:ln>
         </p:spPr>
@@ -7961,7 +8145,7 @@
             <a:avLst/>
           </a:prstGeom>
           <a:solidFill>
-            <a:srgbClr val="059669"/>
+            <a:srgbClr val="16A34A"/>
           </a:solidFill>
           <a:ln>
             <a:noFill/>
@@ -8060,7 +8244,7 @@
             <a:r>
               <a:rPr sz="750" b="1">
                 <a:solidFill>
-                  <a:srgbClr val="1A1A2E"/>
+                  <a:srgbClr val="1E293B"/>
                 </a:solidFill>
                 <a:latin typeface="Calibri"/>
               </a:rPr>
@@ -8100,7 +8284,7 @@
             <a:r>
               <a:rPr sz="650" b="0">
                 <a:solidFill>
-                  <a:srgbClr val="555570"/>
+                  <a:srgbClr val="475569"/>
                 </a:solidFill>
                 <a:latin typeface="Calibri"/>
               </a:rPr>
@@ -8140,7 +8324,7 @@
             <a:r>
               <a:rPr sz="600" b="0">
                 <a:solidFill>
-                  <a:srgbClr val="1E6FD9"/>
+                  <a:srgbClr val="2563EB"/>
                 </a:solidFill>
                 <a:latin typeface="Calibri"/>
               </a:rPr>
@@ -8164,7 +8348,7 @@
             <a:avLst/>
           </a:prstGeom>
           <a:solidFill>
-            <a:srgbClr val="E2E5EB"/>
+            <a:srgbClr val="E2E8F0"/>
           </a:solidFill>
           <a:ln>
             <a:noFill/>
@@ -8223,7 +8407,7 @@
             <a:r>
               <a:rPr sz="650" b="0">
                 <a:solidFill>
-                  <a:srgbClr val="9999AA"/>
+                  <a:srgbClr val="94A3B8"/>
                 </a:solidFill>
                 <a:latin typeface="Calibri"/>
               </a:rPr>
@@ -8263,7 +8447,7 @@
             <a:r>
               <a:rPr sz="650" b="0">
                 <a:solidFill>
-                  <a:srgbClr val="9999AA"/>
+                  <a:srgbClr val="94A3B8"/>
                 </a:solidFill>
                 <a:latin typeface="Calibri"/>
               </a:rPr>
@@ -8303,7 +8487,7 @@
             <a:r>
               <a:rPr sz="650" b="1">
                 <a:solidFill>
-                  <a:srgbClr val="9999AA"/>
+                  <a:srgbClr val="94A3B8"/>
                 </a:solidFill>
                 <a:latin typeface="Calibri"/>
               </a:rPr>
@@ -8345,7 +8529,7 @@
             <a:avLst/>
           </a:prstGeom>
           <a:solidFill>
-            <a:srgbClr val="0A1628"/>
+            <a:srgbClr val="1E293B"/>
           </a:solidFill>
           <a:ln>
             <a:noFill/>
@@ -8444,7 +8628,7 @@
             <a:r>
               <a:rPr sz="700" b="1">
                 <a:solidFill>
-                  <a:srgbClr val="1E6FD9"/>
+                  <a:srgbClr val="2563EB"/>
                 </a:solidFill>
                 <a:latin typeface="Calibri"/>
               </a:rPr>
@@ -8468,11 +8652,11 @@
             <a:avLst/>
           </a:prstGeom>
           <a:solidFill>
-            <a:srgbClr val="ECFDF5"/>
+            <a:srgbClr val="F0FDF4"/>
           </a:solidFill>
           <a:ln w="9525">
             <a:solidFill>
-              <a:srgbClr val="E2E5EB"/>
+              <a:srgbClr val="E2E8F0"/>
             </a:solidFill>
           </a:ln>
         </p:spPr>
@@ -8529,7 +8713,7 @@
             <a:r>
               <a:rPr sz="800" b="1">
                 <a:solidFill>
-                  <a:srgbClr val="059669"/>
+                  <a:srgbClr val="16A34A"/>
                 </a:solidFill>
                 <a:latin typeface="Calibri"/>
               </a:rPr>
@@ -8569,7 +8753,7 @@
             <a:r>
               <a:rPr sz="650" b="0">
                 <a:solidFill>
-                  <a:srgbClr val="555570"/>
+                  <a:srgbClr val="475569"/>
                 </a:solidFill>
                 <a:latin typeface="Calibri"/>
               </a:rPr>
@@ -8610,7 +8794,7 @@
             <a:r>
               <a:rPr sz="1400" b="0">
                 <a:solidFill>
-                  <a:srgbClr val="9999AA"/>
+                  <a:srgbClr val="94A3B8"/>
                 </a:solidFill>
                 <a:latin typeface="Calibri"/>
               </a:rPr>
@@ -8634,11 +8818,11 @@
             <a:avLst/>
           </a:prstGeom>
           <a:solidFill>
-            <a:srgbClr val="EEF4FD"/>
+            <a:srgbClr val="EFF6FF"/>
           </a:solidFill>
           <a:ln w="9525">
             <a:solidFill>
-              <a:srgbClr val="E2E5EB"/>
+              <a:srgbClr val="E2E8F0"/>
             </a:solidFill>
           </a:ln>
         </p:spPr>
@@ -8695,7 +8879,7 @@
             <a:r>
               <a:rPr sz="800" b="1">
                 <a:solidFill>
-                  <a:srgbClr val="1E6FD9"/>
+                  <a:srgbClr val="2563EB"/>
                 </a:solidFill>
                 <a:latin typeface="Calibri"/>
               </a:rPr>
@@ -8735,7 +8919,7 @@
             <a:r>
               <a:rPr sz="650" b="0">
                 <a:solidFill>
-                  <a:srgbClr val="555570"/>
+                  <a:srgbClr val="475569"/>
                 </a:solidFill>
                 <a:latin typeface="Calibri"/>
               </a:rPr>
@@ -8776,7 +8960,7 @@
             <a:r>
               <a:rPr sz="1400" b="0">
                 <a:solidFill>
-                  <a:srgbClr val="9999AA"/>
+                  <a:srgbClr val="94A3B8"/>
                 </a:solidFill>
                 <a:latin typeface="Calibri"/>
               </a:rPr>
@@ -8800,11 +8984,11 @@
             <a:avLst/>
           </a:prstGeom>
           <a:solidFill>
-            <a:srgbClr val="FEF9EE"/>
+            <a:srgbClr val="FDF8E8"/>
           </a:solidFill>
           <a:ln w="9525">
             <a:solidFill>
-              <a:srgbClr val="E2E5EB"/>
+              <a:srgbClr val="E2E8F0"/>
             </a:solidFill>
           </a:ln>
         </p:spPr>
@@ -8901,7 +9085,7 @@
             <a:r>
               <a:rPr sz="650" b="0">
                 <a:solidFill>
-                  <a:srgbClr val="555570"/>
+                  <a:srgbClr val="475569"/>
                 </a:solidFill>
                 <a:latin typeface="Calibri"/>
               </a:rPr>
@@ -8926,12 +9110,10 @@
             <a:avLst/>
           </a:prstGeom>
           <a:solidFill>
-            <a:srgbClr val="EEF4FD"/>
+            <a:srgbClr val="EFF6FF"/>
           </a:solidFill>
-          <a:ln w="25400">
-            <a:solidFill>
-              <a:srgbClr val="1E6FD9"/>
-            </a:solidFill>
+          <a:ln>
+            <a:noFill/>
           </a:ln>
         </p:spPr>
         <p:style>
@@ -8965,13 +9147,13 @@
         <p:spPr>
           <a:xfrm>
             <a:off x="457200" y="2194560"/>
-            <a:ext cx="54864" cy="914400"/>
+            <a:ext cx="45720" cy="914400"/>
           </a:xfrm>
           <a:prstGeom prst="rect">
             <a:avLst/>
           </a:prstGeom>
           <a:solidFill>
-            <a:srgbClr val="1E6FD9"/>
+            <a:srgbClr val="2563EB"/>
           </a:solidFill>
           <a:ln>
             <a:noFill/>
@@ -9030,7 +9212,7 @@
             <a:r>
               <a:rPr sz="750" b="1">
                 <a:solidFill>
-                  <a:srgbClr val="1A1A2E"/>
+                  <a:srgbClr val="1E293B"/>
                 </a:solidFill>
                 <a:latin typeface="Calibri"/>
               </a:rPr>
@@ -9070,7 +9252,7 @@
             <a:r>
               <a:rPr sz="650" b="0">
                 <a:solidFill>
-                  <a:srgbClr val="555570"/>
+                  <a:srgbClr val="475569"/>
                 </a:solidFill>
                 <a:latin typeface="Calibri"/>
               </a:rPr>
@@ -9094,7 +9276,7 @@
             <a:avLst/>
           </a:prstGeom>
           <a:solidFill>
-            <a:srgbClr val="E2E5EB"/>
+            <a:srgbClr val="E2E8F0"/>
           </a:solidFill>
           <a:ln>
             <a:noFill/>
@@ -9153,7 +9335,7 @@
             <a:r>
               <a:rPr sz="650" b="0">
                 <a:solidFill>
-                  <a:srgbClr val="9999AA"/>
+                  <a:srgbClr val="94A3B8"/>
                 </a:solidFill>
                 <a:latin typeface="Calibri"/>
               </a:rPr>
@@ -9193,7 +9375,7 @@
             <a:r>
               <a:rPr sz="650" b="0">
                 <a:solidFill>
-                  <a:srgbClr val="9999AA"/>
+                  <a:srgbClr val="94A3B8"/>
                 </a:solidFill>
                 <a:latin typeface="Calibri"/>
               </a:rPr>
@@ -9233,7 +9415,7 @@
             <a:r>
               <a:rPr sz="650" b="1">
                 <a:solidFill>
-                  <a:srgbClr val="9999AA"/>
+                  <a:srgbClr val="94A3B8"/>
                 </a:solidFill>
                 <a:latin typeface="Calibri"/>
               </a:rPr>
@@ -9275,7 +9457,7 @@
             <a:avLst/>
           </a:prstGeom>
           <a:solidFill>
-            <a:srgbClr val="0A1628"/>
+            <a:srgbClr val="1E293B"/>
           </a:solidFill>
           <a:ln>
             <a:noFill/>
@@ -9374,7 +9556,7 @@
             <a:r>
               <a:rPr sz="700" b="1">
                 <a:solidFill>
-                  <a:srgbClr val="1E6FD9"/>
+                  <a:srgbClr val="2563EB"/>
                 </a:solidFill>
                 <a:latin typeface="Calibri"/>
               </a:rPr>
@@ -9414,7 +9596,7 @@
             <a:r>
               <a:rPr sz="800" b="0">
                 <a:solidFill>
-                  <a:srgbClr val="555570"/>
+                  <a:srgbClr val="475569"/>
                 </a:solidFill>
                 <a:latin typeface="Calibri"/>
               </a:rPr>
@@ -9438,11 +9620,11 @@
             <a:avLst/>
           </a:prstGeom>
           <a:solidFill>
-            <a:srgbClr val="F8F9FB"/>
+            <a:srgbClr val="FFFFFF"/>
           </a:solidFill>
           <a:ln w="9525">
             <a:solidFill>
-              <a:srgbClr val="E2E5EB"/>
+              <a:srgbClr val="E2E8F0"/>
             </a:solidFill>
           </a:ln>
         </p:spPr>
@@ -9470,145 +9652,23 @@
       </p:sp>
       <p:sp>
         <p:nvSpPr>
-          <p:cNvPr id="7" name="TextBox 6"/>
-          <p:cNvSpPr txBox="1"/>
-          <p:nvPr/>
-        </p:nvSpPr>
-        <p:spPr>
-          <a:xfrm>
-            <a:off x="457200" y="1234440"/>
-            <a:ext cx="2606040" cy="256032"/>
-          </a:xfrm>
-          <a:prstGeom prst="rect">
-            <a:avLst/>
-          </a:prstGeom>
-          <a:noFill/>
-        </p:spPr>
-        <p:txBody>
-          <a:bodyPr wrap="square"/>
-          <a:lstStyle/>
-          <a:p>
-            <a:pPr algn="ctr">
-              <a:spcBef>
-                <a:spcPts val="0"/>
-              </a:spcBef>
-              <a:spcAft>
-                <a:spcPts val="0"/>
-              </a:spcAft>
-            </a:pPr>
-            <a:r>
-              <a:rPr sz="1300" b="0">
-                <a:solidFill>
-                  <a:srgbClr val="1A1A2E"/>
-                </a:solidFill>
-                <a:latin typeface="Calibri"/>
-              </a:rPr>
-              <a:t>🏥</a:t>
-            </a:r>
-          </a:p>
-        </p:txBody>
-      </p:sp>
-      <p:sp>
-        <p:nvSpPr>
-          <p:cNvPr id="8" name="TextBox 7"/>
-          <p:cNvSpPr txBox="1"/>
-          <p:nvPr/>
-        </p:nvSpPr>
-        <p:spPr>
-          <a:xfrm>
-            <a:off x="512064" y="1490472"/>
-            <a:ext cx="2496312" cy="182880"/>
-          </a:xfrm>
-          <a:prstGeom prst="rect">
-            <a:avLst/>
-          </a:prstGeom>
-          <a:noFill/>
-        </p:spPr>
-        <p:txBody>
-          <a:bodyPr wrap="square"/>
-          <a:lstStyle/>
-          <a:p>
-            <a:pPr algn="ctr">
-              <a:spcBef>
-                <a:spcPts val="0"/>
-              </a:spcBef>
-              <a:spcAft>
-                <a:spcPts val="0"/>
-              </a:spcAft>
-            </a:pPr>
-            <a:r>
-              <a:rPr sz="700" b="1">
-                <a:solidFill>
-                  <a:srgbClr val="1A1A2E"/>
-                </a:solidFill>
-                <a:latin typeface="Calibri"/>
-              </a:rPr>
-              <a:t>Funeral &amp; Memorial</a:t>
-            </a:r>
-          </a:p>
-        </p:txBody>
-      </p:sp>
-      <p:sp>
-        <p:nvSpPr>
-          <p:cNvPr id="9" name="TextBox 8"/>
-          <p:cNvSpPr txBox="1"/>
-          <p:nvPr/>
-        </p:nvSpPr>
-        <p:spPr>
-          <a:xfrm>
-            <a:off x="512064" y="1664208"/>
-            <a:ext cx="2496312" cy="804673"/>
-          </a:xfrm>
-          <a:prstGeom prst="rect">
-            <a:avLst/>
-          </a:prstGeom>
-          <a:noFill/>
-        </p:spPr>
-        <p:txBody>
-          <a:bodyPr wrap="square"/>
-          <a:lstStyle/>
-          <a:p>
-            <a:pPr algn="ctr">
-              <a:spcBef>
-                <a:spcPts val="0"/>
-              </a:spcBef>
-              <a:spcAft>
-                <a:spcPts val="0"/>
-              </a:spcAft>
-            </a:pPr>
-            <a:r>
-              <a:rPr sz="600" b="0">
-                <a:solidFill>
-                  <a:srgbClr val="555570"/>
-                </a:solidFill>
-                <a:latin typeface="Calibri"/>
-              </a:rPr>
-              <a:t>Gravestone alternatives, digital perpetual care, bereavement services</a:t>
-            </a:r>
-          </a:p>
-        </p:txBody>
-      </p:sp>
-      <p:sp>
-        <p:nvSpPr>
-          <p:cNvPr id="10" name="Rectangle 9"/>
+          <p:cNvPr id="7" name="Oval 6"/>
           <p:cNvSpPr/>
           <p:nvPr/>
         </p:nvSpPr>
         <p:spPr>
           <a:xfrm>
-            <a:off x="3273552" y="1188720"/>
-            <a:ext cx="2606040" cy="1325880"/>
-          </a:xfrm>
-          <a:prstGeom prst="rect">
+            <a:off x="1595628" y="1261872"/>
+            <a:ext cx="329184" cy="329184"/>
+          </a:xfrm>
+          <a:prstGeom prst="ellipse">
             <a:avLst/>
           </a:prstGeom>
           <a:solidFill>
-            <a:srgbClr val="F8F9FB"/>
+            <a:srgbClr val="EFF6FF"/>
           </a:solidFill>
-          <a:ln w="9525">
-            <a:solidFill>
-              <a:srgbClr val="E2E5EB"/>
-            </a:solidFill>
+          <a:ln>
+            <a:noFill/>
           </a:ln>
         </p:spPr>
         <p:style>
@@ -9635,14 +9695,54 @@
       </p:sp>
       <p:sp>
         <p:nvSpPr>
-          <p:cNvPr id="11" name="TextBox 10"/>
-          <p:cNvSpPr txBox="1"/>
-          <p:nvPr/>
-        </p:nvSpPr>
-        <p:spPr>
-          <a:xfrm>
-            <a:off x="3273552" y="1234440"/>
-            <a:ext cx="2606040" cy="256032"/>
+          <p:cNvPr id="8" name="TextBox 7"/>
+          <p:cNvSpPr txBox="1"/>
+          <p:nvPr/>
+        </p:nvSpPr>
+        <p:spPr>
+          <a:xfrm>
+            <a:off x="1595628" y="1261872"/>
+            <a:ext cx="329184" cy="329184"/>
+          </a:xfrm>
+          <a:prstGeom prst="rect">
+            <a:avLst/>
+          </a:prstGeom>
+          <a:noFill/>
+        </p:spPr>
+        <p:txBody>
+          <a:bodyPr wrap="square" anchor="ctr"/>
+          <a:lstStyle/>
+          <a:p>
+            <a:pPr algn="ctr">
+              <a:spcBef>
+                <a:spcPts val="0"/>
+              </a:spcBef>
+              <a:spcAft>
+                <a:spcPts val="0"/>
+              </a:spcAft>
+            </a:pPr>
+            <a:r>
+              <a:rPr sz="900" b="1">
+                <a:solidFill>
+                  <a:srgbClr val="2563EB"/>
+                </a:solidFill>
+                <a:latin typeface="Calibri"/>
+              </a:rPr>
+              <a:t>M</a:t>
+            </a:r>
+          </a:p>
+        </p:txBody>
+      </p:sp>
+      <p:sp>
+        <p:nvSpPr>
+          <p:cNvPr id="9" name="TextBox 8"/>
+          <p:cNvSpPr txBox="1"/>
+          <p:nvPr/>
+        </p:nvSpPr>
+        <p:spPr>
+          <a:xfrm>
+            <a:off x="512064" y="1627632"/>
+            <a:ext cx="2496312" cy="182880"/>
           </a:xfrm>
           <a:prstGeom prst="rect">
             <a:avLst/>
@@ -9662,27 +9762,27 @@
               </a:spcAft>
             </a:pPr>
             <a:r>
-              <a:rPr sz="1300" b="0">
-                <a:solidFill>
-                  <a:srgbClr val="1A1A2E"/>
-                </a:solidFill>
-                <a:latin typeface="Calibri"/>
-              </a:rPr>
-              <a:t>🏨</a:t>
-            </a:r>
-          </a:p>
-        </p:txBody>
-      </p:sp>
-      <p:sp>
-        <p:nvSpPr>
-          <p:cNvPr id="12" name="TextBox 11"/>
-          <p:cNvSpPr txBox="1"/>
-          <p:nvPr/>
-        </p:nvSpPr>
-        <p:spPr>
-          <a:xfrm>
-            <a:off x="3328416" y="1490472"/>
-            <a:ext cx="2496312" cy="182880"/>
+              <a:rPr sz="700" b="1">
+                <a:solidFill>
+                  <a:srgbClr val="1E293B"/>
+                </a:solidFill>
+                <a:latin typeface="Calibri"/>
+              </a:rPr>
+              <a:t>Funeral &amp; Memorial</a:t>
+            </a:r>
+          </a:p>
+        </p:txBody>
+      </p:sp>
+      <p:sp>
+        <p:nvSpPr>
+          <p:cNvPr id="10" name="TextBox 9"/>
+          <p:cNvSpPr txBox="1"/>
+          <p:nvPr/>
+        </p:nvSpPr>
+        <p:spPr>
+          <a:xfrm>
+            <a:off x="512064" y="1810512"/>
+            <a:ext cx="2496312" cy="658368"/>
           </a:xfrm>
           <a:prstGeom prst="rect">
             <a:avLst/>
@@ -9702,77 +9802,37 @@
               </a:spcAft>
             </a:pPr>
             <a:r>
-              <a:rPr sz="700" b="1">
-                <a:solidFill>
-                  <a:srgbClr val="1A1A2E"/>
-                </a:solidFill>
-                <a:latin typeface="Calibri"/>
-              </a:rPr>
-              <a:t>Hospitality</a:t>
-            </a:r>
-          </a:p>
-        </p:txBody>
-      </p:sp>
-      <p:sp>
-        <p:nvSpPr>
-          <p:cNvPr id="13" name="TextBox 12"/>
-          <p:cNvSpPr txBox="1"/>
-          <p:nvPr/>
-        </p:nvSpPr>
-        <p:spPr>
-          <a:xfrm>
-            <a:off x="3328416" y="1664208"/>
-            <a:ext cx="2496312" cy="804673"/>
-          </a:xfrm>
-          <a:prstGeom prst="rect">
-            <a:avLst/>
-          </a:prstGeom>
-          <a:noFill/>
-        </p:spPr>
-        <p:txBody>
-          <a:bodyPr wrap="square"/>
-          <a:lstStyle/>
-          <a:p>
-            <a:pPr algn="ctr">
-              <a:spcBef>
-                <a:spcPts val="0"/>
-              </a:spcBef>
-              <a:spcAft>
-                <a:spcPts val="0"/>
-              </a:spcAft>
-            </a:pPr>
-            <a:r>
               <a:rPr sz="600" b="0">
                 <a:solidFill>
-                  <a:srgbClr val="555570"/>
-                </a:solidFill>
-                <a:latin typeface="Calibri"/>
-              </a:rPr>
-              <a:t>Wedding records, hotel CX, anniversary services</a:t>
-            </a:r>
-          </a:p>
-        </p:txBody>
-      </p:sp>
-      <p:sp>
-        <p:nvSpPr>
-          <p:cNvPr id="14" name="Rectangle 13"/>
+                  <a:srgbClr val="475569"/>
+                </a:solidFill>
+                <a:latin typeface="Calibri"/>
+              </a:rPr>
+              <a:t>Gravestone alternatives, digital perpetual care, bereavement services</a:t>
+            </a:r>
+          </a:p>
+        </p:txBody>
+      </p:sp>
+      <p:sp>
+        <p:nvSpPr>
+          <p:cNvPr id="11" name="Rectangle 10"/>
           <p:cNvSpPr/>
           <p:nvPr/>
         </p:nvSpPr>
         <p:spPr>
           <a:xfrm>
-            <a:off x="6089904" y="1188720"/>
+            <a:off x="3273552" y="1188720"/>
             <a:ext cx="2606040" cy="1325880"/>
           </a:xfrm>
           <a:prstGeom prst="rect">
             <a:avLst/>
           </a:prstGeom>
           <a:solidFill>
-            <a:srgbClr val="F8F9FB"/>
+            <a:srgbClr val="FFFFFF"/>
           </a:solidFill>
           <a:ln w="9525">
             <a:solidFill>
-              <a:srgbClr val="E2E5EB"/>
+              <a:srgbClr val="E2E8F0"/>
             </a:solidFill>
           </a:ln>
         </p:spPr>
@@ -9800,145 +9860,23 @@
       </p:sp>
       <p:sp>
         <p:nvSpPr>
-          <p:cNvPr id="15" name="TextBox 14"/>
-          <p:cNvSpPr txBox="1"/>
-          <p:nvPr/>
-        </p:nvSpPr>
-        <p:spPr>
-          <a:xfrm>
-            <a:off x="6089904" y="1234440"/>
-            <a:ext cx="2606040" cy="256032"/>
-          </a:xfrm>
-          <a:prstGeom prst="rect">
-            <a:avLst/>
-          </a:prstGeom>
-          <a:noFill/>
-        </p:spPr>
-        <p:txBody>
-          <a:bodyPr wrap="square"/>
-          <a:lstStyle/>
-          <a:p>
-            <a:pPr algn="ctr">
-              <a:spcBef>
-                <a:spcPts val="0"/>
-              </a:spcBef>
-              <a:spcAft>
-                <a:spcPts val="0"/>
-              </a:spcAft>
-            </a:pPr>
-            <a:r>
-              <a:rPr sz="1300" b="0">
-                <a:solidFill>
-                  <a:srgbClr val="1A1A2E"/>
-                </a:solidFill>
-                <a:latin typeface="Calibri"/>
-              </a:rPr>
-              <a:t>🏛</a:t>
-            </a:r>
-          </a:p>
-        </p:txBody>
-      </p:sp>
-      <p:sp>
-        <p:nvSpPr>
-          <p:cNvPr id="16" name="TextBox 15"/>
-          <p:cNvSpPr txBox="1"/>
-          <p:nvPr/>
-        </p:nvSpPr>
-        <p:spPr>
-          <a:xfrm>
-            <a:off x="6144768" y="1490472"/>
-            <a:ext cx="2496312" cy="182880"/>
-          </a:xfrm>
-          <a:prstGeom prst="rect">
-            <a:avLst/>
-          </a:prstGeom>
-          <a:noFill/>
-        </p:spPr>
-        <p:txBody>
-          <a:bodyPr wrap="square"/>
-          <a:lstStyle/>
-          <a:p>
-            <a:pPr algn="ctr">
-              <a:spcBef>
-                <a:spcPts val="0"/>
-              </a:spcBef>
-              <a:spcAft>
-                <a:spcPts val="0"/>
-              </a:spcAft>
-            </a:pPr>
-            <a:r>
-              <a:rPr sz="700" b="1">
-                <a:solidFill>
-                  <a:srgbClr val="1A1A2E"/>
-                </a:solidFill>
-                <a:latin typeface="Calibri"/>
-              </a:rPr>
-              <a:t>Religious Institutions</a:t>
-            </a:r>
-          </a:p>
-        </p:txBody>
-      </p:sp>
-      <p:sp>
-        <p:nvSpPr>
-          <p:cNvPr id="17" name="TextBox 16"/>
-          <p:cNvSpPr txBox="1"/>
-          <p:nvPr/>
-        </p:nvSpPr>
-        <p:spPr>
-          <a:xfrm>
-            <a:off x="6144768" y="1664208"/>
-            <a:ext cx="2496312" cy="804673"/>
-          </a:xfrm>
-          <a:prstGeom prst="rect">
-            <a:avLst/>
-          </a:prstGeom>
-          <a:noFill/>
-        </p:spPr>
-        <p:txBody>
-          <a:bodyPr wrap="square"/>
-          <a:lstStyle/>
-          <a:p>
-            <a:pPr algn="ctr">
-              <a:spcBef>
-                <a:spcPts val="0"/>
-              </a:spcBef>
-              <a:spcAft>
-                <a:spcPts val="0"/>
-              </a:spcAft>
-            </a:pPr>
-            <a:r>
-              <a:rPr sz="600" b="0">
-                <a:solidFill>
-                  <a:srgbClr val="555570"/>
-                </a:solidFill>
-                <a:latin typeface="Calibri"/>
-              </a:rPr>
-              <a:t>Perpetual congregation records, visitor DX, cultural preservation</a:t>
-            </a:r>
-          </a:p>
-        </p:txBody>
-      </p:sp>
-      <p:sp>
-        <p:nvSpPr>
-          <p:cNvPr id="18" name="Rectangle 17"/>
+          <p:cNvPr id="12" name="Oval 11"/>
           <p:cNvSpPr/>
           <p:nvPr/>
         </p:nvSpPr>
         <p:spPr>
           <a:xfrm>
-            <a:off x="457200" y="2679192"/>
-            <a:ext cx="2606040" cy="1325880"/>
-          </a:xfrm>
-          <a:prstGeom prst="rect">
+            <a:off x="4411980" y="1261872"/>
+            <a:ext cx="329184" cy="329184"/>
+          </a:xfrm>
+          <a:prstGeom prst="ellipse">
             <a:avLst/>
           </a:prstGeom>
           <a:solidFill>
-            <a:srgbClr val="F8F9FB"/>
+            <a:srgbClr val="EFF6FF"/>
           </a:solidFill>
-          <a:ln w="9525">
-            <a:solidFill>
-              <a:srgbClr val="E2E5EB"/>
-            </a:solidFill>
+          <a:ln>
+            <a:noFill/>
           </a:ln>
         </p:spPr>
         <p:style>
@@ -9965,14 +9903,54 @@
       </p:sp>
       <p:sp>
         <p:nvSpPr>
-          <p:cNvPr id="19" name="TextBox 18"/>
-          <p:cNvSpPr txBox="1"/>
-          <p:nvPr/>
-        </p:nvSpPr>
-        <p:spPr>
-          <a:xfrm>
-            <a:off x="457200" y="2724912"/>
-            <a:ext cx="2606040" cy="256032"/>
+          <p:cNvPr id="13" name="TextBox 12"/>
+          <p:cNvSpPr txBox="1"/>
+          <p:nvPr/>
+        </p:nvSpPr>
+        <p:spPr>
+          <a:xfrm>
+            <a:off x="4411980" y="1261872"/>
+            <a:ext cx="329184" cy="329184"/>
+          </a:xfrm>
+          <a:prstGeom prst="rect">
+            <a:avLst/>
+          </a:prstGeom>
+          <a:noFill/>
+        </p:spPr>
+        <p:txBody>
+          <a:bodyPr wrap="square" anchor="ctr"/>
+          <a:lstStyle/>
+          <a:p>
+            <a:pPr algn="ctr">
+              <a:spcBef>
+                <a:spcPts val="0"/>
+              </a:spcBef>
+              <a:spcAft>
+                <a:spcPts val="0"/>
+              </a:spcAft>
+            </a:pPr>
+            <a:r>
+              <a:rPr sz="900" b="1">
+                <a:solidFill>
+                  <a:srgbClr val="2563EB"/>
+                </a:solidFill>
+                <a:latin typeface="Calibri"/>
+              </a:rPr>
+              <a:t>H</a:t>
+            </a:r>
+          </a:p>
+        </p:txBody>
+      </p:sp>
+      <p:sp>
+        <p:nvSpPr>
+          <p:cNvPr id="14" name="TextBox 13"/>
+          <p:cNvSpPr txBox="1"/>
+          <p:nvPr/>
+        </p:nvSpPr>
+        <p:spPr>
+          <a:xfrm>
+            <a:off x="3328416" y="1627632"/>
+            <a:ext cx="2496312" cy="182880"/>
           </a:xfrm>
           <a:prstGeom prst="rect">
             <a:avLst/>
@@ -9992,27 +9970,27 @@
               </a:spcAft>
             </a:pPr>
             <a:r>
-              <a:rPr sz="1300" b="0">
-                <a:solidFill>
-                  <a:srgbClr val="1A1A2E"/>
-                </a:solidFill>
-                <a:latin typeface="Calibri"/>
-              </a:rPr>
-              <a:t>🏬</a:t>
-            </a:r>
-          </a:p>
-        </p:txBody>
-      </p:sp>
-      <p:sp>
-        <p:nvSpPr>
-          <p:cNvPr id="20" name="TextBox 19"/>
-          <p:cNvSpPr txBox="1"/>
-          <p:nvPr/>
-        </p:nvSpPr>
-        <p:spPr>
-          <a:xfrm>
-            <a:off x="512064" y="2980944"/>
-            <a:ext cx="2496312" cy="182880"/>
+              <a:rPr sz="700" b="1">
+                <a:solidFill>
+                  <a:srgbClr val="1E293B"/>
+                </a:solidFill>
+                <a:latin typeface="Calibri"/>
+              </a:rPr>
+              <a:t>Hospitality</a:t>
+            </a:r>
+          </a:p>
+        </p:txBody>
+      </p:sp>
+      <p:sp>
+        <p:nvSpPr>
+          <p:cNvPr id="15" name="TextBox 14"/>
+          <p:cNvSpPr txBox="1"/>
+          <p:nvPr/>
+        </p:nvSpPr>
+        <p:spPr>
+          <a:xfrm>
+            <a:off x="3328416" y="1810512"/>
+            <a:ext cx="2496312" cy="658368"/>
           </a:xfrm>
           <a:prstGeom prst="rect">
             <a:avLst/>
@@ -10032,77 +10010,37 @@
               </a:spcAft>
             </a:pPr>
             <a:r>
-              <a:rPr sz="700" b="1">
-                <a:solidFill>
-                  <a:srgbClr val="1A1A2E"/>
-                </a:solidFill>
-                <a:latin typeface="Calibri"/>
-              </a:rPr>
-              <a:t>Government &amp; Education</a:t>
-            </a:r>
-          </a:p>
-        </p:txBody>
-      </p:sp>
-      <p:sp>
-        <p:nvSpPr>
-          <p:cNvPr id="21" name="TextBox 20"/>
-          <p:cNvSpPr txBox="1"/>
-          <p:nvPr/>
-        </p:nvSpPr>
-        <p:spPr>
-          <a:xfrm>
-            <a:off x="512064" y="3154680"/>
-            <a:ext cx="2496312" cy="804673"/>
-          </a:xfrm>
-          <a:prstGeom prst="rect">
-            <a:avLst/>
-          </a:prstGeom>
-          <a:noFill/>
-        </p:spPr>
-        <p:txBody>
-          <a:bodyPr wrap="square"/>
-          <a:lstStyle/>
-          <a:p>
-            <a:pPr algn="ctr">
-              <a:spcBef>
-                <a:spcPts val="0"/>
-              </a:spcBef>
-              <a:spcAft>
-                <a:spcPts val="0"/>
-              </a:spcAft>
-            </a:pPr>
-            <a:r>
               <a:rPr sz="600" b="0">
                 <a:solidFill>
-                  <a:srgbClr val="555570"/>
-                </a:solidFill>
-                <a:latin typeface="Calibri"/>
-              </a:rPr>
-              <a:t>Community archives, disaster records, school history</a:t>
-            </a:r>
-          </a:p>
-        </p:txBody>
-      </p:sp>
-      <p:sp>
-        <p:nvSpPr>
-          <p:cNvPr id="22" name="Rectangle 21"/>
+                  <a:srgbClr val="475569"/>
+                </a:solidFill>
+                <a:latin typeface="Calibri"/>
+              </a:rPr>
+              <a:t>Wedding records, hotel CX, anniversary services</a:t>
+            </a:r>
+          </a:p>
+        </p:txBody>
+      </p:sp>
+      <p:sp>
+        <p:nvSpPr>
+          <p:cNvPr id="16" name="Rectangle 15"/>
           <p:cNvSpPr/>
           <p:nvPr/>
         </p:nvSpPr>
         <p:spPr>
           <a:xfrm>
-            <a:off x="3273552" y="2679192"/>
+            <a:off x="6089904" y="1188720"/>
             <a:ext cx="2606040" cy="1325880"/>
           </a:xfrm>
           <a:prstGeom prst="rect">
             <a:avLst/>
           </a:prstGeom>
           <a:solidFill>
-            <a:srgbClr val="F8F9FB"/>
+            <a:srgbClr val="FFFFFF"/>
           </a:solidFill>
           <a:ln w="9525">
             <a:solidFill>
-              <a:srgbClr val="E2E5EB"/>
+              <a:srgbClr val="E2E8F0"/>
             </a:solidFill>
           </a:ln>
         </p:spPr>
@@ -10130,145 +10068,23 @@
       </p:sp>
       <p:sp>
         <p:nvSpPr>
-          <p:cNvPr id="23" name="TextBox 22"/>
-          <p:cNvSpPr txBox="1"/>
-          <p:nvPr/>
-        </p:nvSpPr>
-        <p:spPr>
-          <a:xfrm>
-            <a:off x="3273552" y="2724912"/>
-            <a:ext cx="2606040" cy="256032"/>
-          </a:xfrm>
-          <a:prstGeom prst="rect">
-            <a:avLst/>
-          </a:prstGeom>
-          <a:noFill/>
-        </p:spPr>
-        <p:txBody>
-          <a:bodyPr wrap="square"/>
-          <a:lstStyle/>
-          <a:p>
-            <a:pPr algn="ctr">
-              <a:spcBef>
-                <a:spcPts val="0"/>
-              </a:spcBef>
-              <a:spcAft>
-                <a:spcPts val="0"/>
-              </a:spcAft>
-            </a:pPr>
-            <a:r>
-              <a:rPr sz="1300" b="0">
-                <a:solidFill>
-                  <a:srgbClr val="1A1A2E"/>
-                </a:solidFill>
-                <a:latin typeface="Calibri"/>
-              </a:rPr>
-              <a:t>🌏</a:t>
-            </a:r>
-          </a:p>
-        </p:txBody>
-      </p:sp>
-      <p:sp>
-        <p:nvSpPr>
-          <p:cNvPr id="24" name="TextBox 23"/>
-          <p:cNvSpPr txBox="1"/>
-          <p:nvPr/>
-        </p:nvSpPr>
-        <p:spPr>
-          <a:xfrm>
-            <a:off x="3328416" y="2980944"/>
-            <a:ext cx="2496312" cy="182880"/>
-          </a:xfrm>
-          <a:prstGeom prst="rect">
-            <a:avLst/>
-          </a:prstGeom>
-          <a:noFill/>
-        </p:spPr>
-        <p:txBody>
-          <a:bodyPr wrap="square"/>
-          <a:lstStyle/>
-          <a:p>
-            <a:pPr algn="ctr">
-              <a:spcBef>
-                <a:spcPts val="0"/>
-              </a:spcBef>
-              <a:spcAft>
-                <a:spcPts val="0"/>
-              </a:spcAft>
-            </a:pPr>
-            <a:r>
-              <a:rPr sz="700" b="1">
-                <a:solidFill>
-                  <a:srgbClr val="1A1A2E"/>
-                </a:solidFill>
-                <a:latin typeface="Calibri"/>
-              </a:rPr>
-              <a:t>ESG &amp; Sustainability</a:t>
-            </a:r>
-          </a:p>
-        </p:txBody>
-      </p:sp>
-      <p:sp>
-        <p:nvSpPr>
-          <p:cNvPr id="25" name="TextBox 24"/>
-          <p:cNvSpPr txBox="1"/>
-          <p:nvPr/>
-        </p:nvSpPr>
-        <p:spPr>
-          <a:xfrm>
-            <a:off x="3328416" y="3154680"/>
-            <a:ext cx="2496312" cy="804673"/>
-          </a:xfrm>
-          <a:prstGeom prst="rect">
-            <a:avLst/>
-          </a:prstGeom>
-          <a:noFill/>
-        </p:spPr>
-        <p:txBody>
-          <a:bodyPr wrap="square"/>
-          <a:lstStyle/>
-          <a:p>
-            <a:pPr algn="ctr">
-              <a:spcBef>
-                <a:spcPts val="0"/>
-              </a:spcBef>
-              <a:spcAft>
-                <a:spcPts val="0"/>
-              </a:spcAft>
-            </a:pPr>
-            <a:r>
-              <a:rPr sz="600" b="0">
-                <a:solidFill>
-                  <a:srgbClr val="555570"/>
-                </a:solidFill>
-                <a:latin typeface="Calibri"/>
-              </a:rPr>
-              <a:t>1,000-year corporate purpose records, SDG impact proof</a:t>
-            </a:r>
-          </a:p>
-        </p:txBody>
-      </p:sp>
-      <p:sp>
-        <p:nvSpPr>
-          <p:cNvPr id="26" name="Rectangle 25"/>
+          <p:cNvPr id="17" name="Oval 16"/>
           <p:cNvSpPr/>
           <p:nvPr/>
         </p:nvSpPr>
         <p:spPr>
           <a:xfrm>
-            <a:off x="6089904" y="2679192"/>
-            <a:ext cx="2606040" cy="1325880"/>
-          </a:xfrm>
-          <a:prstGeom prst="rect">
+            <a:off x="7228332" y="1261872"/>
+            <a:ext cx="329184" cy="329184"/>
+          </a:xfrm>
+          <a:prstGeom prst="ellipse">
             <a:avLst/>
           </a:prstGeom>
           <a:solidFill>
-            <a:srgbClr val="F8F9FB"/>
+            <a:srgbClr val="EFF6FF"/>
           </a:solidFill>
-          <a:ln w="9525">
-            <a:solidFill>
-              <a:srgbClr val="E2E5EB"/>
-            </a:solidFill>
+          <a:ln>
+            <a:noFill/>
           </a:ln>
         </p:spPr>
         <p:style>
@@ -10295,14 +10111,54 @@
       </p:sp>
       <p:sp>
         <p:nvSpPr>
-          <p:cNvPr id="27" name="TextBox 26"/>
-          <p:cNvSpPr txBox="1"/>
-          <p:nvPr/>
-        </p:nvSpPr>
-        <p:spPr>
-          <a:xfrm>
-            <a:off x="6089904" y="2724912"/>
-            <a:ext cx="2606040" cy="256032"/>
+          <p:cNvPr id="18" name="TextBox 17"/>
+          <p:cNvSpPr txBox="1"/>
+          <p:nvPr/>
+        </p:nvSpPr>
+        <p:spPr>
+          <a:xfrm>
+            <a:off x="7228332" y="1261872"/>
+            <a:ext cx="329184" cy="329184"/>
+          </a:xfrm>
+          <a:prstGeom prst="rect">
+            <a:avLst/>
+          </a:prstGeom>
+          <a:noFill/>
+        </p:spPr>
+        <p:txBody>
+          <a:bodyPr wrap="square" anchor="ctr"/>
+          <a:lstStyle/>
+          <a:p>
+            <a:pPr algn="ctr">
+              <a:spcBef>
+                <a:spcPts val="0"/>
+              </a:spcBef>
+              <a:spcAft>
+                <a:spcPts val="0"/>
+              </a:spcAft>
+            </a:pPr>
+            <a:r>
+              <a:rPr sz="900" b="1">
+                <a:solidFill>
+                  <a:srgbClr val="2563EB"/>
+                </a:solidFill>
+                <a:latin typeface="Calibri"/>
+              </a:rPr>
+              <a:t>R</a:t>
+            </a:r>
+          </a:p>
+        </p:txBody>
+      </p:sp>
+      <p:sp>
+        <p:nvSpPr>
+          <p:cNvPr id="19" name="TextBox 18"/>
+          <p:cNvSpPr txBox="1"/>
+          <p:nvPr/>
+        </p:nvSpPr>
+        <p:spPr>
+          <a:xfrm>
+            <a:off x="6144768" y="1627632"/>
+            <a:ext cx="2496312" cy="182880"/>
           </a:xfrm>
           <a:prstGeom prst="rect">
             <a:avLst/>
@@ -10322,27 +10178,27 @@
               </a:spcAft>
             </a:pPr>
             <a:r>
-              <a:rPr sz="1300" b="0">
-                <a:solidFill>
-                  <a:srgbClr val="1A1A2E"/>
-                </a:solidFill>
-                <a:latin typeface="Calibri"/>
-              </a:rPr>
-              <a:t>💼</a:t>
-            </a:r>
-          </a:p>
-        </p:txBody>
-      </p:sp>
-      <p:sp>
-        <p:nvSpPr>
-          <p:cNvPr id="28" name="TextBox 27"/>
-          <p:cNvSpPr txBox="1"/>
-          <p:nvPr/>
-        </p:nvSpPr>
-        <p:spPr>
-          <a:xfrm>
-            <a:off x="6144768" y="2980944"/>
-            <a:ext cx="2496312" cy="182880"/>
+              <a:rPr sz="700" b="1">
+                <a:solidFill>
+                  <a:srgbClr val="1E293B"/>
+                </a:solidFill>
+                <a:latin typeface="Calibri"/>
+              </a:rPr>
+              <a:t>Religious Institutions</a:t>
+            </a:r>
+          </a:p>
+        </p:txBody>
+      </p:sp>
+      <p:sp>
+        <p:nvSpPr>
+          <p:cNvPr id="20" name="TextBox 19"/>
+          <p:cNvSpPr txBox="1"/>
+          <p:nvPr/>
+        </p:nvSpPr>
+        <p:spPr>
+          <a:xfrm>
+            <a:off x="6144768" y="1810512"/>
+            <a:ext cx="2496312" cy="658368"/>
           </a:xfrm>
           <a:prstGeom prst="rect">
             <a:avLst/>
@@ -10362,76 +10218,38 @@
               </a:spcAft>
             </a:pPr>
             <a:r>
-              <a:rPr sz="700" b="1">
-                <a:solidFill>
-                  <a:srgbClr val="1A1A2E"/>
-                </a:solidFill>
-                <a:latin typeface="Calibri"/>
-              </a:rPr>
-              <a:t>Finance &amp; Insurance</a:t>
-            </a:r>
-          </a:p>
-        </p:txBody>
-      </p:sp>
-      <p:sp>
-        <p:nvSpPr>
-          <p:cNvPr id="29" name="TextBox 28"/>
-          <p:cNvSpPr txBox="1"/>
-          <p:nvPr/>
-        </p:nvSpPr>
-        <p:spPr>
-          <a:xfrm>
-            <a:off x="6144768" y="3154680"/>
-            <a:ext cx="2496312" cy="804673"/>
-          </a:xfrm>
-          <a:prstGeom prst="rect">
-            <a:avLst/>
-          </a:prstGeom>
-          <a:noFill/>
-        </p:spPr>
-        <p:txBody>
-          <a:bodyPr wrap="square"/>
-          <a:lstStyle/>
-          <a:p>
-            <a:pPr algn="ctr">
-              <a:spcBef>
-                <a:spcPts val="0"/>
-              </a:spcBef>
-              <a:spcAft>
-                <a:spcPts val="0"/>
-              </a:spcAft>
-            </a:pPr>
-            <a:r>
               <a:rPr sz="600" b="0">
                 <a:solidFill>
-                  <a:srgbClr val="555570"/>
-                </a:solidFill>
-                <a:latin typeface="Calibri"/>
-              </a:rPr>
-              <a:t>End-of-life service integration, digital estate</a:t>
-            </a:r>
-          </a:p>
-        </p:txBody>
-      </p:sp>
-      <p:sp>
-        <p:nvSpPr>
-          <p:cNvPr id="30" name="Rectangle 29"/>
+                  <a:srgbClr val="475569"/>
+                </a:solidFill>
+                <a:latin typeface="Calibri"/>
+              </a:rPr>
+              <a:t>Perpetual congregation records, visitor DX, cultural preservation</a:t>
+            </a:r>
+          </a:p>
+        </p:txBody>
+      </p:sp>
+      <p:sp>
+        <p:nvSpPr>
+          <p:cNvPr id="21" name="Rectangle 20"/>
           <p:cNvSpPr/>
           <p:nvPr/>
         </p:nvSpPr>
         <p:spPr>
           <a:xfrm>
-            <a:off x="0" y="4823460"/>
-            <a:ext cx="9144000" cy="6350"/>
+            <a:off x="457200" y="2679192"/>
+            <a:ext cx="2606040" cy="1325880"/>
           </a:xfrm>
           <a:prstGeom prst="rect">
             <a:avLst/>
           </a:prstGeom>
           <a:solidFill>
-            <a:srgbClr val="E2E5EB"/>
+            <a:srgbClr val="FFFFFF"/>
           </a:solidFill>
-          <a:ln>
-            <a:noFill/>
+          <a:ln w="9525">
+            <a:solidFill>
+              <a:srgbClr val="E2E8F0"/>
+            </a:solidFill>
           </a:ln>
         </p:spPr>
         <p:style>
@@ -10458,7 +10276,629 @@
       </p:sp>
       <p:sp>
         <p:nvSpPr>
-          <p:cNvPr id="31" name="TextBox 30"/>
+          <p:cNvPr id="22" name="Oval 21"/>
+          <p:cNvSpPr/>
+          <p:nvPr/>
+        </p:nvSpPr>
+        <p:spPr>
+          <a:xfrm>
+            <a:off x="1595628" y="2752344"/>
+            <a:ext cx="329184" cy="329184"/>
+          </a:xfrm>
+          <a:prstGeom prst="ellipse">
+            <a:avLst/>
+          </a:prstGeom>
+          <a:solidFill>
+            <a:srgbClr val="EFF6FF"/>
+          </a:solidFill>
+          <a:ln>
+            <a:noFill/>
+          </a:ln>
+        </p:spPr>
+        <p:style>
+          <a:lnRef idx="1">
+            <a:schemeClr val="accent1"/>
+          </a:lnRef>
+          <a:fillRef idx="3">
+            <a:schemeClr val="accent1"/>
+          </a:fillRef>
+          <a:effectRef idx="2">
+            <a:schemeClr val="accent1"/>
+          </a:effectRef>
+          <a:fontRef idx="minor">
+            <a:schemeClr val="lt1"/>
+          </a:fontRef>
+        </p:style>
+        <p:txBody>
+          <a:bodyPr rtlCol="0" anchor="ctr"/>
+          <a:lstStyle/>
+          <a:p>
+            <a:pPr algn="ctr"/>
+          </a:p>
+        </p:txBody>
+      </p:sp>
+      <p:sp>
+        <p:nvSpPr>
+          <p:cNvPr id="23" name="TextBox 22"/>
+          <p:cNvSpPr txBox="1"/>
+          <p:nvPr/>
+        </p:nvSpPr>
+        <p:spPr>
+          <a:xfrm>
+            <a:off x="1595628" y="2752344"/>
+            <a:ext cx="329184" cy="329184"/>
+          </a:xfrm>
+          <a:prstGeom prst="rect">
+            <a:avLst/>
+          </a:prstGeom>
+          <a:noFill/>
+        </p:spPr>
+        <p:txBody>
+          <a:bodyPr wrap="square" anchor="ctr"/>
+          <a:lstStyle/>
+          <a:p>
+            <a:pPr algn="ctr">
+              <a:spcBef>
+                <a:spcPts val="0"/>
+              </a:spcBef>
+              <a:spcAft>
+                <a:spcPts val="0"/>
+              </a:spcAft>
+            </a:pPr>
+            <a:r>
+              <a:rPr sz="900" b="1">
+                <a:solidFill>
+                  <a:srgbClr val="2563EB"/>
+                </a:solidFill>
+                <a:latin typeface="Calibri"/>
+              </a:rPr>
+              <a:t>G</a:t>
+            </a:r>
+          </a:p>
+        </p:txBody>
+      </p:sp>
+      <p:sp>
+        <p:nvSpPr>
+          <p:cNvPr id="24" name="TextBox 23"/>
+          <p:cNvSpPr txBox="1"/>
+          <p:nvPr/>
+        </p:nvSpPr>
+        <p:spPr>
+          <a:xfrm>
+            <a:off x="512064" y="3118104"/>
+            <a:ext cx="2496312" cy="182880"/>
+          </a:xfrm>
+          <a:prstGeom prst="rect">
+            <a:avLst/>
+          </a:prstGeom>
+          <a:noFill/>
+        </p:spPr>
+        <p:txBody>
+          <a:bodyPr wrap="square"/>
+          <a:lstStyle/>
+          <a:p>
+            <a:pPr algn="ctr">
+              <a:spcBef>
+                <a:spcPts val="0"/>
+              </a:spcBef>
+              <a:spcAft>
+                <a:spcPts val="0"/>
+              </a:spcAft>
+            </a:pPr>
+            <a:r>
+              <a:rPr sz="700" b="1">
+                <a:solidFill>
+                  <a:srgbClr val="1E293B"/>
+                </a:solidFill>
+                <a:latin typeface="Calibri"/>
+              </a:rPr>
+              <a:t>Government &amp; Education</a:t>
+            </a:r>
+          </a:p>
+        </p:txBody>
+      </p:sp>
+      <p:sp>
+        <p:nvSpPr>
+          <p:cNvPr id="25" name="TextBox 24"/>
+          <p:cNvSpPr txBox="1"/>
+          <p:nvPr/>
+        </p:nvSpPr>
+        <p:spPr>
+          <a:xfrm>
+            <a:off x="512064" y="3300984"/>
+            <a:ext cx="2496312" cy="658368"/>
+          </a:xfrm>
+          <a:prstGeom prst="rect">
+            <a:avLst/>
+          </a:prstGeom>
+          <a:noFill/>
+        </p:spPr>
+        <p:txBody>
+          <a:bodyPr wrap="square"/>
+          <a:lstStyle/>
+          <a:p>
+            <a:pPr algn="ctr">
+              <a:spcBef>
+                <a:spcPts val="0"/>
+              </a:spcBef>
+              <a:spcAft>
+                <a:spcPts val="0"/>
+              </a:spcAft>
+            </a:pPr>
+            <a:r>
+              <a:rPr sz="600" b="0">
+                <a:solidFill>
+                  <a:srgbClr val="475569"/>
+                </a:solidFill>
+                <a:latin typeface="Calibri"/>
+              </a:rPr>
+              <a:t>Community archives, disaster records, school history</a:t>
+            </a:r>
+          </a:p>
+        </p:txBody>
+      </p:sp>
+      <p:sp>
+        <p:nvSpPr>
+          <p:cNvPr id="26" name="Rectangle 25"/>
+          <p:cNvSpPr/>
+          <p:nvPr/>
+        </p:nvSpPr>
+        <p:spPr>
+          <a:xfrm>
+            <a:off x="3273552" y="2679192"/>
+            <a:ext cx="2606040" cy="1325880"/>
+          </a:xfrm>
+          <a:prstGeom prst="rect">
+            <a:avLst/>
+          </a:prstGeom>
+          <a:solidFill>
+            <a:srgbClr val="FFFFFF"/>
+          </a:solidFill>
+          <a:ln w="9525">
+            <a:solidFill>
+              <a:srgbClr val="E2E8F0"/>
+            </a:solidFill>
+          </a:ln>
+        </p:spPr>
+        <p:style>
+          <a:lnRef idx="1">
+            <a:schemeClr val="accent1"/>
+          </a:lnRef>
+          <a:fillRef idx="3">
+            <a:schemeClr val="accent1"/>
+          </a:fillRef>
+          <a:effectRef idx="2">
+            <a:schemeClr val="accent1"/>
+          </a:effectRef>
+          <a:fontRef idx="minor">
+            <a:schemeClr val="lt1"/>
+          </a:fontRef>
+        </p:style>
+        <p:txBody>
+          <a:bodyPr rtlCol="0" anchor="ctr"/>
+          <a:lstStyle/>
+          <a:p>
+            <a:pPr algn="ctr"/>
+          </a:p>
+        </p:txBody>
+      </p:sp>
+      <p:sp>
+        <p:nvSpPr>
+          <p:cNvPr id="27" name="Oval 26"/>
+          <p:cNvSpPr/>
+          <p:nvPr/>
+        </p:nvSpPr>
+        <p:spPr>
+          <a:xfrm>
+            <a:off x="4411980" y="2752344"/>
+            <a:ext cx="329184" cy="329184"/>
+          </a:xfrm>
+          <a:prstGeom prst="ellipse">
+            <a:avLst/>
+          </a:prstGeom>
+          <a:solidFill>
+            <a:srgbClr val="EFF6FF"/>
+          </a:solidFill>
+          <a:ln>
+            <a:noFill/>
+          </a:ln>
+        </p:spPr>
+        <p:style>
+          <a:lnRef idx="1">
+            <a:schemeClr val="accent1"/>
+          </a:lnRef>
+          <a:fillRef idx="3">
+            <a:schemeClr val="accent1"/>
+          </a:fillRef>
+          <a:effectRef idx="2">
+            <a:schemeClr val="accent1"/>
+          </a:effectRef>
+          <a:fontRef idx="minor">
+            <a:schemeClr val="lt1"/>
+          </a:fontRef>
+        </p:style>
+        <p:txBody>
+          <a:bodyPr rtlCol="0" anchor="ctr"/>
+          <a:lstStyle/>
+          <a:p>
+            <a:pPr algn="ctr"/>
+          </a:p>
+        </p:txBody>
+      </p:sp>
+      <p:sp>
+        <p:nvSpPr>
+          <p:cNvPr id="28" name="TextBox 27"/>
+          <p:cNvSpPr txBox="1"/>
+          <p:nvPr/>
+        </p:nvSpPr>
+        <p:spPr>
+          <a:xfrm>
+            <a:off x="4411980" y="2752344"/>
+            <a:ext cx="329184" cy="329184"/>
+          </a:xfrm>
+          <a:prstGeom prst="rect">
+            <a:avLst/>
+          </a:prstGeom>
+          <a:noFill/>
+        </p:spPr>
+        <p:txBody>
+          <a:bodyPr wrap="square" anchor="ctr"/>
+          <a:lstStyle/>
+          <a:p>
+            <a:pPr algn="ctr">
+              <a:spcBef>
+                <a:spcPts val="0"/>
+              </a:spcBef>
+              <a:spcAft>
+                <a:spcPts val="0"/>
+              </a:spcAft>
+            </a:pPr>
+            <a:r>
+              <a:rPr sz="900" b="1">
+                <a:solidFill>
+                  <a:srgbClr val="2563EB"/>
+                </a:solidFill>
+                <a:latin typeface="Calibri"/>
+              </a:rPr>
+              <a:t>E</a:t>
+            </a:r>
+          </a:p>
+        </p:txBody>
+      </p:sp>
+      <p:sp>
+        <p:nvSpPr>
+          <p:cNvPr id="29" name="TextBox 28"/>
+          <p:cNvSpPr txBox="1"/>
+          <p:nvPr/>
+        </p:nvSpPr>
+        <p:spPr>
+          <a:xfrm>
+            <a:off x="3328416" y="3118104"/>
+            <a:ext cx="2496312" cy="182880"/>
+          </a:xfrm>
+          <a:prstGeom prst="rect">
+            <a:avLst/>
+          </a:prstGeom>
+          <a:noFill/>
+        </p:spPr>
+        <p:txBody>
+          <a:bodyPr wrap="square"/>
+          <a:lstStyle/>
+          <a:p>
+            <a:pPr algn="ctr">
+              <a:spcBef>
+                <a:spcPts val="0"/>
+              </a:spcBef>
+              <a:spcAft>
+                <a:spcPts val="0"/>
+              </a:spcAft>
+            </a:pPr>
+            <a:r>
+              <a:rPr sz="700" b="1">
+                <a:solidFill>
+                  <a:srgbClr val="1E293B"/>
+                </a:solidFill>
+                <a:latin typeface="Calibri"/>
+              </a:rPr>
+              <a:t>ESG &amp; Sustainability</a:t>
+            </a:r>
+          </a:p>
+        </p:txBody>
+      </p:sp>
+      <p:sp>
+        <p:nvSpPr>
+          <p:cNvPr id="30" name="TextBox 29"/>
+          <p:cNvSpPr txBox="1"/>
+          <p:nvPr/>
+        </p:nvSpPr>
+        <p:spPr>
+          <a:xfrm>
+            <a:off x="3328416" y="3300984"/>
+            <a:ext cx="2496312" cy="658368"/>
+          </a:xfrm>
+          <a:prstGeom prst="rect">
+            <a:avLst/>
+          </a:prstGeom>
+          <a:noFill/>
+        </p:spPr>
+        <p:txBody>
+          <a:bodyPr wrap="square"/>
+          <a:lstStyle/>
+          <a:p>
+            <a:pPr algn="ctr">
+              <a:spcBef>
+                <a:spcPts val="0"/>
+              </a:spcBef>
+              <a:spcAft>
+                <a:spcPts val="0"/>
+              </a:spcAft>
+            </a:pPr>
+            <a:r>
+              <a:rPr sz="600" b="0">
+                <a:solidFill>
+                  <a:srgbClr val="475569"/>
+                </a:solidFill>
+                <a:latin typeface="Calibri"/>
+              </a:rPr>
+              <a:t>1,000-year corporate purpose records, SDG impact proof</a:t>
+            </a:r>
+          </a:p>
+        </p:txBody>
+      </p:sp>
+      <p:sp>
+        <p:nvSpPr>
+          <p:cNvPr id="31" name="Rectangle 30"/>
+          <p:cNvSpPr/>
+          <p:nvPr/>
+        </p:nvSpPr>
+        <p:spPr>
+          <a:xfrm>
+            <a:off x="6089904" y="2679192"/>
+            <a:ext cx="2606040" cy="1325880"/>
+          </a:xfrm>
+          <a:prstGeom prst="rect">
+            <a:avLst/>
+          </a:prstGeom>
+          <a:solidFill>
+            <a:srgbClr val="FFFFFF"/>
+          </a:solidFill>
+          <a:ln w="9525">
+            <a:solidFill>
+              <a:srgbClr val="E2E8F0"/>
+            </a:solidFill>
+          </a:ln>
+        </p:spPr>
+        <p:style>
+          <a:lnRef idx="1">
+            <a:schemeClr val="accent1"/>
+          </a:lnRef>
+          <a:fillRef idx="3">
+            <a:schemeClr val="accent1"/>
+          </a:fillRef>
+          <a:effectRef idx="2">
+            <a:schemeClr val="accent1"/>
+          </a:effectRef>
+          <a:fontRef idx="minor">
+            <a:schemeClr val="lt1"/>
+          </a:fontRef>
+        </p:style>
+        <p:txBody>
+          <a:bodyPr rtlCol="0" anchor="ctr"/>
+          <a:lstStyle/>
+          <a:p>
+            <a:pPr algn="ctr"/>
+          </a:p>
+        </p:txBody>
+      </p:sp>
+      <p:sp>
+        <p:nvSpPr>
+          <p:cNvPr id="32" name="Oval 31"/>
+          <p:cNvSpPr/>
+          <p:nvPr/>
+        </p:nvSpPr>
+        <p:spPr>
+          <a:xfrm>
+            <a:off x="7228332" y="2752344"/>
+            <a:ext cx="329184" cy="329184"/>
+          </a:xfrm>
+          <a:prstGeom prst="ellipse">
+            <a:avLst/>
+          </a:prstGeom>
+          <a:solidFill>
+            <a:srgbClr val="EFF6FF"/>
+          </a:solidFill>
+          <a:ln>
+            <a:noFill/>
+          </a:ln>
+        </p:spPr>
+        <p:style>
+          <a:lnRef idx="1">
+            <a:schemeClr val="accent1"/>
+          </a:lnRef>
+          <a:fillRef idx="3">
+            <a:schemeClr val="accent1"/>
+          </a:fillRef>
+          <a:effectRef idx="2">
+            <a:schemeClr val="accent1"/>
+          </a:effectRef>
+          <a:fontRef idx="minor">
+            <a:schemeClr val="lt1"/>
+          </a:fontRef>
+        </p:style>
+        <p:txBody>
+          <a:bodyPr rtlCol="0" anchor="ctr"/>
+          <a:lstStyle/>
+          <a:p>
+            <a:pPr algn="ctr"/>
+          </a:p>
+        </p:txBody>
+      </p:sp>
+      <p:sp>
+        <p:nvSpPr>
+          <p:cNvPr id="33" name="TextBox 32"/>
+          <p:cNvSpPr txBox="1"/>
+          <p:nvPr/>
+        </p:nvSpPr>
+        <p:spPr>
+          <a:xfrm>
+            <a:off x="7228332" y="2752344"/>
+            <a:ext cx="329184" cy="329184"/>
+          </a:xfrm>
+          <a:prstGeom prst="rect">
+            <a:avLst/>
+          </a:prstGeom>
+          <a:noFill/>
+        </p:spPr>
+        <p:txBody>
+          <a:bodyPr wrap="square" anchor="ctr"/>
+          <a:lstStyle/>
+          <a:p>
+            <a:pPr algn="ctr">
+              <a:spcBef>
+                <a:spcPts val="0"/>
+              </a:spcBef>
+              <a:spcAft>
+                <a:spcPts val="0"/>
+              </a:spcAft>
+            </a:pPr>
+            <a:r>
+              <a:rPr sz="900" b="1">
+                <a:solidFill>
+                  <a:srgbClr val="2563EB"/>
+                </a:solidFill>
+                <a:latin typeface="Calibri"/>
+              </a:rPr>
+              <a:t>F</a:t>
+            </a:r>
+          </a:p>
+        </p:txBody>
+      </p:sp>
+      <p:sp>
+        <p:nvSpPr>
+          <p:cNvPr id="34" name="TextBox 33"/>
+          <p:cNvSpPr txBox="1"/>
+          <p:nvPr/>
+        </p:nvSpPr>
+        <p:spPr>
+          <a:xfrm>
+            <a:off x="6144768" y="3118104"/>
+            <a:ext cx="2496312" cy="182880"/>
+          </a:xfrm>
+          <a:prstGeom prst="rect">
+            <a:avLst/>
+          </a:prstGeom>
+          <a:noFill/>
+        </p:spPr>
+        <p:txBody>
+          <a:bodyPr wrap="square"/>
+          <a:lstStyle/>
+          <a:p>
+            <a:pPr algn="ctr">
+              <a:spcBef>
+                <a:spcPts val="0"/>
+              </a:spcBef>
+              <a:spcAft>
+                <a:spcPts val="0"/>
+              </a:spcAft>
+            </a:pPr>
+            <a:r>
+              <a:rPr sz="700" b="1">
+                <a:solidFill>
+                  <a:srgbClr val="1E293B"/>
+                </a:solidFill>
+                <a:latin typeface="Calibri"/>
+              </a:rPr>
+              <a:t>Finance &amp; Insurance</a:t>
+            </a:r>
+          </a:p>
+        </p:txBody>
+      </p:sp>
+      <p:sp>
+        <p:nvSpPr>
+          <p:cNvPr id="35" name="TextBox 34"/>
+          <p:cNvSpPr txBox="1"/>
+          <p:nvPr/>
+        </p:nvSpPr>
+        <p:spPr>
+          <a:xfrm>
+            <a:off x="6144768" y="3300984"/>
+            <a:ext cx="2496312" cy="658368"/>
+          </a:xfrm>
+          <a:prstGeom prst="rect">
+            <a:avLst/>
+          </a:prstGeom>
+          <a:noFill/>
+        </p:spPr>
+        <p:txBody>
+          <a:bodyPr wrap="square"/>
+          <a:lstStyle/>
+          <a:p>
+            <a:pPr algn="ctr">
+              <a:spcBef>
+                <a:spcPts val="0"/>
+              </a:spcBef>
+              <a:spcAft>
+                <a:spcPts val="0"/>
+              </a:spcAft>
+            </a:pPr>
+            <a:r>
+              <a:rPr sz="600" b="0">
+                <a:solidFill>
+                  <a:srgbClr val="475569"/>
+                </a:solidFill>
+                <a:latin typeface="Calibri"/>
+              </a:rPr>
+              <a:t>End-of-life service integration, digital estate</a:t>
+            </a:r>
+          </a:p>
+        </p:txBody>
+      </p:sp>
+      <p:sp>
+        <p:nvSpPr>
+          <p:cNvPr id="36" name="Rectangle 35"/>
+          <p:cNvSpPr/>
+          <p:nvPr/>
+        </p:nvSpPr>
+        <p:spPr>
+          <a:xfrm>
+            <a:off x="0" y="4823460"/>
+            <a:ext cx="9144000" cy="6350"/>
+          </a:xfrm>
+          <a:prstGeom prst="rect">
+            <a:avLst/>
+          </a:prstGeom>
+          <a:solidFill>
+            <a:srgbClr val="E2E8F0"/>
+          </a:solidFill>
+          <a:ln>
+            <a:noFill/>
+          </a:ln>
+        </p:spPr>
+        <p:style>
+          <a:lnRef idx="1">
+            <a:schemeClr val="accent1"/>
+          </a:lnRef>
+          <a:fillRef idx="3">
+            <a:schemeClr val="accent1"/>
+          </a:fillRef>
+          <a:effectRef idx="2">
+            <a:schemeClr val="accent1"/>
+          </a:effectRef>
+          <a:fontRef idx="minor">
+            <a:schemeClr val="lt1"/>
+          </a:fontRef>
+        </p:style>
+        <p:txBody>
+          <a:bodyPr rtlCol="0" anchor="ctr"/>
+          <a:lstStyle/>
+          <a:p>
+            <a:pPr algn="ctr"/>
+          </a:p>
+        </p:txBody>
+      </p:sp>
+      <p:sp>
+        <p:nvSpPr>
+          <p:cNvPr id="37" name="TextBox 36"/>
           <p:cNvSpPr txBox="1"/>
           <p:nvPr/>
         </p:nvSpPr>
@@ -10487,7 +10927,7 @@
             <a:r>
               <a:rPr sz="650" b="0">
                 <a:solidFill>
-                  <a:srgbClr val="9999AA"/>
+                  <a:srgbClr val="94A3B8"/>
                 </a:solidFill>
                 <a:latin typeface="Calibri"/>
               </a:rPr>
@@ -10498,7 +10938,7 @@
       </p:sp>
       <p:sp>
         <p:nvSpPr>
-          <p:cNvPr id="32" name="TextBox 31"/>
+          <p:cNvPr id="38" name="TextBox 37"/>
           <p:cNvSpPr txBox="1"/>
           <p:nvPr/>
         </p:nvSpPr>
@@ -10527,7 +10967,7 @@
             <a:r>
               <a:rPr sz="650" b="0">
                 <a:solidFill>
-                  <a:srgbClr val="9999AA"/>
+                  <a:srgbClr val="94A3B8"/>
                 </a:solidFill>
                 <a:latin typeface="Calibri"/>
               </a:rPr>
@@ -10538,7 +10978,7 @@
       </p:sp>
       <p:sp>
         <p:nvSpPr>
-          <p:cNvPr id="33" name="TextBox 32"/>
+          <p:cNvPr id="39" name="TextBox 38"/>
           <p:cNvSpPr txBox="1"/>
           <p:nvPr/>
         </p:nvSpPr>
@@ -10567,7 +11007,7 @@
             <a:r>
               <a:rPr sz="650" b="1">
                 <a:solidFill>
-                  <a:srgbClr val="9999AA"/>
+                  <a:srgbClr val="94A3B8"/>
                 </a:solidFill>
                 <a:latin typeface="Calibri"/>
               </a:rPr>
@@ -10609,7 +11049,7 @@
             <a:avLst/>
           </a:prstGeom>
           <a:solidFill>
-            <a:srgbClr val="0A1628"/>
+            <a:srgbClr val="1E293B"/>
           </a:solidFill>
           <a:ln>
             <a:noFill/>
@@ -10708,7 +11148,7 @@
             <a:r>
               <a:rPr sz="700" b="1">
                 <a:solidFill>
-                  <a:srgbClr val="1E6FD9"/>
+                  <a:srgbClr val="2563EB"/>
                 </a:solidFill>
                 <a:latin typeface="Calibri"/>
               </a:rPr>
@@ -10719,7 +11159,7 @@
       </p:sp>
       <p:sp>
         <p:nvSpPr>
-          <p:cNvPr id="5" name="Rectangle 4"/>
+          <p:cNvPr id="5" name="Oval 4"/>
           <p:cNvSpPr/>
           <p:nvPr/>
         </p:nvSpPr>
@@ -10728,11 +11168,11 @@
             <a:off x="457200" y="914400"/>
             <a:ext cx="548640" cy="548640"/>
           </a:xfrm>
-          <a:prstGeom prst="rect">
+          <a:prstGeom prst="ellipse">
             <a:avLst/>
           </a:prstGeom>
           <a:solidFill>
-            <a:srgbClr val="0A1628"/>
+            <a:srgbClr val="1E293B"/>
           </a:solidFill>
           <a:ln>
             <a:noFill/>
@@ -10762,8 +11202,8 @@
       </p:sp>
       <p:sp>
         <p:nvSpPr>
-          <p:cNvPr id="6" name="Oval 5"/>
-          <p:cNvSpPr/>
+          <p:cNvPr id="6" name="TextBox 5"/>
+          <p:cNvSpPr txBox="1"/>
           <p:nvPr/>
         </p:nvSpPr>
         <p:spPr>
@@ -10771,14 +11211,136 @@
             <a:off x="457200" y="914400"/>
             <a:ext cx="548640" cy="548640"/>
           </a:xfrm>
-          <a:prstGeom prst="ellipse">
+          <a:prstGeom prst="rect">
+            <a:avLst/>
+          </a:prstGeom>
+          <a:noFill/>
+        </p:spPr>
+        <p:txBody>
+          <a:bodyPr wrap="square" anchor="ctr"/>
+          <a:lstStyle/>
+          <a:p>
+            <a:pPr algn="ctr">
+              <a:spcBef>
+                <a:spcPts val="0"/>
+              </a:spcBef>
+              <a:spcAft>
+                <a:spcPts val="0"/>
+              </a:spcAft>
+            </a:pPr>
+            <a:r>
+              <a:rPr sz="1200" b="1">
+                <a:solidFill>
+                  <a:srgbClr val="FFFFFF"/>
+                </a:solidFill>
+                <a:latin typeface="Calibri"/>
+              </a:rPr>
+              <a:t>TS</a:t>
+            </a:r>
+          </a:p>
+        </p:txBody>
+      </p:sp>
+      <p:sp>
+        <p:nvSpPr>
+          <p:cNvPr id="7" name="TextBox 6"/>
+          <p:cNvSpPr txBox="1"/>
+          <p:nvPr/>
+        </p:nvSpPr>
+        <p:spPr>
+          <a:xfrm>
+            <a:off x="1143000" y="914400"/>
+            <a:ext cx="6400800" cy="228600"/>
+          </a:xfrm>
+          <a:prstGeom prst="rect">
+            <a:avLst/>
+          </a:prstGeom>
+          <a:noFill/>
+        </p:spPr>
+        <p:txBody>
+          <a:bodyPr wrap="square"/>
+          <a:lstStyle/>
+          <a:p>
+            <a:pPr algn="l">
+              <a:spcBef>
+                <a:spcPts val="0"/>
+              </a:spcBef>
+              <a:spcAft>
+                <a:spcPts val="0"/>
+              </a:spcAft>
+            </a:pPr>
+            <a:r>
+              <a:rPr sz="800" b="1">
+                <a:solidFill>
+                  <a:srgbClr val="1E293B"/>
+                </a:solidFill>
+                <a:latin typeface="Calibri"/>
+              </a:rPr>
+              <a:t>Takuya Sato — CEO, Universal Need Inc.</a:t>
+            </a:r>
+          </a:p>
+        </p:txBody>
+      </p:sp>
+      <p:sp>
+        <p:nvSpPr>
+          <p:cNvPr id="8" name="TextBox 7"/>
+          <p:cNvSpPr txBox="1"/>
+          <p:nvPr/>
+        </p:nvSpPr>
+        <p:spPr>
+          <a:xfrm>
+            <a:off x="1143000" y="1170432"/>
+            <a:ext cx="6858000" cy="868680"/>
+          </a:xfrm>
+          <a:prstGeom prst="rect">
+            <a:avLst/>
+          </a:prstGeom>
+          <a:noFill/>
+        </p:spPr>
+        <p:txBody>
+          <a:bodyPr wrap="square"/>
+          <a:lstStyle/>
+          <a:p>
+            <a:pPr algn="l">
+              <a:spcBef>
+                <a:spcPts val="0"/>
+              </a:spcBef>
+              <a:spcAft>
+                <a:spcPts val="0"/>
+              </a:spcAft>
+            </a:pPr>
+            <a:r>
+              <a:rPr sz="650" b="0">
+                <a:solidFill>
+                  <a:srgbClr val="475569"/>
+                </a:solidFill>
+                <a:latin typeface="Calibri"/>
+              </a:rPr>
+              <a:t>Former Big Four consultant — understands firm culture, client engagement, and project design from the inside. 20+ years in semiconductor manufacturing engineering. Former president of Timeless Town Shin-Urayasu residents' association (250 households). Through SoulCarrier's work with unclaimed graves, witnessed firsthand how memories vanish — and conceived TokiStorage. Validated off-grid, institution-free 1,000-year design through testing in Maui and Lake Yamanakako.</a:t>
+            </a:r>
+          </a:p>
+        </p:txBody>
+      </p:sp>
+      <p:sp>
+        <p:nvSpPr>
+          <p:cNvPr id="9" name="Rectangle 8"/>
+          <p:cNvSpPr/>
+          <p:nvPr/>
+        </p:nvSpPr>
+        <p:spPr>
+          <a:xfrm>
+            <a:off x="1143000" y="2011680"/>
+            <a:ext cx="1394460" cy="201168"/>
+          </a:xfrm>
+          <a:prstGeom prst="rect">
             <a:avLst/>
           </a:prstGeom>
           <a:solidFill>
-            <a:srgbClr val="0A1628"/>
+            <a:srgbClr val="F1F5F9"/>
           </a:solidFill>
-          <a:ln>
-            <a:noFill/>
+          <a:ln w="9525">
+            <a:solidFill>
+              <a:srgbClr val="E2E8F0"/>
+            </a:solidFill>
           </a:ln>
         </p:spPr>
         <p:style>
@@ -10805,14 +11367,14 @@
       </p:sp>
       <p:sp>
         <p:nvSpPr>
-          <p:cNvPr id="7" name="TextBox 6"/>
-          <p:cNvSpPr txBox="1"/>
-          <p:nvPr/>
-        </p:nvSpPr>
-        <p:spPr>
-          <a:xfrm>
-            <a:off x="457200" y="914400"/>
-            <a:ext cx="548640" cy="548640"/>
+          <p:cNvPr id="10" name="TextBox 9"/>
+          <p:cNvSpPr txBox="1"/>
+          <p:nvPr/>
+        </p:nvSpPr>
+        <p:spPr>
+          <a:xfrm>
+            <a:off x="1188720" y="2011680"/>
+            <a:ext cx="1303020" cy="201168"/>
           </a:xfrm>
           <a:prstGeom prst="rect">
             <a:avLst/>
@@ -10832,117 +11394,37 @@
               </a:spcAft>
             </a:pPr>
             <a:r>
-              <a:rPr sz="1200" b="1">
-                <a:solidFill>
-                  <a:srgbClr val="FFFFFF"/>
-                </a:solidFill>
-                <a:latin typeface="Calibri"/>
-              </a:rPr>
-              <a:t>TS</a:t>
-            </a:r>
-          </a:p>
-        </p:txBody>
-      </p:sp>
-      <p:sp>
-        <p:nvSpPr>
-          <p:cNvPr id="8" name="TextBox 7"/>
-          <p:cNvSpPr txBox="1"/>
-          <p:nvPr/>
-        </p:nvSpPr>
-        <p:spPr>
-          <a:xfrm>
-            <a:off x="1143000" y="914400"/>
-            <a:ext cx="6400800" cy="228600"/>
-          </a:xfrm>
-          <a:prstGeom prst="rect">
-            <a:avLst/>
-          </a:prstGeom>
-          <a:noFill/>
-        </p:spPr>
-        <p:txBody>
-          <a:bodyPr wrap="square"/>
-          <a:lstStyle/>
-          <a:p>
-            <a:pPr algn="l">
-              <a:spcBef>
-                <a:spcPts val="0"/>
-              </a:spcBef>
-              <a:spcAft>
-                <a:spcPts val="0"/>
-              </a:spcAft>
-            </a:pPr>
-            <a:r>
-              <a:rPr sz="800" b="1">
-                <a:solidFill>
-                  <a:srgbClr val="1A1A2E"/>
-                </a:solidFill>
-                <a:latin typeface="Calibri"/>
-              </a:rPr>
-              <a:t>Takuya Sato — CEO, Universal Need Inc.</a:t>
-            </a:r>
-          </a:p>
-        </p:txBody>
-      </p:sp>
-      <p:sp>
-        <p:nvSpPr>
-          <p:cNvPr id="9" name="TextBox 8"/>
-          <p:cNvSpPr txBox="1"/>
-          <p:nvPr/>
-        </p:nvSpPr>
-        <p:spPr>
-          <a:xfrm>
-            <a:off x="1143000" y="1170432"/>
-            <a:ext cx="6858000" cy="868680"/>
-          </a:xfrm>
-          <a:prstGeom prst="rect">
-            <a:avLst/>
-          </a:prstGeom>
-          <a:noFill/>
-        </p:spPr>
-        <p:txBody>
-          <a:bodyPr wrap="square"/>
-          <a:lstStyle/>
-          <a:p>
-            <a:pPr algn="l">
-              <a:spcBef>
-                <a:spcPts val="0"/>
-              </a:spcBef>
-              <a:spcAft>
-                <a:spcPts val="0"/>
-              </a:spcAft>
-            </a:pPr>
-            <a:r>
-              <a:rPr sz="650" b="0">
-                <a:solidFill>
-                  <a:srgbClr val="555570"/>
-                </a:solidFill>
-                <a:latin typeface="Calibri"/>
-              </a:rPr>
-              <a:t>Former Big Four consultant — understands firm culture, client engagement, and project design from the inside. 20+ years in semiconductor manufacturing engineering. Former president of Timeless Town Shin-Urayasu residents' association (250 households). Through SoulCarrier's work with unclaimed graves, witnessed firsthand how memories vanish — and conceived TokiStorage. Validated off-grid, institution-free 1,000-year design through testing in Maui and Lake Yamanakako.</a:t>
-            </a:r>
-          </a:p>
-        </p:txBody>
-      </p:sp>
-      <p:sp>
-        <p:nvSpPr>
-          <p:cNvPr id="10" name="Rectangle 9"/>
+              <a:rPr sz="550" b="0">
+                <a:solidFill>
+                  <a:srgbClr val="475569"/>
+                </a:solidFill>
+                <a:latin typeface="Calibri"/>
+              </a:rPr>
+              <a:t>Big Four Alumni</a:t>
+            </a:r>
+          </a:p>
+        </p:txBody>
+      </p:sp>
+      <p:sp>
+        <p:nvSpPr>
+          <p:cNvPr id="11" name="Rectangle 10"/>
           <p:cNvSpPr/>
           <p:nvPr/>
         </p:nvSpPr>
         <p:spPr>
           <a:xfrm>
-            <a:off x="1143000" y="2011680"/>
-            <a:ext cx="1394460" cy="201168"/>
+            <a:off x="2610612" y="2011680"/>
+            <a:ext cx="2793492" cy="201168"/>
           </a:xfrm>
           <a:prstGeom prst="rect">
             <a:avLst/>
           </a:prstGeom>
           <a:solidFill>
-            <a:srgbClr val="F8F9FB"/>
+            <a:srgbClr val="F1F5F9"/>
           </a:solidFill>
           <a:ln w="9525">
             <a:solidFill>
-              <a:srgbClr val="E2E5EB"/>
+              <a:srgbClr val="E2E8F0"/>
             </a:solidFill>
           </a:ln>
         </p:spPr>
@@ -10970,14 +11452,14 @@
       </p:sp>
       <p:sp>
         <p:nvSpPr>
-          <p:cNvPr id="11" name="TextBox 10"/>
-          <p:cNvSpPr txBox="1"/>
-          <p:nvPr/>
-        </p:nvSpPr>
-        <p:spPr>
-          <a:xfrm>
-            <a:off x="1188720" y="2011680"/>
-            <a:ext cx="1303020" cy="201168"/>
+          <p:cNvPr id="12" name="TextBox 11"/>
+          <p:cNvSpPr txBox="1"/>
+          <p:nvPr/>
+        </p:nvSpPr>
+        <p:spPr>
+          <a:xfrm>
+            <a:off x="2656332" y="2011680"/>
+            <a:ext cx="2702052" cy="201168"/>
           </a:xfrm>
           <a:prstGeom prst="rect">
             <a:avLst/>
@@ -10999,35 +11481,35 @@
             <a:r>
               <a:rPr sz="550" b="0">
                 <a:solidFill>
-                  <a:srgbClr val="555570"/>
-                </a:solidFill>
-                <a:latin typeface="Calibri"/>
-              </a:rPr>
-              <a:t>Big Four Alumni</a:t>
-            </a:r>
-          </a:p>
-        </p:txBody>
-      </p:sp>
-      <p:sp>
-        <p:nvSpPr>
-          <p:cNvPr id="12" name="Rectangle 11"/>
+                  <a:srgbClr val="475569"/>
+                </a:solidFill>
+                <a:latin typeface="Calibri"/>
+              </a:rPr>
+              <a:t>Semiconductor engineering 20+ yrs</a:t>
+            </a:r>
+          </a:p>
+        </p:txBody>
+      </p:sp>
+      <p:sp>
+        <p:nvSpPr>
+          <p:cNvPr id="13" name="Rectangle 12"/>
           <p:cNvSpPr/>
           <p:nvPr/>
         </p:nvSpPr>
         <p:spPr>
           <a:xfrm>
-            <a:off x="2610612" y="2011680"/>
-            <a:ext cx="2793492" cy="201168"/>
+            <a:off x="5477256" y="2011680"/>
+            <a:ext cx="3026664" cy="201168"/>
           </a:xfrm>
           <a:prstGeom prst="rect">
             <a:avLst/>
           </a:prstGeom>
           <a:solidFill>
-            <a:srgbClr val="F8F9FB"/>
+            <a:srgbClr val="F1F5F9"/>
           </a:solidFill>
           <a:ln w="9525">
             <a:solidFill>
-              <a:srgbClr val="E2E5EB"/>
+              <a:srgbClr val="E2E8F0"/>
             </a:solidFill>
           </a:ln>
         </p:spPr>
@@ -11055,14 +11537,14 @@
       </p:sp>
       <p:sp>
         <p:nvSpPr>
-          <p:cNvPr id="13" name="TextBox 12"/>
-          <p:cNvSpPr txBox="1"/>
-          <p:nvPr/>
-        </p:nvSpPr>
-        <p:spPr>
-          <a:xfrm>
-            <a:off x="2656332" y="2011680"/>
-            <a:ext cx="2702052" cy="201168"/>
+          <p:cNvPr id="14" name="TextBox 13"/>
+          <p:cNvSpPr txBox="1"/>
+          <p:nvPr/>
+        </p:nvSpPr>
+        <p:spPr>
+          <a:xfrm>
+            <a:off x="5522976" y="2011680"/>
+            <a:ext cx="2935224" cy="201168"/>
           </a:xfrm>
           <a:prstGeom prst="rect">
             <a:avLst/>
@@ -11084,35 +11566,35 @@
             <a:r>
               <a:rPr sz="550" b="0">
                 <a:solidFill>
-                  <a:srgbClr val="555570"/>
-                </a:solidFill>
-                <a:latin typeface="Calibri"/>
-              </a:rPr>
-              <a:t>Semiconductor engineering 20+ yrs</a:t>
-            </a:r>
-          </a:p>
-        </p:txBody>
-      </p:sp>
-      <p:sp>
-        <p:nvSpPr>
-          <p:cNvPr id="14" name="Rectangle 13"/>
+                  <a:srgbClr val="475569"/>
+                </a:solidFill>
+                <a:latin typeface="Calibri"/>
+              </a:rPr>
+              <a:t>Community president (250 households)</a:t>
+            </a:r>
+          </a:p>
+        </p:txBody>
+      </p:sp>
+      <p:sp>
+        <p:nvSpPr>
+          <p:cNvPr id="15" name="Rectangle 14"/>
           <p:cNvSpPr/>
           <p:nvPr/>
         </p:nvSpPr>
         <p:spPr>
           <a:xfrm>
-            <a:off x="5477256" y="2011680"/>
-            <a:ext cx="3026664" cy="201168"/>
+            <a:off x="1143000" y="2267712"/>
+            <a:ext cx="1705356" cy="201168"/>
           </a:xfrm>
           <a:prstGeom prst="rect">
             <a:avLst/>
           </a:prstGeom>
           <a:solidFill>
-            <a:srgbClr val="F8F9FB"/>
+            <a:srgbClr val="F1F5F9"/>
           </a:solidFill>
           <a:ln w="9525">
             <a:solidFill>
-              <a:srgbClr val="E2E5EB"/>
+              <a:srgbClr val="E2E8F0"/>
             </a:solidFill>
           </a:ln>
         </p:spPr>
@@ -11140,14 +11622,14 @@
       </p:sp>
       <p:sp>
         <p:nvSpPr>
-          <p:cNvPr id="15" name="TextBox 14"/>
-          <p:cNvSpPr txBox="1"/>
-          <p:nvPr/>
-        </p:nvSpPr>
-        <p:spPr>
-          <a:xfrm>
-            <a:off x="5522976" y="2011680"/>
-            <a:ext cx="2935224" cy="201168"/>
+          <p:cNvPr id="16" name="TextBox 15"/>
+          <p:cNvSpPr txBox="1"/>
+          <p:nvPr/>
+        </p:nvSpPr>
+        <p:spPr>
+          <a:xfrm>
+            <a:off x="1188720" y="2267712"/>
+            <a:ext cx="1613916" cy="201168"/>
           </a:xfrm>
           <a:prstGeom prst="rect">
             <a:avLst/>
@@ -11169,35 +11651,35 @@
             <a:r>
               <a:rPr sz="550" b="0">
                 <a:solidFill>
-                  <a:srgbClr val="555570"/>
-                </a:solidFill>
-                <a:latin typeface="Calibri"/>
-              </a:rPr>
-              <a:t>Community president (250 households)</a:t>
-            </a:r>
-          </a:p>
-        </p:txBody>
-      </p:sp>
-      <p:sp>
-        <p:nvSpPr>
-          <p:cNvPr id="16" name="Rectangle 15"/>
+                  <a:srgbClr val="475569"/>
+                </a:solidFill>
+                <a:latin typeface="Calibri"/>
+              </a:rPr>
+              <a:t>SoulCarrier founder</a:t>
+            </a:r>
+          </a:p>
+        </p:txBody>
+      </p:sp>
+      <p:sp>
+        <p:nvSpPr>
+          <p:cNvPr id="17" name="Rectangle 16"/>
           <p:cNvSpPr/>
           <p:nvPr/>
         </p:nvSpPr>
         <p:spPr>
           <a:xfrm>
-            <a:off x="1143000" y="2267712"/>
-            <a:ext cx="1705356" cy="201168"/>
+            <a:off x="2921508" y="2267712"/>
+            <a:ext cx="1627632" cy="201168"/>
           </a:xfrm>
           <a:prstGeom prst="rect">
             <a:avLst/>
           </a:prstGeom>
           <a:solidFill>
-            <a:srgbClr val="F8F9FB"/>
+            <a:srgbClr val="F1F5F9"/>
           </a:solidFill>
           <a:ln w="9525">
             <a:solidFill>
-              <a:srgbClr val="E2E5EB"/>
+              <a:srgbClr val="E2E8F0"/>
             </a:solidFill>
           </a:ln>
         </p:spPr>
@@ -11225,14 +11707,14 @@
       </p:sp>
       <p:sp>
         <p:nvSpPr>
-          <p:cNvPr id="17" name="TextBox 16"/>
-          <p:cNvSpPr txBox="1"/>
-          <p:nvPr/>
-        </p:nvSpPr>
-        <p:spPr>
-          <a:xfrm>
-            <a:off x="1188720" y="2267712"/>
-            <a:ext cx="1613916" cy="201168"/>
+          <p:cNvPr id="18" name="TextBox 17"/>
+          <p:cNvSpPr txBox="1"/>
+          <p:nvPr/>
+        </p:nvSpPr>
+        <p:spPr>
+          <a:xfrm>
+            <a:off x="2967228" y="2267712"/>
+            <a:ext cx="1536192" cy="201168"/>
           </a:xfrm>
           <a:prstGeom prst="rect">
             <a:avLst/>
@@ -11254,35 +11736,35 @@
             <a:r>
               <a:rPr sz="550" b="0">
                 <a:solidFill>
-                  <a:srgbClr val="555570"/>
-                </a:solidFill>
-                <a:latin typeface="Calibri"/>
-              </a:rPr>
-              <a:t>SoulCarrier founder</a:t>
-            </a:r>
-          </a:p>
-        </p:txBody>
-      </p:sp>
-      <p:sp>
-        <p:nvSpPr>
-          <p:cNvPr id="18" name="Rectangle 17"/>
+                  <a:srgbClr val="475569"/>
+                </a:solidFill>
+                <a:latin typeface="Calibri"/>
+              </a:rPr>
+              <a:t>Off-grid validated</a:t>
+            </a:r>
+          </a:p>
+        </p:txBody>
+      </p:sp>
+      <p:sp>
+        <p:nvSpPr>
+          <p:cNvPr id="19" name="Rectangle 18"/>
           <p:cNvSpPr/>
           <p:nvPr/>
         </p:nvSpPr>
         <p:spPr>
           <a:xfrm>
-            <a:off x="2921508" y="2267712"/>
-            <a:ext cx="1627632" cy="201168"/>
+            <a:off x="4622292" y="2267712"/>
+            <a:ext cx="3259836" cy="201168"/>
           </a:xfrm>
           <a:prstGeom prst="rect">
             <a:avLst/>
           </a:prstGeom>
           <a:solidFill>
-            <a:srgbClr val="F8F9FB"/>
+            <a:srgbClr val="F1F5F9"/>
           </a:solidFill>
           <a:ln w="9525">
             <a:solidFill>
-              <a:srgbClr val="E2E5EB"/>
+              <a:srgbClr val="E2E8F0"/>
             </a:solidFill>
           </a:ln>
         </p:spPr>
@@ -11310,14 +11792,14 @@
       </p:sp>
       <p:sp>
         <p:nvSpPr>
-          <p:cNvPr id="19" name="TextBox 18"/>
-          <p:cNvSpPr txBox="1"/>
-          <p:nvPr/>
-        </p:nvSpPr>
-        <p:spPr>
-          <a:xfrm>
-            <a:off x="2967228" y="2267712"/>
-            <a:ext cx="1536192" cy="201168"/>
+          <p:cNvPr id="20" name="TextBox 19"/>
+          <p:cNvSpPr txBox="1"/>
+          <p:nvPr/>
+        </p:nvSpPr>
+        <p:spPr>
+          <a:xfrm>
+            <a:off x="4668012" y="2267712"/>
+            <a:ext cx="3168396" cy="201168"/>
           </a:xfrm>
           <a:prstGeom prst="rect">
             <a:avLst/>
@@ -11339,36 +11821,34 @@
             <a:r>
               <a:rPr sz="550" b="0">
                 <a:solidFill>
-                  <a:srgbClr val="555570"/>
-                </a:solidFill>
-                <a:latin typeface="Calibri"/>
-              </a:rPr>
-              <a:t>Off-grid validated</a:t>
-            </a:r>
-          </a:p>
-        </p:txBody>
-      </p:sp>
-      <p:sp>
-        <p:nvSpPr>
-          <p:cNvPr id="20" name="Rectangle 19"/>
+                  <a:srgbClr val="475569"/>
+                </a:solidFill>
+                <a:latin typeface="Calibri"/>
+              </a:rPr>
+              <a:t>Relocating to Sado Island (Spring 2026)</a:t>
+            </a:r>
+          </a:p>
+        </p:txBody>
+      </p:sp>
+      <p:sp>
+        <p:nvSpPr>
+          <p:cNvPr id="21" name="Rectangle 20"/>
           <p:cNvSpPr/>
           <p:nvPr/>
         </p:nvSpPr>
         <p:spPr>
           <a:xfrm>
-            <a:off x="4622292" y="2267712"/>
-            <a:ext cx="3259836" cy="201168"/>
+            <a:off x="457200" y="2377440"/>
+            <a:ext cx="7863840" cy="731520"/>
           </a:xfrm>
           <a:prstGeom prst="rect">
             <a:avLst/>
           </a:prstGeom>
           <a:solidFill>
-            <a:srgbClr val="F8F9FB"/>
+            <a:srgbClr val="EFF6FF"/>
           </a:solidFill>
-          <a:ln w="9525">
-            <a:solidFill>
-              <a:srgbClr val="E2E5EB"/>
-            </a:solidFill>
+          <a:ln>
+            <a:noFill/>
           </a:ln>
         </p:spPr>
         <p:style>
@@ -11395,46 +11875,6 @@
       </p:sp>
       <p:sp>
         <p:nvSpPr>
-          <p:cNvPr id="21" name="TextBox 20"/>
-          <p:cNvSpPr txBox="1"/>
-          <p:nvPr/>
-        </p:nvSpPr>
-        <p:spPr>
-          <a:xfrm>
-            <a:off x="4668012" y="2267712"/>
-            <a:ext cx="3168396" cy="201168"/>
-          </a:xfrm>
-          <a:prstGeom prst="rect">
-            <a:avLst/>
-          </a:prstGeom>
-          <a:noFill/>
-        </p:spPr>
-        <p:txBody>
-          <a:bodyPr wrap="square" anchor="ctr"/>
-          <a:lstStyle/>
-          <a:p>
-            <a:pPr algn="ctr">
-              <a:spcBef>
-                <a:spcPts val="0"/>
-              </a:spcBef>
-              <a:spcAft>
-                <a:spcPts val="0"/>
-              </a:spcAft>
-            </a:pPr>
-            <a:r>
-              <a:rPr sz="550" b="0">
-                <a:solidFill>
-                  <a:srgbClr val="555570"/>
-                </a:solidFill>
-                <a:latin typeface="Calibri"/>
-              </a:rPr>
-              <a:t>Relocating to Sado Island (Spring 2026)</a:t>
-            </a:r>
-          </a:p>
-        </p:txBody>
-      </p:sp>
-      <p:sp>
-        <p:nvSpPr>
           <p:cNvPr id="22" name="Rectangle 21"/>
           <p:cNvSpPr/>
           <p:nvPr/>
@@ -11442,18 +11882,16 @@
         <p:spPr>
           <a:xfrm>
             <a:off x="457200" y="2377440"/>
-            <a:ext cx="7863840" cy="731520"/>
+            <a:ext cx="45720" cy="731520"/>
           </a:xfrm>
           <a:prstGeom prst="rect">
             <a:avLst/>
           </a:prstGeom>
           <a:solidFill>
-            <a:srgbClr val="EEF4FD"/>
+            <a:srgbClr val="2563EB"/>
           </a:solidFill>
-          <a:ln w="25400">
-            <a:solidFill>
-              <a:srgbClr val="1E6FD9"/>
-            </a:solidFill>
+          <a:ln>
+            <a:noFill/>
           </a:ln>
         </p:spPr>
         <p:style>
@@ -11480,20 +11918,100 @@
       </p:sp>
       <p:sp>
         <p:nvSpPr>
-          <p:cNvPr id="23" name="Rectangle 22"/>
+          <p:cNvPr id="23" name="TextBox 22"/>
+          <p:cNvSpPr txBox="1"/>
+          <p:nvPr/>
+        </p:nvSpPr>
+        <p:spPr>
+          <a:xfrm>
+            <a:off x="640080" y="2432304"/>
+            <a:ext cx="7589520" cy="182880"/>
+          </a:xfrm>
+          <a:prstGeom prst="rect">
+            <a:avLst/>
+          </a:prstGeom>
+          <a:noFill/>
+        </p:spPr>
+        <p:txBody>
+          <a:bodyPr wrap="square"/>
+          <a:lstStyle/>
+          <a:p>
+            <a:pPr algn="l">
+              <a:spcBef>
+                <a:spcPts val="0"/>
+              </a:spcBef>
+              <a:spcAft>
+                <a:spcPts val="0"/>
+              </a:spcAft>
+            </a:pPr>
+            <a:r>
+              <a:rPr sz="700" b="1">
+                <a:solidFill>
+                  <a:srgbClr val="1E293B"/>
+                </a:solidFill>
+                <a:latin typeface="Calibri"/>
+              </a:rPr>
+              <a:t>A note on independence</a:t>
+            </a:r>
+          </a:p>
+        </p:txBody>
+      </p:sp>
+      <p:sp>
+        <p:nvSpPr>
+          <p:cNvPr id="24" name="TextBox 23"/>
+          <p:cNvSpPr txBox="1"/>
+          <p:nvPr/>
+        </p:nvSpPr>
+        <p:spPr>
+          <a:xfrm>
+            <a:off x="640080" y="2633472"/>
+            <a:ext cx="7589520" cy="411480"/>
+          </a:xfrm>
+          <a:prstGeom prst="rect">
+            <a:avLst/>
+          </a:prstGeom>
+          <a:noFill/>
+        </p:spPr>
+        <p:txBody>
+          <a:bodyPr wrap="square"/>
+          <a:lstStyle/>
+          <a:p>
+            <a:pPr algn="l">
+              <a:spcBef>
+                <a:spcPts val="0"/>
+              </a:spcBef>
+              <a:spcAft>
+                <a:spcPts val="0"/>
+              </a:spcAft>
+            </a:pPr>
+            <a:r>
+              <a:rPr sz="650" b="0">
+                <a:solidFill>
+                  <a:srgbClr val="475569"/>
+                </a:solidFill>
+                <a:latin typeface="Calibri"/>
+              </a:rPr>
+              <a:t>This is a vendor partnership — structurally identical to recommending Salesforce or SAP. No audit engagement, no equity relationship, no independence concerns. Designed with full awareness of firm compliance requirements.</a:t>
+            </a:r>
+          </a:p>
+        </p:txBody>
+      </p:sp>
+      <p:sp>
+        <p:nvSpPr>
+          <p:cNvPr id="25" name="Rectangle 24"/>
           <p:cNvSpPr/>
           <p:nvPr/>
         </p:nvSpPr>
         <p:spPr>
           <a:xfrm>
-            <a:off x="457200" y="2377440"/>
-            <a:ext cx="54864" cy="731520"/>
+            <a:off x="0" y="4823460"/>
+            <a:ext cx="9144000" cy="6350"/>
           </a:xfrm>
           <a:prstGeom prst="rect">
             <a:avLst/>
           </a:prstGeom>
           <a:solidFill>
-            <a:srgbClr val="1E6FD9"/>
+            <a:srgbClr val="E2E8F0"/>
           </a:solidFill>
           <a:ln>
             <a:noFill/>
@@ -11523,130 +12041,7 @@
       </p:sp>
       <p:sp>
         <p:nvSpPr>
-          <p:cNvPr id="24" name="TextBox 23"/>
-          <p:cNvSpPr txBox="1"/>
-          <p:nvPr/>
-        </p:nvSpPr>
-        <p:spPr>
-          <a:xfrm>
-            <a:off x="640080" y="2432304"/>
-            <a:ext cx="7589520" cy="182880"/>
-          </a:xfrm>
-          <a:prstGeom prst="rect">
-            <a:avLst/>
-          </a:prstGeom>
-          <a:noFill/>
-        </p:spPr>
-        <p:txBody>
-          <a:bodyPr wrap="square"/>
-          <a:lstStyle/>
-          <a:p>
-            <a:pPr algn="l">
-              <a:spcBef>
-                <a:spcPts val="0"/>
-              </a:spcBef>
-              <a:spcAft>
-                <a:spcPts val="0"/>
-              </a:spcAft>
-            </a:pPr>
-            <a:r>
-              <a:rPr sz="700" b="1">
-                <a:solidFill>
-                  <a:srgbClr val="1A1A2E"/>
-                </a:solidFill>
-                <a:latin typeface="Calibri"/>
-              </a:rPr>
-              <a:t>A note on independence</a:t>
-            </a:r>
-          </a:p>
-        </p:txBody>
-      </p:sp>
-      <p:sp>
-        <p:nvSpPr>
-          <p:cNvPr id="25" name="TextBox 24"/>
-          <p:cNvSpPr txBox="1"/>
-          <p:nvPr/>
-        </p:nvSpPr>
-        <p:spPr>
-          <a:xfrm>
-            <a:off x="640080" y="2633472"/>
-            <a:ext cx="7589520" cy="411480"/>
-          </a:xfrm>
-          <a:prstGeom prst="rect">
-            <a:avLst/>
-          </a:prstGeom>
-          <a:noFill/>
-        </p:spPr>
-        <p:txBody>
-          <a:bodyPr wrap="square"/>
-          <a:lstStyle/>
-          <a:p>
-            <a:pPr algn="l">
-              <a:spcBef>
-                <a:spcPts val="0"/>
-              </a:spcBef>
-              <a:spcAft>
-                <a:spcPts val="0"/>
-              </a:spcAft>
-            </a:pPr>
-            <a:r>
-              <a:rPr sz="650" b="0">
-                <a:solidFill>
-                  <a:srgbClr val="555570"/>
-                </a:solidFill>
-                <a:latin typeface="Calibri"/>
-              </a:rPr>
-              <a:t>This is a vendor partnership — structurally identical to recommending Salesforce or SAP. No audit engagement, no equity relationship, no independence concerns. Designed with full awareness of firm compliance requirements.</a:t>
-            </a:r>
-          </a:p>
-        </p:txBody>
-      </p:sp>
-      <p:sp>
-        <p:nvSpPr>
-          <p:cNvPr id="26" name="Rectangle 25"/>
-          <p:cNvSpPr/>
-          <p:nvPr/>
-        </p:nvSpPr>
-        <p:spPr>
-          <a:xfrm>
-            <a:off x="0" y="4823460"/>
-            <a:ext cx="9144000" cy="6350"/>
-          </a:xfrm>
-          <a:prstGeom prst="rect">
-            <a:avLst/>
-          </a:prstGeom>
-          <a:solidFill>
-            <a:srgbClr val="E2E5EB"/>
-          </a:solidFill>
-          <a:ln>
-            <a:noFill/>
-          </a:ln>
-        </p:spPr>
-        <p:style>
-          <a:lnRef idx="1">
-            <a:schemeClr val="accent1"/>
-          </a:lnRef>
-          <a:fillRef idx="3">
-            <a:schemeClr val="accent1"/>
-          </a:fillRef>
-          <a:effectRef idx="2">
-            <a:schemeClr val="accent1"/>
-          </a:effectRef>
-          <a:fontRef idx="minor">
-            <a:schemeClr val="lt1"/>
-          </a:fontRef>
-        </p:style>
-        <p:txBody>
-          <a:bodyPr rtlCol="0" anchor="ctr"/>
-          <a:lstStyle/>
-          <a:p>
-            <a:pPr algn="ctr"/>
-          </a:p>
-        </p:txBody>
-      </p:sp>
-      <p:sp>
-        <p:nvSpPr>
-          <p:cNvPr id="27" name="TextBox 26"/>
+          <p:cNvPr id="26" name="TextBox 25"/>
           <p:cNvSpPr txBox="1"/>
           <p:nvPr/>
         </p:nvSpPr>
@@ -11675,7 +12070,7 @@
             <a:r>
               <a:rPr sz="650" b="0">
                 <a:solidFill>
-                  <a:srgbClr val="9999AA"/>
+                  <a:srgbClr val="94A3B8"/>
                 </a:solidFill>
                 <a:latin typeface="Calibri"/>
               </a:rPr>
@@ -11686,7 +12081,7 @@
       </p:sp>
       <p:sp>
         <p:nvSpPr>
-          <p:cNvPr id="28" name="TextBox 27"/>
+          <p:cNvPr id="27" name="TextBox 26"/>
           <p:cNvSpPr txBox="1"/>
           <p:nvPr/>
         </p:nvSpPr>
@@ -11715,7 +12110,7 @@
             <a:r>
               <a:rPr sz="650" b="0">
                 <a:solidFill>
-                  <a:srgbClr val="9999AA"/>
+                  <a:srgbClr val="94A3B8"/>
                 </a:solidFill>
                 <a:latin typeface="Calibri"/>
               </a:rPr>
@@ -11726,7 +12121,7 @@
       </p:sp>
       <p:sp>
         <p:nvSpPr>
-          <p:cNvPr id="29" name="TextBox 28"/>
+          <p:cNvPr id="28" name="TextBox 27"/>
           <p:cNvSpPr txBox="1"/>
           <p:nvPr/>
         </p:nvSpPr>
@@ -11755,7 +12150,7 @@
             <a:r>
               <a:rPr sz="650" b="1">
                 <a:solidFill>
-                  <a:srgbClr val="9999AA"/>
+                  <a:srgbClr val="94A3B8"/>
                 </a:solidFill>
                 <a:latin typeface="Calibri"/>
               </a:rPr>
@@ -11797,7 +12192,7 @@
             <a:avLst/>
           </a:prstGeom>
           <a:solidFill>
-            <a:srgbClr val="0A1628"/>
+            <a:srgbClr val="1E293B"/>
           </a:solidFill>
           <a:ln>
             <a:noFill/>
@@ -11956,14 +12351,14 @@
         </p:nvSpPr>
         <p:spPr>
           <a:xfrm>
-            <a:off x="0" y="4649724"/>
+            <a:off x="0" y="4658868"/>
             <a:ext cx="9144000" cy="6350"/>
           </a:xfrm>
           <a:prstGeom prst="rect">
             <a:avLst/>
           </a:prstGeom>
           <a:solidFill>
-            <a:srgbClr val="223344"/>
+            <a:srgbClr val="334455"/>
           </a:solidFill>
           <a:ln>
             <a:noFill/>
@@ -12022,7 +12417,7 @@
             <a:r>
               <a:rPr sz="650" b="0">
                 <a:solidFill>
-                  <a:srgbClr val="9999AA"/>
+                  <a:srgbClr val="94A3B8"/>
                 </a:solidFill>
                 <a:latin typeface="Calibri"/>
               </a:rPr>
@@ -12062,7 +12457,7 @@
             <a:r>
               <a:rPr sz="650" b="0">
                 <a:solidFill>
-                  <a:srgbClr val="9999AA"/>
+                  <a:srgbClr val="94A3B8"/>
                 </a:solidFill>
                 <a:latin typeface="Calibri"/>
               </a:rPr>
@@ -12102,7 +12497,7 @@
             <a:r>
               <a:rPr sz="650" b="1">
                 <a:solidFill>
-                  <a:srgbClr val="9999AA"/>
+                  <a:srgbClr val="94A3B8"/>
                 </a:solidFill>
                 <a:latin typeface="Calibri"/>
               </a:rPr>

--- a/toki/tokistorage-partnership-deck-en.pptx
+++ b/toki/tokistorage-partnership-deck-en.pptx
@@ -12700,42 +12700,13 @@
       </a:lnStyleLst>
       <a:effectStyleLst>
         <a:effectStyle>
-          <a:effectLst>
-            <a:outerShdw blurRad="40000" dist="20000" dir="5400000" rotWithShape="0">
-              <a:srgbClr val="000000">
-                <a:alpha val="38000"/>
-              </a:srgbClr>
-            </a:outerShdw>
-          </a:effectLst>
+          <a:effectLst/>
         </a:effectStyle>
         <a:effectStyle>
-          <a:effectLst>
-            <a:outerShdw blurRad="40000" dist="23000" dir="5400000" rotWithShape="0">
-              <a:srgbClr val="000000">
-                <a:alpha val="35000"/>
-              </a:srgbClr>
-            </a:outerShdw>
-          </a:effectLst>
+          <a:effectLst/>
         </a:effectStyle>
         <a:effectStyle>
-          <a:effectLst>
-            <a:outerShdw blurRad="40000" dist="23000" dir="5400000" rotWithShape="0">
-              <a:srgbClr val="000000">
-                <a:alpha val="35000"/>
-              </a:srgbClr>
-            </a:outerShdw>
-          </a:effectLst>
-          <a:scene3d>
-            <a:camera prst="orthographicFront">
-              <a:rot lat="0" lon="0" rev="0"/>
-            </a:camera>
-            <a:lightRig rig="threePt" dir="t">
-              <a:rot lat="0" lon="0" rev="1200000"/>
-            </a:lightRig>
-          </a:scene3d>
-          <a:sp3d>
-            <a:bevelT w="63500" h="25400"/>
-          </a:sp3d>
+          <a:effectLst/>
         </a:effectStyle>
       </a:effectStyleLst>
       <a:bgFillStyleLst>

--- a/toki/tokistorage-partnership-deck-en.pptx
+++ b/toki/tokistorage-partnership-deck-en.pptx
@@ -3147,8 +3147,8 @@
         </p:nvSpPr>
         <p:spPr>
           <a:xfrm>
-            <a:off x="914400" y="731520"/>
-            <a:ext cx="4572000" cy="274320"/>
+            <a:off x="914400" y="640080"/>
+            <a:ext cx="4572000" cy="320040"/>
           </a:xfrm>
           <a:prstGeom prst="rect">
             <a:avLst/>
@@ -3168,7 +3168,7 @@
               </a:spcAft>
             </a:pPr>
             <a:r>
-              <a:rPr sz="700" b="0">
+              <a:rPr sz="1000" b="0">
                 <a:solidFill>
                   <a:srgbClr val="94A3B8"/>
                 </a:solidFill>
@@ -3187,8 +3187,8 @@
         </p:nvSpPr>
         <p:spPr>
           <a:xfrm>
-            <a:off x="914400" y="1371600"/>
-            <a:ext cx="7315200" cy="1097280"/>
+            <a:off x="914400" y="1188720"/>
+            <a:ext cx="7315200" cy="1371600"/>
           </a:xfrm>
           <a:prstGeom prst="rect">
             <a:avLst/>
@@ -3208,7 +3208,7 @@
               </a:spcAft>
             </a:pPr>
             <a:r>
-              <a:rPr sz="2200" b="1">
+              <a:rPr sz="3000" b="1">
                 <a:solidFill>
                   <a:srgbClr val="FFFFFF"/>
                 </a:solidFill>
@@ -3228,8 +3228,8 @@
         </p:nvSpPr>
         <p:spPr>
           <a:xfrm>
-            <a:off x="914400" y="2651760"/>
-            <a:ext cx="6400800" cy="731520"/>
+            <a:off x="914400" y="2743200"/>
+            <a:ext cx="6400800" cy="822960"/>
           </a:xfrm>
           <a:prstGeom prst="rect">
             <a:avLst/>
@@ -3249,7 +3249,7 @@
               </a:spcAft>
             </a:pPr>
             <a:r>
-              <a:rPr sz="1000" b="0">
+              <a:rPr sz="1400" b="0">
                 <a:solidFill>
                   <a:srgbClr val="BBBBCC"/>
                 </a:solidFill>
@@ -3269,7 +3269,7 @@
         </p:nvSpPr>
         <p:spPr>
           <a:xfrm>
-            <a:off x="0" y="4594860"/>
+            <a:off x="0" y="4549140"/>
             <a:ext cx="9144000" cy="27432"/>
           </a:xfrm>
           <a:prstGeom prst="rect">
@@ -3312,8 +3312,8 @@
         </p:nvSpPr>
         <p:spPr>
           <a:xfrm>
-            <a:off x="457200" y="4668012"/>
-            <a:ext cx="2743200" cy="274320"/>
+            <a:off x="457200" y="4640580"/>
+            <a:ext cx="2743200" cy="320040"/>
           </a:xfrm>
           <a:prstGeom prst="rect">
             <a:avLst/>
@@ -3333,7 +3333,7 @@
               </a:spcAft>
             </a:pPr>
             <a:r>
-              <a:rPr sz="650" b="0">
+              <a:rPr sz="900" b="0">
                 <a:solidFill>
                   <a:srgbClr val="94A3B8"/>
                 </a:solidFill>
@@ -3352,8 +3352,8 @@
         </p:nvSpPr>
         <p:spPr>
           <a:xfrm>
-            <a:off x="3657600" y="4668012"/>
-            <a:ext cx="1828800" cy="274320"/>
+            <a:off x="3657600" y="4640580"/>
+            <a:ext cx="1828800" cy="320040"/>
           </a:xfrm>
           <a:prstGeom prst="rect">
             <a:avLst/>
@@ -3373,7 +3373,7 @@
               </a:spcAft>
             </a:pPr>
             <a:r>
-              <a:rPr sz="650" b="0">
+              <a:rPr sz="900" b="0">
                 <a:solidFill>
                   <a:srgbClr val="94A3B8"/>
                 </a:solidFill>
@@ -3392,8 +3392,8 @@
         </p:nvSpPr>
         <p:spPr>
           <a:xfrm>
-            <a:off x="7315200" y="4668012"/>
-            <a:ext cx="1371600" cy="274320"/>
+            <a:off x="7315200" y="4640580"/>
+            <a:ext cx="1371600" cy="320040"/>
           </a:xfrm>
           <a:prstGeom prst="rect">
             <a:avLst/>
@@ -3413,7 +3413,7 @@
               </a:spcAft>
             </a:pPr>
             <a:r>
-              <a:rPr sz="650" b="0">
+              <a:rPr sz="900" b="0">
                 <a:solidFill>
                   <a:srgbClr val="94A3B8"/>
                 </a:solidFill>
@@ -3451,7 +3451,7 @@
         <p:spPr>
           <a:xfrm>
             <a:off x="0" y="0"/>
-            <a:ext cx="9144000" cy="502920"/>
+            <a:ext cx="9144000" cy="594360"/>
           </a:xfrm>
           <a:prstGeom prst="rect">
             <a:avLst/>
@@ -3494,7 +3494,7 @@
         <p:spPr>
           <a:xfrm>
             <a:off x="457200" y="0"/>
-            <a:ext cx="8229600" cy="502920"/>
+            <a:ext cx="8229600" cy="594360"/>
           </a:xfrm>
           <a:prstGeom prst="rect">
             <a:avLst/>
@@ -3514,7 +3514,7 @@
               </a:spcAft>
             </a:pPr>
             <a:r>
-              <a:rPr sz="900" b="1">
+              <a:rPr sz="1200" b="1">
                 <a:solidFill>
                   <a:srgbClr val="FFFFFF"/>
                 </a:solidFill>
@@ -3533,8 +3533,8 @@
         </p:nvSpPr>
         <p:spPr>
           <a:xfrm>
-            <a:off x="457200" y="640080"/>
-            <a:ext cx="2743200" cy="228600"/>
+            <a:off x="457200" y="731520"/>
+            <a:ext cx="2743200" cy="274320"/>
           </a:xfrm>
           <a:prstGeom prst="rect">
             <a:avLst/>
@@ -3554,7 +3554,7 @@
               </a:spcAft>
             </a:pPr>
             <a:r>
-              <a:rPr sz="700" b="1">
+              <a:rPr sz="1000" b="1">
                 <a:solidFill>
                   <a:srgbClr val="2563EB"/>
                 </a:solidFill>
@@ -3573,8 +3573,8 @@
         </p:nvSpPr>
         <p:spPr>
           <a:xfrm>
-            <a:off x="457200" y="914400"/>
-            <a:ext cx="2606040" cy="3291840"/>
+            <a:off x="457200" y="1051560"/>
+            <a:ext cx="2606040" cy="3383280"/>
           </a:xfrm>
           <a:prstGeom prst="rect">
             <a:avLst/>
@@ -3618,8 +3618,8 @@
         </p:nvSpPr>
         <p:spPr>
           <a:xfrm>
-            <a:off x="566928" y="987552"/>
-            <a:ext cx="457200" cy="228600"/>
+            <a:off x="594360" y="1143000"/>
+            <a:ext cx="548640" cy="320040"/>
           </a:xfrm>
           <a:prstGeom prst="rect">
             <a:avLst/>
@@ -3639,7 +3639,7 @@
               </a:spcAft>
             </a:pPr>
             <a:r>
-              <a:rPr sz="1100" b="1">
+              <a:rPr sz="1500" b="1">
                 <a:solidFill>
                   <a:srgbClr val="2563EB"/>
                 </a:solidFill>
@@ -3658,8 +3658,8 @@
         </p:nvSpPr>
         <p:spPr>
           <a:xfrm>
-            <a:off x="566928" y="1234440"/>
-            <a:ext cx="2386584" cy="201168"/>
+            <a:off x="594360" y="1463040"/>
+            <a:ext cx="2331720" cy="274320"/>
           </a:xfrm>
           <a:prstGeom prst="rect">
             <a:avLst/>
@@ -3679,7 +3679,7 @@
               </a:spcAft>
             </a:pPr>
             <a:r>
-              <a:rPr sz="800" b="1">
+              <a:rPr sz="1200" b="1">
                 <a:solidFill>
                   <a:srgbClr val="1E293B"/>
                 </a:solidFill>
@@ -3698,8 +3698,8 @@
         </p:nvSpPr>
         <p:spPr>
           <a:xfrm>
-            <a:off x="566928" y="1444752"/>
-            <a:ext cx="2386584" cy="2670048"/>
+            <a:off x="594360" y="1764792"/>
+            <a:ext cx="2331720" cy="2578608"/>
           </a:xfrm>
           <a:prstGeom prst="rect">
             <a:avLst/>
@@ -3719,7 +3719,7 @@
               </a:spcAft>
             </a:pPr>
             <a:r>
-              <a:rPr sz="700" b="0">
+              <a:rPr sz="1200" b="0">
                 <a:solidFill>
                   <a:srgbClr val="475569"/>
                 </a:solidFill>
@@ -3738,8 +3738,8 @@
         </p:nvSpPr>
         <p:spPr>
           <a:xfrm>
-            <a:off x="3273552" y="914400"/>
-            <a:ext cx="2606040" cy="3291840"/>
+            <a:off x="3273552" y="1051560"/>
+            <a:ext cx="2606040" cy="3383280"/>
           </a:xfrm>
           <a:prstGeom prst="rect">
             <a:avLst/>
@@ -3783,8 +3783,8 @@
         </p:nvSpPr>
         <p:spPr>
           <a:xfrm>
-            <a:off x="3383280" y="987552"/>
-            <a:ext cx="457200" cy="228600"/>
+            <a:off x="3410712" y="1143000"/>
+            <a:ext cx="548640" cy="320040"/>
           </a:xfrm>
           <a:prstGeom prst="rect">
             <a:avLst/>
@@ -3804,7 +3804,7 @@
               </a:spcAft>
             </a:pPr>
             <a:r>
-              <a:rPr sz="1100" b="1">
+              <a:rPr sz="1500" b="1">
                 <a:solidFill>
                   <a:srgbClr val="2563EB"/>
                 </a:solidFill>
@@ -3823,8 +3823,8 @@
         </p:nvSpPr>
         <p:spPr>
           <a:xfrm>
-            <a:off x="3383280" y="1234440"/>
-            <a:ext cx="2386584" cy="201168"/>
+            <a:off x="3410712" y="1463040"/>
+            <a:ext cx="2331720" cy="274320"/>
           </a:xfrm>
           <a:prstGeom prst="rect">
             <a:avLst/>
@@ -3844,7 +3844,7 @@
               </a:spcAft>
             </a:pPr>
             <a:r>
-              <a:rPr sz="800" b="1">
+              <a:rPr sz="1200" b="1">
                 <a:solidFill>
                   <a:srgbClr val="1E293B"/>
                 </a:solidFill>
@@ -3863,8 +3863,8 @@
         </p:nvSpPr>
         <p:spPr>
           <a:xfrm>
-            <a:off x="3383280" y="1444752"/>
-            <a:ext cx="2386584" cy="2670048"/>
+            <a:off x="3410712" y="1764792"/>
+            <a:ext cx="2331720" cy="2578608"/>
           </a:xfrm>
           <a:prstGeom prst="rect">
             <a:avLst/>
@@ -3884,7 +3884,7 @@
               </a:spcAft>
             </a:pPr>
             <a:r>
-              <a:rPr sz="700" b="0">
+              <a:rPr sz="1200" b="0">
                 <a:solidFill>
                   <a:srgbClr val="475569"/>
                 </a:solidFill>
@@ -3903,8 +3903,8 @@
         </p:nvSpPr>
         <p:spPr>
           <a:xfrm>
-            <a:off x="6089904" y="914400"/>
-            <a:ext cx="2606040" cy="3291840"/>
+            <a:off x="6089904" y="1051560"/>
+            <a:ext cx="2606040" cy="3383280"/>
           </a:xfrm>
           <a:prstGeom prst="rect">
             <a:avLst/>
@@ -3948,8 +3948,8 @@
         </p:nvSpPr>
         <p:spPr>
           <a:xfrm>
-            <a:off x="6199632" y="987552"/>
-            <a:ext cx="457200" cy="228600"/>
+            <a:off x="6227064" y="1143000"/>
+            <a:ext cx="548640" cy="320040"/>
           </a:xfrm>
           <a:prstGeom prst="rect">
             <a:avLst/>
@@ -3969,7 +3969,7 @@
               </a:spcAft>
             </a:pPr>
             <a:r>
-              <a:rPr sz="1100" b="1">
+              <a:rPr sz="1500" b="1">
                 <a:solidFill>
                   <a:srgbClr val="2563EB"/>
                 </a:solidFill>
@@ -3988,8 +3988,8 @@
         </p:nvSpPr>
         <p:spPr>
           <a:xfrm>
-            <a:off x="6199632" y="1234440"/>
-            <a:ext cx="2386584" cy="201168"/>
+            <a:off x="6227064" y="1463040"/>
+            <a:ext cx="2331720" cy="274320"/>
           </a:xfrm>
           <a:prstGeom prst="rect">
             <a:avLst/>
@@ -4009,7 +4009,7 @@
               </a:spcAft>
             </a:pPr>
             <a:r>
-              <a:rPr sz="800" b="1">
+              <a:rPr sz="1200" b="1">
                 <a:solidFill>
                   <a:srgbClr val="1E293B"/>
                 </a:solidFill>
@@ -4028,8 +4028,8 @@
         </p:nvSpPr>
         <p:spPr>
           <a:xfrm>
-            <a:off x="6199632" y="1444752"/>
-            <a:ext cx="2386584" cy="2670048"/>
+            <a:off x="6227064" y="1764792"/>
+            <a:ext cx="2331720" cy="2578608"/>
           </a:xfrm>
           <a:prstGeom prst="rect">
             <a:avLst/>
@@ -4049,7 +4049,7 @@
               </a:spcAft>
             </a:pPr>
             <a:r>
-              <a:rPr sz="700" b="0">
+              <a:rPr sz="1200" b="0">
                 <a:solidFill>
                   <a:srgbClr val="475569"/>
                 </a:solidFill>
@@ -4068,7 +4068,7 @@
         </p:nvSpPr>
         <p:spPr>
           <a:xfrm>
-            <a:off x="0" y="4823460"/>
+            <a:off x="0" y="4796028"/>
             <a:ext cx="9144000" cy="6350"/>
           </a:xfrm>
           <a:prstGeom prst="rect">
@@ -4111,8 +4111,8 @@
         </p:nvSpPr>
         <p:spPr>
           <a:xfrm>
-            <a:off x="457200" y="4848860"/>
-            <a:ext cx="3657600" cy="256032"/>
+            <a:off x="457200" y="4821428"/>
+            <a:ext cx="3657600" cy="274320"/>
           </a:xfrm>
           <a:prstGeom prst="rect">
             <a:avLst/>
@@ -4132,7 +4132,7 @@
               </a:spcAft>
             </a:pPr>
             <a:r>
-              <a:rPr sz="650" b="0">
+              <a:rPr sz="900" b="0">
                 <a:solidFill>
                   <a:srgbClr val="94A3B8"/>
                 </a:solidFill>
@@ -4151,8 +4151,8 @@
         </p:nvSpPr>
         <p:spPr>
           <a:xfrm>
-            <a:off x="3657600" y="4848860"/>
-            <a:ext cx="1828800" cy="256032"/>
+            <a:off x="3657600" y="4821428"/>
+            <a:ext cx="1828800" cy="274320"/>
           </a:xfrm>
           <a:prstGeom prst="rect">
             <a:avLst/>
@@ -4172,7 +4172,7 @@
               </a:spcAft>
             </a:pPr>
             <a:r>
-              <a:rPr sz="650" b="0">
+              <a:rPr sz="900" b="0">
                 <a:solidFill>
                   <a:srgbClr val="94A3B8"/>
                 </a:solidFill>
@@ -4191,8 +4191,8 @@
         </p:nvSpPr>
         <p:spPr>
           <a:xfrm>
-            <a:off x="8229600" y="4848860"/>
-            <a:ext cx="457200" cy="256032"/>
+            <a:off x="8229600" y="4821428"/>
+            <a:ext cx="457200" cy="274320"/>
           </a:xfrm>
           <a:prstGeom prst="rect">
             <a:avLst/>
@@ -4212,7 +4212,7 @@
               </a:spcAft>
             </a:pPr>
             <a:r>
-              <a:rPr sz="650" b="1">
+              <a:rPr sz="900" b="1">
                 <a:solidFill>
                   <a:srgbClr val="94A3B8"/>
                 </a:solidFill>
@@ -4250,7 +4250,7 @@
         <p:spPr>
           <a:xfrm>
             <a:off x="0" y="0"/>
-            <a:ext cx="9144000" cy="502920"/>
+            <a:ext cx="9144000" cy="594360"/>
           </a:xfrm>
           <a:prstGeom prst="rect">
             <a:avLst/>
@@ -4293,7 +4293,7 @@
         <p:spPr>
           <a:xfrm>
             <a:off x="457200" y="0"/>
-            <a:ext cx="8229600" cy="502920"/>
+            <a:ext cx="8229600" cy="594360"/>
           </a:xfrm>
           <a:prstGeom prst="rect">
             <a:avLst/>
@@ -4313,7 +4313,7 @@
               </a:spcAft>
             </a:pPr>
             <a:r>
-              <a:rPr sz="900" b="1">
+              <a:rPr sz="1200" b="1">
                 <a:solidFill>
                   <a:srgbClr val="FFFFFF"/>
                 </a:solidFill>
@@ -4332,8 +4332,8 @@
         </p:nvSpPr>
         <p:spPr>
           <a:xfrm>
-            <a:off x="457200" y="640080"/>
-            <a:ext cx="2743200" cy="228600"/>
+            <a:off x="457200" y="731520"/>
+            <a:ext cx="2743200" cy="274320"/>
           </a:xfrm>
           <a:prstGeom prst="rect">
             <a:avLst/>
@@ -4353,7 +4353,7 @@
               </a:spcAft>
             </a:pPr>
             <a:r>
-              <a:rPr sz="700" b="1">
+              <a:rPr sz="1000" b="1">
                 <a:solidFill>
                   <a:srgbClr val="2563EB"/>
                 </a:solidFill>
@@ -4372,8 +4372,8 @@
         </p:nvSpPr>
         <p:spPr>
           <a:xfrm>
-            <a:off x="457200" y="914400"/>
-            <a:ext cx="3931920" cy="1554480"/>
+            <a:off x="457200" y="1051560"/>
+            <a:ext cx="3931920" cy="1783080"/>
           </a:xfrm>
           <a:prstGeom prst="rect">
             <a:avLst/>
@@ -4417,8 +4417,8 @@
         </p:nvSpPr>
         <p:spPr>
           <a:xfrm>
-            <a:off x="566928" y="1024128"/>
-            <a:ext cx="292608" cy="292608"/>
+            <a:off x="594360" y="1188720"/>
+            <a:ext cx="365760" cy="365760"/>
           </a:xfrm>
           <a:prstGeom prst="ellipse">
             <a:avLst/>
@@ -4460,8 +4460,8 @@
         </p:nvSpPr>
         <p:spPr>
           <a:xfrm>
-            <a:off x="566928" y="1024128"/>
-            <a:ext cx="292608" cy="292608"/>
+            <a:off x="594360" y="1188720"/>
+            <a:ext cx="365760" cy="365760"/>
           </a:xfrm>
           <a:prstGeom prst="rect">
             <a:avLst/>
@@ -4481,7 +4481,7 @@
               </a:spcAft>
             </a:pPr>
             <a:r>
-              <a:rPr sz="900" b="1">
+              <a:rPr sz="1200" b="1">
                 <a:solidFill>
                   <a:srgbClr val="2563EB"/>
                 </a:solidFill>
@@ -4500,8 +4500,8 @@
         </p:nvSpPr>
         <p:spPr>
           <a:xfrm>
-            <a:off x="932688" y="1024128"/>
-            <a:ext cx="3337560" cy="182880"/>
+            <a:off x="1051560" y="1188720"/>
+            <a:ext cx="3200400" cy="411480"/>
           </a:xfrm>
           <a:prstGeom prst="rect">
             <a:avLst/>
@@ -4521,7 +4521,7 @@
               </a:spcAft>
             </a:pPr>
             <a:r>
-              <a:rPr sz="800" b="1">
+              <a:rPr sz="1200" b="1">
                 <a:solidFill>
                   <a:srgbClr val="1E293B"/>
                 </a:solidFill>
@@ -4540,8 +4540,8 @@
         </p:nvSpPr>
         <p:spPr>
           <a:xfrm>
-            <a:off x="932688" y="1225296"/>
-            <a:ext cx="3337560" cy="1170432"/>
+            <a:off x="1051560" y="1618488"/>
+            <a:ext cx="3200400" cy="1124712"/>
           </a:xfrm>
           <a:prstGeom prst="rect">
             <a:avLst/>
@@ -4561,7 +4561,7 @@
               </a:spcAft>
             </a:pPr>
             <a:r>
-              <a:rPr sz="650" b="0">
+              <a:rPr sz="1100" b="0">
                 <a:solidFill>
                   <a:srgbClr val="475569"/>
                 </a:solidFill>
@@ -4580,8 +4580,8 @@
         </p:nvSpPr>
         <p:spPr>
           <a:xfrm>
-            <a:off x="4617720" y="914400"/>
-            <a:ext cx="3931920" cy="1554480"/>
+            <a:off x="4617720" y="1051560"/>
+            <a:ext cx="3931920" cy="1783080"/>
           </a:xfrm>
           <a:prstGeom prst="rect">
             <a:avLst/>
@@ -4625,8 +4625,8 @@
         </p:nvSpPr>
         <p:spPr>
           <a:xfrm>
-            <a:off x="4727448" y="1024128"/>
-            <a:ext cx="292608" cy="292608"/>
+            <a:off x="4754880" y="1188720"/>
+            <a:ext cx="365760" cy="365760"/>
           </a:xfrm>
           <a:prstGeom prst="ellipse">
             <a:avLst/>
@@ -4668,8 +4668,8 @@
         </p:nvSpPr>
         <p:spPr>
           <a:xfrm>
-            <a:off x="4727448" y="1024128"/>
-            <a:ext cx="292608" cy="292608"/>
+            <a:off x="4754880" y="1188720"/>
+            <a:ext cx="365760" cy="365760"/>
           </a:xfrm>
           <a:prstGeom prst="rect">
             <a:avLst/>
@@ -4689,7 +4689,7 @@
               </a:spcAft>
             </a:pPr>
             <a:r>
-              <a:rPr sz="900" b="1">
+              <a:rPr sz="1200" b="1">
                 <a:solidFill>
                   <a:srgbClr val="2563EB"/>
                 </a:solidFill>
@@ -4708,8 +4708,8 @@
         </p:nvSpPr>
         <p:spPr>
           <a:xfrm>
-            <a:off x="5093208" y="1024128"/>
-            <a:ext cx="3337560" cy="182880"/>
+            <a:off x="5212080" y="1188720"/>
+            <a:ext cx="3200400" cy="411480"/>
           </a:xfrm>
           <a:prstGeom prst="rect">
             <a:avLst/>
@@ -4729,7 +4729,7 @@
               </a:spcAft>
             </a:pPr>
             <a:r>
-              <a:rPr sz="800" b="1">
+              <a:rPr sz="1200" b="1">
                 <a:solidFill>
                   <a:srgbClr val="1E293B"/>
                 </a:solidFill>
@@ -4748,8 +4748,8 @@
         </p:nvSpPr>
         <p:spPr>
           <a:xfrm>
-            <a:off x="5093208" y="1225296"/>
-            <a:ext cx="3337560" cy="1170432"/>
+            <a:off x="5212080" y="1618488"/>
+            <a:ext cx="3200400" cy="1124712"/>
           </a:xfrm>
           <a:prstGeom prst="rect">
             <a:avLst/>
@@ -4769,7 +4769,7 @@
               </a:spcAft>
             </a:pPr>
             <a:r>
-              <a:rPr sz="650" b="0">
+              <a:rPr sz="1100" b="0">
                 <a:solidFill>
                   <a:srgbClr val="475569"/>
                 </a:solidFill>
@@ -4788,8 +4788,8 @@
         </p:nvSpPr>
         <p:spPr>
           <a:xfrm>
-            <a:off x="457200" y="2651760"/>
-            <a:ext cx="3931920" cy="1554480"/>
+            <a:off x="457200" y="2971800"/>
+            <a:ext cx="3931920" cy="1783080"/>
           </a:xfrm>
           <a:prstGeom prst="rect">
             <a:avLst/>
@@ -4833,8 +4833,8 @@
         </p:nvSpPr>
         <p:spPr>
           <a:xfrm>
-            <a:off x="566928" y="2761488"/>
-            <a:ext cx="292608" cy="292608"/>
+            <a:off x="594360" y="3108960"/>
+            <a:ext cx="365760" cy="365760"/>
           </a:xfrm>
           <a:prstGeom prst="ellipse">
             <a:avLst/>
@@ -4876,8 +4876,8 @@
         </p:nvSpPr>
         <p:spPr>
           <a:xfrm>
-            <a:off x="566928" y="2761488"/>
-            <a:ext cx="292608" cy="292608"/>
+            <a:off x="594360" y="3108960"/>
+            <a:ext cx="365760" cy="365760"/>
           </a:xfrm>
           <a:prstGeom prst="rect">
             <a:avLst/>
@@ -4897,7 +4897,7 @@
               </a:spcAft>
             </a:pPr>
             <a:r>
-              <a:rPr sz="900" b="1">
+              <a:rPr sz="1200" b="1">
                 <a:solidFill>
                   <a:srgbClr val="2563EB"/>
                 </a:solidFill>
@@ -4916,8 +4916,8 @@
         </p:nvSpPr>
         <p:spPr>
           <a:xfrm>
-            <a:off x="932688" y="2761488"/>
-            <a:ext cx="3337560" cy="182880"/>
+            <a:off x="1051560" y="3108960"/>
+            <a:ext cx="3200400" cy="411480"/>
           </a:xfrm>
           <a:prstGeom prst="rect">
             <a:avLst/>
@@ -4937,7 +4937,7 @@
               </a:spcAft>
             </a:pPr>
             <a:r>
-              <a:rPr sz="800" b="1">
+              <a:rPr sz="1200" b="1">
                 <a:solidFill>
                   <a:srgbClr val="1E293B"/>
                 </a:solidFill>
@@ -4956,8 +4956,8 @@
         </p:nvSpPr>
         <p:spPr>
           <a:xfrm>
-            <a:off x="932688" y="2962656"/>
-            <a:ext cx="3337560" cy="1170432"/>
+            <a:off x="1051560" y="3538728"/>
+            <a:ext cx="3200400" cy="1124712"/>
           </a:xfrm>
           <a:prstGeom prst="rect">
             <a:avLst/>
@@ -4977,7 +4977,7 @@
               </a:spcAft>
             </a:pPr>
             <a:r>
-              <a:rPr sz="650" b="0">
+              <a:rPr sz="1100" b="0">
                 <a:solidFill>
                   <a:srgbClr val="475569"/>
                 </a:solidFill>
@@ -4996,8 +4996,8 @@
         </p:nvSpPr>
         <p:spPr>
           <a:xfrm>
-            <a:off x="4617720" y="2651760"/>
-            <a:ext cx="3931920" cy="1554480"/>
+            <a:off x="4617720" y="2971800"/>
+            <a:ext cx="3931920" cy="1783080"/>
           </a:xfrm>
           <a:prstGeom prst="rect">
             <a:avLst/>
@@ -5041,8 +5041,8 @@
         </p:nvSpPr>
         <p:spPr>
           <a:xfrm>
-            <a:off x="4727448" y="2761488"/>
-            <a:ext cx="292608" cy="292608"/>
+            <a:off x="4754880" y="3108960"/>
+            <a:ext cx="365760" cy="365760"/>
           </a:xfrm>
           <a:prstGeom prst="ellipse">
             <a:avLst/>
@@ -5084,8 +5084,8 @@
         </p:nvSpPr>
         <p:spPr>
           <a:xfrm>
-            <a:off x="4727448" y="2761488"/>
-            <a:ext cx="292608" cy="292608"/>
+            <a:off x="4754880" y="3108960"/>
+            <a:ext cx="365760" cy="365760"/>
           </a:xfrm>
           <a:prstGeom prst="rect">
             <a:avLst/>
@@ -5105,7 +5105,7 @@
               </a:spcAft>
             </a:pPr>
             <a:r>
-              <a:rPr sz="900" b="1">
+              <a:rPr sz="1200" b="1">
                 <a:solidFill>
                   <a:srgbClr val="2563EB"/>
                 </a:solidFill>
@@ -5124,8 +5124,8 @@
         </p:nvSpPr>
         <p:spPr>
           <a:xfrm>
-            <a:off x="5093208" y="2761488"/>
-            <a:ext cx="3337560" cy="182880"/>
+            <a:off x="5212080" y="3108960"/>
+            <a:ext cx="3200400" cy="411480"/>
           </a:xfrm>
           <a:prstGeom prst="rect">
             <a:avLst/>
@@ -5145,7 +5145,7 @@
               </a:spcAft>
             </a:pPr>
             <a:r>
-              <a:rPr sz="800" b="1">
+              <a:rPr sz="1200" b="1">
                 <a:solidFill>
                   <a:srgbClr val="1E293B"/>
                 </a:solidFill>
@@ -5164,8 +5164,8 @@
         </p:nvSpPr>
         <p:spPr>
           <a:xfrm>
-            <a:off x="5093208" y="2962656"/>
-            <a:ext cx="3337560" cy="1170432"/>
+            <a:off x="5212080" y="3538728"/>
+            <a:ext cx="3200400" cy="1124712"/>
           </a:xfrm>
           <a:prstGeom prst="rect">
             <a:avLst/>
@@ -5185,7 +5185,7 @@
               </a:spcAft>
             </a:pPr>
             <a:r>
-              <a:rPr sz="650" b="0">
+              <a:rPr sz="1100" b="0">
                 <a:solidFill>
                   <a:srgbClr val="475569"/>
                 </a:solidFill>
@@ -5204,7 +5204,7 @@
         </p:nvSpPr>
         <p:spPr>
           <a:xfrm>
-            <a:off x="0" y="4823460"/>
+            <a:off x="0" y="4796028"/>
             <a:ext cx="9144000" cy="6350"/>
           </a:xfrm>
           <a:prstGeom prst="rect">
@@ -5247,8 +5247,8 @@
         </p:nvSpPr>
         <p:spPr>
           <a:xfrm>
-            <a:off x="457200" y="4848860"/>
-            <a:ext cx="3657600" cy="256032"/>
+            <a:off x="457200" y="4821428"/>
+            <a:ext cx="3657600" cy="274320"/>
           </a:xfrm>
           <a:prstGeom prst="rect">
             <a:avLst/>
@@ -5268,7 +5268,7 @@
               </a:spcAft>
             </a:pPr>
             <a:r>
-              <a:rPr sz="650" b="0">
+              <a:rPr sz="900" b="0">
                 <a:solidFill>
                   <a:srgbClr val="94A3B8"/>
                 </a:solidFill>
@@ -5287,8 +5287,8 @@
         </p:nvSpPr>
         <p:spPr>
           <a:xfrm>
-            <a:off x="3657600" y="4848860"/>
-            <a:ext cx="1828800" cy="256032"/>
+            <a:off x="3657600" y="4821428"/>
+            <a:ext cx="1828800" cy="274320"/>
           </a:xfrm>
           <a:prstGeom prst="rect">
             <a:avLst/>
@@ -5308,7 +5308,7 @@
               </a:spcAft>
             </a:pPr>
             <a:r>
-              <a:rPr sz="650" b="0">
+              <a:rPr sz="900" b="0">
                 <a:solidFill>
                   <a:srgbClr val="94A3B8"/>
                 </a:solidFill>
@@ -5327,8 +5327,8 @@
         </p:nvSpPr>
         <p:spPr>
           <a:xfrm>
-            <a:off x="8229600" y="4848860"/>
-            <a:ext cx="457200" cy="256032"/>
+            <a:off x="8229600" y="4821428"/>
+            <a:ext cx="457200" cy="274320"/>
           </a:xfrm>
           <a:prstGeom prst="rect">
             <a:avLst/>
@@ -5348,7 +5348,7 @@
               </a:spcAft>
             </a:pPr>
             <a:r>
-              <a:rPr sz="650" b="1">
+              <a:rPr sz="900" b="1">
                 <a:solidFill>
                   <a:srgbClr val="94A3B8"/>
                 </a:solidFill>
@@ -5386,7 +5386,7 @@
         <p:spPr>
           <a:xfrm>
             <a:off x="0" y="0"/>
-            <a:ext cx="9144000" cy="502920"/>
+            <a:ext cx="9144000" cy="594360"/>
           </a:xfrm>
           <a:prstGeom prst="rect">
             <a:avLst/>
@@ -5429,7 +5429,7 @@
         <p:spPr>
           <a:xfrm>
             <a:off x="457200" y="0"/>
-            <a:ext cx="8229600" cy="502920"/>
+            <a:ext cx="8229600" cy="594360"/>
           </a:xfrm>
           <a:prstGeom prst="rect">
             <a:avLst/>
@@ -5449,7 +5449,7 @@
               </a:spcAft>
             </a:pPr>
             <a:r>
-              <a:rPr sz="900" b="1">
+              <a:rPr sz="1200" b="1">
                 <a:solidFill>
                   <a:srgbClr val="FFFFFF"/>
                 </a:solidFill>
@@ -5468,8 +5468,8 @@
         </p:nvSpPr>
         <p:spPr>
           <a:xfrm>
-            <a:off x="457200" y="640080"/>
-            <a:ext cx="2743200" cy="228600"/>
+            <a:off x="457200" y="731520"/>
+            <a:ext cx="2743200" cy="274320"/>
           </a:xfrm>
           <a:prstGeom prst="rect">
             <a:avLst/>
@@ -5489,7 +5489,7 @@
               </a:spcAft>
             </a:pPr>
             <a:r>
-              <a:rPr sz="700" b="1">
+              <a:rPr sz="1000" b="1">
                 <a:solidFill>
                   <a:srgbClr val="2563EB"/>
                 </a:solidFill>
@@ -5508,8 +5508,8 @@
         </p:nvSpPr>
         <p:spPr>
           <a:xfrm>
-            <a:off x="640080" y="914400"/>
-            <a:ext cx="1188720" cy="347472"/>
+            <a:off x="640080" y="1051560"/>
+            <a:ext cx="1371600" cy="457200"/>
           </a:xfrm>
           <a:prstGeom prst="rect">
             <a:avLst/>
@@ -5553,8 +5553,8 @@
         </p:nvSpPr>
         <p:spPr>
           <a:xfrm>
-            <a:off x="713232" y="914400"/>
-            <a:ext cx="1042416" cy="347472"/>
+            <a:off x="731520" y="1051560"/>
+            <a:ext cx="1188720" cy="457200"/>
           </a:xfrm>
           <a:prstGeom prst="rect">
             <a:avLst/>
@@ -5574,7 +5574,7 @@
               </a:spcAft>
             </a:pPr>
             <a:r>
-              <a:rPr sz="650" b="1">
+              <a:rPr sz="900" b="1">
                 <a:solidFill>
                   <a:srgbClr val="FFFFFF"/>
                 </a:solidFill>
@@ -5593,8 +5593,8 @@
         </p:nvSpPr>
         <p:spPr>
           <a:xfrm>
-            <a:off x="1828800" y="914400"/>
-            <a:ext cx="3291840" cy="347472"/>
+            <a:off x="2011680" y="1051560"/>
+            <a:ext cx="3200400" cy="457200"/>
           </a:xfrm>
           <a:prstGeom prst="rect">
             <a:avLst/>
@@ -5638,8 +5638,8 @@
         </p:nvSpPr>
         <p:spPr>
           <a:xfrm>
-            <a:off x="1901952" y="914400"/>
-            <a:ext cx="3145536" cy="347472"/>
+            <a:off x="2103120" y="1051560"/>
+            <a:ext cx="3017520" cy="457200"/>
           </a:xfrm>
           <a:prstGeom prst="rect">
             <a:avLst/>
@@ -5659,7 +5659,7 @@
               </a:spcAft>
             </a:pPr>
             <a:r>
-              <a:rPr sz="650" b="1">
+              <a:rPr sz="900" b="1">
                 <a:solidFill>
                   <a:srgbClr val="FFFFFF"/>
                 </a:solidFill>
@@ -5678,8 +5678,8 @@
         </p:nvSpPr>
         <p:spPr>
           <a:xfrm>
-            <a:off x="5120640" y="914400"/>
-            <a:ext cx="3383280" cy="347472"/>
+            <a:off x="5212080" y="1051560"/>
+            <a:ext cx="3291840" cy="457200"/>
           </a:xfrm>
           <a:prstGeom prst="rect">
             <a:avLst/>
@@ -5723,8 +5723,8 @@
         </p:nvSpPr>
         <p:spPr>
           <a:xfrm>
-            <a:off x="5193792" y="914400"/>
-            <a:ext cx="3236976" cy="347472"/>
+            <a:off x="5303520" y="1051560"/>
+            <a:ext cx="3108960" cy="457200"/>
           </a:xfrm>
           <a:prstGeom prst="rect">
             <a:avLst/>
@@ -5744,7 +5744,7 @@
               </a:spcAft>
             </a:pPr>
             <a:r>
-              <a:rPr sz="650" b="1">
+              <a:rPr sz="900" b="1">
                 <a:solidFill>
                   <a:srgbClr val="FFFFFF"/>
                 </a:solidFill>
@@ -5763,8 +5763,8 @@
         </p:nvSpPr>
         <p:spPr>
           <a:xfrm>
-            <a:off x="640080" y="1261872"/>
-            <a:ext cx="1188720" cy="347472"/>
+            <a:off x="640080" y="1508760"/>
+            <a:ext cx="1371600" cy="457200"/>
           </a:xfrm>
           <a:prstGeom prst="rect">
             <a:avLst/>
@@ -5808,8 +5808,8 @@
         </p:nvSpPr>
         <p:spPr>
           <a:xfrm>
-            <a:off x="713232" y="1261872"/>
-            <a:ext cx="1042416" cy="347472"/>
+            <a:off x="731520" y="1508760"/>
+            <a:ext cx="1188720" cy="457200"/>
           </a:xfrm>
           <a:prstGeom prst="rect">
             <a:avLst/>
@@ -5829,7 +5829,7 @@
               </a:spcAft>
             </a:pPr>
             <a:r>
-              <a:rPr sz="700" b="1">
+              <a:rPr sz="1000" b="1">
                 <a:solidFill>
                   <a:srgbClr val="1E293B"/>
                 </a:solidFill>
@@ -5848,8 +5848,8 @@
         </p:nvSpPr>
         <p:spPr>
           <a:xfrm>
-            <a:off x="1828800" y="1261872"/>
-            <a:ext cx="3291840" cy="347472"/>
+            <a:off x="2011680" y="1508760"/>
+            <a:ext cx="3200400" cy="457200"/>
           </a:xfrm>
           <a:prstGeom prst="rect">
             <a:avLst/>
@@ -5893,8 +5893,8 @@
         </p:nvSpPr>
         <p:spPr>
           <a:xfrm>
-            <a:off x="1901952" y="1261872"/>
-            <a:ext cx="3145536" cy="347472"/>
+            <a:off x="2103120" y="1508760"/>
+            <a:ext cx="3017520" cy="457200"/>
           </a:xfrm>
           <a:prstGeom prst="rect">
             <a:avLst/>
@@ -5914,7 +5914,7 @@
               </a:spcAft>
             </a:pPr>
             <a:r>
-              <a:rPr sz="700" b="0">
+              <a:rPr sz="1000" b="0">
                 <a:solidFill>
                   <a:srgbClr val="475569"/>
                 </a:solidFill>
@@ -5933,8 +5933,8 @@
         </p:nvSpPr>
         <p:spPr>
           <a:xfrm>
-            <a:off x="5120640" y="1261872"/>
-            <a:ext cx="3383280" cy="347472"/>
+            <a:off x="5212080" y="1508760"/>
+            <a:ext cx="3291840" cy="457200"/>
           </a:xfrm>
           <a:prstGeom prst="rect">
             <a:avLst/>
@@ -5978,8 +5978,8 @@
         </p:nvSpPr>
         <p:spPr>
           <a:xfrm>
-            <a:off x="5193792" y="1261872"/>
-            <a:ext cx="3236976" cy="347472"/>
+            <a:off x="5303520" y="1508760"/>
+            <a:ext cx="3108960" cy="457200"/>
           </a:xfrm>
           <a:prstGeom prst="rect">
             <a:avLst/>
@@ -5999,7 +5999,7 @@
               </a:spcAft>
             </a:pPr>
             <a:r>
-              <a:rPr sz="700" b="0">
+              <a:rPr sz="1000" b="0">
                 <a:solidFill>
                   <a:srgbClr val="1D4ED8"/>
                 </a:solidFill>
@@ -6018,8 +6018,8 @@
         </p:nvSpPr>
         <p:spPr>
           <a:xfrm>
-            <a:off x="640080" y="1609344"/>
-            <a:ext cx="1188720" cy="347472"/>
+            <a:off x="640080" y="1965960"/>
+            <a:ext cx="1371600" cy="457200"/>
           </a:xfrm>
           <a:prstGeom prst="rect">
             <a:avLst/>
@@ -6063,8 +6063,8 @@
         </p:nvSpPr>
         <p:spPr>
           <a:xfrm>
-            <a:off x="713232" y="1609344"/>
-            <a:ext cx="1042416" cy="347472"/>
+            <a:off x="731520" y="1965960"/>
+            <a:ext cx="1188720" cy="457200"/>
           </a:xfrm>
           <a:prstGeom prst="rect">
             <a:avLst/>
@@ -6084,7 +6084,7 @@
               </a:spcAft>
             </a:pPr>
             <a:r>
-              <a:rPr sz="700" b="1">
+              <a:rPr sz="1000" b="1">
                 <a:solidFill>
                   <a:srgbClr val="1E293B"/>
                 </a:solidFill>
@@ -6103,8 +6103,8 @@
         </p:nvSpPr>
         <p:spPr>
           <a:xfrm>
-            <a:off x="1828800" y="1609344"/>
-            <a:ext cx="3291840" cy="347472"/>
+            <a:off x="2011680" y="1965960"/>
+            <a:ext cx="3200400" cy="457200"/>
           </a:xfrm>
           <a:prstGeom prst="rect">
             <a:avLst/>
@@ -6148,8 +6148,8 @@
         </p:nvSpPr>
         <p:spPr>
           <a:xfrm>
-            <a:off x="1901952" y="1609344"/>
-            <a:ext cx="3145536" cy="347472"/>
+            <a:off x="2103120" y="1965960"/>
+            <a:ext cx="3017520" cy="457200"/>
           </a:xfrm>
           <a:prstGeom prst="rect">
             <a:avLst/>
@@ -6169,7 +6169,7 @@
               </a:spcAft>
             </a:pPr>
             <a:r>
-              <a:rPr sz="700" b="0">
+              <a:rPr sz="1000" b="0">
                 <a:solidFill>
                   <a:srgbClr val="475569"/>
                 </a:solidFill>
@@ -6188,8 +6188,8 @@
         </p:nvSpPr>
         <p:spPr>
           <a:xfrm>
-            <a:off x="5120640" y="1609344"/>
-            <a:ext cx="3383280" cy="347472"/>
+            <a:off x="5212080" y="1965960"/>
+            <a:ext cx="3291840" cy="457200"/>
           </a:xfrm>
           <a:prstGeom prst="rect">
             <a:avLst/>
@@ -6233,8 +6233,8 @@
         </p:nvSpPr>
         <p:spPr>
           <a:xfrm>
-            <a:off x="5193792" y="1609344"/>
-            <a:ext cx="3236976" cy="347472"/>
+            <a:off x="5303520" y="1965960"/>
+            <a:ext cx="3108960" cy="457200"/>
           </a:xfrm>
           <a:prstGeom prst="rect">
             <a:avLst/>
@@ -6254,7 +6254,7 @@
               </a:spcAft>
             </a:pPr>
             <a:r>
-              <a:rPr sz="700" b="0">
+              <a:rPr sz="1000" b="0">
                 <a:solidFill>
                   <a:srgbClr val="1D4ED8"/>
                 </a:solidFill>
@@ -6273,8 +6273,8 @@
         </p:nvSpPr>
         <p:spPr>
           <a:xfrm>
-            <a:off x="640080" y="1956816"/>
-            <a:ext cx="1188720" cy="347472"/>
+            <a:off x="640080" y="2423160"/>
+            <a:ext cx="1371600" cy="457200"/>
           </a:xfrm>
           <a:prstGeom prst="rect">
             <a:avLst/>
@@ -6318,8 +6318,8 @@
         </p:nvSpPr>
         <p:spPr>
           <a:xfrm>
-            <a:off x="713232" y="1956816"/>
-            <a:ext cx="1042416" cy="347472"/>
+            <a:off x="731520" y="2423160"/>
+            <a:ext cx="1188720" cy="457200"/>
           </a:xfrm>
           <a:prstGeom prst="rect">
             <a:avLst/>
@@ -6339,7 +6339,7 @@
               </a:spcAft>
             </a:pPr>
             <a:r>
-              <a:rPr sz="700" b="1">
+              <a:rPr sz="1000" b="1">
                 <a:solidFill>
                   <a:srgbClr val="1E293B"/>
                 </a:solidFill>
@@ -6358,8 +6358,8 @@
         </p:nvSpPr>
         <p:spPr>
           <a:xfrm>
-            <a:off x="1828800" y="1956816"/>
-            <a:ext cx="3291840" cy="347472"/>
+            <a:off x="2011680" y="2423160"/>
+            <a:ext cx="3200400" cy="457200"/>
           </a:xfrm>
           <a:prstGeom prst="rect">
             <a:avLst/>
@@ -6403,8 +6403,8 @@
         </p:nvSpPr>
         <p:spPr>
           <a:xfrm>
-            <a:off x="1901952" y="1956816"/>
-            <a:ext cx="3145536" cy="347472"/>
+            <a:off x="2103120" y="2423160"/>
+            <a:ext cx="3017520" cy="457200"/>
           </a:xfrm>
           <a:prstGeom prst="rect">
             <a:avLst/>
@@ -6424,7 +6424,7 @@
               </a:spcAft>
             </a:pPr>
             <a:r>
-              <a:rPr sz="700" b="0">
+              <a:rPr sz="1000" b="0">
                 <a:solidFill>
                   <a:srgbClr val="475569"/>
                 </a:solidFill>
@@ -6443,8 +6443,8 @@
         </p:nvSpPr>
         <p:spPr>
           <a:xfrm>
-            <a:off x="5120640" y="1956816"/>
-            <a:ext cx="3383280" cy="347472"/>
+            <a:off x="5212080" y="2423160"/>
+            <a:ext cx="3291840" cy="457200"/>
           </a:xfrm>
           <a:prstGeom prst="rect">
             <a:avLst/>
@@ -6488,8 +6488,8 @@
         </p:nvSpPr>
         <p:spPr>
           <a:xfrm>
-            <a:off x="5193792" y="1956816"/>
-            <a:ext cx="3236976" cy="347472"/>
+            <a:off x="5303520" y="2423160"/>
+            <a:ext cx="3108960" cy="457200"/>
           </a:xfrm>
           <a:prstGeom prst="rect">
             <a:avLst/>
@@ -6509,7 +6509,7 @@
               </a:spcAft>
             </a:pPr>
             <a:r>
-              <a:rPr sz="700" b="0">
+              <a:rPr sz="1000" b="0">
                 <a:solidFill>
                   <a:srgbClr val="1D4ED8"/>
                 </a:solidFill>
@@ -6528,8 +6528,8 @@
         </p:nvSpPr>
         <p:spPr>
           <a:xfrm>
-            <a:off x="640080" y="2304288"/>
-            <a:ext cx="1188720" cy="347472"/>
+            <a:off x="640080" y="2880360"/>
+            <a:ext cx="1371600" cy="457200"/>
           </a:xfrm>
           <a:prstGeom prst="rect">
             <a:avLst/>
@@ -6573,8 +6573,8 @@
         </p:nvSpPr>
         <p:spPr>
           <a:xfrm>
-            <a:off x="713232" y="2304288"/>
-            <a:ext cx="1042416" cy="347472"/>
+            <a:off x="731520" y="2880360"/>
+            <a:ext cx="1188720" cy="457200"/>
           </a:xfrm>
           <a:prstGeom prst="rect">
             <a:avLst/>
@@ -6594,7 +6594,7 @@
               </a:spcAft>
             </a:pPr>
             <a:r>
-              <a:rPr sz="700" b="1">
+              <a:rPr sz="1000" b="1">
                 <a:solidFill>
                   <a:srgbClr val="1E293B"/>
                 </a:solidFill>
@@ -6613,8 +6613,8 @@
         </p:nvSpPr>
         <p:spPr>
           <a:xfrm>
-            <a:off x="1828800" y="2304288"/>
-            <a:ext cx="3291840" cy="347472"/>
+            <a:off x="2011680" y="2880360"/>
+            <a:ext cx="3200400" cy="457200"/>
           </a:xfrm>
           <a:prstGeom prst="rect">
             <a:avLst/>
@@ -6658,8 +6658,8 @@
         </p:nvSpPr>
         <p:spPr>
           <a:xfrm>
-            <a:off x="1901952" y="2304288"/>
-            <a:ext cx="3145536" cy="347472"/>
+            <a:off x="2103120" y="2880360"/>
+            <a:ext cx="3017520" cy="457200"/>
           </a:xfrm>
           <a:prstGeom prst="rect">
             <a:avLst/>
@@ -6679,7 +6679,7 @@
               </a:spcAft>
             </a:pPr>
             <a:r>
-              <a:rPr sz="700" b="0">
+              <a:rPr sz="1000" b="0">
                 <a:solidFill>
                   <a:srgbClr val="475569"/>
                 </a:solidFill>
@@ -6698,8 +6698,8 @@
         </p:nvSpPr>
         <p:spPr>
           <a:xfrm>
-            <a:off x="5120640" y="2304288"/>
-            <a:ext cx="3383280" cy="347472"/>
+            <a:off x="5212080" y="2880360"/>
+            <a:ext cx="3291840" cy="457200"/>
           </a:xfrm>
           <a:prstGeom prst="rect">
             <a:avLst/>
@@ -6743,8 +6743,8 @@
         </p:nvSpPr>
         <p:spPr>
           <a:xfrm>
-            <a:off x="5193792" y="2304288"/>
-            <a:ext cx="3236976" cy="347472"/>
+            <a:off x="5303520" y="2880360"/>
+            <a:ext cx="3108960" cy="457200"/>
           </a:xfrm>
           <a:prstGeom prst="rect">
             <a:avLst/>
@@ -6764,7 +6764,7 @@
               </a:spcAft>
             </a:pPr>
             <a:r>
-              <a:rPr sz="700" b="0">
+              <a:rPr sz="1000" b="0">
                 <a:solidFill>
                   <a:srgbClr val="1D4ED8"/>
                 </a:solidFill>
@@ -6783,8 +6783,8 @@
         </p:nvSpPr>
         <p:spPr>
           <a:xfrm>
-            <a:off x="640080" y="2651760"/>
-            <a:ext cx="1188720" cy="347472"/>
+            <a:off x="640080" y="3337560"/>
+            <a:ext cx="1371600" cy="457200"/>
           </a:xfrm>
           <a:prstGeom prst="rect">
             <a:avLst/>
@@ -6828,8 +6828,8 @@
         </p:nvSpPr>
         <p:spPr>
           <a:xfrm>
-            <a:off x="713232" y="2651760"/>
-            <a:ext cx="1042416" cy="347472"/>
+            <a:off x="731520" y="3337560"/>
+            <a:ext cx="1188720" cy="457200"/>
           </a:xfrm>
           <a:prstGeom prst="rect">
             <a:avLst/>
@@ -6849,7 +6849,7 @@
               </a:spcAft>
             </a:pPr>
             <a:r>
-              <a:rPr sz="700" b="1">
+              <a:rPr sz="1000" b="1">
                 <a:solidFill>
                   <a:srgbClr val="1E293B"/>
                 </a:solidFill>
@@ -6868,8 +6868,8 @@
         </p:nvSpPr>
         <p:spPr>
           <a:xfrm>
-            <a:off x="1828800" y="2651760"/>
-            <a:ext cx="3291840" cy="347472"/>
+            <a:off x="2011680" y="3337560"/>
+            <a:ext cx="3200400" cy="457200"/>
           </a:xfrm>
           <a:prstGeom prst="rect">
             <a:avLst/>
@@ -6913,8 +6913,8 @@
         </p:nvSpPr>
         <p:spPr>
           <a:xfrm>
-            <a:off x="1901952" y="2651760"/>
-            <a:ext cx="3145536" cy="347472"/>
+            <a:off x="2103120" y="3337560"/>
+            <a:ext cx="3017520" cy="457200"/>
           </a:xfrm>
           <a:prstGeom prst="rect">
             <a:avLst/>
@@ -6934,7 +6934,7 @@
               </a:spcAft>
             </a:pPr>
             <a:r>
-              <a:rPr sz="700" b="0">
+              <a:rPr sz="1000" b="0">
                 <a:solidFill>
                   <a:srgbClr val="475569"/>
                 </a:solidFill>
@@ -6953,8 +6953,8 @@
         </p:nvSpPr>
         <p:spPr>
           <a:xfrm>
-            <a:off x="5120640" y="2651760"/>
-            <a:ext cx="3383280" cy="347472"/>
+            <a:off x="5212080" y="3337560"/>
+            <a:ext cx="3291840" cy="457200"/>
           </a:xfrm>
           <a:prstGeom prst="rect">
             <a:avLst/>
@@ -6998,8 +6998,8 @@
         </p:nvSpPr>
         <p:spPr>
           <a:xfrm>
-            <a:off x="5193792" y="2651760"/>
-            <a:ext cx="3236976" cy="347472"/>
+            <a:off x="5303520" y="3337560"/>
+            <a:ext cx="3108960" cy="457200"/>
           </a:xfrm>
           <a:prstGeom prst="rect">
             <a:avLst/>
@@ -7019,7 +7019,7 @@
               </a:spcAft>
             </a:pPr>
             <a:r>
-              <a:rPr sz="700" b="0">
+              <a:rPr sz="1000" b="0">
                 <a:solidFill>
                   <a:srgbClr val="1D4ED8"/>
                 </a:solidFill>
@@ -7038,8 +7038,8 @@
         </p:nvSpPr>
         <p:spPr>
           <a:xfrm>
-            <a:off x="640080" y="2999232"/>
-            <a:ext cx="1188720" cy="347472"/>
+            <a:off x="640080" y="3794760"/>
+            <a:ext cx="1371600" cy="457200"/>
           </a:xfrm>
           <a:prstGeom prst="rect">
             <a:avLst/>
@@ -7083,8 +7083,8 @@
         </p:nvSpPr>
         <p:spPr>
           <a:xfrm>
-            <a:off x="713232" y="2999232"/>
-            <a:ext cx="1042416" cy="347472"/>
+            <a:off x="731520" y="3794760"/>
+            <a:ext cx="1188720" cy="457200"/>
           </a:xfrm>
           <a:prstGeom prst="rect">
             <a:avLst/>
@@ -7104,7 +7104,7 @@
               </a:spcAft>
             </a:pPr>
             <a:r>
-              <a:rPr sz="700" b="1">
+              <a:rPr sz="1000" b="1">
                 <a:solidFill>
                   <a:srgbClr val="1E293B"/>
                 </a:solidFill>
@@ -7123,8 +7123,8 @@
         </p:nvSpPr>
         <p:spPr>
           <a:xfrm>
-            <a:off x="1828800" y="2999232"/>
-            <a:ext cx="3291840" cy="347472"/>
+            <a:off x="2011680" y="3794760"/>
+            <a:ext cx="3200400" cy="457200"/>
           </a:xfrm>
           <a:prstGeom prst="rect">
             <a:avLst/>
@@ -7168,8 +7168,8 @@
         </p:nvSpPr>
         <p:spPr>
           <a:xfrm>
-            <a:off x="1901952" y="2999232"/>
-            <a:ext cx="3145536" cy="347472"/>
+            <a:off x="2103120" y="3794760"/>
+            <a:ext cx="3017520" cy="457200"/>
           </a:xfrm>
           <a:prstGeom prst="rect">
             <a:avLst/>
@@ -7189,7 +7189,7 @@
               </a:spcAft>
             </a:pPr>
             <a:r>
-              <a:rPr sz="700" b="0">
+              <a:rPr sz="1000" b="0">
                 <a:solidFill>
                   <a:srgbClr val="475569"/>
                 </a:solidFill>
@@ -7208,8 +7208,8 @@
         </p:nvSpPr>
         <p:spPr>
           <a:xfrm>
-            <a:off x="5120640" y="2999232"/>
-            <a:ext cx="3383280" cy="347472"/>
+            <a:off x="5212080" y="3794760"/>
+            <a:ext cx="3291840" cy="457200"/>
           </a:xfrm>
           <a:prstGeom prst="rect">
             <a:avLst/>
@@ -7253,8 +7253,8 @@
         </p:nvSpPr>
         <p:spPr>
           <a:xfrm>
-            <a:off x="5193792" y="2999232"/>
-            <a:ext cx="3236976" cy="347472"/>
+            <a:off x="5303520" y="3794760"/>
+            <a:ext cx="3108960" cy="457200"/>
           </a:xfrm>
           <a:prstGeom prst="rect">
             <a:avLst/>
@@ -7274,7 +7274,7 @@
               </a:spcAft>
             </a:pPr>
             <a:r>
-              <a:rPr sz="700" b="0">
+              <a:rPr sz="1000" b="0">
                 <a:solidFill>
                   <a:srgbClr val="1D4ED8"/>
                 </a:solidFill>
@@ -7293,7 +7293,7 @@
         </p:nvSpPr>
         <p:spPr>
           <a:xfrm>
-            <a:off x="0" y="4823460"/>
+            <a:off x="0" y="4796028"/>
             <a:ext cx="9144000" cy="6350"/>
           </a:xfrm>
           <a:prstGeom prst="rect">
@@ -7336,8 +7336,8 @@
         </p:nvSpPr>
         <p:spPr>
           <a:xfrm>
-            <a:off x="457200" y="4848860"/>
-            <a:ext cx="3657600" cy="256032"/>
+            <a:off x="457200" y="4821428"/>
+            <a:ext cx="3657600" cy="274320"/>
           </a:xfrm>
           <a:prstGeom prst="rect">
             <a:avLst/>
@@ -7357,7 +7357,7 @@
               </a:spcAft>
             </a:pPr>
             <a:r>
-              <a:rPr sz="650" b="0">
+              <a:rPr sz="900" b="0">
                 <a:solidFill>
                   <a:srgbClr val="94A3B8"/>
                 </a:solidFill>
@@ -7376,8 +7376,8 @@
         </p:nvSpPr>
         <p:spPr>
           <a:xfrm>
-            <a:off x="3657600" y="4848860"/>
-            <a:ext cx="1828800" cy="256032"/>
+            <a:off x="3657600" y="4821428"/>
+            <a:ext cx="1828800" cy="274320"/>
           </a:xfrm>
           <a:prstGeom prst="rect">
             <a:avLst/>
@@ -7397,7 +7397,7 @@
               </a:spcAft>
             </a:pPr>
             <a:r>
-              <a:rPr sz="650" b="0">
+              <a:rPr sz="900" b="0">
                 <a:solidFill>
                   <a:srgbClr val="94A3B8"/>
                 </a:solidFill>
@@ -7416,8 +7416,8 @@
         </p:nvSpPr>
         <p:spPr>
           <a:xfrm>
-            <a:off x="8229600" y="4848860"/>
-            <a:ext cx="457200" cy="256032"/>
+            <a:off x="8229600" y="4821428"/>
+            <a:ext cx="457200" cy="274320"/>
           </a:xfrm>
           <a:prstGeom prst="rect">
             <a:avLst/>
@@ -7437,7 +7437,7 @@
               </a:spcAft>
             </a:pPr>
             <a:r>
-              <a:rPr sz="650" b="1">
+              <a:rPr sz="900" b="1">
                 <a:solidFill>
                   <a:srgbClr val="94A3B8"/>
                 </a:solidFill>
@@ -7475,7 +7475,7 @@
         <p:spPr>
           <a:xfrm>
             <a:off x="0" y="0"/>
-            <a:ext cx="9144000" cy="502920"/>
+            <a:ext cx="9144000" cy="594360"/>
           </a:xfrm>
           <a:prstGeom prst="rect">
             <a:avLst/>
@@ -7518,7 +7518,7 @@
         <p:spPr>
           <a:xfrm>
             <a:off x="457200" y="0"/>
-            <a:ext cx="8229600" cy="502920"/>
+            <a:ext cx="8229600" cy="594360"/>
           </a:xfrm>
           <a:prstGeom prst="rect">
             <a:avLst/>
@@ -7538,7 +7538,7 @@
               </a:spcAft>
             </a:pPr>
             <a:r>
-              <a:rPr sz="900" b="1">
+              <a:rPr sz="1200" b="1">
                 <a:solidFill>
                   <a:srgbClr val="FFFFFF"/>
                 </a:solidFill>
@@ -7557,8 +7557,8 @@
         </p:nvSpPr>
         <p:spPr>
           <a:xfrm>
-            <a:off x="457200" y="640080"/>
-            <a:ext cx="2743200" cy="228600"/>
+            <a:off x="457200" y="731520"/>
+            <a:ext cx="2743200" cy="274320"/>
           </a:xfrm>
           <a:prstGeom prst="rect">
             <a:avLst/>
@@ -7578,7 +7578,7 @@
               </a:spcAft>
             </a:pPr>
             <a:r>
-              <a:rPr sz="700" b="1">
+              <a:rPr sz="1000" b="1">
                 <a:solidFill>
                   <a:srgbClr val="2563EB"/>
                 </a:solidFill>
@@ -7597,8 +7597,8 @@
         </p:nvSpPr>
         <p:spPr>
           <a:xfrm>
-            <a:off x="457200" y="914400"/>
-            <a:ext cx="7863840" cy="685800"/>
+            <a:off x="457200" y="1051560"/>
+            <a:ext cx="7863840" cy="960120"/>
           </a:xfrm>
           <a:prstGeom prst="rect">
             <a:avLst/>
@@ -7642,8 +7642,8 @@
         </p:nvSpPr>
         <p:spPr>
           <a:xfrm>
-            <a:off x="566928" y="1005840"/>
-            <a:ext cx="502920" cy="502920"/>
+            <a:off x="594360" y="1161288"/>
+            <a:ext cx="777240" cy="731520"/>
           </a:xfrm>
           <a:prstGeom prst="rect">
             <a:avLst/>
@@ -7685,8 +7685,8 @@
         </p:nvSpPr>
         <p:spPr>
           <a:xfrm>
-            <a:off x="566928" y="1005840"/>
-            <a:ext cx="502920" cy="502920"/>
+            <a:off x="594360" y="1161288"/>
+            <a:ext cx="777240" cy="731520"/>
           </a:xfrm>
           <a:prstGeom prst="rect">
             <a:avLst/>
@@ -7706,7 +7706,7 @@
               </a:spcAft>
             </a:pPr>
             <a:r>
-              <a:rPr sz="600" b="1">
+              <a:rPr sz="800" b="1">
                 <a:solidFill>
                   <a:srgbClr val="FFFFFF"/>
                 </a:solidFill>
@@ -7725,8 +7725,8 @@
         </p:nvSpPr>
         <p:spPr>
           <a:xfrm>
-            <a:off x="1188720" y="987552"/>
-            <a:ext cx="6995160" cy="182880"/>
+            <a:off x="1508760" y="1124712"/>
+            <a:ext cx="6675120" cy="256032"/>
           </a:xfrm>
           <a:prstGeom prst="rect">
             <a:avLst/>
@@ -7746,7 +7746,7 @@
               </a:spcAft>
             </a:pPr>
             <a:r>
-              <a:rPr sz="750" b="1">
+              <a:rPr sz="1100" b="1">
                 <a:solidFill>
                   <a:srgbClr val="1E293B"/>
                 </a:solidFill>
@@ -7765,8 +7765,8 @@
         </p:nvSpPr>
         <p:spPr>
           <a:xfrm>
-            <a:off x="1188720" y="1170432"/>
-            <a:ext cx="6995160" cy="228600"/>
+            <a:off x="1508760" y="1380744"/>
+            <a:ext cx="6675120" cy="320040"/>
           </a:xfrm>
           <a:prstGeom prst="rect">
             <a:avLst/>
@@ -7786,7 +7786,7 @@
               </a:spcAft>
             </a:pPr>
             <a:r>
-              <a:rPr sz="650" b="0">
+              <a:rPr sz="1000" b="0">
                 <a:solidFill>
                   <a:srgbClr val="475569"/>
                 </a:solidFill>
@@ -7805,8 +7805,8 @@
         </p:nvSpPr>
         <p:spPr>
           <a:xfrm>
-            <a:off x="1188720" y="1389888"/>
-            <a:ext cx="6995160" cy="182880"/>
+            <a:off x="1508760" y="1691640"/>
+            <a:ext cx="6675120" cy="228600"/>
           </a:xfrm>
           <a:prstGeom prst="rect">
             <a:avLst/>
@@ -7826,7 +7826,7 @@
               </a:spcAft>
             </a:pPr>
             <a:r>
-              <a:rPr sz="600" b="0">
+              <a:rPr sz="900" b="0">
                 <a:solidFill>
                   <a:srgbClr val="2563EB"/>
                 </a:solidFill>
@@ -7845,8 +7845,8 @@
         </p:nvSpPr>
         <p:spPr>
           <a:xfrm>
-            <a:off x="457200" y="1709928"/>
-            <a:ext cx="7863840" cy="685800"/>
+            <a:off x="457200" y="2121408"/>
+            <a:ext cx="7863840" cy="960120"/>
           </a:xfrm>
           <a:prstGeom prst="rect">
             <a:avLst/>
@@ -7890,8 +7890,8 @@
         </p:nvSpPr>
         <p:spPr>
           <a:xfrm>
-            <a:off x="566928" y="1801368"/>
-            <a:ext cx="502920" cy="502920"/>
+            <a:off x="594360" y="2231136"/>
+            <a:ext cx="777240" cy="731520"/>
           </a:xfrm>
           <a:prstGeom prst="rect">
             <a:avLst/>
@@ -7933,8 +7933,8 @@
         </p:nvSpPr>
         <p:spPr>
           <a:xfrm>
-            <a:off x="566928" y="1801368"/>
-            <a:ext cx="502920" cy="502920"/>
+            <a:off x="594360" y="2231136"/>
+            <a:ext cx="777240" cy="731520"/>
           </a:xfrm>
           <a:prstGeom prst="rect">
             <a:avLst/>
@@ -7954,7 +7954,7 @@
               </a:spcAft>
             </a:pPr>
             <a:r>
-              <a:rPr sz="600" b="1">
+              <a:rPr sz="800" b="1">
                 <a:solidFill>
                   <a:srgbClr val="FFFFFF"/>
                 </a:solidFill>
@@ -7973,8 +7973,8 @@
         </p:nvSpPr>
         <p:spPr>
           <a:xfrm>
-            <a:off x="1188720" y="1783080"/>
-            <a:ext cx="6995160" cy="182880"/>
+            <a:off x="1508760" y="2194560"/>
+            <a:ext cx="6675120" cy="256032"/>
           </a:xfrm>
           <a:prstGeom prst="rect">
             <a:avLst/>
@@ -7994,7 +7994,7 @@
               </a:spcAft>
             </a:pPr>
             <a:r>
-              <a:rPr sz="750" b="1">
+              <a:rPr sz="1100" b="1">
                 <a:solidFill>
                   <a:srgbClr val="1E293B"/>
                 </a:solidFill>
@@ -8013,8 +8013,8 @@
         </p:nvSpPr>
         <p:spPr>
           <a:xfrm>
-            <a:off x="1188720" y="1965960"/>
-            <a:ext cx="6995160" cy="228600"/>
+            <a:off x="1508760" y="2450592"/>
+            <a:ext cx="6675120" cy="320040"/>
           </a:xfrm>
           <a:prstGeom prst="rect">
             <a:avLst/>
@@ -8034,7 +8034,7 @@
               </a:spcAft>
             </a:pPr>
             <a:r>
-              <a:rPr sz="650" b="0">
+              <a:rPr sz="1000" b="0">
                 <a:solidFill>
                   <a:srgbClr val="475569"/>
                 </a:solidFill>
@@ -8053,8 +8053,8 @@
         </p:nvSpPr>
         <p:spPr>
           <a:xfrm>
-            <a:off x="1188720" y="2185416"/>
-            <a:ext cx="6995160" cy="182880"/>
+            <a:off x="1508760" y="2761488"/>
+            <a:ext cx="6675120" cy="228600"/>
           </a:xfrm>
           <a:prstGeom prst="rect">
             <a:avLst/>
@@ -8074,7 +8074,7 @@
               </a:spcAft>
             </a:pPr>
             <a:r>
-              <a:rPr sz="600" b="0">
+              <a:rPr sz="900" b="0">
                 <a:solidFill>
                   <a:srgbClr val="2563EB"/>
                 </a:solidFill>
@@ -8093,8 +8093,8 @@
         </p:nvSpPr>
         <p:spPr>
           <a:xfrm>
-            <a:off x="457200" y="2505456"/>
-            <a:ext cx="7863840" cy="685800"/>
+            <a:off x="457200" y="3191256"/>
+            <a:ext cx="7863840" cy="960120"/>
           </a:xfrm>
           <a:prstGeom prst="rect">
             <a:avLst/>
@@ -8138,8 +8138,8 @@
         </p:nvSpPr>
         <p:spPr>
           <a:xfrm>
-            <a:off x="566928" y="2596896"/>
-            <a:ext cx="502920" cy="502920"/>
+            <a:off x="594360" y="3300984"/>
+            <a:ext cx="777240" cy="731520"/>
           </a:xfrm>
           <a:prstGeom prst="rect">
             <a:avLst/>
@@ -8181,8 +8181,8 @@
         </p:nvSpPr>
         <p:spPr>
           <a:xfrm>
-            <a:off x="566928" y="2596896"/>
-            <a:ext cx="502920" cy="502920"/>
+            <a:off x="594360" y="3300984"/>
+            <a:ext cx="777240" cy="731520"/>
           </a:xfrm>
           <a:prstGeom prst="rect">
             <a:avLst/>
@@ -8202,7 +8202,7 @@
               </a:spcAft>
             </a:pPr>
             <a:r>
-              <a:rPr sz="600" b="1">
+              <a:rPr sz="800" b="1">
                 <a:solidFill>
                   <a:srgbClr val="FFFFFF"/>
                 </a:solidFill>
@@ -8221,8 +8221,8 @@
         </p:nvSpPr>
         <p:spPr>
           <a:xfrm>
-            <a:off x="1188720" y="2578608"/>
-            <a:ext cx="6995160" cy="182880"/>
+            <a:off x="1508760" y="3264408"/>
+            <a:ext cx="6675120" cy="256032"/>
           </a:xfrm>
           <a:prstGeom prst="rect">
             <a:avLst/>
@@ -8242,7 +8242,7 @@
               </a:spcAft>
             </a:pPr>
             <a:r>
-              <a:rPr sz="750" b="1">
+              <a:rPr sz="1100" b="1">
                 <a:solidFill>
                   <a:srgbClr val="1E293B"/>
                 </a:solidFill>
@@ -8261,8 +8261,8 @@
         </p:nvSpPr>
         <p:spPr>
           <a:xfrm>
-            <a:off x="1188720" y="2761488"/>
-            <a:ext cx="6995160" cy="228600"/>
+            <a:off x="1508760" y="3520440"/>
+            <a:ext cx="6675120" cy="320040"/>
           </a:xfrm>
           <a:prstGeom prst="rect">
             <a:avLst/>
@@ -8282,7 +8282,7 @@
               </a:spcAft>
             </a:pPr>
             <a:r>
-              <a:rPr sz="650" b="0">
+              <a:rPr sz="1000" b="0">
                 <a:solidFill>
                   <a:srgbClr val="475569"/>
                 </a:solidFill>
@@ -8301,8 +8301,8 @@
         </p:nvSpPr>
         <p:spPr>
           <a:xfrm>
-            <a:off x="1188720" y="2980944"/>
-            <a:ext cx="6995160" cy="182880"/>
+            <a:off x="1508760" y="3831336"/>
+            <a:ext cx="6675120" cy="228600"/>
           </a:xfrm>
           <a:prstGeom prst="rect">
             <a:avLst/>
@@ -8322,7 +8322,7 @@
               </a:spcAft>
             </a:pPr>
             <a:r>
-              <a:rPr sz="600" b="0">
+              <a:rPr sz="900" b="0">
                 <a:solidFill>
                   <a:srgbClr val="2563EB"/>
                 </a:solidFill>
@@ -8341,7 +8341,7 @@
         </p:nvSpPr>
         <p:spPr>
           <a:xfrm>
-            <a:off x="0" y="4823460"/>
+            <a:off x="0" y="4796028"/>
             <a:ext cx="9144000" cy="6350"/>
           </a:xfrm>
           <a:prstGeom prst="rect">
@@ -8384,8 +8384,8 @@
         </p:nvSpPr>
         <p:spPr>
           <a:xfrm>
-            <a:off x="457200" y="4848860"/>
-            <a:ext cx="3657600" cy="256032"/>
+            <a:off x="457200" y="4821428"/>
+            <a:ext cx="3657600" cy="274320"/>
           </a:xfrm>
           <a:prstGeom prst="rect">
             <a:avLst/>
@@ -8405,7 +8405,7 @@
               </a:spcAft>
             </a:pPr>
             <a:r>
-              <a:rPr sz="650" b="0">
+              <a:rPr sz="900" b="0">
                 <a:solidFill>
                   <a:srgbClr val="94A3B8"/>
                 </a:solidFill>
@@ -8424,8 +8424,8 @@
         </p:nvSpPr>
         <p:spPr>
           <a:xfrm>
-            <a:off x="3657600" y="4848860"/>
-            <a:ext cx="1828800" cy="256032"/>
+            <a:off x="3657600" y="4821428"/>
+            <a:ext cx="1828800" cy="274320"/>
           </a:xfrm>
           <a:prstGeom prst="rect">
             <a:avLst/>
@@ -8445,7 +8445,7 @@
               </a:spcAft>
             </a:pPr>
             <a:r>
-              <a:rPr sz="650" b="0">
+              <a:rPr sz="900" b="0">
                 <a:solidFill>
                   <a:srgbClr val="94A3B8"/>
                 </a:solidFill>
@@ -8464,8 +8464,8 @@
         </p:nvSpPr>
         <p:spPr>
           <a:xfrm>
-            <a:off x="8229600" y="4848860"/>
-            <a:ext cx="457200" cy="256032"/>
+            <a:off x="8229600" y="4821428"/>
+            <a:ext cx="457200" cy="274320"/>
           </a:xfrm>
           <a:prstGeom prst="rect">
             <a:avLst/>
@@ -8485,7 +8485,7 @@
               </a:spcAft>
             </a:pPr>
             <a:r>
-              <a:rPr sz="650" b="1">
+              <a:rPr sz="900" b="1">
                 <a:solidFill>
                   <a:srgbClr val="94A3B8"/>
                 </a:solidFill>
@@ -8523,7 +8523,7 @@
         <p:spPr>
           <a:xfrm>
             <a:off x="0" y="0"/>
-            <a:ext cx="9144000" cy="502920"/>
+            <a:ext cx="9144000" cy="594360"/>
           </a:xfrm>
           <a:prstGeom prst="rect">
             <a:avLst/>
@@ -8566,7 +8566,7 @@
         <p:spPr>
           <a:xfrm>
             <a:off x="457200" y="0"/>
-            <a:ext cx="8229600" cy="502920"/>
+            <a:ext cx="8229600" cy="594360"/>
           </a:xfrm>
           <a:prstGeom prst="rect">
             <a:avLst/>
@@ -8586,7 +8586,7 @@
               </a:spcAft>
             </a:pPr>
             <a:r>
-              <a:rPr sz="900" b="1">
+              <a:rPr sz="1200" b="1">
                 <a:solidFill>
                   <a:srgbClr val="FFFFFF"/>
                 </a:solidFill>
@@ -8605,8 +8605,8 @@
         </p:nvSpPr>
         <p:spPr>
           <a:xfrm>
-            <a:off x="457200" y="640080"/>
-            <a:ext cx="2743200" cy="228600"/>
+            <a:off x="457200" y="731520"/>
+            <a:ext cx="2743200" cy="274320"/>
           </a:xfrm>
           <a:prstGeom prst="rect">
             <a:avLst/>
@@ -8626,7 +8626,7 @@
               </a:spcAft>
             </a:pPr>
             <a:r>
-              <a:rPr sz="700" b="1">
+              <a:rPr sz="1000" b="1">
                 <a:solidFill>
                   <a:srgbClr val="2563EB"/>
                 </a:solidFill>
@@ -8645,8 +8645,8 @@
         </p:nvSpPr>
         <p:spPr>
           <a:xfrm>
-            <a:off x="822960" y="1097280"/>
-            <a:ext cx="2194560" cy="777240"/>
+            <a:off x="777240" y="1097280"/>
+            <a:ext cx="2286000" cy="960120"/>
           </a:xfrm>
           <a:prstGeom prst="rect">
             <a:avLst/>
@@ -8690,8 +8690,8 @@
         </p:nvSpPr>
         <p:spPr>
           <a:xfrm>
-            <a:off x="896112" y="1152144"/>
-            <a:ext cx="2048256" cy="201168"/>
+            <a:off x="868680" y="1170432"/>
+            <a:ext cx="2103120" cy="274320"/>
           </a:xfrm>
           <a:prstGeom prst="rect">
             <a:avLst/>
@@ -8711,7 +8711,7 @@
               </a:spcAft>
             </a:pPr>
             <a:r>
-              <a:rPr sz="800" b="1">
+              <a:rPr sz="1100" b="1">
                 <a:solidFill>
                   <a:srgbClr val="16A34A"/>
                 </a:solidFill>
@@ -8730,8 +8730,8 @@
         </p:nvSpPr>
         <p:spPr>
           <a:xfrm>
-            <a:off x="896112" y="1371600"/>
-            <a:ext cx="2048256" cy="448056"/>
+            <a:off x="868680" y="1463040"/>
+            <a:ext cx="2103120" cy="521208"/>
           </a:xfrm>
           <a:prstGeom prst="rect">
             <a:avLst/>
@@ -8751,7 +8751,7 @@
               </a:spcAft>
             </a:pPr>
             <a:r>
-              <a:rPr sz="650" b="0">
+              <a:rPr sz="1000" b="0">
                 <a:solidFill>
                   <a:srgbClr val="475569"/>
                 </a:solidFill>
@@ -8771,8 +8771,8 @@
         </p:nvSpPr>
         <p:spPr>
           <a:xfrm>
-            <a:off x="3108960" y="1280160"/>
-            <a:ext cx="274320" cy="274320"/>
+            <a:off x="3108960" y="1371600"/>
+            <a:ext cx="274320" cy="320040"/>
           </a:xfrm>
           <a:prstGeom prst="rect">
             <a:avLst/>
@@ -8792,7 +8792,7 @@
               </a:spcAft>
             </a:pPr>
             <a:r>
-              <a:rPr sz="1400" b="0">
+              <a:rPr sz="1800" b="0">
                 <a:solidFill>
                   <a:srgbClr val="94A3B8"/>
                 </a:solidFill>
@@ -8811,8 +8811,8 @@
         </p:nvSpPr>
         <p:spPr>
           <a:xfrm>
-            <a:off x="3474720" y="1097280"/>
-            <a:ext cx="2194560" cy="777240"/>
+            <a:off x="3429000" y="1097280"/>
+            <a:ext cx="2286000" cy="960120"/>
           </a:xfrm>
           <a:prstGeom prst="rect">
             <a:avLst/>
@@ -8856,8 +8856,8 @@
         </p:nvSpPr>
         <p:spPr>
           <a:xfrm>
-            <a:off x="3547872" y="1152144"/>
-            <a:ext cx="2048256" cy="201168"/>
+            <a:off x="3520440" y="1170432"/>
+            <a:ext cx="2103120" cy="274320"/>
           </a:xfrm>
           <a:prstGeom prst="rect">
             <a:avLst/>
@@ -8877,7 +8877,7 @@
               </a:spcAft>
             </a:pPr>
             <a:r>
-              <a:rPr sz="800" b="1">
+              <a:rPr sz="1100" b="1">
                 <a:solidFill>
                   <a:srgbClr val="2563EB"/>
                 </a:solidFill>
@@ -8896,8 +8896,8 @@
         </p:nvSpPr>
         <p:spPr>
           <a:xfrm>
-            <a:off x="3547872" y="1371600"/>
-            <a:ext cx="2048256" cy="448056"/>
+            <a:off x="3520440" y="1463040"/>
+            <a:ext cx="2103120" cy="521208"/>
           </a:xfrm>
           <a:prstGeom prst="rect">
             <a:avLst/>
@@ -8917,7 +8917,7 @@
               </a:spcAft>
             </a:pPr>
             <a:r>
-              <a:rPr sz="650" b="0">
+              <a:rPr sz="1000" b="0">
                 <a:solidFill>
                   <a:srgbClr val="475569"/>
                 </a:solidFill>
@@ -8937,8 +8937,8 @@
         </p:nvSpPr>
         <p:spPr>
           <a:xfrm>
-            <a:off x="5760720" y="1280160"/>
-            <a:ext cx="274320" cy="274320"/>
+            <a:off x="5760720" y="1371600"/>
+            <a:ext cx="274320" cy="320040"/>
           </a:xfrm>
           <a:prstGeom prst="rect">
             <a:avLst/>
@@ -8958,7 +8958,7 @@
               </a:spcAft>
             </a:pPr>
             <a:r>
-              <a:rPr sz="1400" b="0">
+              <a:rPr sz="1800" b="0">
                 <a:solidFill>
                   <a:srgbClr val="94A3B8"/>
                 </a:solidFill>
@@ -8977,8 +8977,8 @@
         </p:nvSpPr>
         <p:spPr>
           <a:xfrm>
-            <a:off x="6126480" y="1097280"/>
-            <a:ext cx="2194560" cy="777240"/>
+            <a:off x="6080760" y="1097280"/>
+            <a:ext cx="2286000" cy="960120"/>
           </a:xfrm>
           <a:prstGeom prst="rect">
             <a:avLst/>
@@ -9022,8 +9022,8 @@
         </p:nvSpPr>
         <p:spPr>
           <a:xfrm>
-            <a:off x="6199632" y="1152144"/>
-            <a:ext cx="2048256" cy="201168"/>
+            <a:off x="6172200" y="1170432"/>
+            <a:ext cx="2103120" cy="274320"/>
           </a:xfrm>
           <a:prstGeom prst="rect">
             <a:avLst/>
@@ -9043,7 +9043,7 @@
               </a:spcAft>
             </a:pPr>
             <a:r>
-              <a:rPr sz="800" b="1">
+              <a:rPr sz="1100" b="1">
                 <a:solidFill>
                   <a:srgbClr val="92400E"/>
                 </a:solidFill>
@@ -9062,8 +9062,8 @@
         </p:nvSpPr>
         <p:spPr>
           <a:xfrm>
-            <a:off x="6199632" y="1371600"/>
-            <a:ext cx="2048256" cy="448056"/>
+            <a:off x="6172200" y="1463040"/>
+            <a:ext cx="2103120" cy="521208"/>
           </a:xfrm>
           <a:prstGeom prst="rect">
             <a:avLst/>
@@ -9083,7 +9083,7 @@
               </a:spcAft>
             </a:pPr>
             <a:r>
-              <a:rPr sz="650" b="0">
+              <a:rPr sz="1000" b="0">
                 <a:solidFill>
                   <a:srgbClr val="475569"/>
                 </a:solidFill>
@@ -9103,8 +9103,8 @@
         </p:nvSpPr>
         <p:spPr>
           <a:xfrm>
-            <a:off x="457200" y="2194560"/>
-            <a:ext cx="7863840" cy="914400"/>
+            <a:off x="457200" y="2423160"/>
+            <a:ext cx="7863840" cy="1051560"/>
           </a:xfrm>
           <a:prstGeom prst="rect">
             <a:avLst/>
@@ -9146,8 +9146,8 @@
         </p:nvSpPr>
         <p:spPr>
           <a:xfrm>
-            <a:off x="457200" y="2194560"/>
-            <a:ext cx="45720" cy="914400"/>
+            <a:off x="457200" y="2423160"/>
+            <a:ext cx="54864" cy="1051560"/>
           </a:xfrm>
           <a:prstGeom prst="rect">
             <a:avLst/>
@@ -9189,8 +9189,8 @@
         </p:nvSpPr>
         <p:spPr>
           <a:xfrm>
-            <a:off x="640080" y="2267712"/>
-            <a:ext cx="7589520" cy="201168"/>
+            <a:off x="685800" y="2514600"/>
+            <a:ext cx="7543800" cy="256032"/>
           </a:xfrm>
           <a:prstGeom prst="rect">
             <a:avLst/>
@@ -9210,7 +9210,7 @@
               </a:spcAft>
             </a:pPr>
             <a:r>
-              <a:rPr sz="750" b="1">
+              <a:rPr sz="1100" b="1">
                 <a:solidFill>
                   <a:srgbClr val="1E293B"/>
                 </a:solidFill>
@@ -9229,8 +9229,8 @@
         </p:nvSpPr>
         <p:spPr>
           <a:xfrm>
-            <a:off x="640080" y="2487168"/>
-            <a:ext cx="7589520" cy="548640"/>
+            <a:off x="685800" y="2788920"/>
+            <a:ext cx="7543800" cy="594360"/>
           </a:xfrm>
           <a:prstGeom prst="rect">
             <a:avLst/>
@@ -9250,7 +9250,7 @@
               </a:spcAft>
             </a:pPr>
             <a:r>
-              <a:rPr sz="650" b="0">
+              <a:rPr sz="1000" b="0">
                 <a:solidFill>
                   <a:srgbClr val="475569"/>
                 </a:solidFill>
@@ -9269,7 +9269,7 @@
         </p:nvSpPr>
         <p:spPr>
           <a:xfrm>
-            <a:off x="0" y="4823460"/>
+            <a:off x="0" y="4796028"/>
             <a:ext cx="9144000" cy="6350"/>
           </a:xfrm>
           <a:prstGeom prst="rect">
@@ -9312,8 +9312,8 @@
         </p:nvSpPr>
         <p:spPr>
           <a:xfrm>
-            <a:off x="457200" y="4848860"/>
-            <a:ext cx="3657600" cy="256032"/>
+            <a:off x="457200" y="4821428"/>
+            <a:ext cx="3657600" cy="274320"/>
           </a:xfrm>
           <a:prstGeom prst="rect">
             <a:avLst/>
@@ -9333,7 +9333,7 @@
               </a:spcAft>
             </a:pPr>
             <a:r>
-              <a:rPr sz="650" b="0">
+              <a:rPr sz="900" b="0">
                 <a:solidFill>
                   <a:srgbClr val="94A3B8"/>
                 </a:solidFill>
@@ -9352,8 +9352,8 @@
         </p:nvSpPr>
         <p:spPr>
           <a:xfrm>
-            <a:off x="3657600" y="4848860"/>
-            <a:ext cx="1828800" cy="256032"/>
+            <a:off x="3657600" y="4821428"/>
+            <a:ext cx="1828800" cy="274320"/>
           </a:xfrm>
           <a:prstGeom prst="rect">
             <a:avLst/>
@@ -9373,7 +9373,7 @@
               </a:spcAft>
             </a:pPr>
             <a:r>
-              <a:rPr sz="650" b="0">
+              <a:rPr sz="900" b="0">
                 <a:solidFill>
                   <a:srgbClr val="94A3B8"/>
                 </a:solidFill>
@@ -9392,8 +9392,8 @@
         </p:nvSpPr>
         <p:spPr>
           <a:xfrm>
-            <a:off x="8229600" y="4848860"/>
-            <a:ext cx="457200" cy="256032"/>
+            <a:off x="8229600" y="4821428"/>
+            <a:ext cx="457200" cy="274320"/>
           </a:xfrm>
           <a:prstGeom prst="rect">
             <a:avLst/>
@@ -9413,7 +9413,7 @@
               </a:spcAft>
             </a:pPr>
             <a:r>
-              <a:rPr sz="650" b="1">
+              <a:rPr sz="900" b="1">
                 <a:solidFill>
                   <a:srgbClr val="94A3B8"/>
                 </a:solidFill>
@@ -9451,7 +9451,7 @@
         <p:spPr>
           <a:xfrm>
             <a:off x="0" y="0"/>
-            <a:ext cx="9144000" cy="502920"/>
+            <a:ext cx="9144000" cy="594360"/>
           </a:xfrm>
           <a:prstGeom prst="rect">
             <a:avLst/>
@@ -9494,7 +9494,7 @@
         <p:spPr>
           <a:xfrm>
             <a:off x="457200" y="0"/>
-            <a:ext cx="8229600" cy="502920"/>
+            <a:ext cx="8229600" cy="594360"/>
           </a:xfrm>
           <a:prstGeom prst="rect">
             <a:avLst/>
@@ -9514,7 +9514,7 @@
               </a:spcAft>
             </a:pPr>
             <a:r>
-              <a:rPr sz="900" b="1">
+              <a:rPr sz="1200" b="1">
                 <a:solidFill>
                   <a:srgbClr val="FFFFFF"/>
                 </a:solidFill>
@@ -9533,8 +9533,8 @@
         </p:nvSpPr>
         <p:spPr>
           <a:xfrm>
-            <a:off x="457200" y="640080"/>
-            <a:ext cx="2743200" cy="228600"/>
+            <a:off x="457200" y="731520"/>
+            <a:ext cx="2743200" cy="274320"/>
           </a:xfrm>
           <a:prstGeom prst="rect">
             <a:avLst/>
@@ -9554,7 +9554,7 @@
               </a:spcAft>
             </a:pPr>
             <a:r>
-              <a:rPr sz="700" b="1">
+              <a:rPr sz="1000" b="1">
                 <a:solidFill>
                   <a:srgbClr val="2563EB"/>
                 </a:solidFill>
@@ -9573,8 +9573,8 @@
         </p:nvSpPr>
         <p:spPr>
           <a:xfrm>
-            <a:off x="457200" y="868680"/>
-            <a:ext cx="7315200" cy="228600"/>
+            <a:off x="457200" y="1005840"/>
+            <a:ext cx="7315200" cy="274320"/>
           </a:xfrm>
           <a:prstGeom prst="rect">
             <a:avLst/>
@@ -9594,7 +9594,7 @@
               </a:spcAft>
             </a:pPr>
             <a:r>
-              <a:rPr sz="800" b="0">
+              <a:rPr sz="1100" b="0">
                 <a:solidFill>
                   <a:srgbClr val="475569"/>
                 </a:solidFill>
@@ -9613,8 +9613,8 @@
         </p:nvSpPr>
         <p:spPr>
           <a:xfrm>
-            <a:off x="457200" y="1188720"/>
-            <a:ext cx="2606040" cy="1325880"/>
+            <a:off x="457200" y="1371600"/>
+            <a:ext cx="2606040" cy="1417320"/>
           </a:xfrm>
           <a:prstGeom prst="rect">
             <a:avLst/>
@@ -9658,8 +9658,8 @@
         </p:nvSpPr>
         <p:spPr>
           <a:xfrm>
-            <a:off x="1595628" y="1261872"/>
-            <a:ext cx="329184" cy="329184"/>
+            <a:off x="1568196" y="1463040"/>
+            <a:ext cx="384048" cy="384048"/>
           </a:xfrm>
           <a:prstGeom prst="ellipse">
             <a:avLst/>
@@ -9701,8 +9701,8 @@
         </p:nvSpPr>
         <p:spPr>
           <a:xfrm>
-            <a:off x="1595628" y="1261872"/>
-            <a:ext cx="329184" cy="329184"/>
+            <a:off x="1568196" y="1463040"/>
+            <a:ext cx="384048" cy="384048"/>
           </a:xfrm>
           <a:prstGeom prst="rect">
             <a:avLst/>
@@ -9722,7 +9722,7 @@
               </a:spcAft>
             </a:pPr>
             <a:r>
-              <a:rPr sz="900" b="1">
+              <a:rPr sz="1200" b="1">
                 <a:solidFill>
                   <a:srgbClr val="2563EB"/>
                 </a:solidFill>
@@ -9741,8 +9741,8 @@
         </p:nvSpPr>
         <p:spPr>
           <a:xfrm>
-            <a:off x="512064" y="1627632"/>
-            <a:ext cx="2496312" cy="182880"/>
+            <a:off x="530352" y="1883664"/>
+            <a:ext cx="2459736" cy="237744"/>
           </a:xfrm>
           <a:prstGeom prst="rect">
             <a:avLst/>
@@ -9762,7 +9762,7 @@
               </a:spcAft>
             </a:pPr>
             <a:r>
-              <a:rPr sz="700" b="1">
+              <a:rPr sz="1100" b="1">
                 <a:solidFill>
                   <a:srgbClr val="1E293B"/>
                 </a:solidFill>
@@ -9781,8 +9781,8 @@
         </p:nvSpPr>
         <p:spPr>
           <a:xfrm>
-            <a:off x="512064" y="1810512"/>
-            <a:ext cx="2496312" cy="658368"/>
+            <a:off x="530352" y="2121408"/>
+            <a:ext cx="2459736" cy="594360"/>
           </a:xfrm>
           <a:prstGeom prst="rect">
             <a:avLst/>
@@ -9802,7 +9802,7 @@
               </a:spcAft>
             </a:pPr>
             <a:r>
-              <a:rPr sz="600" b="0">
+              <a:rPr sz="900" b="0">
                 <a:solidFill>
                   <a:srgbClr val="475569"/>
                 </a:solidFill>
@@ -9821,8 +9821,8 @@
         </p:nvSpPr>
         <p:spPr>
           <a:xfrm>
-            <a:off x="3273552" y="1188720"/>
-            <a:ext cx="2606040" cy="1325880"/>
+            <a:off x="3273552" y="1371600"/>
+            <a:ext cx="2606040" cy="1417320"/>
           </a:xfrm>
           <a:prstGeom prst="rect">
             <a:avLst/>
@@ -9866,8 +9866,8 @@
         </p:nvSpPr>
         <p:spPr>
           <a:xfrm>
-            <a:off x="4411980" y="1261872"/>
-            <a:ext cx="329184" cy="329184"/>
+            <a:off x="4384548" y="1463040"/>
+            <a:ext cx="384048" cy="384048"/>
           </a:xfrm>
           <a:prstGeom prst="ellipse">
             <a:avLst/>
@@ -9909,8 +9909,8 @@
         </p:nvSpPr>
         <p:spPr>
           <a:xfrm>
-            <a:off x="4411980" y="1261872"/>
-            <a:ext cx="329184" cy="329184"/>
+            <a:off x="4384548" y="1463040"/>
+            <a:ext cx="384048" cy="384048"/>
           </a:xfrm>
           <a:prstGeom prst="rect">
             <a:avLst/>
@@ -9930,7 +9930,7 @@
               </a:spcAft>
             </a:pPr>
             <a:r>
-              <a:rPr sz="900" b="1">
+              <a:rPr sz="1200" b="1">
                 <a:solidFill>
                   <a:srgbClr val="2563EB"/>
                 </a:solidFill>
@@ -9949,8 +9949,8 @@
         </p:nvSpPr>
         <p:spPr>
           <a:xfrm>
-            <a:off x="3328416" y="1627632"/>
-            <a:ext cx="2496312" cy="182880"/>
+            <a:off x="3346704" y="1883664"/>
+            <a:ext cx="2459736" cy="237744"/>
           </a:xfrm>
           <a:prstGeom prst="rect">
             <a:avLst/>
@@ -9970,7 +9970,7 @@
               </a:spcAft>
             </a:pPr>
             <a:r>
-              <a:rPr sz="700" b="1">
+              <a:rPr sz="1100" b="1">
                 <a:solidFill>
                   <a:srgbClr val="1E293B"/>
                 </a:solidFill>
@@ -9989,8 +9989,8 @@
         </p:nvSpPr>
         <p:spPr>
           <a:xfrm>
-            <a:off x="3328416" y="1810512"/>
-            <a:ext cx="2496312" cy="658368"/>
+            <a:off x="3346704" y="2121408"/>
+            <a:ext cx="2459736" cy="594360"/>
           </a:xfrm>
           <a:prstGeom prst="rect">
             <a:avLst/>
@@ -10010,7 +10010,7 @@
               </a:spcAft>
             </a:pPr>
             <a:r>
-              <a:rPr sz="600" b="0">
+              <a:rPr sz="900" b="0">
                 <a:solidFill>
                   <a:srgbClr val="475569"/>
                 </a:solidFill>
@@ -10029,8 +10029,8 @@
         </p:nvSpPr>
         <p:spPr>
           <a:xfrm>
-            <a:off x="6089904" y="1188720"/>
-            <a:ext cx="2606040" cy="1325880"/>
+            <a:off x="6089904" y="1371600"/>
+            <a:ext cx="2606040" cy="1417320"/>
           </a:xfrm>
           <a:prstGeom prst="rect">
             <a:avLst/>
@@ -10074,8 +10074,8 @@
         </p:nvSpPr>
         <p:spPr>
           <a:xfrm>
-            <a:off x="7228332" y="1261872"/>
-            <a:ext cx="329184" cy="329184"/>
+            <a:off x="7200900" y="1463040"/>
+            <a:ext cx="384048" cy="384048"/>
           </a:xfrm>
           <a:prstGeom prst="ellipse">
             <a:avLst/>
@@ -10117,8 +10117,8 @@
         </p:nvSpPr>
         <p:spPr>
           <a:xfrm>
-            <a:off x="7228332" y="1261872"/>
-            <a:ext cx="329184" cy="329184"/>
+            <a:off x="7200900" y="1463040"/>
+            <a:ext cx="384048" cy="384048"/>
           </a:xfrm>
           <a:prstGeom prst="rect">
             <a:avLst/>
@@ -10138,7 +10138,7 @@
               </a:spcAft>
             </a:pPr>
             <a:r>
-              <a:rPr sz="900" b="1">
+              <a:rPr sz="1200" b="1">
                 <a:solidFill>
                   <a:srgbClr val="2563EB"/>
                 </a:solidFill>
@@ -10157,8 +10157,8 @@
         </p:nvSpPr>
         <p:spPr>
           <a:xfrm>
-            <a:off x="6144768" y="1627632"/>
-            <a:ext cx="2496312" cy="182880"/>
+            <a:off x="6163056" y="1883664"/>
+            <a:ext cx="2459736" cy="237744"/>
           </a:xfrm>
           <a:prstGeom prst="rect">
             <a:avLst/>
@@ -10178,7 +10178,7 @@
               </a:spcAft>
             </a:pPr>
             <a:r>
-              <a:rPr sz="700" b="1">
+              <a:rPr sz="1100" b="1">
                 <a:solidFill>
                   <a:srgbClr val="1E293B"/>
                 </a:solidFill>
@@ -10197,8 +10197,8 @@
         </p:nvSpPr>
         <p:spPr>
           <a:xfrm>
-            <a:off x="6144768" y="1810512"/>
-            <a:ext cx="2496312" cy="658368"/>
+            <a:off x="6163056" y="2121408"/>
+            <a:ext cx="2459736" cy="594360"/>
           </a:xfrm>
           <a:prstGeom prst="rect">
             <a:avLst/>
@@ -10218,7 +10218,7 @@
               </a:spcAft>
             </a:pPr>
             <a:r>
-              <a:rPr sz="600" b="0">
+              <a:rPr sz="900" b="0">
                 <a:solidFill>
                   <a:srgbClr val="475569"/>
                 </a:solidFill>
@@ -10237,8 +10237,8 @@
         </p:nvSpPr>
         <p:spPr>
           <a:xfrm>
-            <a:off x="457200" y="2679192"/>
-            <a:ext cx="2606040" cy="1325880"/>
+            <a:off x="457200" y="2926080"/>
+            <a:ext cx="2606040" cy="1417320"/>
           </a:xfrm>
           <a:prstGeom prst="rect">
             <a:avLst/>
@@ -10282,8 +10282,8 @@
         </p:nvSpPr>
         <p:spPr>
           <a:xfrm>
-            <a:off x="1595628" y="2752344"/>
-            <a:ext cx="329184" cy="329184"/>
+            <a:off x="1568196" y="3017520"/>
+            <a:ext cx="384048" cy="384048"/>
           </a:xfrm>
           <a:prstGeom prst="ellipse">
             <a:avLst/>
@@ -10325,8 +10325,8 @@
         </p:nvSpPr>
         <p:spPr>
           <a:xfrm>
-            <a:off x="1595628" y="2752344"/>
-            <a:ext cx="329184" cy="329184"/>
+            <a:off x="1568196" y="3017520"/>
+            <a:ext cx="384048" cy="384048"/>
           </a:xfrm>
           <a:prstGeom prst="rect">
             <a:avLst/>
@@ -10346,7 +10346,7 @@
               </a:spcAft>
             </a:pPr>
             <a:r>
-              <a:rPr sz="900" b="1">
+              <a:rPr sz="1200" b="1">
                 <a:solidFill>
                   <a:srgbClr val="2563EB"/>
                 </a:solidFill>
@@ -10365,8 +10365,8 @@
         </p:nvSpPr>
         <p:spPr>
           <a:xfrm>
-            <a:off x="512064" y="3118104"/>
-            <a:ext cx="2496312" cy="182880"/>
+            <a:off x="530352" y="3438144"/>
+            <a:ext cx="2459736" cy="237744"/>
           </a:xfrm>
           <a:prstGeom prst="rect">
             <a:avLst/>
@@ -10386,7 +10386,7 @@
               </a:spcAft>
             </a:pPr>
             <a:r>
-              <a:rPr sz="700" b="1">
+              <a:rPr sz="1100" b="1">
                 <a:solidFill>
                   <a:srgbClr val="1E293B"/>
                 </a:solidFill>
@@ -10405,8 +10405,8 @@
         </p:nvSpPr>
         <p:spPr>
           <a:xfrm>
-            <a:off x="512064" y="3300984"/>
-            <a:ext cx="2496312" cy="658368"/>
+            <a:off x="530352" y="3675888"/>
+            <a:ext cx="2459736" cy="594360"/>
           </a:xfrm>
           <a:prstGeom prst="rect">
             <a:avLst/>
@@ -10426,7 +10426,7 @@
               </a:spcAft>
             </a:pPr>
             <a:r>
-              <a:rPr sz="600" b="0">
+              <a:rPr sz="900" b="0">
                 <a:solidFill>
                   <a:srgbClr val="475569"/>
                 </a:solidFill>
@@ -10445,8 +10445,8 @@
         </p:nvSpPr>
         <p:spPr>
           <a:xfrm>
-            <a:off x="3273552" y="2679192"/>
-            <a:ext cx="2606040" cy="1325880"/>
+            <a:off x="3273552" y="2926080"/>
+            <a:ext cx="2606040" cy="1417320"/>
           </a:xfrm>
           <a:prstGeom prst="rect">
             <a:avLst/>
@@ -10490,8 +10490,8 @@
         </p:nvSpPr>
         <p:spPr>
           <a:xfrm>
-            <a:off x="4411980" y="2752344"/>
-            <a:ext cx="329184" cy="329184"/>
+            <a:off x="4384548" y="3017520"/>
+            <a:ext cx="384048" cy="384048"/>
           </a:xfrm>
           <a:prstGeom prst="ellipse">
             <a:avLst/>
@@ -10533,8 +10533,8 @@
         </p:nvSpPr>
         <p:spPr>
           <a:xfrm>
-            <a:off x="4411980" y="2752344"/>
-            <a:ext cx="329184" cy="329184"/>
+            <a:off x="4384548" y="3017520"/>
+            <a:ext cx="384048" cy="384048"/>
           </a:xfrm>
           <a:prstGeom prst="rect">
             <a:avLst/>
@@ -10554,7 +10554,7 @@
               </a:spcAft>
             </a:pPr>
             <a:r>
-              <a:rPr sz="900" b="1">
+              <a:rPr sz="1200" b="1">
                 <a:solidFill>
                   <a:srgbClr val="2563EB"/>
                 </a:solidFill>
@@ -10573,8 +10573,8 @@
         </p:nvSpPr>
         <p:spPr>
           <a:xfrm>
-            <a:off x="3328416" y="3118104"/>
-            <a:ext cx="2496312" cy="182880"/>
+            <a:off x="3346704" y="3438144"/>
+            <a:ext cx="2459736" cy="237744"/>
           </a:xfrm>
           <a:prstGeom prst="rect">
             <a:avLst/>
@@ -10594,7 +10594,7 @@
               </a:spcAft>
             </a:pPr>
             <a:r>
-              <a:rPr sz="700" b="1">
+              <a:rPr sz="1100" b="1">
                 <a:solidFill>
                   <a:srgbClr val="1E293B"/>
                 </a:solidFill>
@@ -10613,8 +10613,8 @@
         </p:nvSpPr>
         <p:spPr>
           <a:xfrm>
-            <a:off x="3328416" y="3300984"/>
-            <a:ext cx="2496312" cy="658368"/>
+            <a:off x="3346704" y="3675888"/>
+            <a:ext cx="2459736" cy="594360"/>
           </a:xfrm>
           <a:prstGeom prst="rect">
             <a:avLst/>
@@ -10634,7 +10634,7 @@
               </a:spcAft>
             </a:pPr>
             <a:r>
-              <a:rPr sz="600" b="0">
+              <a:rPr sz="900" b="0">
                 <a:solidFill>
                   <a:srgbClr val="475569"/>
                 </a:solidFill>
@@ -10653,8 +10653,8 @@
         </p:nvSpPr>
         <p:spPr>
           <a:xfrm>
-            <a:off x="6089904" y="2679192"/>
-            <a:ext cx="2606040" cy="1325880"/>
+            <a:off x="6089904" y="2926080"/>
+            <a:ext cx="2606040" cy="1417320"/>
           </a:xfrm>
           <a:prstGeom prst="rect">
             <a:avLst/>
@@ -10698,8 +10698,8 @@
         </p:nvSpPr>
         <p:spPr>
           <a:xfrm>
-            <a:off x="7228332" y="2752344"/>
-            <a:ext cx="329184" cy="329184"/>
+            <a:off x="7200900" y="3017520"/>
+            <a:ext cx="384048" cy="384048"/>
           </a:xfrm>
           <a:prstGeom prst="ellipse">
             <a:avLst/>
@@ -10741,8 +10741,8 @@
         </p:nvSpPr>
         <p:spPr>
           <a:xfrm>
-            <a:off x="7228332" y="2752344"/>
-            <a:ext cx="329184" cy="329184"/>
+            <a:off x="7200900" y="3017520"/>
+            <a:ext cx="384048" cy="384048"/>
           </a:xfrm>
           <a:prstGeom prst="rect">
             <a:avLst/>
@@ -10762,7 +10762,7 @@
               </a:spcAft>
             </a:pPr>
             <a:r>
-              <a:rPr sz="900" b="1">
+              <a:rPr sz="1200" b="1">
                 <a:solidFill>
                   <a:srgbClr val="2563EB"/>
                 </a:solidFill>
@@ -10781,8 +10781,8 @@
         </p:nvSpPr>
         <p:spPr>
           <a:xfrm>
-            <a:off x="6144768" y="3118104"/>
-            <a:ext cx="2496312" cy="182880"/>
+            <a:off x="6163056" y="3438144"/>
+            <a:ext cx="2459736" cy="237744"/>
           </a:xfrm>
           <a:prstGeom prst="rect">
             <a:avLst/>
@@ -10802,7 +10802,7 @@
               </a:spcAft>
             </a:pPr>
             <a:r>
-              <a:rPr sz="700" b="1">
+              <a:rPr sz="1100" b="1">
                 <a:solidFill>
                   <a:srgbClr val="1E293B"/>
                 </a:solidFill>
@@ -10821,8 +10821,8 @@
         </p:nvSpPr>
         <p:spPr>
           <a:xfrm>
-            <a:off x="6144768" y="3300984"/>
-            <a:ext cx="2496312" cy="658368"/>
+            <a:off x="6163056" y="3675888"/>
+            <a:ext cx="2459736" cy="594360"/>
           </a:xfrm>
           <a:prstGeom prst="rect">
             <a:avLst/>
@@ -10842,7 +10842,7 @@
               </a:spcAft>
             </a:pPr>
             <a:r>
-              <a:rPr sz="600" b="0">
+              <a:rPr sz="900" b="0">
                 <a:solidFill>
                   <a:srgbClr val="475569"/>
                 </a:solidFill>
@@ -10861,7 +10861,7 @@
         </p:nvSpPr>
         <p:spPr>
           <a:xfrm>
-            <a:off x="0" y="4823460"/>
+            <a:off x="0" y="4796028"/>
             <a:ext cx="9144000" cy="6350"/>
           </a:xfrm>
           <a:prstGeom prst="rect">
@@ -10904,8 +10904,8 @@
         </p:nvSpPr>
         <p:spPr>
           <a:xfrm>
-            <a:off x="457200" y="4848860"/>
-            <a:ext cx="3657600" cy="256032"/>
+            <a:off x="457200" y="4821428"/>
+            <a:ext cx="3657600" cy="274320"/>
           </a:xfrm>
           <a:prstGeom prst="rect">
             <a:avLst/>
@@ -10925,7 +10925,7 @@
               </a:spcAft>
             </a:pPr>
             <a:r>
-              <a:rPr sz="650" b="0">
+              <a:rPr sz="900" b="0">
                 <a:solidFill>
                   <a:srgbClr val="94A3B8"/>
                 </a:solidFill>
@@ -10944,8 +10944,8 @@
         </p:nvSpPr>
         <p:spPr>
           <a:xfrm>
-            <a:off x="3657600" y="4848860"/>
-            <a:ext cx="1828800" cy="256032"/>
+            <a:off x="3657600" y="4821428"/>
+            <a:ext cx="1828800" cy="274320"/>
           </a:xfrm>
           <a:prstGeom prst="rect">
             <a:avLst/>
@@ -10965,7 +10965,7 @@
               </a:spcAft>
             </a:pPr>
             <a:r>
-              <a:rPr sz="650" b="0">
+              <a:rPr sz="900" b="0">
                 <a:solidFill>
                   <a:srgbClr val="94A3B8"/>
                 </a:solidFill>
@@ -10984,8 +10984,8 @@
         </p:nvSpPr>
         <p:spPr>
           <a:xfrm>
-            <a:off x="8229600" y="4848860"/>
-            <a:ext cx="457200" cy="256032"/>
+            <a:off x="8229600" y="4821428"/>
+            <a:ext cx="457200" cy="274320"/>
           </a:xfrm>
           <a:prstGeom prst="rect">
             <a:avLst/>
@@ -11005,7 +11005,7 @@
               </a:spcAft>
             </a:pPr>
             <a:r>
-              <a:rPr sz="650" b="1">
+              <a:rPr sz="900" b="1">
                 <a:solidFill>
                   <a:srgbClr val="94A3B8"/>
                 </a:solidFill>
@@ -11043,7 +11043,7 @@
         <p:spPr>
           <a:xfrm>
             <a:off x="0" y="0"/>
-            <a:ext cx="9144000" cy="502920"/>
+            <a:ext cx="9144000" cy="594360"/>
           </a:xfrm>
           <a:prstGeom prst="rect">
             <a:avLst/>
@@ -11086,7 +11086,7 @@
         <p:spPr>
           <a:xfrm>
             <a:off x="457200" y="0"/>
-            <a:ext cx="8229600" cy="502920"/>
+            <a:ext cx="8229600" cy="594360"/>
           </a:xfrm>
           <a:prstGeom prst="rect">
             <a:avLst/>
@@ -11106,7 +11106,7 @@
               </a:spcAft>
             </a:pPr>
             <a:r>
-              <a:rPr sz="900" b="1">
+              <a:rPr sz="1200" b="1">
                 <a:solidFill>
                   <a:srgbClr val="FFFFFF"/>
                 </a:solidFill>
@@ -11125,8 +11125,8 @@
         </p:nvSpPr>
         <p:spPr>
           <a:xfrm>
-            <a:off x="457200" y="640080"/>
-            <a:ext cx="2743200" cy="228600"/>
+            <a:off x="457200" y="731520"/>
+            <a:ext cx="2743200" cy="274320"/>
           </a:xfrm>
           <a:prstGeom prst="rect">
             <a:avLst/>
@@ -11146,7 +11146,7 @@
               </a:spcAft>
             </a:pPr>
             <a:r>
-              <a:rPr sz="700" b="1">
+              <a:rPr sz="1000" b="1">
                 <a:solidFill>
                   <a:srgbClr val="2563EB"/>
                 </a:solidFill>
@@ -11165,8 +11165,8 @@
         </p:nvSpPr>
         <p:spPr>
           <a:xfrm>
-            <a:off x="457200" y="914400"/>
-            <a:ext cx="548640" cy="548640"/>
+            <a:off x="457200" y="1051560"/>
+            <a:ext cx="640080" cy="640080"/>
           </a:xfrm>
           <a:prstGeom prst="ellipse">
             <a:avLst/>
@@ -11208,8 +11208,8 @@
         </p:nvSpPr>
         <p:spPr>
           <a:xfrm>
-            <a:off x="457200" y="914400"/>
-            <a:ext cx="548640" cy="548640"/>
+            <a:off x="457200" y="1051560"/>
+            <a:ext cx="640080" cy="640080"/>
           </a:xfrm>
           <a:prstGeom prst="rect">
             <a:avLst/>
@@ -11229,27 +11229,67 @@
               </a:spcAft>
             </a:pPr>
             <a:r>
+              <a:rPr sz="1500" b="1">
+                <a:solidFill>
+                  <a:srgbClr val="FFFFFF"/>
+                </a:solidFill>
+                <a:latin typeface="Calibri"/>
+              </a:rPr>
+              <a:t>TS</a:t>
+            </a:r>
+          </a:p>
+        </p:txBody>
+      </p:sp>
+      <p:sp>
+        <p:nvSpPr>
+          <p:cNvPr id="7" name="TextBox 6"/>
+          <p:cNvSpPr txBox="1"/>
+          <p:nvPr/>
+        </p:nvSpPr>
+        <p:spPr>
+          <a:xfrm>
+            <a:off x="1234440" y="1051560"/>
+            <a:ext cx="6400800" cy="292608"/>
+          </a:xfrm>
+          <a:prstGeom prst="rect">
+            <a:avLst/>
+          </a:prstGeom>
+          <a:noFill/>
+        </p:spPr>
+        <p:txBody>
+          <a:bodyPr wrap="square"/>
+          <a:lstStyle/>
+          <a:p>
+            <a:pPr algn="l">
+              <a:spcBef>
+                <a:spcPts val="0"/>
+              </a:spcBef>
+              <a:spcAft>
+                <a:spcPts val="0"/>
+              </a:spcAft>
+            </a:pPr>
+            <a:r>
               <a:rPr sz="1200" b="1">
                 <a:solidFill>
-                  <a:srgbClr val="FFFFFF"/>
-                </a:solidFill>
-                <a:latin typeface="Calibri"/>
-              </a:rPr>
-              <a:t>TS</a:t>
-            </a:r>
-          </a:p>
-        </p:txBody>
-      </p:sp>
-      <p:sp>
-        <p:nvSpPr>
-          <p:cNvPr id="7" name="TextBox 6"/>
-          <p:cNvSpPr txBox="1"/>
-          <p:nvPr/>
-        </p:nvSpPr>
-        <p:spPr>
-          <a:xfrm>
-            <a:off x="1143000" y="914400"/>
-            <a:ext cx="6400800" cy="228600"/>
+                  <a:srgbClr val="1E293B"/>
+                </a:solidFill>
+                <a:latin typeface="Calibri"/>
+              </a:rPr>
+              <a:t>Takuya Sato — CEO, Universal Need Inc.</a:t>
+            </a:r>
+          </a:p>
+        </p:txBody>
+      </p:sp>
+      <p:sp>
+        <p:nvSpPr>
+          <p:cNvPr id="8" name="TextBox 7"/>
+          <p:cNvSpPr txBox="1"/>
+          <p:nvPr/>
+        </p:nvSpPr>
+        <p:spPr>
+          <a:xfrm>
+            <a:off x="1234440" y="1353312"/>
+            <a:ext cx="6858000" cy="914400"/>
           </a:xfrm>
           <a:prstGeom prst="rect">
             <a:avLst/>
@@ -11269,47 +11309,7 @@
               </a:spcAft>
             </a:pPr>
             <a:r>
-              <a:rPr sz="800" b="1">
-                <a:solidFill>
-                  <a:srgbClr val="1E293B"/>
-                </a:solidFill>
-                <a:latin typeface="Calibri"/>
-              </a:rPr>
-              <a:t>Takuya Sato — CEO, Universal Need Inc.</a:t>
-            </a:r>
-          </a:p>
-        </p:txBody>
-      </p:sp>
-      <p:sp>
-        <p:nvSpPr>
-          <p:cNvPr id="8" name="TextBox 7"/>
-          <p:cNvSpPr txBox="1"/>
-          <p:nvPr/>
-        </p:nvSpPr>
-        <p:spPr>
-          <a:xfrm>
-            <a:off x="1143000" y="1170432"/>
-            <a:ext cx="6858000" cy="868680"/>
-          </a:xfrm>
-          <a:prstGeom prst="rect">
-            <a:avLst/>
-          </a:prstGeom>
-          <a:noFill/>
-        </p:spPr>
-        <p:txBody>
-          <a:bodyPr wrap="square"/>
-          <a:lstStyle/>
-          <a:p>
-            <a:pPr algn="l">
-              <a:spcBef>
-                <a:spcPts val="0"/>
-              </a:spcBef>
-              <a:spcAft>
-                <a:spcPts val="0"/>
-              </a:spcAft>
-            </a:pPr>
-            <a:r>
-              <a:rPr sz="650" b="0">
+              <a:rPr sz="1000" b="0">
                 <a:solidFill>
                   <a:srgbClr val="475569"/>
                 </a:solidFill>
@@ -11328,8 +11328,8 @@
         </p:nvSpPr>
         <p:spPr>
           <a:xfrm>
-            <a:off x="1143000" y="2011680"/>
-            <a:ext cx="1394460" cy="201168"/>
+            <a:off x="1234440" y="2286000"/>
+            <a:ext cx="1257300" cy="237744"/>
           </a:xfrm>
           <a:prstGeom prst="rect">
             <a:avLst/>
@@ -11373,8 +11373,8 @@
         </p:nvSpPr>
         <p:spPr>
           <a:xfrm>
-            <a:off x="1188720" y="2011680"/>
-            <a:ext cx="1303020" cy="201168"/>
+            <a:off x="1280160" y="2286000"/>
+            <a:ext cx="1165860" cy="237744"/>
           </a:xfrm>
           <a:prstGeom prst="rect">
             <a:avLst/>
@@ -11394,7 +11394,7 @@
               </a:spcAft>
             </a:pPr>
             <a:r>
-              <a:rPr sz="550" b="0">
+              <a:rPr sz="750" b="0">
                 <a:solidFill>
                   <a:srgbClr val="475569"/>
                 </a:solidFill>
@@ -11413,8 +11413,8 @@
         </p:nvSpPr>
         <p:spPr>
           <a:xfrm>
-            <a:off x="2610612" y="2011680"/>
-            <a:ext cx="2793492" cy="201168"/>
+            <a:off x="2564892" y="2286000"/>
+            <a:ext cx="2491740" cy="237744"/>
           </a:xfrm>
           <a:prstGeom prst="rect">
             <a:avLst/>
@@ -11458,8 +11458,8 @@
         </p:nvSpPr>
         <p:spPr>
           <a:xfrm>
-            <a:off x="2656332" y="2011680"/>
-            <a:ext cx="2702052" cy="201168"/>
+            <a:off x="2610612" y="2286000"/>
+            <a:ext cx="2400300" cy="237744"/>
           </a:xfrm>
           <a:prstGeom prst="rect">
             <a:avLst/>
@@ -11479,7 +11479,7 @@
               </a:spcAft>
             </a:pPr>
             <a:r>
-              <a:rPr sz="550" b="0">
+              <a:rPr sz="750" b="0">
                 <a:solidFill>
                   <a:srgbClr val="475569"/>
                 </a:solidFill>
@@ -11498,8 +11498,8 @@
         </p:nvSpPr>
         <p:spPr>
           <a:xfrm>
-            <a:off x="5477256" y="2011680"/>
-            <a:ext cx="3026664" cy="201168"/>
+            <a:off x="5129784" y="2286000"/>
+            <a:ext cx="2697479" cy="237744"/>
           </a:xfrm>
           <a:prstGeom prst="rect">
             <a:avLst/>
@@ -11543,8 +11543,8 @@
         </p:nvSpPr>
         <p:spPr>
           <a:xfrm>
-            <a:off x="5522976" y="2011680"/>
-            <a:ext cx="2935224" cy="201168"/>
+            <a:off x="5175504" y="2286000"/>
+            <a:ext cx="2606039" cy="237744"/>
           </a:xfrm>
           <a:prstGeom prst="rect">
             <a:avLst/>
@@ -11564,7 +11564,7 @@
               </a:spcAft>
             </a:pPr>
             <a:r>
-              <a:rPr sz="550" b="0">
+              <a:rPr sz="750" b="0">
                 <a:solidFill>
                   <a:srgbClr val="475569"/>
                 </a:solidFill>
@@ -11583,8 +11583,8 @@
         </p:nvSpPr>
         <p:spPr>
           <a:xfrm>
-            <a:off x="1143000" y="2267712"/>
-            <a:ext cx="1705356" cy="201168"/>
+            <a:off x="1234440" y="2578608"/>
+            <a:ext cx="1531620" cy="237744"/>
           </a:xfrm>
           <a:prstGeom prst="rect">
             <a:avLst/>
@@ -11628,8 +11628,8 @@
         </p:nvSpPr>
         <p:spPr>
           <a:xfrm>
-            <a:off x="1188720" y="2267712"/>
-            <a:ext cx="1613916" cy="201168"/>
+            <a:off x="1280160" y="2578608"/>
+            <a:ext cx="1440180" cy="237744"/>
           </a:xfrm>
           <a:prstGeom prst="rect">
             <a:avLst/>
@@ -11649,7 +11649,7 @@
               </a:spcAft>
             </a:pPr>
             <a:r>
-              <a:rPr sz="550" b="0">
+              <a:rPr sz="750" b="0">
                 <a:solidFill>
                   <a:srgbClr val="475569"/>
                 </a:solidFill>
@@ -11668,8 +11668,8 @@
         </p:nvSpPr>
         <p:spPr>
           <a:xfrm>
-            <a:off x="2921508" y="2267712"/>
-            <a:ext cx="1627632" cy="201168"/>
+            <a:off x="2839212" y="2578608"/>
+            <a:ext cx="1463039" cy="237744"/>
           </a:xfrm>
           <a:prstGeom prst="rect">
             <a:avLst/>
@@ -11713,8 +11713,8 @@
         </p:nvSpPr>
         <p:spPr>
           <a:xfrm>
-            <a:off x="2967228" y="2267712"/>
-            <a:ext cx="1536192" cy="201168"/>
+            <a:off x="2884932" y="2578608"/>
+            <a:ext cx="1371599" cy="237744"/>
           </a:xfrm>
           <a:prstGeom prst="rect">
             <a:avLst/>
@@ -11734,7 +11734,7 @@
               </a:spcAft>
             </a:pPr>
             <a:r>
-              <a:rPr sz="550" b="0">
+              <a:rPr sz="750" b="0">
                 <a:solidFill>
                   <a:srgbClr val="475569"/>
                 </a:solidFill>
@@ -11753,8 +11753,8 @@
         </p:nvSpPr>
         <p:spPr>
           <a:xfrm>
-            <a:off x="4622292" y="2267712"/>
-            <a:ext cx="3259836" cy="201168"/>
+            <a:off x="4375403" y="2578608"/>
+            <a:ext cx="2903220" cy="237744"/>
           </a:xfrm>
           <a:prstGeom prst="rect">
             <a:avLst/>
@@ -11798,8 +11798,8 @@
         </p:nvSpPr>
         <p:spPr>
           <a:xfrm>
-            <a:off x="4668012" y="2267712"/>
-            <a:ext cx="3168396" cy="201168"/>
+            <a:off x="4421123" y="2578608"/>
+            <a:ext cx="2811780" cy="237744"/>
           </a:xfrm>
           <a:prstGeom prst="rect">
             <a:avLst/>
@@ -11819,7 +11819,7 @@
               </a:spcAft>
             </a:pPr>
             <a:r>
-              <a:rPr sz="550" b="0">
+              <a:rPr sz="750" b="0">
                 <a:solidFill>
                   <a:srgbClr val="475569"/>
                 </a:solidFill>
@@ -11838,8 +11838,8 @@
         </p:nvSpPr>
         <p:spPr>
           <a:xfrm>
-            <a:off x="457200" y="2377440"/>
-            <a:ext cx="7863840" cy="731520"/>
+            <a:off x="457200" y="2962656"/>
+            <a:ext cx="7863840" cy="1741932"/>
           </a:xfrm>
           <a:prstGeom prst="rect">
             <a:avLst/>
@@ -11881,8 +11881,8 @@
         </p:nvSpPr>
         <p:spPr>
           <a:xfrm>
-            <a:off x="457200" y="2377440"/>
-            <a:ext cx="45720" cy="731520"/>
+            <a:off x="457200" y="2962656"/>
+            <a:ext cx="54864" cy="1741932"/>
           </a:xfrm>
           <a:prstGeom prst="rect">
             <a:avLst/>
@@ -11924,8 +11924,8 @@
         </p:nvSpPr>
         <p:spPr>
           <a:xfrm>
-            <a:off x="640080" y="2432304"/>
-            <a:ext cx="7589520" cy="182880"/>
+            <a:off x="685800" y="3035808"/>
+            <a:ext cx="7543800" cy="237744"/>
           </a:xfrm>
           <a:prstGeom prst="rect">
             <a:avLst/>
@@ -11945,7 +11945,7 @@
               </a:spcAft>
             </a:pPr>
             <a:r>
-              <a:rPr sz="700" b="1">
+              <a:rPr sz="1000" b="1">
                 <a:solidFill>
                   <a:srgbClr val="1E293B"/>
                 </a:solidFill>
@@ -11964,8 +11964,8 @@
         </p:nvSpPr>
         <p:spPr>
           <a:xfrm>
-            <a:off x="640080" y="2633472"/>
-            <a:ext cx="7589520" cy="411480"/>
+            <a:off x="685800" y="3291840"/>
+            <a:ext cx="7543800" cy="1357884"/>
           </a:xfrm>
           <a:prstGeom prst="rect">
             <a:avLst/>
@@ -11985,7 +11985,7 @@
               </a:spcAft>
             </a:pPr>
             <a:r>
-              <a:rPr sz="650" b="0">
+              <a:rPr sz="1000" b="0">
                 <a:solidFill>
                   <a:srgbClr val="475569"/>
                 </a:solidFill>
@@ -12004,7 +12004,7 @@
         </p:nvSpPr>
         <p:spPr>
           <a:xfrm>
-            <a:off x="0" y="4823460"/>
+            <a:off x="0" y="4796028"/>
             <a:ext cx="9144000" cy="6350"/>
           </a:xfrm>
           <a:prstGeom prst="rect">
@@ -12047,8 +12047,8 @@
         </p:nvSpPr>
         <p:spPr>
           <a:xfrm>
-            <a:off x="457200" y="4848860"/>
-            <a:ext cx="3657600" cy="256032"/>
+            <a:off x="457200" y="4821428"/>
+            <a:ext cx="3657600" cy="274320"/>
           </a:xfrm>
           <a:prstGeom prst="rect">
             <a:avLst/>
@@ -12068,7 +12068,7 @@
               </a:spcAft>
             </a:pPr>
             <a:r>
-              <a:rPr sz="650" b="0">
+              <a:rPr sz="900" b="0">
                 <a:solidFill>
                   <a:srgbClr val="94A3B8"/>
                 </a:solidFill>
@@ -12087,8 +12087,8 @@
         </p:nvSpPr>
         <p:spPr>
           <a:xfrm>
-            <a:off x="3657600" y="4848860"/>
-            <a:ext cx="1828800" cy="256032"/>
+            <a:off x="3657600" y="4821428"/>
+            <a:ext cx="1828800" cy="274320"/>
           </a:xfrm>
           <a:prstGeom prst="rect">
             <a:avLst/>
@@ -12108,7 +12108,7 @@
               </a:spcAft>
             </a:pPr>
             <a:r>
-              <a:rPr sz="650" b="0">
+              <a:rPr sz="900" b="0">
                 <a:solidFill>
                   <a:srgbClr val="94A3B8"/>
                 </a:solidFill>
@@ -12127,8 +12127,8 @@
         </p:nvSpPr>
         <p:spPr>
           <a:xfrm>
-            <a:off x="8229600" y="4848860"/>
-            <a:ext cx="457200" cy="256032"/>
+            <a:off x="8229600" y="4821428"/>
+            <a:ext cx="457200" cy="274320"/>
           </a:xfrm>
           <a:prstGeom prst="rect">
             <a:avLst/>
@@ -12148,7 +12148,7 @@
               </a:spcAft>
             </a:pPr>
             <a:r>
-              <a:rPr sz="650" b="1">
+              <a:rPr sz="900" b="1">
                 <a:solidFill>
                   <a:srgbClr val="94A3B8"/>
                 </a:solidFill>
@@ -12229,7 +12229,7 @@
         <p:spPr>
           <a:xfrm>
             <a:off x="457200" y="137160"/>
-            <a:ext cx="2743200" cy="320040"/>
+            <a:ext cx="3657600" cy="411480"/>
           </a:xfrm>
           <a:prstGeom prst="rect">
             <a:avLst/>
@@ -12249,7 +12249,7 @@
               </a:spcAft>
             </a:pPr>
             <a:r>
-              <a:rPr sz="900" b="1">
+              <a:rPr sz="1300" b="1">
                 <a:solidFill>
                   <a:srgbClr val="FFFFFF"/>
                 </a:solidFill>
@@ -12268,8 +12268,8 @@
         </p:nvSpPr>
         <p:spPr>
           <a:xfrm>
-            <a:off x="914400" y="1371600"/>
-            <a:ext cx="7315200" cy="914400"/>
+            <a:off x="914400" y="1188720"/>
+            <a:ext cx="7315200" cy="1097280"/>
           </a:xfrm>
           <a:prstGeom prst="rect">
             <a:avLst/>
@@ -12289,7 +12289,7 @@
               </a:spcAft>
             </a:pPr>
             <a:r>
-              <a:rPr sz="1800" b="1">
+              <a:rPr sz="2600" b="1">
                 <a:solidFill>
                   <a:srgbClr val="FFFFFF"/>
                 </a:solidFill>
@@ -12310,7 +12310,7 @@
         <p:spPr>
           <a:xfrm>
             <a:off x="1371600" y="2560320"/>
-            <a:ext cx="6400800" cy="914400"/>
+            <a:ext cx="6400800" cy="1097280"/>
           </a:xfrm>
           <a:prstGeom prst="rect">
             <a:avLst/>
@@ -12330,7 +12330,7 @@
               </a:spcAft>
             </a:pPr>
             <a:r>
-              <a:rPr sz="900" b="0">
+              <a:rPr sz="1300" b="0">
                 <a:solidFill>
                   <a:srgbClr val="BBBBCC"/>
                 </a:solidFill>
@@ -12351,7 +12351,7 @@
         </p:nvSpPr>
         <p:spPr>
           <a:xfrm>
-            <a:off x="0" y="4658868"/>
+            <a:off x="0" y="4613148"/>
             <a:ext cx="9144000" cy="6350"/>
           </a:xfrm>
           <a:prstGeom prst="rect">
@@ -12394,8 +12394,8 @@
         </p:nvSpPr>
         <p:spPr>
           <a:xfrm>
-            <a:off x="457200" y="4686300"/>
-            <a:ext cx="3657600" cy="274320"/>
+            <a:off x="457200" y="4640580"/>
+            <a:ext cx="3657600" cy="320040"/>
           </a:xfrm>
           <a:prstGeom prst="rect">
             <a:avLst/>
@@ -12415,7 +12415,7 @@
               </a:spcAft>
             </a:pPr>
             <a:r>
-              <a:rPr sz="650" b="0">
+              <a:rPr sz="900" b="0">
                 <a:solidFill>
                   <a:srgbClr val="94A3B8"/>
                 </a:solidFill>
@@ -12434,8 +12434,8 @@
         </p:nvSpPr>
         <p:spPr>
           <a:xfrm>
-            <a:off x="3657600" y="4686300"/>
-            <a:ext cx="1828800" cy="274320"/>
+            <a:off x="3657600" y="4640580"/>
+            <a:ext cx="1828800" cy="320040"/>
           </a:xfrm>
           <a:prstGeom prst="rect">
             <a:avLst/>
@@ -12455,7 +12455,7 @@
               </a:spcAft>
             </a:pPr>
             <a:r>
-              <a:rPr sz="650" b="0">
+              <a:rPr sz="900" b="0">
                 <a:solidFill>
                   <a:srgbClr val="94A3B8"/>
                 </a:solidFill>
@@ -12474,8 +12474,8 @@
         </p:nvSpPr>
         <p:spPr>
           <a:xfrm>
-            <a:off x="8229600" y="4686300"/>
-            <a:ext cx="457200" cy="274320"/>
+            <a:off x="8229600" y="4640580"/>
+            <a:ext cx="457200" cy="320040"/>
           </a:xfrm>
           <a:prstGeom prst="rect">
             <a:avLst/>
@@ -12495,7 +12495,7 @@
               </a:spcAft>
             </a:pPr>
             <a:r>
-              <a:rPr sz="650" b="1">
+              <a:rPr sz="900" b="1">
                 <a:solidFill>
                   <a:srgbClr val="94A3B8"/>
                 </a:solidFill>

--- a/toki/tokistorage-partnership-deck-en.pptx
+++ b/toki/tokistorage-partnership-deck-en.pptx
@@ -14,6 +14,7 @@
     <p:sldId id="262" r:id="rId13"/>
     <p:sldId id="263" r:id="rId14"/>
     <p:sldId id="264" r:id="rId15"/>
+    <p:sldId id="265" r:id="rId16"/>
   </p:sldIdLst>
   <p:sldSz cx="9144000" cy="5143500" type="screen4x3"/>
   <p:notesSz cx="6858000" cy="9144000"/>
@@ -3432,6 +3433,396 @@
 </p:sld>
 </file>
 
+<file path=ppt/slides/slide10.xml><?xml version="1.0" encoding="utf-8"?>
+<p:sld xmlns:a="http://schemas.openxmlformats.org/drawingml/2006/main" xmlns:p="http://schemas.openxmlformats.org/presentationml/2006/main" xmlns:r="http://schemas.openxmlformats.org/officeDocument/2006/relationships">
+  <p:cSld>
+    <p:spTree>
+      <p:nvGrpSpPr>
+        <p:cNvPr id="1" name=""/>
+        <p:cNvGrpSpPr/>
+        <p:nvPr/>
+      </p:nvGrpSpPr>
+      <p:grpSpPr/>
+      <p:sp>
+        <p:nvSpPr>
+          <p:cNvPr id="2" name="Rectangle 1"/>
+          <p:cNvSpPr/>
+          <p:nvPr/>
+        </p:nvSpPr>
+        <p:spPr>
+          <a:xfrm>
+            <a:off x="0" y="0"/>
+            <a:ext cx="9144000" cy="5143500"/>
+          </a:xfrm>
+          <a:prstGeom prst="rect">
+            <a:avLst/>
+          </a:prstGeom>
+          <a:solidFill>
+            <a:srgbClr val="F8FAFC"/>
+          </a:solidFill>
+          <a:ln>
+            <a:noFill/>
+          </a:ln>
+        </p:spPr>
+        <p:style>
+          <a:lnRef idx="1">
+            <a:schemeClr val="accent1"/>
+          </a:lnRef>
+          <a:fillRef idx="3">
+            <a:schemeClr val="accent1"/>
+          </a:fillRef>
+          <a:effectRef idx="2">
+            <a:schemeClr val="accent1"/>
+          </a:effectRef>
+          <a:fontRef idx="minor">
+            <a:schemeClr val="lt1"/>
+          </a:fontRef>
+        </p:style>
+        <p:txBody>
+          <a:bodyPr rtlCol="0" anchor="ctr"/>
+          <a:lstStyle/>
+          <a:p>
+            <a:pPr algn="ctr"/>
+          </a:p>
+        </p:txBody>
+      </p:sp>
+      <p:sp>
+        <p:nvSpPr>
+          <p:cNvPr id="3" name="TextBox 2"/>
+          <p:cNvSpPr txBox="1"/>
+          <p:nvPr/>
+        </p:nvSpPr>
+        <p:spPr>
+          <a:xfrm>
+            <a:off x="914400" y="914400"/>
+            <a:ext cx="7315200" cy="411480"/>
+          </a:xfrm>
+          <a:prstGeom prst="rect">
+            <a:avLst/>
+          </a:prstGeom>
+          <a:noFill/>
+        </p:spPr>
+        <p:txBody>
+          <a:bodyPr wrap="square"/>
+          <a:lstStyle/>
+          <a:p>
+            <a:pPr algn="l">
+              <a:spcBef>
+                <a:spcPts val="0"/>
+              </a:spcBef>
+              <a:spcAft>
+                <a:spcPts val="0"/>
+              </a:spcAft>
+            </a:pPr>
+            <a:r>
+              <a:rPr sz="1400" b="1">
+                <a:solidFill>
+                  <a:srgbClr val="94A3B8"/>
+                </a:solidFill>
+                <a:latin typeface="Calibri"/>
+              </a:rPr>
+              <a:t>Confidential / Disclaimer</a:t>
+            </a:r>
+          </a:p>
+        </p:txBody>
+      </p:sp>
+      <p:sp>
+        <p:nvSpPr>
+          <p:cNvPr id="4" name="Rectangle 3"/>
+          <p:cNvSpPr/>
+          <p:nvPr/>
+        </p:nvSpPr>
+        <p:spPr>
+          <a:xfrm>
+            <a:off x="914400" y="1371600"/>
+            <a:ext cx="7315200" cy="6350"/>
+          </a:xfrm>
+          <a:prstGeom prst="rect">
+            <a:avLst/>
+          </a:prstGeom>
+          <a:solidFill>
+            <a:srgbClr val="E2E8F0"/>
+          </a:solidFill>
+          <a:ln>
+            <a:noFill/>
+          </a:ln>
+        </p:spPr>
+        <p:style>
+          <a:lnRef idx="1">
+            <a:schemeClr val="accent1"/>
+          </a:lnRef>
+          <a:fillRef idx="3">
+            <a:schemeClr val="accent1"/>
+          </a:fillRef>
+          <a:effectRef idx="2">
+            <a:schemeClr val="accent1"/>
+          </a:effectRef>
+          <a:fontRef idx="minor">
+            <a:schemeClr val="lt1"/>
+          </a:fontRef>
+        </p:style>
+        <p:txBody>
+          <a:bodyPr rtlCol="0" anchor="ctr"/>
+          <a:lstStyle/>
+          <a:p>
+            <a:pPr algn="ctr"/>
+          </a:p>
+        </p:txBody>
+      </p:sp>
+      <p:sp>
+        <p:nvSpPr>
+          <p:cNvPr id="5" name="TextBox 4"/>
+          <p:cNvSpPr txBox="1"/>
+          <p:nvPr/>
+        </p:nvSpPr>
+        <p:spPr>
+          <a:xfrm>
+            <a:off x="914400" y="1554480"/>
+            <a:ext cx="7315200" cy="2560320"/>
+          </a:xfrm>
+          <a:prstGeom prst="rect">
+            <a:avLst/>
+          </a:prstGeom>
+          <a:noFill/>
+        </p:spPr>
+        <p:txBody>
+          <a:bodyPr wrap="square"/>
+          <a:lstStyle/>
+          <a:p>
+            <a:pPr algn="l">
+              <a:spcBef>
+                <a:spcPts val="0"/>
+              </a:spcBef>
+              <a:spcAft>
+                <a:spcPts val="0"/>
+              </a:spcAft>
+            </a:pPr>
+            <a:r>
+              <a:rPr sz="900" b="0">
+                <a:solidFill>
+                  <a:srgbClr val="475569"/>
+                </a:solidFill>
+                <a:latin typeface="Calibri"/>
+              </a:rPr>
+              <a:t>This document has been prepared by Universal Need Inc. (the "Company") solely for the purpose of evaluating a potential partnership.
+The information contained herein reflects the Company's current views and plans and does not constitute a guarantee of accuracy, completeness, or future outcomes.
+This document is provided for informational purposes only and does not constitute legal, investment, or other professional advice.
+No part of this document may be disclosed, reproduced, or distributed to any third party without the prior written consent of the Company.</a:t>
+            </a:r>
+          </a:p>
+        </p:txBody>
+      </p:sp>
+      <p:sp>
+        <p:nvSpPr>
+          <p:cNvPr id="6" name="TextBox 5"/>
+          <p:cNvSpPr txBox="1"/>
+          <p:nvPr/>
+        </p:nvSpPr>
+        <p:spPr>
+          <a:xfrm>
+            <a:off x="914400" y="4046220"/>
+            <a:ext cx="7315200" cy="274320"/>
+          </a:xfrm>
+          <a:prstGeom prst="rect">
+            <a:avLst/>
+          </a:prstGeom>
+          <a:noFill/>
+        </p:spPr>
+        <p:txBody>
+          <a:bodyPr wrap="square"/>
+          <a:lstStyle/>
+          <a:p>
+            <a:pPr algn="l">
+              <a:spcBef>
+                <a:spcPts val="0"/>
+              </a:spcBef>
+              <a:spcAft>
+                <a:spcPts val="0"/>
+              </a:spcAft>
+            </a:pPr>
+            <a:r>
+              <a:rPr sz="800" b="0">
+                <a:solidFill>
+                  <a:srgbClr val="94A3B8"/>
+                </a:solidFill>
+                <a:latin typeface="Calibri"/>
+              </a:rPr>
+              <a:t>© 2026 Universal Need Inc. All rights reserved.</a:t>
+            </a:r>
+          </a:p>
+        </p:txBody>
+      </p:sp>
+      <p:sp>
+        <p:nvSpPr>
+          <p:cNvPr id="7" name="Rectangle 6"/>
+          <p:cNvSpPr/>
+          <p:nvPr/>
+        </p:nvSpPr>
+        <p:spPr>
+          <a:xfrm>
+            <a:off x="0" y="4796028"/>
+            <a:ext cx="9144000" cy="6350"/>
+          </a:xfrm>
+          <a:prstGeom prst="rect">
+            <a:avLst/>
+          </a:prstGeom>
+          <a:solidFill>
+            <a:srgbClr val="E2E8F0"/>
+          </a:solidFill>
+          <a:ln>
+            <a:noFill/>
+          </a:ln>
+        </p:spPr>
+        <p:style>
+          <a:lnRef idx="1">
+            <a:schemeClr val="accent1"/>
+          </a:lnRef>
+          <a:fillRef idx="3">
+            <a:schemeClr val="accent1"/>
+          </a:fillRef>
+          <a:effectRef idx="2">
+            <a:schemeClr val="accent1"/>
+          </a:effectRef>
+          <a:fontRef idx="minor">
+            <a:schemeClr val="lt1"/>
+          </a:fontRef>
+        </p:style>
+        <p:txBody>
+          <a:bodyPr rtlCol="0" anchor="ctr"/>
+          <a:lstStyle/>
+          <a:p>
+            <a:pPr algn="ctr"/>
+          </a:p>
+        </p:txBody>
+      </p:sp>
+      <p:sp>
+        <p:nvSpPr>
+          <p:cNvPr id="8" name="TextBox 7"/>
+          <p:cNvSpPr txBox="1"/>
+          <p:nvPr/>
+        </p:nvSpPr>
+        <p:spPr>
+          <a:xfrm>
+            <a:off x="457200" y="4821428"/>
+            <a:ext cx="3657600" cy="274320"/>
+          </a:xfrm>
+          <a:prstGeom prst="rect">
+            <a:avLst/>
+          </a:prstGeom>
+          <a:noFill/>
+        </p:spPr>
+        <p:txBody>
+          <a:bodyPr wrap="square"/>
+          <a:lstStyle/>
+          <a:p>
+            <a:pPr algn="l">
+              <a:spcBef>
+                <a:spcPts val="0"/>
+              </a:spcBef>
+              <a:spcAft>
+                <a:spcPts val="0"/>
+              </a:spcAft>
+            </a:pPr>
+            <a:r>
+              <a:rPr sz="900" b="0">
+                <a:solidFill>
+                  <a:srgbClr val="94A3B8"/>
+                </a:solidFill>
+                <a:latin typeface="Calibri"/>
+              </a:rPr>
+              <a:t>Universal Need Inc. — TokiStorage</a:t>
+            </a:r>
+          </a:p>
+        </p:txBody>
+      </p:sp>
+      <p:sp>
+        <p:nvSpPr>
+          <p:cNvPr id="9" name="TextBox 8"/>
+          <p:cNvSpPr txBox="1"/>
+          <p:nvPr/>
+        </p:nvSpPr>
+        <p:spPr>
+          <a:xfrm>
+            <a:off x="3657600" y="4821428"/>
+            <a:ext cx="1828800" cy="274320"/>
+          </a:xfrm>
+          <a:prstGeom prst="rect">
+            <a:avLst/>
+          </a:prstGeom>
+          <a:noFill/>
+        </p:spPr>
+        <p:txBody>
+          <a:bodyPr wrap="square"/>
+          <a:lstStyle/>
+          <a:p>
+            <a:pPr algn="ctr">
+              <a:spcBef>
+                <a:spcPts val="0"/>
+              </a:spcBef>
+              <a:spcAft>
+                <a:spcPts val="0"/>
+              </a:spcAft>
+            </a:pPr>
+            <a:r>
+              <a:rPr sz="900" b="0">
+                <a:solidFill>
+                  <a:srgbClr val="94A3B8"/>
+                </a:solidFill>
+                <a:latin typeface="Calibri"/>
+              </a:rPr>
+              <a:t>Confidential</a:t>
+            </a:r>
+          </a:p>
+        </p:txBody>
+      </p:sp>
+      <p:sp>
+        <p:nvSpPr>
+          <p:cNvPr id="10" name="TextBox 9"/>
+          <p:cNvSpPr txBox="1"/>
+          <p:nvPr/>
+        </p:nvSpPr>
+        <p:spPr>
+          <a:xfrm>
+            <a:off x="8229600" y="4821428"/>
+            <a:ext cx="457200" cy="274320"/>
+          </a:xfrm>
+          <a:prstGeom prst="rect">
+            <a:avLst/>
+          </a:prstGeom>
+          <a:noFill/>
+        </p:spPr>
+        <p:txBody>
+          <a:bodyPr wrap="square"/>
+          <a:lstStyle/>
+          <a:p>
+            <a:pPr algn="r">
+              <a:spcBef>
+                <a:spcPts val="0"/>
+              </a:spcBef>
+              <a:spcAft>
+                <a:spcPts val="0"/>
+              </a:spcAft>
+            </a:pPr>
+            <a:r>
+              <a:rPr sz="900" b="1">
+                <a:solidFill>
+                  <a:srgbClr val="94A3B8"/>
+                </a:solidFill>
+                <a:latin typeface="Calibri"/>
+              </a:rPr>
+              <a:t>10</a:t>
+            </a:r>
+          </a:p>
+        </p:txBody>
+      </p:sp>
+    </p:spTree>
+  </p:cSld>
+  <p:clrMapOvr>
+    <a:masterClrMapping/>
+  </p:clrMapOvr>
+</p:sld>
+</file>
+
 <file path=ppt/slides/slide2.xml><?xml version="1.0" encoding="utf-8"?>
 <p:sld xmlns:a="http://schemas.openxmlformats.org/drawingml/2006/main" xmlns:p="http://schemas.openxmlformats.org/presentationml/2006/main" xmlns:r="http://schemas.openxmlformats.org/officeDocument/2006/relationships">
   <p:cSld>
@@ -3520,7 +3911,7 @@
                 </a:solidFill>
                 <a:latin typeface="Calibri"/>
               </a:rPr>
-              <a:t>Existing digital services are optimized for "now" — the millennium preservation layer is structurally absent</a:t>
+              <a:t>The rise of AI and Big Tech demands consulting firms find questions that resist commoditization</a:t>
             </a:r>
           </a:p>
         </p:txBody>
@@ -3685,7 +4076,7 @@
                 </a:solidFill>
                 <a:latin typeface="Calibri"/>
               </a:rPr>
-              <a:t>Digital is optimized for "now"</a:t>
+              <a:t>AI is transforming consulting</a:t>
             </a:r>
           </a:p>
         </p:txBody>
@@ -3725,7 +4116,7 @@
                 </a:solidFill>
                 <a:latin typeface="Calibri"/>
               </a:rPr>
-              <a:t>Cloud and social platforms excel at everyday recording. But 100- or 1,000-year preservation is outside their design scope. Different time horizons need different architectures.</a:t>
+              <a:t>Generative AI is rapidly commoditizing research, analysis, and strategy frameworks. Value models built on information asymmetry face structural disruption.</a:t>
             </a:r>
           </a:p>
         </p:txBody>
@@ -3850,7 +4241,7 @@
                 </a:solidFill>
                 <a:latin typeface="Calibri"/>
               </a:rPr>
-              <a:t>End-of-life is now societal</a:t>
+              <a:t>Differentiation is shrinking</a:t>
             </a:r>
           </a:p>
         </p:txBody>
@@ -3890,7 +4281,7 @@
                 </a:solidFill>
                 <a:latin typeface="Calibri"/>
               </a:rPr>
-              <a:t>Tens of thousands of graves go unclaimed yearly. By 2040, single-person households will exceed 40%. "Who preserves memory?" is now a social question.</a:t>
+              <a:t>Industry analysis, benchmarks, digital transformation—every firm converges on similar proposals with similar tools. The differentiator is shifting from what to propose to what questions to ask.</a:t>
             </a:r>
           </a:p>
         </p:txBody>
@@ -4015,7 +4406,7 @@
                 </a:solidFill>
                 <a:latin typeface="Calibri"/>
               </a:rPr>
-              <a:t>The millennium layer is missing</a:t>
+              <a:t>The millennium question</a:t>
             </a:r>
           </a:p>
         </p:txBody>
@@ -4055,7 +4446,7 @@
                 </a:solidFill>
                 <a:latin typeface="Calibri"/>
               </a:rPr>
-              <a:t>Digital estate management, AI recreations — the market is booming. Yet every solution runs on existing infrastructure. A complementary millennium layer is needed.</a:t>
+              <a:t>"What will you preserve for 1,000 years?"—a question AI cannot generate. It touches clients' fundamental needs and creates proposals structurally immune to commoditization.</a:t>
             </a:r>
           </a:p>
         </p:txBody>
@@ -11157,179 +11548,120 @@
           </a:p>
         </p:txBody>
       </p:sp>
-      <p:sp>
-        <p:nvSpPr>
-          <p:cNvPr id="5" name="Oval 4"/>
+      <p:pic>
+        <p:nvPicPr>
+          <p:cNvPr id="5" name="Picture 4" descr="_deck_profile.png"/>
+          <p:cNvPicPr>
+            <a:picLocks noChangeAspect="1"/>
+          </p:cNvPicPr>
+          <p:nvPr/>
+        </p:nvPicPr>
+        <p:blipFill>
+          <a:blip r:embed="rId2"/>
+          <a:stretch>
+            <a:fillRect/>
+          </a:stretch>
+        </p:blipFill>
+        <p:spPr>
+          <a:xfrm>
+            <a:off x="457200" y="1051560"/>
+            <a:ext cx="731520" cy="731520"/>
+          </a:xfrm>
+          <a:prstGeom prst="rect">
+            <a:avLst/>
+          </a:prstGeom>
+        </p:spPr>
+      </p:pic>
+      <p:sp>
+        <p:nvSpPr>
+          <p:cNvPr id="6" name="TextBox 5"/>
+          <p:cNvSpPr txBox="1"/>
+          <p:nvPr/>
+        </p:nvSpPr>
+        <p:spPr>
+          <a:xfrm>
+            <a:off x="1325880" y="1051560"/>
+            <a:ext cx="6400800" cy="320040"/>
+          </a:xfrm>
+          <a:prstGeom prst="rect">
+            <a:avLst/>
+          </a:prstGeom>
+          <a:noFill/>
+        </p:spPr>
+        <p:txBody>
+          <a:bodyPr wrap="square"/>
+          <a:lstStyle/>
+          <a:p>
+            <a:pPr algn="l">
+              <a:spcBef>
+                <a:spcPts val="0"/>
+              </a:spcBef>
+              <a:spcAft>
+                <a:spcPts val="0"/>
+              </a:spcAft>
+            </a:pPr>
+            <a:r>
+              <a:rPr sz="1200" b="1">
+                <a:solidFill>
+                  <a:srgbClr val="1E293B"/>
+                </a:solidFill>
+                <a:latin typeface="Calibri"/>
+              </a:rPr>
+              <a:t>Takuya Sato — CEO, Universal Need Inc.</a:t>
+            </a:r>
+          </a:p>
+        </p:txBody>
+      </p:sp>
+      <p:sp>
+        <p:nvSpPr>
+          <p:cNvPr id="7" name="TextBox 6"/>
+          <p:cNvSpPr txBox="1"/>
+          <p:nvPr/>
+        </p:nvSpPr>
+        <p:spPr>
+          <a:xfrm>
+            <a:off x="1325880" y="1389888"/>
+            <a:ext cx="6858000" cy="868680"/>
+          </a:xfrm>
+          <a:prstGeom prst="rect">
+            <a:avLst/>
+          </a:prstGeom>
+          <a:noFill/>
+        </p:spPr>
+        <p:txBody>
+          <a:bodyPr wrap="square"/>
+          <a:lstStyle/>
+          <a:p>
+            <a:pPr algn="l">
+              <a:spcBef>
+                <a:spcPts val="0"/>
+              </a:spcBef>
+              <a:spcAft>
+                <a:spcPts val="0"/>
+              </a:spcAft>
+            </a:pPr>
+            <a:r>
+              <a:rPr sz="1000" b="0">
+                <a:solidFill>
+                  <a:srgbClr val="475569"/>
+                </a:solidFill>
+                <a:latin typeface="Calibri"/>
+              </a:rPr>
+              <a:t>Former Big Four consultant — understands firm culture, client engagement, and project design from the inside. 20+ years in semiconductor manufacturing engineering. Former president of Timeless Town Shin-Urayasu residents' association (250 households). Through SoulCarrier's work with unclaimed graves, witnessed firsthand how memories vanish — and conceived TokiStorage. Validated off-grid, institution-free 1,000-year design through testing in Maui and Lake Yamanakako.</a:t>
+            </a:r>
+          </a:p>
+        </p:txBody>
+      </p:sp>
+      <p:sp>
+        <p:nvSpPr>
+          <p:cNvPr id="8" name="Rectangle 7"/>
           <p:cNvSpPr/>
           <p:nvPr/>
         </p:nvSpPr>
         <p:spPr>
           <a:xfrm>
-            <a:off x="457200" y="1051560"/>
-            <a:ext cx="640080" cy="640080"/>
-          </a:xfrm>
-          <a:prstGeom prst="ellipse">
-            <a:avLst/>
-          </a:prstGeom>
-          <a:solidFill>
-            <a:srgbClr val="1E293B"/>
-          </a:solidFill>
-          <a:ln>
-            <a:noFill/>
-          </a:ln>
-        </p:spPr>
-        <p:style>
-          <a:lnRef idx="1">
-            <a:schemeClr val="accent1"/>
-          </a:lnRef>
-          <a:fillRef idx="3">
-            <a:schemeClr val="accent1"/>
-          </a:fillRef>
-          <a:effectRef idx="2">
-            <a:schemeClr val="accent1"/>
-          </a:effectRef>
-          <a:fontRef idx="minor">
-            <a:schemeClr val="lt1"/>
-          </a:fontRef>
-        </p:style>
-        <p:txBody>
-          <a:bodyPr rtlCol="0" anchor="ctr"/>
-          <a:lstStyle/>
-          <a:p>
-            <a:pPr algn="ctr"/>
-          </a:p>
-        </p:txBody>
-      </p:sp>
-      <p:sp>
-        <p:nvSpPr>
-          <p:cNvPr id="6" name="TextBox 5"/>
-          <p:cNvSpPr txBox="1"/>
-          <p:nvPr/>
-        </p:nvSpPr>
-        <p:spPr>
-          <a:xfrm>
-            <a:off x="457200" y="1051560"/>
-            <a:ext cx="640080" cy="640080"/>
-          </a:xfrm>
-          <a:prstGeom prst="rect">
-            <a:avLst/>
-          </a:prstGeom>
-          <a:noFill/>
-        </p:spPr>
-        <p:txBody>
-          <a:bodyPr wrap="square" anchor="ctr"/>
-          <a:lstStyle/>
-          <a:p>
-            <a:pPr algn="ctr">
-              <a:spcBef>
-                <a:spcPts val="0"/>
-              </a:spcBef>
-              <a:spcAft>
-                <a:spcPts val="0"/>
-              </a:spcAft>
-            </a:pPr>
-            <a:r>
-              <a:rPr sz="1500" b="1">
-                <a:solidFill>
-                  <a:srgbClr val="FFFFFF"/>
-                </a:solidFill>
-                <a:latin typeface="Calibri"/>
-              </a:rPr>
-              <a:t>TS</a:t>
-            </a:r>
-          </a:p>
-        </p:txBody>
-      </p:sp>
-      <p:sp>
-        <p:nvSpPr>
-          <p:cNvPr id="7" name="TextBox 6"/>
-          <p:cNvSpPr txBox="1"/>
-          <p:nvPr/>
-        </p:nvSpPr>
-        <p:spPr>
-          <a:xfrm>
-            <a:off x="1234440" y="1051560"/>
-            <a:ext cx="6400800" cy="292608"/>
-          </a:xfrm>
-          <a:prstGeom prst="rect">
-            <a:avLst/>
-          </a:prstGeom>
-          <a:noFill/>
-        </p:spPr>
-        <p:txBody>
-          <a:bodyPr wrap="square"/>
-          <a:lstStyle/>
-          <a:p>
-            <a:pPr algn="l">
-              <a:spcBef>
-                <a:spcPts val="0"/>
-              </a:spcBef>
-              <a:spcAft>
-                <a:spcPts val="0"/>
-              </a:spcAft>
-            </a:pPr>
-            <a:r>
-              <a:rPr sz="1200" b="1">
-                <a:solidFill>
-                  <a:srgbClr val="1E293B"/>
-                </a:solidFill>
-                <a:latin typeface="Calibri"/>
-              </a:rPr>
-              <a:t>Takuya Sato — CEO, Universal Need Inc.</a:t>
-            </a:r>
-          </a:p>
-        </p:txBody>
-      </p:sp>
-      <p:sp>
-        <p:nvSpPr>
-          <p:cNvPr id="8" name="TextBox 7"/>
-          <p:cNvSpPr txBox="1"/>
-          <p:nvPr/>
-        </p:nvSpPr>
-        <p:spPr>
-          <a:xfrm>
-            <a:off x="1234440" y="1353312"/>
-            <a:ext cx="6858000" cy="914400"/>
-          </a:xfrm>
-          <a:prstGeom prst="rect">
-            <a:avLst/>
-          </a:prstGeom>
-          <a:noFill/>
-        </p:spPr>
-        <p:txBody>
-          <a:bodyPr wrap="square"/>
-          <a:lstStyle/>
-          <a:p>
-            <a:pPr algn="l">
-              <a:spcBef>
-                <a:spcPts val="0"/>
-              </a:spcBef>
-              <a:spcAft>
-                <a:spcPts val="0"/>
-              </a:spcAft>
-            </a:pPr>
-            <a:r>
-              <a:rPr sz="1000" b="0">
-                <a:solidFill>
-                  <a:srgbClr val="475569"/>
-                </a:solidFill>
-                <a:latin typeface="Calibri"/>
-              </a:rPr>
-              <a:t>Former Big Four consultant — understands firm culture, client engagement, and project design from the inside. 20+ years in semiconductor manufacturing engineering. Former president of Timeless Town Shin-Urayasu residents' association (250 households). Through SoulCarrier's work with unclaimed graves, witnessed firsthand how memories vanish — and conceived TokiStorage. Validated off-grid, institution-free 1,000-year design through testing in Maui and Lake Yamanakako.</a:t>
-            </a:r>
-          </a:p>
-        </p:txBody>
-      </p:sp>
-      <p:sp>
-        <p:nvSpPr>
-          <p:cNvPr id="9" name="Rectangle 8"/>
-          <p:cNvSpPr/>
-          <p:nvPr/>
-        </p:nvSpPr>
-        <p:spPr>
-          <a:xfrm>
-            <a:off x="1234440" y="2286000"/>
-            <a:ext cx="1257300" cy="237744"/>
+            <a:off x="1325880" y="2286000"/>
+            <a:ext cx="1394460" cy="274320"/>
           </a:xfrm>
           <a:prstGeom prst="rect">
             <a:avLst/>
@@ -11367,14 +11699,14 @@
       </p:sp>
       <p:sp>
         <p:nvSpPr>
-          <p:cNvPr id="10" name="TextBox 9"/>
-          <p:cNvSpPr txBox="1"/>
-          <p:nvPr/>
-        </p:nvSpPr>
-        <p:spPr>
-          <a:xfrm>
-            <a:off x="1280160" y="2286000"/>
-            <a:ext cx="1165860" cy="237744"/>
+          <p:cNvPr id="9" name="TextBox 8"/>
+          <p:cNvSpPr txBox="1"/>
+          <p:nvPr/>
+        </p:nvSpPr>
+        <p:spPr>
+          <a:xfrm>
+            <a:off x="1417320" y="2286000"/>
+            <a:ext cx="1211580" cy="274320"/>
           </a:xfrm>
           <a:prstGeom prst="rect">
             <a:avLst/>
@@ -11407,14 +11739,14 @@
       </p:sp>
       <p:sp>
         <p:nvSpPr>
-          <p:cNvPr id="11" name="Rectangle 10"/>
+          <p:cNvPr id="10" name="Rectangle 9"/>
           <p:cNvSpPr/>
           <p:nvPr/>
         </p:nvSpPr>
         <p:spPr>
           <a:xfrm>
-            <a:off x="2564892" y="2286000"/>
-            <a:ext cx="2491740" cy="237744"/>
+            <a:off x="2811780" y="2286000"/>
+            <a:ext cx="2628900" cy="274320"/>
           </a:xfrm>
           <a:prstGeom prst="rect">
             <a:avLst/>
@@ -11452,14 +11784,14 @@
       </p:sp>
       <p:sp>
         <p:nvSpPr>
-          <p:cNvPr id="12" name="TextBox 11"/>
-          <p:cNvSpPr txBox="1"/>
-          <p:nvPr/>
-        </p:nvSpPr>
-        <p:spPr>
-          <a:xfrm>
-            <a:off x="2610612" y="2286000"/>
-            <a:ext cx="2400300" cy="237744"/>
+          <p:cNvPr id="11" name="TextBox 10"/>
+          <p:cNvSpPr txBox="1"/>
+          <p:nvPr/>
+        </p:nvSpPr>
+        <p:spPr>
+          <a:xfrm>
+            <a:off x="2903220" y="2286000"/>
+            <a:ext cx="2446020" cy="274320"/>
           </a:xfrm>
           <a:prstGeom prst="rect">
             <a:avLst/>
@@ -11492,14 +11824,14 @@
       </p:sp>
       <p:sp>
         <p:nvSpPr>
-          <p:cNvPr id="13" name="Rectangle 12"/>
+          <p:cNvPr id="12" name="Rectangle 11"/>
           <p:cNvSpPr/>
           <p:nvPr/>
         </p:nvSpPr>
         <p:spPr>
           <a:xfrm>
-            <a:off x="5129784" y="2286000"/>
-            <a:ext cx="2697479" cy="237744"/>
+            <a:off x="5532120" y="2286000"/>
+            <a:ext cx="2834639" cy="274320"/>
           </a:xfrm>
           <a:prstGeom prst="rect">
             <a:avLst/>
@@ -11537,14 +11869,14 @@
       </p:sp>
       <p:sp>
         <p:nvSpPr>
-          <p:cNvPr id="14" name="TextBox 13"/>
-          <p:cNvSpPr txBox="1"/>
-          <p:nvPr/>
-        </p:nvSpPr>
-        <p:spPr>
-          <a:xfrm>
-            <a:off x="5175504" y="2286000"/>
-            <a:ext cx="2606039" cy="237744"/>
+          <p:cNvPr id="13" name="TextBox 12"/>
+          <p:cNvSpPr txBox="1"/>
+          <p:nvPr/>
+        </p:nvSpPr>
+        <p:spPr>
+          <a:xfrm>
+            <a:off x="5623560" y="2286000"/>
+            <a:ext cx="2651759" cy="274320"/>
           </a:xfrm>
           <a:prstGeom prst="rect">
             <a:avLst/>
@@ -11577,14 +11909,14 @@
       </p:sp>
       <p:sp>
         <p:nvSpPr>
-          <p:cNvPr id="15" name="Rectangle 14"/>
+          <p:cNvPr id="14" name="Rectangle 13"/>
           <p:cNvSpPr/>
           <p:nvPr/>
         </p:nvSpPr>
         <p:spPr>
           <a:xfrm>
-            <a:off x="1234440" y="2578608"/>
-            <a:ext cx="1531620" cy="237744"/>
+            <a:off x="1325880" y="2606040"/>
+            <a:ext cx="1668780" cy="274320"/>
           </a:xfrm>
           <a:prstGeom prst="rect">
             <a:avLst/>
@@ -11622,14 +11954,14 @@
       </p:sp>
       <p:sp>
         <p:nvSpPr>
-          <p:cNvPr id="16" name="TextBox 15"/>
-          <p:cNvSpPr txBox="1"/>
-          <p:nvPr/>
-        </p:nvSpPr>
-        <p:spPr>
-          <a:xfrm>
-            <a:off x="1280160" y="2578608"/>
-            <a:ext cx="1440180" cy="237744"/>
+          <p:cNvPr id="15" name="TextBox 14"/>
+          <p:cNvSpPr txBox="1"/>
+          <p:nvPr/>
+        </p:nvSpPr>
+        <p:spPr>
+          <a:xfrm>
+            <a:off x="1417320" y="2606040"/>
+            <a:ext cx="1485900" cy="274320"/>
           </a:xfrm>
           <a:prstGeom prst="rect">
             <a:avLst/>
@@ -11662,14 +11994,14 @@
       </p:sp>
       <p:sp>
         <p:nvSpPr>
-          <p:cNvPr id="17" name="Rectangle 16"/>
+          <p:cNvPr id="16" name="Rectangle 15"/>
           <p:cNvSpPr/>
           <p:nvPr/>
         </p:nvSpPr>
         <p:spPr>
           <a:xfrm>
-            <a:off x="2839212" y="2578608"/>
-            <a:ext cx="1463039" cy="237744"/>
+            <a:off x="3086100" y="2606040"/>
+            <a:ext cx="1600200" cy="274320"/>
           </a:xfrm>
           <a:prstGeom prst="rect">
             <a:avLst/>
@@ -11707,14 +12039,14 @@
       </p:sp>
       <p:sp>
         <p:nvSpPr>
-          <p:cNvPr id="18" name="TextBox 17"/>
-          <p:cNvSpPr txBox="1"/>
-          <p:nvPr/>
-        </p:nvSpPr>
-        <p:spPr>
-          <a:xfrm>
-            <a:off x="2884932" y="2578608"/>
-            <a:ext cx="1371599" cy="237744"/>
+          <p:cNvPr id="17" name="TextBox 16"/>
+          <p:cNvSpPr txBox="1"/>
+          <p:nvPr/>
+        </p:nvSpPr>
+        <p:spPr>
+          <a:xfrm>
+            <a:off x="3177540" y="2606040"/>
+            <a:ext cx="1417320" cy="274320"/>
           </a:xfrm>
           <a:prstGeom prst="rect">
             <a:avLst/>
@@ -11747,14 +12079,14 @@
       </p:sp>
       <p:sp>
         <p:nvSpPr>
-          <p:cNvPr id="19" name="Rectangle 18"/>
+          <p:cNvPr id="18" name="Rectangle 17"/>
           <p:cNvSpPr/>
           <p:nvPr/>
         </p:nvSpPr>
         <p:spPr>
           <a:xfrm>
-            <a:off x="4375403" y="2578608"/>
-            <a:ext cx="2903220" cy="237744"/>
+            <a:off x="4777740" y="2606040"/>
+            <a:ext cx="3040379" cy="274320"/>
           </a:xfrm>
           <a:prstGeom prst="rect">
             <a:avLst/>
@@ -11792,14 +12124,14 @@
       </p:sp>
       <p:sp>
         <p:nvSpPr>
-          <p:cNvPr id="20" name="TextBox 19"/>
-          <p:cNvSpPr txBox="1"/>
-          <p:nvPr/>
-        </p:nvSpPr>
-        <p:spPr>
-          <a:xfrm>
-            <a:off x="4421123" y="2578608"/>
-            <a:ext cx="2811780" cy="237744"/>
+          <p:cNvPr id="19" name="TextBox 18"/>
+          <p:cNvSpPr txBox="1"/>
+          <p:nvPr/>
+        </p:nvSpPr>
+        <p:spPr>
+          <a:xfrm>
+            <a:off x="4869180" y="2606040"/>
+            <a:ext cx="2857499" cy="274320"/>
           </a:xfrm>
           <a:prstGeom prst="rect">
             <a:avLst/>
@@ -11832,14 +12164,14 @@
       </p:sp>
       <p:sp>
         <p:nvSpPr>
-          <p:cNvPr id="21" name="Rectangle 20"/>
+          <p:cNvPr id="20" name="Rectangle 19"/>
           <p:cNvSpPr/>
           <p:nvPr/>
         </p:nvSpPr>
         <p:spPr>
           <a:xfrm>
-            <a:off x="457200" y="2962656"/>
-            <a:ext cx="7863840" cy="1741932"/>
+            <a:off x="457200" y="3044952"/>
+            <a:ext cx="7863840" cy="777240"/>
           </a:xfrm>
           <a:prstGeom prst="rect">
             <a:avLst/>
@@ -11875,14 +12207,14 @@
       </p:sp>
       <p:sp>
         <p:nvSpPr>
-          <p:cNvPr id="22" name="Rectangle 21"/>
+          <p:cNvPr id="21" name="Rectangle 20"/>
           <p:cNvSpPr/>
           <p:nvPr/>
         </p:nvSpPr>
         <p:spPr>
           <a:xfrm>
-            <a:off x="457200" y="2962656"/>
-            <a:ext cx="54864" cy="1741932"/>
+            <a:off x="457200" y="3044952"/>
+            <a:ext cx="54864" cy="777240"/>
           </a:xfrm>
           <a:prstGeom prst="rect">
             <a:avLst/>
@@ -11918,14 +12250,54 @@
       </p:sp>
       <p:sp>
         <p:nvSpPr>
+          <p:cNvPr id="22" name="TextBox 21"/>
+          <p:cNvSpPr txBox="1"/>
+          <p:nvPr/>
+        </p:nvSpPr>
+        <p:spPr>
+          <a:xfrm>
+            <a:off x="685800" y="3118104"/>
+            <a:ext cx="7543800" cy="237744"/>
+          </a:xfrm>
+          <a:prstGeom prst="rect">
+            <a:avLst/>
+          </a:prstGeom>
+          <a:noFill/>
+        </p:spPr>
+        <p:txBody>
+          <a:bodyPr wrap="square"/>
+          <a:lstStyle/>
+          <a:p>
+            <a:pPr algn="l">
+              <a:spcBef>
+                <a:spcPts val="0"/>
+              </a:spcBef>
+              <a:spcAft>
+                <a:spcPts val="0"/>
+              </a:spcAft>
+            </a:pPr>
+            <a:r>
+              <a:rPr sz="1000" b="1">
+                <a:solidFill>
+                  <a:srgbClr val="1E293B"/>
+                </a:solidFill>
+                <a:latin typeface="Calibri"/>
+              </a:rPr>
+              <a:t>A note on independence</a:t>
+            </a:r>
+          </a:p>
+        </p:txBody>
+      </p:sp>
+      <p:sp>
+        <p:nvSpPr>
           <p:cNvPr id="23" name="TextBox 22"/>
           <p:cNvSpPr txBox="1"/>
           <p:nvPr/>
         </p:nvSpPr>
         <p:spPr>
           <a:xfrm>
-            <a:off x="685800" y="3035808"/>
-            <a:ext cx="7543800" cy="237744"/>
+            <a:off x="685800" y="3374136"/>
+            <a:ext cx="7543800" cy="393192"/>
           </a:xfrm>
           <a:prstGeom prst="rect">
             <a:avLst/>
@@ -11945,46 +12317,6 @@
               </a:spcAft>
             </a:pPr>
             <a:r>
-              <a:rPr sz="1000" b="1">
-                <a:solidFill>
-                  <a:srgbClr val="1E293B"/>
-                </a:solidFill>
-                <a:latin typeface="Calibri"/>
-              </a:rPr>
-              <a:t>A note on independence</a:t>
-            </a:r>
-          </a:p>
-        </p:txBody>
-      </p:sp>
-      <p:sp>
-        <p:nvSpPr>
-          <p:cNvPr id="24" name="TextBox 23"/>
-          <p:cNvSpPr txBox="1"/>
-          <p:nvPr/>
-        </p:nvSpPr>
-        <p:spPr>
-          <a:xfrm>
-            <a:off x="685800" y="3291840"/>
-            <a:ext cx="7543800" cy="1357884"/>
-          </a:xfrm>
-          <a:prstGeom prst="rect">
-            <a:avLst/>
-          </a:prstGeom>
-          <a:noFill/>
-        </p:spPr>
-        <p:txBody>
-          <a:bodyPr wrap="square"/>
-          <a:lstStyle/>
-          <a:p>
-            <a:pPr algn="l">
-              <a:spcBef>
-                <a:spcPts val="0"/>
-              </a:spcBef>
-              <a:spcAft>
-                <a:spcPts val="0"/>
-              </a:spcAft>
-            </a:pPr>
-            <a:r>
               <a:rPr sz="1000" b="0">
                 <a:solidFill>
                   <a:srgbClr val="475569"/>
@@ -11998,7 +12330,7 @@
       </p:sp>
       <p:sp>
         <p:nvSpPr>
-          <p:cNvPr id="25" name="Rectangle 24"/>
+          <p:cNvPr id="24" name="Rectangle 23"/>
           <p:cNvSpPr/>
           <p:nvPr/>
         </p:nvSpPr>
@@ -12041,7 +12373,7 @@
       </p:sp>
       <p:sp>
         <p:nvSpPr>
-          <p:cNvPr id="26" name="TextBox 25"/>
+          <p:cNvPr id="25" name="TextBox 24"/>
           <p:cNvSpPr txBox="1"/>
           <p:nvPr/>
         </p:nvSpPr>
@@ -12081,7 +12413,7 @@
       </p:sp>
       <p:sp>
         <p:nvSpPr>
-          <p:cNvPr id="27" name="TextBox 26"/>
+          <p:cNvPr id="26" name="TextBox 25"/>
           <p:cNvSpPr txBox="1"/>
           <p:nvPr/>
         </p:nvSpPr>
@@ -12121,7 +12453,7 @@
       </p:sp>
       <p:sp>
         <p:nvSpPr>
-          <p:cNvPr id="28" name="TextBox 27"/>
+          <p:cNvPr id="27" name="TextBox 26"/>
           <p:cNvSpPr txBox="1"/>
           <p:nvPr/>
         </p:nvSpPr>
@@ -12268,8 +12600,8 @@
         </p:nvSpPr>
         <p:spPr>
           <a:xfrm>
-            <a:off x="914400" y="1188720"/>
-            <a:ext cx="7315200" cy="1097280"/>
+            <a:off x="457200" y="777240"/>
+            <a:ext cx="7315200" cy="457200"/>
           </a:xfrm>
           <a:prstGeom prst="rect">
             <a:avLst/>
@@ -12280,6 +12612,89 @@
           <a:bodyPr wrap="square"/>
           <a:lstStyle/>
           <a:p>
+            <a:pPr algn="l">
+              <a:spcBef>
+                <a:spcPts val="0"/>
+              </a:spcBef>
+              <a:spcAft>
+                <a:spcPts val="0"/>
+              </a:spcAft>
+            </a:pPr>
+            <a:r>
+              <a:rPr sz="2000" b="1">
+                <a:solidFill>
+                  <a:srgbClr val="FFFFFF"/>
+                </a:solidFill>
+                <a:latin typeface="Calibri"/>
+              </a:rPr>
+              <a:t>Proposed Timeline</a:t>
+            </a:r>
+          </a:p>
+        </p:txBody>
+      </p:sp>
+      <p:sp>
+        <p:nvSpPr>
+          <p:cNvPr id="5" name="Oval 4"/>
+          <p:cNvSpPr/>
+          <p:nvPr/>
+        </p:nvSpPr>
+        <p:spPr>
+          <a:xfrm>
+            <a:off x="731520" y="1554480"/>
+            <a:ext cx="384048" cy="384048"/>
+          </a:xfrm>
+          <a:prstGeom prst="ellipse">
+            <a:avLst/>
+          </a:prstGeom>
+          <a:solidFill>
+            <a:srgbClr val="2563EB"/>
+          </a:solidFill>
+          <a:ln>
+            <a:noFill/>
+          </a:ln>
+        </p:spPr>
+        <p:style>
+          <a:lnRef idx="1">
+            <a:schemeClr val="accent1"/>
+          </a:lnRef>
+          <a:fillRef idx="3">
+            <a:schemeClr val="accent1"/>
+          </a:fillRef>
+          <a:effectRef idx="2">
+            <a:schemeClr val="accent1"/>
+          </a:effectRef>
+          <a:fontRef idx="minor">
+            <a:schemeClr val="lt1"/>
+          </a:fontRef>
+        </p:style>
+        <p:txBody>
+          <a:bodyPr rtlCol="0" anchor="ctr"/>
+          <a:lstStyle/>
+          <a:p>
+            <a:pPr algn="ctr"/>
+          </a:p>
+        </p:txBody>
+      </p:sp>
+      <p:sp>
+        <p:nvSpPr>
+          <p:cNvPr id="6" name="TextBox 5"/>
+          <p:cNvSpPr txBox="1"/>
+          <p:nvPr/>
+        </p:nvSpPr>
+        <p:spPr>
+          <a:xfrm>
+            <a:off x="731520" y="1554480"/>
+            <a:ext cx="384048" cy="384048"/>
+          </a:xfrm>
+          <a:prstGeom prst="rect">
+            <a:avLst/>
+          </a:prstGeom>
+          <a:noFill/>
+        </p:spPr>
+        <p:txBody>
+          <a:bodyPr wrap="square" anchor="ctr"/>
+          <a:lstStyle/>
+          <a:p>
             <a:pPr algn="ctr">
               <a:spcBef>
                 <a:spcPts val="0"/>
@@ -12289,28 +12704,27 @@
               </a:spcAft>
             </a:pPr>
             <a:r>
-              <a:rPr sz="2600" b="1">
+              <a:rPr sz="1000" b="1">
                 <a:solidFill>
                   <a:srgbClr val="FFFFFF"/>
                 </a:solidFill>
                 <a:latin typeface="Calibri"/>
               </a:rPr>
-              <a:t>Let's start with a
-30-minute conversation.</a:t>
-            </a:r>
-          </a:p>
-        </p:txBody>
-      </p:sp>
-      <p:sp>
-        <p:nvSpPr>
-          <p:cNvPr id="5" name="TextBox 4"/>
-          <p:cNvSpPr txBox="1"/>
-          <p:nvPr/>
-        </p:nvSpPr>
-        <p:spPr>
-          <a:xfrm>
-            <a:off x="1371600" y="2560320"/>
-            <a:ext cx="6400800" cy="1097280"/>
+              <a:t>01</a:t>
+            </a:r>
+          </a:p>
+        </p:txBody>
+      </p:sp>
+      <p:sp>
+        <p:nvSpPr>
+          <p:cNvPr id="7" name="TextBox 6"/>
+          <p:cNvSpPr txBox="1"/>
+          <p:nvPr/>
+        </p:nvSpPr>
+        <p:spPr>
+          <a:xfrm>
+            <a:off x="1280160" y="1517904"/>
+            <a:ext cx="3657600" cy="274320"/>
           </a:xfrm>
           <a:prstGeom prst="rect">
             <a:avLst/>
@@ -12321,6 +12735,129 @@
           <a:bodyPr wrap="square"/>
           <a:lstStyle/>
           <a:p>
+            <a:pPr algn="l">
+              <a:spcBef>
+                <a:spcPts val="0"/>
+              </a:spcBef>
+              <a:spcAft>
+                <a:spcPts val="0"/>
+              </a:spcAft>
+            </a:pPr>
+            <a:r>
+              <a:rPr sz="1200" b="1">
+                <a:solidFill>
+                  <a:srgbClr val="FFFFFF"/>
+                </a:solidFill>
+                <a:latin typeface="Calibri"/>
+              </a:rPr>
+              <a:t>Initial Meeting (30 min)</a:t>
+            </a:r>
+          </a:p>
+        </p:txBody>
+      </p:sp>
+      <p:sp>
+        <p:nvSpPr>
+          <p:cNvPr id="8" name="TextBox 7"/>
+          <p:cNvSpPr txBox="1"/>
+          <p:nvPr/>
+        </p:nvSpPr>
+        <p:spPr>
+          <a:xfrm>
+            <a:off x="1280160" y="1773936"/>
+            <a:ext cx="6400800" cy="237744"/>
+          </a:xfrm>
+          <a:prstGeom prst="rect">
+            <a:avLst/>
+          </a:prstGeom>
+          <a:noFill/>
+        </p:spPr>
+        <p:txBody>
+          <a:bodyPr wrap="square"/>
+          <a:lstStyle/>
+          <a:p>
+            <a:pPr algn="l">
+              <a:spcBef>
+                <a:spcPts val="0"/>
+              </a:spcBef>
+              <a:spcAft>
+                <a:spcPts val="0"/>
+              </a:spcAft>
+            </a:pPr>
+            <a:r>
+              <a:rPr sz="1000" b="0">
+                <a:solidFill>
+                  <a:srgbClr val="BBBBCC"/>
+                </a:solidFill>
+                <a:latin typeface="Calibri"/>
+              </a:rPr>
+              <a:t>Share your client landscape and current challenges</a:t>
+            </a:r>
+          </a:p>
+        </p:txBody>
+      </p:sp>
+      <p:sp>
+        <p:nvSpPr>
+          <p:cNvPr id="9" name="Oval 8"/>
+          <p:cNvSpPr/>
+          <p:nvPr/>
+        </p:nvSpPr>
+        <p:spPr>
+          <a:xfrm>
+            <a:off x="731520" y="2212848"/>
+            <a:ext cx="384048" cy="384048"/>
+          </a:xfrm>
+          <a:prstGeom prst="ellipse">
+            <a:avLst/>
+          </a:prstGeom>
+          <a:solidFill>
+            <a:srgbClr val="2563EB"/>
+          </a:solidFill>
+          <a:ln>
+            <a:noFill/>
+          </a:ln>
+        </p:spPr>
+        <p:style>
+          <a:lnRef idx="1">
+            <a:schemeClr val="accent1"/>
+          </a:lnRef>
+          <a:fillRef idx="3">
+            <a:schemeClr val="accent1"/>
+          </a:fillRef>
+          <a:effectRef idx="2">
+            <a:schemeClr val="accent1"/>
+          </a:effectRef>
+          <a:fontRef idx="minor">
+            <a:schemeClr val="lt1"/>
+          </a:fontRef>
+        </p:style>
+        <p:txBody>
+          <a:bodyPr rtlCol="0" anchor="ctr"/>
+          <a:lstStyle/>
+          <a:p>
+            <a:pPr algn="ctr"/>
+          </a:p>
+        </p:txBody>
+      </p:sp>
+      <p:sp>
+        <p:nvSpPr>
+          <p:cNvPr id="10" name="TextBox 9"/>
+          <p:cNvSpPr txBox="1"/>
+          <p:nvPr/>
+        </p:nvSpPr>
+        <p:spPr>
+          <a:xfrm>
+            <a:off x="731520" y="2212848"/>
+            <a:ext cx="384048" cy="384048"/>
+          </a:xfrm>
+          <a:prstGeom prst="rect">
+            <a:avLst/>
+          </a:prstGeom>
+          <a:noFill/>
+        </p:spPr>
+        <p:txBody>
+          <a:bodyPr wrap="square" anchor="ctr"/>
+          <a:lstStyle/>
+          <a:p>
             <a:pPr algn="ctr">
               <a:spcBef>
                 <a:spcPts val="0"/>
@@ -12330,22 +12867,466 @@
               </a:spcAft>
             </a:pPr>
             <a:r>
-              <a:rPr sz="1300" b="0">
+              <a:rPr sz="1000" b="1">
+                <a:solidFill>
+                  <a:srgbClr val="FFFFFF"/>
+                </a:solidFill>
+                <a:latin typeface="Calibri"/>
+              </a:rPr>
+              <a:t>02</a:t>
+            </a:r>
+          </a:p>
+        </p:txBody>
+      </p:sp>
+      <p:sp>
+        <p:nvSpPr>
+          <p:cNvPr id="11" name="TextBox 10"/>
+          <p:cNvSpPr txBox="1"/>
+          <p:nvPr/>
+        </p:nvSpPr>
+        <p:spPr>
+          <a:xfrm>
+            <a:off x="1280160" y="2176272"/>
+            <a:ext cx="3657600" cy="274320"/>
+          </a:xfrm>
+          <a:prstGeom prst="rect">
+            <a:avLst/>
+          </a:prstGeom>
+          <a:noFill/>
+        </p:spPr>
+        <p:txBody>
+          <a:bodyPr wrap="square"/>
+          <a:lstStyle/>
+          <a:p>
+            <a:pPr algn="l">
+              <a:spcBef>
+                <a:spcPts val="0"/>
+              </a:spcBef>
+              <a:spcAft>
+                <a:spcPts val="0"/>
+              </a:spcAft>
+            </a:pPr>
+            <a:r>
+              <a:rPr sz="1200" b="1">
+                <a:solidFill>
+                  <a:srgbClr val="FFFFFF"/>
+                </a:solidFill>
+                <a:latin typeface="Calibri"/>
+              </a:rPr>
+              <a:t>Use Case Selection</a:t>
+            </a:r>
+          </a:p>
+        </p:txBody>
+      </p:sp>
+      <p:sp>
+        <p:nvSpPr>
+          <p:cNvPr id="12" name="TextBox 11"/>
+          <p:cNvSpPr txBox="1"/>
+          <p:nvPr/>
+        </p:nvSpPr>
+        <p:spPr>
+          <a:xfrm>
+            <a:off x="1280160" y="2432304"/>
+            <a:ext cx="6400800" cy="237744"/>
+          </a:xfrm>
+          <a:prstGeom prst="rect">
+            <a:avLst/>
+          </a:prstGeom>
+          <a:noFill/>
+        </p:spPr>
+        <p:txBody>
+          <a:bodyPr wrap="square"/>
+          <a:lstStyle/>
+          <a:p>
+            <a:pPr algn="l">
+              <a:spcBef>
+                <a:spcPts val="0"/>
+              </a:spcBef>
+              <a:spcAft>
+                <a:spcPts val="0"/>
+              </a:spcAft>
+            </a:pPr>
+            <a:r>
+              <a:rPr sz="1000" b="0">
                 <a:solidFill>
                   <a:srgbClr val="BBBBCC"/>
                 </a:solidFill>
                 <a:latin typeface="Calibri"/>
               </a:rPr>
-              <a:t>Partnership structure is flexible by design.
-Let's reverse-engineer the right model
-from your clients' actual challenges.</a:t>
-            </a:r>
-          </a:p>
-        </p:txBody>
-      </p:sp>
-      <p:sp>
-        <p:nvSpPr>
-          <p:cNvPr id="6" name="Rectangle 5"/>
+              <a:t>Identify high-affinity sectors from your portfolio</a:t>
+            </a:r>
+          </a:p>
+        </p:txBody>
+      </p:sp>
+      <p:sp>
+        <p:nvSpPr>
+          <p:cNvPr id="13" name="Oval 12"/>
+          <p:cNvSpPr/>
+          <p:nvPr/>
+        </p:nvSpPr>
+        <p:spPr>
+          <a:xfrm>
+            <a:off x="731520" y="2871216"/>
+            <a:ext cx="384048" cy="384048"/>
+          </a:xfrm>
+          <a:prstGeom prst="ellipse">
+            <a:avLst/>
+          </a:prstGeom>
+          <a:solidFill>
+            <a:srgbClr val="2563EB"/>
+          </a:solidFill>
+          <a:ln>
+            <a:noFill/>
+          </a:ln>
+        </p:spPr>
+        <p:style>
+          <a:lnRef idx="1">
+            <a:schemeClr val="accent1"/>
+          </a:lnRef>
+          <a:fillRef idx="3">
+            <a:schemeClr val="accent1"/>
+          </a:fillRef>
+          <a:effectRef idx="2">
+            <a:schemeClr val="accent1"/>
+          </a:effectRef>
+          <a:fontRef idx="minor">
+            <a:schemeClr val="lt1"/>
+          </a:fontRef>
+        </p:style>
+        <p:txBody>
+          <a:bodyPr rtlCol="0" anchor="ctr"/>
+          <a:lstStyle/>
+          <a:p>
+            <a:pPr algn="ctr"/>
+          </a:p>
+        </p:txBody>
+      </p:sp>
+      <p:sp>
+        <p:nvSpPr>
+          <p:cNvPr id="14" name="TextBox 13"/>
+          <p:cNvSpPr txBox="1"/>
+          <p:nvPr/>
+        </p:nvSpPr>
+        <p:spPr>
+          <a:xfrm>
+            <a:off x="731520" y="2871216"/>
+            <a:ext cx="384048" cy="384048"/>
+          </a:xfrm>
+          <a:prstGeom prst="rect">
+            <a:avLst/>
+          </a:prstGeom>
+          <a:noFill/>
+        </p:spPr>
+        <p:txBody>
+          <a:bodyPr wrap="square" anchor="ctr"/>
+          <a:lstStyle/>
+          <a:p>
+            <a:pPr algn="ctr">
+              <a:spcBef>
+                <a:spcPts val="0"/>
+              </a:spcBef>
+              <a:spcAft>
+                <a:spcPts val="0"/>
+              </a:spcAft>
+            </a:pPr>
+            <a:r>
+              <a:rPr sz="1000" b="1">
+                <a:solidFill>
+                  <a:srgbClr val="FFFFFF"/>
+                </a:solidFill>
+                <a:latin typeface="Calibri"/>
+              </a:rPr>
+              <a:t>03</a:t>
+            </a:r>
+          </a:p>
+        </p:txBody>
+      </p:sp>
+      <p:sp>
+        <p:nvSpPr>
+          <p:cNvPr id="15" name="TextBox 14"/>
+          <p:cNvSpPr txBox="1"/>
+          <p:nvPr/>
+        </p:nvSpPr>
+        <p:spPr>
+          <a:xfrm>
+            <a:off x="1280160" y="2834640"/>
+            <a:ext cx="3657600" cy="274320"/>
+          </a:xfrm>
+          <a:prstGeom prst="rect">
+            <a:avLst/>
+          </a:prstGeom>
+          <a:noFill/>
+        </p:spPr>
+        <p:txBody>
+          <a:bodyPr wrap="square"/>
+          <a:lstStyle/>
+          <a:p>
+            <a:pPr algn="l">
+              <a:spcBef>
+                <a:spcPts val="0"/>
+              </a:spcBef>
+              <a:spcAft>
+                <a:spcPts val="0"/>
+              </a:spcAft>
+            </a:pPr>
+            <a:r>
+              <a:rPr sz="1200" b="1">
+                <a:solidFill>
+                  <a:srgbClr val="FFFFFF"/>
+                </a:solidFill>
+                <a:latin typeface="Calibri"/>
+              </a:rPr>
+              <a:t>Partnership Design</a:t>
+            </a:r>
+          </a:p>
+        </p:txBody>
+      </p:sp>
+      <p:sp>
+        <p:nvSpPr>
+          <p:cNvPr id="16" name="TextBox 15"/>
+          <p:cNvSpPr txBox="1"/>
+          <p:nvPr/>
+        </p:nvSpPr>
+        <p:spPr>
+          <a:xfrm>
+            <a:off x="1280160" y="3090672"/>
+            <a:ext cx="6400800" cy="237744"/>
+          </a:xfrm>
+          <a:prstGeom prst="rect">
+            <a:avLst/>
+          </a:prstGeom>
+          <a:noFill/>
+        </p:spPr>
+        <p:txBody>
+          <a:bodyPr wrap="square"/>
+          <a:lstStyle/>
+          <a:p>
+            <a:pPr algn="l">
+              <a:spcBef>
+                <a:spcPts val="0"/>
+              </a:spcBef>
+              <a:spcAft>
+                <a:spcPts val="0"/>
+              </a:spcAft>
+            </a:pPr>
+            <a:r>
+              <a:rPr sz="1000" b="0">
+                <a:solidFill>
+                  <a:srgbClr val="BBBBCC"/>
+                </a:solidFill>
+                <a:latin typeface="Calibri"/>
+              </a:rPr>
+              <a:t>Select model, define scope and terms</a:t>
+            </a:r>
+          </a:p>
+        </p:txBody>
+      </p:sp>
+      <p:sp>
+        <p:nvSpPr>
+          <p:cNvPr id="17" name="Oval 16"/>
+          <p:cNvSpPr/>
+          <p:nvPr/>
+        </p:nvSpPr>
+        <p:spPr>
+          <a:xfrm>
+            <a:off x="731520" y="3529584"/>
+            <a:ext cx="384048" cy="384048"/>
+          </a:xfrm>
+          <a:prstGeom prst="ellipse">
+            <a:avLst/>
+          </a:prstGeom>
+          <a:solidFill>
+            <a:srgbClr val="2563EB"/>
+          </a:solidFill>
+          <a:ln>
+            <a:noFill/>
+          </a:ln>
+        </p:spPr>
+        <p:style>
+          <a:lnRef idx="1">
+            <a:schemeClr val="accent1"/>
+          </a:lnRef>
+          <a:fillRef idx="3">
+            <a:schemeClr val="accent1"/>
+          </a:fillRef>
+          <a:effectRef idx="2">
+            <a:schemeClr val="accent1"/>
+          </a:effectRef>
+          <a:fontRef idx="minor">
+            <a:schemeClr val="lt1"/>
+          </a:fontRef>
+        </p:style>
+        <p:txBody>
+          <a:bodyPr rtlCol="0" anchor="ctr"/>
+          <a:lstStyle/>
+          <a:p>
+            <a:pPr algn="ctr"/>
+          </a:p>
+        </p:txBody>
+      </p:sp>
+      <p:sp>
+        <p:nvSpPr>
+          <p:cNvPr id="18" name="TextBox 17"/>
+          <p:cNvSpPr txBox="1"/>
+          <p:nvPr/>
+        </p:nvSpPr>
+        <p:spPr>
+          <a:xfrm>
+            <a:off x="731520" y="3529584"/>
+            <a:ext cx="384048" cy="384048"/>
+          </a:xfrm>
+          <a:prstGeom prst="rect">
+            <a:avLst/>
+          </a:prstGeom>
+          <a:noFill/>
+        </p:spPr>
+        <p:txBody>
+          <a:bodyPr wrap="square" anchor="ctr"/>
+          <a:lstStyle/>
+          <a:p>
+            <a:pPr algn="ctr">
+              <a:spcBef>
+                <a:spcPts val="0"/>
+              </a:spcBef>
+              <a:spcAft>
+                <a:spcPts val="0"/>
+              </a:spcAft>
+            </a:pPr>
+            <a:r>
+              <a:rPr sz="1000" b="1">
+                <a:solidFill>
+                  <a:srgbClr val="FFFFFF"/>
+                </a:solidFill>
+                <a:latin typeface="Calibri"/>
+              </a:rPr>
+              <a:t>04</a:t>
+            </a:r>
+          </a:p>
+        </p:txBody>
+      </p:sp>
+      <p:sp>
+        <p:nvSpPr>
+          <p:cNvPr id="19" name="TextBox 18"/>
+          <p:cNvSpPr txBox="1"/>
+          <p:nvPr/>
+        </p:nvSpPr>
+        <p:spPr>
+          <a:xfrm>
+            <a:off x="1280160" y="3493008"/>
+            <a:ext cx="3657600" cy="274320"/>
+          </a:xfrm>
+          <a:prstGeom prst="rect">
+            <a:avLst/>
+          </a:prstGeom>
+          <a:noFill/>
+        </p:spPr>
+        <p:txBody>
+          <a:bodyPr wrap="square"/>
+          <a:lstStyle/>
+          <a:p>
+            <a:pPr algn="l">
+              <a:spcBef>
+                <a:spcPts val="0"/>
+              </a:spcBef>
+              <a:spcAft>
+                <a:spcPts val="0"/>
+              </a:spcAft>
+            </a:pPr>
+            <a:r>
+              <a:rPr sz="1200" b="1">
+                <a:solidFill>
+                  <a:srgbClr val="FFFFFF"/>
+                </a:solidFill>
+                <a:latin typeface="Calibri"/>
+              </a:rPr>
+              <a:t>Pilot Engagement</a:t>
+            </a:r>
+          </a:p>
+        </p:txBody>
+      </p:sp>
+      <p:sp>
+        <p:nvSpPr>
+          <p:cNvPr id="20" name="TextBox 19"/>
+          <p:cNvSpPr txBox="1"/>
+          <p:nvPr/>
+        </p:nvSpPr>
+        <p:spPr>
+          <a:xfrm>
+            <a:off x="1280160" y="3749040"/>
+            <a:ext cx="6400800" cy="237744"/>
+          </a:xfrm>
+          <a:prstGeom prst="rect">
+            <a:avLst/>
+          </a:prstGeom>
+          <a:noFill/>
+        </p:spPr>
+        <p:txBody>
+          <a:bodyPr wrap="square"/>
+          <a:lstStyle/>
+          <a:p>
+            <a:pPr algn="l">
+              <a:spcBef>
+                <a:spcPts val="0"/>
+              </a:spcBef>
+              <a:spcAft>
+                <a:spcPts val="0"/>
+              </a:spcAft>
+            </a:pPr>
+            <a:r>
+              <a:rPr sz="1000" b="0">
+                <a:solidFill>
+                  <a:srgbClr val="BBBBCC"/>
+                </a:solidFill>
+                <a:latin typeface="Calibri"/>
+              </a:rPr>
+              <a:t>Prove value with 1–2 client engagements</a:t>
+            </a:r>
+          </a:p>
+        </p:txBody>
+      </p:sp>
+      <p:sp>
+        <p:nvSpPr>
+          <p:cNvPr id="21" name="TextBox 20"/>
+          <p:cNvSpPr txBox="1"/>
+          <p:nvPr/>
+        </p:nvSpPr>
+        <p:spPr>
+          <a:xfrm>
+            <a:off x="731520" y="4229100"/>
+            <a:ext cx="7315200" cy="274320"/>
+          </a:xfrm>
+          <a:prstGeom prst="rect">
+            <a:avLst/>
+          </a:prstGeom>
+          <a:noFill/>
+        </p:spPr>
+        <p:txBody>
+          <a:bodyPr wrap="square"/>
+          <a:lstStyle/>
+          <a:p>
+            <a:pPr algn="l">
+              <a:spcBef>
+                <a:spcPts val="0"/>
+              </a:spcBef>
+              <a:spcAft>
+                <a:spcPts val="0"/>
+              </a:spcAft>
+            </a:pPr>
+            <a:r>
+              <a:rPr sz="1000" b="0">
+                <a:solidFill>
+                  <a:srgbClr val="94A3B8"/>
+                </a:solidFill>
+                <a:latin typeface="Calibri"/>
+              </a:rPr>
+              <a:t>Takuya Sato — CEO, Universal Need Inc.</a:t>
+            </a:r>
+          </a:p>
+        </p:txBody>
+      </p:sp>
+      <p:sp>
+        <p:nvSpPr>
+          <p:cNvPr id="22" name="Rectangle 21"/>
           <p:cNvSpPr/>
           <p:nvPr/>
         </p:nvSpPr>
@@ -12388,7 +13369,7 @@
       </p:sp>
       <p:sp>
         <p:nvSpPr>
-          <p:cNvPr id="7" name="TextBox 6"/>
+          <p:cNvPr id="23" name="TextBox 22"/>
           <p:cNvSpPr txBox="1"/>
           <p:nvPr/>
         </p:nvSpPr>
@@ -12428,7 +13409,7 @@
       </p:sp>
       <p:sp>
         <p:nvSpPr>
-          <p:cNvPr id="8" name="TextBox 7"/>
+          <p:cNvPr id="24" name="TextBox 23"/>
           <p:cNvSpPr txBox="1"/>
           <p:nvPr/>
         </p:nvSpPr>
@@ -12468,7 +13449,7 @@
       </p:sp>
       <p:sp>
         <p:nvSpPr>
-          <p:cNvPr id="9" name="TextBox 8"/>
+          <p:cNvPr id="25" name="TextBox 24"/>
           <p:cNvSpPr txBox="1"/>
           <p:nvPr/>
         </p:nvSpPr>

--- a/toki/tokistorage-partnership-deck-en.pptx
+++ b/toki/tokistorage-partnership-deck-en.pptx
@@ -3161,6 +3161,9 @@
           <a:lstStyle/>
           <a:p>
             <a:pPr algn="l">
+              <a:lnSpc>
+                <a:spcPct val="135000"/>
+              </a:lnSpc>
               <a:spcBef>
                 <a:spcPts val="0"/>
               </a:spcBef>
@@ -3201,6 +3204,9 @@
           <a:lstStyle/>
           <a:p>
             <a:pPr algn="l">
+              <a:lnSpc>
+                <a:spcPct val="135000"/>
+              </a:lnSpc>
               <a:spcBef>
                 <a:spcPts val="0"/>
               </a:spcBef>
@@ -3242,6 +3248,9 @@
           <a:lstStyle/>
           <a:p>
             <a:pPr algn="l">
+              <a:lnSpc>
+                <a:spcPct val="135000"/>
+              </a:lnSpc>
               <a:spcBef>
                 <a:spcPts val="0"/>
               </a:spcBef>
@@ -3326,6 +3335,9 @@
           <a:lstStyle/>
           <a:p>
             <a:pPr algn="l">
+              <a:lnSpc>
+                <a:spcPct val="135000"/>
+              </a:lnSpc>
               <a:spcBef>
                 <a:spcPts val="0"/>
               </a:spcBef>
@@ -3366,6 +3378,9 @@
           <a:lstStyle/>
           <a:p>
             <a:pPr algn="ctr">
+              <a:lnSpc>
+                <a:spcPct val="135000"/>
+              </a:lnSpc>
               <a:spcBef>
                 <a:spcPts val="0"/>
               </a:spcBef>
@@ -3406,6 +3421,9 @@
           <a:lstStyle/>
           <a:p>
             <a:pPr algn="r">
+              <a:lnSpc>
+                <a:spcPct val="135000"/>
+              </a:lnSpc>
               <a:spcBef>
                 <a:spcPts val="0"/>
               </a:spcBef>
@@ -3507,6 +3525,9 @@
           <a:lstStyle/>
           <a:p>
             <a:pPr algn="l">
+              <a:lnSpc>
+                <a:spcPct val="135000"/>
+              </a:lnSpc>
               <a:spcBef>
                 <a:spcPts val="0"/>
               </a:spcBef>
@@ -3590,6 +3611,9 @@
           <a:lstStyle/>
           <a:p>
             <a:pPr algn="l">
+              <a:lnSpc>
+                <a:spcPct val="135000"/>
+              </a:lnSpc>
               <a:spcBef>
                 <a:spcPts val="0"/>
               </a:spcBef>
@@ -3633,6 +3657,9 @@
           <a:lstStyle/>
           <a:p>
             <a:pPr algn="l">
+              <a:lnSpc>
+                <a:spcPct val="135000"/>
+              </a:lnSpc>
               <a:spcBef>
                 <a:spcPts val="0"/>
               </a:spcBef>
@@ -3716,6 +3743,9 @@
           <a:lstStyle/>
           <a:p>
             <a:pPr algn="l">
+              <a:lnSpc>
+                <a:spcPct val="135000"/>
+              </a:lnSpc>
               <a:spcBef>
                 <a:spcPts val="0"/>
               </a:spcBef>
@@ -3756,6 +3786,9 @@
           <a:lstStyle/>
           <a:p>
             <a:pPr algn="ctr">
+              <a:lnSpc>
+                <a:spcPct val="135000"/>
+              </a:lnSpc>
               <a:spcBef>
                 <a:spcPts val="0"/>
               </a:spcBef>
@@ -3796,6 +3829,9 @@
           <a:lstStyle/>
           <a:p>
             <a:pPr algn="r">
+              <a:lnSpc>
+                <a:spcPct val="135000"/>
+              </a:lnSpc>
               <a:spcBef>
                 <a:spcPts val="0"/>
               </a:spcBef>
@@ -3897,6 +3933,9 @@
           <a:lstStyle/>
           <a:p>
             <a:pPr algn="l">
+              <a:lnSpc>
+                <a:spcPct val="135000"/>
+              </a:lnSpc>
               <a:spcBef>
                 <a:spcPts val="0"/>
               </a:spcBef>
@@ -3937,6 +3976,9 @@
           <a:lstStyle/>
           <a:p>
             <a:pPr algn="l">
+              <a:lnSpc>
+                <a:spcPct val="135000"/>
+              </a:lnSpc>
               <a:spcBef>
                 <a:spcPts val="0"/>
               </a:spcBef>
@@ -4022,6 +4064,9 @@
           <a:lstStyle/>
           <a:p>
             <a:pPr algn="l">
+              <a:lnSpc>
+                <a:spcPct val="135000"/>
+              </a:lnSpc>
               <a:spcBef>
                 <a:spcPts val="0"/>
               </a:spcBef>
@@ -4062,6 +4107,9 @@
           <a:lstStyle/>
           <a:p>
             <a:pPr algn="l">
+              <a:lnSpc>
+                <a:spcPct val="135000"/>
+              </a:lnSpc>
               <a:spcBef>
                 <a:spcPts val="0"/>
               </a:spcBef>
@@ -4089,8 +4137,8 @@
         </p:nvSpPr>
         <p:spPr>
           <a:xfrm>
-            <a:off x="594360" y="1764792"/>
-            <a:ext cx="2331720" cy="2578608"/>
+            <a:off x="594360" y="1856232"/>
+            <a:ext cx="2331720" cy="2487168"/>
           </a:xfrm>
           <a:prstGeom prst="rect">
             <a:avLst/>
@@ -4102,6 +4150,9 @@
           <a:lstStyle/>
           <a:p>
             <a:pPr algn="l">
+              <a:lnSpc>
+                <a:spcPct val="135000"/>
+              </a:lnSpc>
               <a:spcBef>
                 <a:spcPts val="0"/>
               </a:spcBef>
@@ -4187,6 +4238,9 @@
           <a:lstStyle/>
           <a:p>
             <a:pPr algn="l">
+              <a:lnSpc>
+                <a:spcPct val="135000"/>
+              </a:lnSpc>
               <a:spcBef>
                 <a:spcPts val="0"/>
               </a:spcBef>
@@ -4227,6 +4281,9 @@
           <a:lstStyle/>
           <a:p>
             <a:pPr algn="l">
+              <a:lnSpc>
+                <a:spcPct val="135000"/>
+              </a:lnSpc>
               <a:spcBef>
                 <a:spcPts val="0"/>
               </a:spcBef>
@@ -4254,8 +4311,8 @@
         </p:nvSpPr>
         <p:spPr>
           <a:xfrm>
-            <a:off x="3410712" y="1764792"/>
-            <a:ext cx="2331720" cy="2578608"/>
+            <a:off x="3410712" y="1856232"/>
+            <a:ext cx="2331720" cy="2487168"/>
           </a:xfrm>
           <a:prstGeom prst="rect">
             <a:avLst/>
@@ -4267,6 +4324,9 @@
           <a:lstStyle/>
           <a:p>
             <a:pPr algn="l">
+              <a:lnSpc>
+                <a:spcPct val="135000"/>
+              </a:lnSpc>
               <a:spcBef>
                 <a:spcPts val="0"/>
               </a:spcBef>
@@ -4352,6 +4412,9 @@
           <a:lstStyle/>
           <a:p>
             <a:pPr algn="l">
+              <a:lnSpc>
+                <a:spcPct val="135000"/>
+              </a:lnSpc>
               <a:spcBef>
                 <a:spcPts val="0"/>
               </a:spcBef>
@@ -4392,6 +4455,9 @@
           <a:lstStyle/>
           <a:p>
             <a:pPr algn="l">
+              <a:lnSpc>
+                <a:spcPct val="135000"/>
+              </a:lnSpc>
               <a:spcBef>
                 <a:spcPts val="0"/>
               </a:spcBef>
@@ -4419,8 +4485,8 @@
         </p:nvSpPr>
         <p:spPr>
           <a:xfrm>
-            <a:off x="6227064" y="1764792"/>
-            <a:ext cx="2331720" cy="2578608"/>
+            <a:off x="6227064" y="1856232"/>
+            <a:ext cx="2331720" cy="2487168"/>
           </a:xfrm>
           <a:prstGeom prst="rect">
             <a:avLst/>
@@ -4432,6 +4498,9 @@
           <a:lstStyle/>
           <a:p>
             <a:pPr algn="l">
+              <a:lnSpc>
+                <a:spcPct val="135000"/>
+              </a:lnSpc>
               <a:spcBef>
                 <a:spcPts val="0"/>
               </a:spcBef>
@@ -4515,6 +4584,9 @@
           <a:lstStyle/>
           <a:p>
             <a:pPr algn="l">
+              <a:lnSpc>
+                <a:spcPct val="135000"/>
+              </a:lnSpc>
               <a:spcBef>
                 <a:spcPts val="0"/>
               </a:spcBef>
@@ -4555,6 +4627,9 @@
           <a:lstStyle/>
           <a:p>
             <a:pPr algn="ctr">
+              <a:lnSpc>
+                <a:spcPct val="135000"/>
+              </a:lnSpc>
               <a:spcBef>
                 <a:spcPts val="0"/>
               </a:spcBef>
@@ -4595,6 +4670,9 @@
           <a:lstStyle/>
           <a:p>
             <a:pPr algn="r">
+              <a:lnSpc>
+                <a:spcPct val="135000"/>
+              </a:lnSpc>
               <a:spcBef>
                 <a:spcPts val="0"/>
               </a:spcBef>
@@ -4696,6 +4774,9 @@
           <a:lstStyle/>
           <a:p>
             <a:pPr algn="l">
+              <a:lnSpc>
+                <a:spcPct val="135000"/>
+              </a:lnSpc>
               <a:spcBef>
                 <a:spcPts val="0"/>
               </a:spcBef>
@@ -4736,6 +4817,9 @@
           <a:lstStyle/>
           <a:p>
             <a:pPr algn="l">
+              <a:lnSpc>
+                <a:spcPct val="135000"/>
+              </a:lnSpc>
               <a:spcBef>
                 <a:spcPts val="0"/>
               </a:spcBef>
@@ -4864,6 +4948,9 @@
           <a:lstStyle/>
           <a:p>
             <a:pPr algn="ctr">
+              <a:lnSpc>
+                <a:spcPct val="135000"/>
+              </a:lnSpc>
               <a:spcBef>
                 <a:spcPts val="0"/>
               </a:spcBef>
@@ -4904,6 +4991,9 @@
           <a:lstStyle/>
           <a:p>
             <a:pPr algn="l">
+              <a:lnSpc>
+                <a:spcPct val="135000"/>
+              </a:lnSpc>
               <a:spcBef>
                 <a:spcPts val="0"/>
               </a:spcBef>
@@ -4931,8 +5021,8 @@
         </p:nvSpPr>
         <p:spPr>
           <a:xfrm>
-            <a:off x="1051560" y="1618488"/>
-            <a:ext cx="3200400" cy="1124712"/>
+            <a:off x="1051560" y="1709928"/>
+            <a:ext cx="3200400" cy="1033272"/>
           </a:xfrm>
           <a:prstGeom prst="rect">
             <a:avLst/>
@@ -4944,6 +5034,9 @@
           <a:lstStyle/>
           <a:p>
             <a:pPr algn="l">
+              <a:lnSpc>
+                <a:spcPct val="135000"/>
+              </a:lnSpc>
               <a:spcBef>
                 <a:spcPts val="0"/>
               </a:spcBef>
@@ -5072,6 +5165,9 @@
           <a:lstStyle/>
           <a:p>
             <a:pPr algn="ctr">
+              <a:lnSpc>
+                <a:spcPct val="135000"/>
+              </a:lnSpc>
               <a:spcBef>
                 <a:spcPts val="0"/>
               </a:spcBef>
@@ -5112,6 +5208,9 @@
           <a:lstStyle/>
           <a:p>
             <a:pPr algn="l">
+              <a:lnSpc>
+                <a:spcPct val="135000"/>
+              </a:lnSpc>
               <a:spcBef>
                 <a:spcPts val="0"/>
               </a:spcBef>
@@ -5139,8 +5238,8 @@
         </p:nvSpPr>
         <p:spPr>
           <a:xfrm>
-            <a:off x="5212080" y="1618488"/>
-            <a:ext cx="3200400" cy="1124712"/>
+            <a:off x="5212080" y="1709928"/>
+            <a:ext cx="3200400" cy="1033272"/>
           </a:xfrm>
           <a:prstGeom prst="rect">
             <a:avLst/>
@@ -5152,6 +5251,9 @@
           <a:lstStyle/>
           <a:p>
             <a:pPr algn="l">
+              <a:lnSpc>
+                <a:spcPct val="135000"/>
+              </a:lnSpc>
               <a:spcBef>
                 <a:spcPts val="0"/>
               </a:spcBef>
@@ -5280,6 +5382,9 @@
           <a:lstStyle/>
           <a:p>
             <a:pPr algn="ctr">
+              <a:lnSpc>
+                <a:spcPct val="135000"/>
+              </a:lnSpc>
               <a:spcBef>
                 <a:spcPts val="0"/>
               </a:spcBef>
@@ -5320,6 +5425,9 @@
           <a:lstStyle/>
           <a:p>
             <a:pPr algn="l">
+              <a:lnSpc>
+                <a:spcPct val="135000"/>
+              </a:lnSpc>
               <a:spcBef>
                 <a:spcPts val="0"/>
               </a:spcBef>
@@ -5347,8 +5455,8 @@
         </p:nvSpPr>
         <p:spPr>
           <a:xfrm>
-            <a:off x="1051560" y="3538728"/>
-            <a:ext cx="3200400" cy="1124712"/>
+            <a:off x="1051560" y="3630168"/>
+            <a:ext cx="3200400" cy="1033272"/>
           </a:xfrm>
           <a:prstGeom prst="rect">
             <a:avLst/>
@@ -5360,6 +5468,9 @@
           <a:lstStyle/>
           <a:p>
             <a:pPr algn="l">
+              <a:lnSpc>
+                <a:spcPct val="135000"/>
+              </a:lnSpc>
               <a:spcBef>
                 <a:spcPts val="0"/>
               </a:spcBef>
@@ -5488,6 +5599,9 @@
           <a:lstStyle/>
           <a:p>
             <a:pPr algn="ctr">
+              <a:lnSpc>
+                <a:spcPct val="135000"/>
+              </a:lnSpc>
               <a:spcBef>
                 <a:spcPts val="0"/>
               </a:spcBef>
@@ -5528,6 +5642,9 @@
           <a:lstStyle/>
           <a:p>
             <a:pPr algn="l">
+              <a:lnSpc>
+                <a:spcPct val="135000"/>
+              </a:lnSpc>
               <a:spcBef>
                 <a:spcPts val="0"/>
               </a:spcBef>
@@ -5555,8 +5672,8 @@
         </p:nvSpPr>
         <p:spPr>
           <a:xfrm>
-            <a:off x="5212080" y="3538728"/>
-            <a:ext cx="3200400" cy="1124712"/>
+            <a:off x="5212080" y="3630168"/>
+            <a:ext cx="3200400" cy="1033272"/>
           </a:xfrm>
           <a:prstGeom prst="rect">
             <a:avLst/>
@@ -5568,6 +5685,9 @@
           <a:lstStyle/>
           <a:p>
             <a:pPr algn="l">
+              <a:lnSpc>
+                <a:spcPct val="135000"/>
+              </a:lnSpc>
               <a:spcBef>
                 <a:spcPts val="0"/>
               </a:spcBef>
@@ -5651,6 +5771,9 @@
           <a:lstStyle/>
           <a:p>
             <a:pPr algn="l">
+              <a:lnSpc>
+                <a:spcPct val="135000"/>
+              </a:lnSpc>
               <a:spcBef>
                 <a:spcPts val="0"/>
               </a:spcBef>
@@ -5691,6 +5814,9 @@
           <a:lstStyle/>
           <a:p>
             <a:pPr algn="ctr">
+              <a:lnSpc>
+                <a:spcPct val="135000"/>
+              </a:lnSpc>
               <a:spcBef>
                 <a:spcPts val="0"/>
               </a:spcBef>
@@ -5731,6 +5857,9 @@
           <a:lstStyle/>
           <a:p>
             <a:pPr algn="r">
+              <a:lnSpc>
+                <a:spcPct val="135000"/>
+              </a:lnSpc>
               <a:spcBef>
                 <a:spcPts val="0"/>
               </a:spcBef>
@@ -5832,6 +5961,9 @@
           <a:lstStyle/>
           <a:p>
             <a:pPr algn="l">
+              <a:lnSpc>
+                <a:spcPct val="135000"/>
+              </a:lnSpc>
               <a:spcBef>
                 <a:spcPts val="0"/>
               </a:spcBef>
@@ -5872,6 +6004,9 @@
           <a:lstStyle/>
           <a:p>
             <a:pPr algn="l">
+              <a:lnSpc>
+                <a:spcPct val="135000"/>
+              </a:lnSpc>
               <a:spcBef>
                 <a:spcPts val="0"/>
               </a:spcBef>
@@ -5957,6 +6092,9 @@
           <a:lstStyle/>
           <a:p>
             <a:pPr algn="l">
+              <a:lnSpc>
+                <a:spcPct val="135000"/>
+              </a:lnSpc>
               <a:spcBef>
                 <a:spcPts val="0"/>
               </a:spcBef>
@@ -6042,6 +6180,9 @@
           <a:lstStyle/>
           <a:p>
             <a:pPr algn="l">
+              <a:lnSpc>
+                <a:spcPct val="135000"/>
+              </a:lnSpc>
               <a:spcBef>
                 <a:spcPts val="0"/>
               </a:spcBef>
@@ -6127,6 +6268,9 @@
           <a:lstStyle/>
           <a:p>
             <a:pPr algn="l">
+              <a:lnSpc>
+                <a:spcPct val="135000"/>
+              </a:lnSpc>
               <a:spcBef>
                 <a:spcPts val="0"/>
               </a:spcBef>
@@ -6212,6 +6356,9 @@
           <a:lstStyle/>
           <a:p>
             <a:pPr algn="l">
+              <a:lnSpc>
+                <a:spcPct val="135000"/>
+              </a:lnSpc>
               <a:spcBef>
                 <a:spcPts val="0"/>
               </a:spcBef>
@@ -6297,6 +6444,9 @@
           <a:lstStyle/>
           <a:p>
             <a:pPr algn="l">
+              <a:lnSpc>
+                <a:spcPct val="135000"/>
+              </a:lnSpc>
               <a:spcBef>
                 <a:spcPts val="0"/>
               </a:spcBef>
@@ -6382,6 +6532,9 @@
           <a:lstStyle/>
           <a:p>
             <a:pPr algn="l">
+              <a:lnSpc>
+                <a:spcPct val="135000"/>
+              </a:lnSpc>
               <a:spcBef>
                 <a:spcPts val="0"/>
               </a:spcBef>
@@ -6467,6 +6620,9 @@
           <a:lstStyle/>
           <a:p>
             <a:pPr algn="l">
+              <a:lnSpc>
+                <a:spcPct val="135000"/>
+              </a:lnSpc>
               <a:spcBef>
                 <a:spcPts val="0"/>
               </a:spcBef>
@@ -6552,6 +6708,9 @@
           <a:lstStyle/>
           <a:p>
             <a:pPr algn="l">
+              <a:lnSpc>
+                <a:spcPct val="135000"/>
+              </a:lnSpc>
               <a:spcBef>
                 <a:spcPts val="0"/>
               </a:spcBef>
@@ -6637,6 +6796,9 @@
           <a:lstStyle/>
           <a:p>
             <a:pPr algn="l">
+              <a:lnSpc>
+                <a:spcPct val="135000"/>
+              </a:lnSpc>
               <a:spcBef>
                 <a:spcPts val="0"/>
               </a:spcBef>
@@ -6722,6 +6884,9 @@
           <a:lstStyle/>
           <a:p>
             <a:pPr algn="l">
+              <a:lnSpc>
+                <a:spcPct val="135000"/>
+              </a:lnSpc>
               <a:spcBef>
                 <a:spcPts val="0"/>
               </a:spcBef>
@@ -6807,6 +6972,9 @@
           <a:lstStyle/>
           <a:p>
             <a:pPr algn="l">
+              <a:lnSpc>
+                <a:spcPct val="135000"/>
+              </a:lnSpc>
               <a:spcBef>
                 <a:spcPts val="0"/>
               </a:spcBef>
@@ -6892,6 +7060,9 @@
           <a:lstStyle/>
           <a:p>
             <a:pPr algn="l">
+              <a:lnSpc>
+                <a:spcPct val="135000"/>
+              </a:lnSpc>
               <a:spcBef>
                 <a:spcPts val="0"/>
               </a:spcBef>
@@ -6977,6 +7148,9 @@
           <a:lstStyle/>
           <a:p>
             <a:pPr algn="l">
+              <a:lnSpc>
+                <a:spcPct val="135000"/>
+              </a:lnSpc>
               <a:spcBef>
                 <a:spcPts val="0"/>
               </a:spcBef>
@@ -7062,6 +7236,9 @@
           <a:lstStyle/>
           <a:p>
             <a:pPr algn="l">
+              <a:lnSpc>
+                <a:spcPct val="135000"/>
+              </a:lnSpc>
               <a:spcBef>
                 <a:spcPts val="0"/>
               </a:spcBef>
@@ -7147,6 +7324,9 @@
           <a:lstStyle/>
           <a:p>
             <a:pPr algn="l">
+              <a:lnSpc>
+                <a:spcPct val="135000"/>
+              </a:lnSpc>
               <a:spcBef>
                 <a:spcPts val="0"/>
               </a:spcBef>
@@ -7232,6 +7412,9 @@
           <a:lstStyle/>
           <a:p>
             <a:pPr algn="l">
+              <a:lnSpc>
+                <a:spcPct val="135000"/>
+              </a:lnSpc>
               <a:spcBef>
                 <a:spcPts val="0"/>
               </a:spcBef>
@@ -7317,6 +7500,9 @@
           <a:lstStyle/>
           <a:p>
             <a:pPr algn="l">
+              <a:lnSpc>
+                <a:spcPct val="135000"/>
+              </a:lnSpc>
               <a:spcBef>
                 <a:spcPts val="0"/>
               </a:spcBef>
@@ -7402,6 +7588,9 @@
           <a:lstStyle/>
           <a:p>
             <a:pPr algn="l">
+              <a:lnSpc>
+                <a:spcPct val="135000"/>
+              </a:lnSpc>
               <a:spcBef>
                 <a:spcPts val="0"/>
               </a:spcBef>
@@ -7487,6 +7676,9 @@
           <a:lstStyle/>
           <a:p>
             <a:pPr algn="l">
+              <a:lnSpc>
+                <a:spcPct val="135000"/>
+              </a:lnSpc>
               <a:spcBef>
                 <a:spcPts val="0"/>
               </a:spcBef>
@@ -7572,6 +7764,9 @@
           <a:lstStyle/>
           <a:p>
             <a:pPr algn="l">
+              <a:lnSpc>
+                <a:spcPct val="135000"/>
+              </a:lnSpc>
               <a:spcBef>
                 <a:spcPts val="0"/>
               </a:spcBef>
@@ -7657,6 +7852,9 @@
           <a:lstStyle/>
           <a:p>
             <a:pPr algn="l">
+              <a:lnSpc>
+                <a:spcPct val="135000"/>
+              </a:lnSpc>
               <a:spcBef>
                 <a:spcPts val="0"/>
               </a:spcBef>
@@ -7740,6 +7938,9 @@
           <a:lstStyle/>
           <a:p>
             <a:pPr algn="l">
+              <a:lnSpc>
+                <a:spcPct val="135000"/>
+              </a:lnSpc>
               <a:spcBef>
                 <a:spcPts val="0"/>
               </a:spcBef>
@@ -7780,6 +7981,9 @@
           <a:lstStyle/>
           <a:p>
             <a:pPr algn="ctr">
+              <a:lnSpc>
+                <a:spcPct val="135000"/>
+              </a:lnSpc>
               <a:spcBef>
                 <a:spcPts val="0"/>
               </a:spcBef>
@@ -7820,6 +8024,9 @@
           <a:lstStyle/>
           <a:p>
             <a:pPr algn="r">
+              <a:lnSpc>
+                <a:spcPct val="135000"/>
+              </a:lnSpc>
               <a:spcBef>
                 <a:spcPts val="0"/>
               </a:spcBef>
@@ -7921,6 +8128,9 @@
           <a:lstStyle/>
           <a:p>
             <a:pPr algn="l">
+              <a:lnSpc>
+                <a:spcPct val="135000"/>
+              </a:lnSpc>
               <a:spcBef>
                 <a:spcPts val="0"/>
               </a:spcBef>
@@ -7961,6 +8171,9 @@
           <a:lstStyle/>
           <a:p>
             <a:pPr algn="l">
+              <a:lnSpc>
+                <a:spcPct val="135000"/>
+              </a:lnSpc>
               <a:spcBef>
                 <a:spcPts val="0"/>
               </a:spcBef>
@@ -8089,6 +8302,9 @@
           <a:lstStyle/>
           <a:p>
             <a:pPr algn="ctr">
+              <a:lnSpc>
+                <a:spcPct val="135000"/>
+              </a:lnSpc>
               <a:spcBef>
                 <a:spcPts val="0"/>
               </a:spcBef>
@@ -8129,6 +8345,9 @@
           <a:lstStyle/>
           <a:p>
             <a:pPr algn="l">
+              <a:lnSpc>
+                <a:spcPct val="135000"/>
+              </a:lnSpc>
               <a:spcBef>
                 <a:spcPts val="0"/>
               </a:spcBef>
@@ -8156,8 +8375,8 @@
         </p:nvSpPr>
         <p:spPr>
           <a:xfrm>
-            <a:off x="1508760" y="1380744"/>
-            <a:ext cx="6675120" cy="320040"/>
+            <a:off x="1508760" y="1435608"/>
+            <a:ext cx="6675120" cy="292608"/>
           </a:xfrm>
           <a:prstGeom prst="rect">
             <a:avLst/>
@@ -8169,6 +8388,9 @@
           <a:lstStyle/>
           <a:p>
             <a:pPr algn="l">
+              <a:lnSpc>
+                <a:spcPct val="135000"/>
+              </a:lnSpc>
               <a:spcBef>
                 <a:spcPts val="0"/>
               </a:spcBef>
@@ -8196,8 +8418,8 @@
         </p:nvSpPr>
         <p:spPr>
           <a:xfrm>
-            <a:off x="1508760" y="1691640"/>
-            <a:ext cx="6675120" cy="228600"/>
+            <a:off x="1508760" y="1746504"/>
+            <a:ext cx="6675120" cy="201168"/>
           </a:xfrm>
           <a:prstGeom prst="rect">
             <a:avLst/>
@@ -8209,6 +8431,9 @@
           <a:lstStyle/>
           <a:p>
             <a:pPr algn="l">
+              <a:lnSpc>
+                <a:spcPct val="135000"/>
+              </a:lnSpc>
               <a:spcBef>
                 <a:spcPts val="0"/>
               </a:spcBef>
@@ -8337,6 +8562,9 @@
           <a:lstStyle/>
           <a:p>
             <a:pPr algn="ctr">
+              <a:lnSpc>
+                <a:spcPct val="135000"/>
+              </a:lnSpc>
               <a:spcBef>
                 <a:spcPts val="0"/>
               </a:spcBef>
@@ -8377,6 +8605,9 @@
           <a:lstStyle/>
           <a:p>
             <a:pPr algn="l">
+              <a:lnSpc>
+                <a:spcPct val="135000"/>
+              </a:lnSpc>
               <a:spcBef>
                 <a:spcPts val="0"/>
               </a:spcBef>
@@ -8404,8 +8635,8 @@
         </p:nvSpPr>
         <p:spPr>
           <a:xfrm>
-            <a:off x="1508760" y="2450592"/>
-            <a:ext cx="6675120" cy="320040"/>
+            <a:off x="1508760" y="2505456"/>
+            <a:ext cx="6675120" cy="292608"/>
           </a:xfrm>
           <a:prstGeom prst="rect">
             <a:avLst/>
@@ -8417,6 +8648,9 @@
           <a:lstStyle/>
           <a:p>
             <a:pPr algn="l">
+              <a:lnSpc>
+                <a:spcPct val="135000"/>
+              </a:lnSpc>
               <a:spcBef>
                 <a:spcPts val="0"/>
               </a:spcBef>
@@ -8444,8 +8678,8 @@
         </p:nvSpPr>
         <p:spPr>
           <a:xfrm>
-            <a:off x="1508760" y="2761488"/>
-            <a:ext cx="6675120" cy="228600"/>
+            <a:off x="1508760" y="2816352"/>
+            <a:ext cx="6675120" cy="201168"/>
           </a:xfrm>
           <a:prstGeom prst="rect">
             <a:avLst/>
@@ -8457,6 +8691,9 @@
           <a:lstStyle/>
           <a:p>
             <a:pPr algn="l">
+              <a:lnSpc>
+                <a:spcPct val="135000"/>
+              </a:lnSpc>
               <a:spcBef>
                 <a:spcPts val="0"/>
               </a:spcBef>
@@ -8585,6 +8822,9 @@
           <a:lstStyle/>
           <a:p>
             <a:pPr algn="ctr">
+              <a:lnSpc>
+                <a:spcPct val="135000"/>
+              </a:lnSpc>
               <a:spcBef>
                 <a:spcPts val="0"/>
               </a:spcBef>
@@ -8625,6 +8865,9 @@
           <a:lstStyle/>
           <a:p>
             <a:pPr algn="l">
+              <a:lnSpc>
+                <a:spcPct val="135000"/>
+              </a:lnSpc>
               <a:spcBef>
                 <a:spcPts val="0"/>
               </a:spcBef>
@@ -8652,8 +8895,8 @@
         </p:nvSpPr>
         <p:spPr>
           <a:xfrm>
-            <a:off x="1508760" y="3520440"/>
-            <a:ext cx="6675120" cy="320040"/>
+            <a:off x="1508760" y="3575304"/>
+            <a:ext cx="6675120" cy="292608"/>
           </a:xfrm>
           <a:prstGeom prst="rect">
             <a:avLst/>
@@ -8665,6 +8908,9 @@
           <a:lstStyle/>
           <a:p>
             <a:pPr algn="l">
+              <a:lnSpc>
+                <a:spcPct val="135000"/>
+              </a:lnSpc>
               <a:spcBef>
                 <a:spcPts val="0"/>
               </a:spcBef>
@@ -8692,8 +8938,8 @@
         </p:nvSpPr>
         <p:spPr>
           <a:xfrm>
-            <a:off x="1508760" y="3831336"/>
-            <a:ext cx="6675120" cy="228600"/>
+            <a:off x="1508760" y="3886200"/>
+            <a:ext cx="6675120" cy="201168"/>
           </a:xfrm>
           <a:prstGeom prst="rect">
             <a:avLst/>
@@ -8705,6 +8951,9 @@
           <a:lstStyle/>
           <a:p>
             <a:pPr algn="l">
+              <a:lnSpc>
+                <a:spcPct val="135000"/>
+              </a:lnSpc>
               <a:spcBef>
                 <a:spcPts val="0"/>
               </a:spcBef>
@@ -8788,6 +9037,9 @@
           <a:lstStyle/>
           <a:p>
             <a:pPr algn="l">
+              <a:lnSpc>
+                <a:spcPct val="135000"/>
+              </a:lnSpc>
               <a:spcBef>
                 <a:spcPts val="0"/>
               </a:spcBef>
@@ -8828,6 +9080,9 @@
           <a:lstStyle/>
           <a:p>
             <a:pPr algn="ctr">
+              <a:lnSpc>
+                <a:spcPct val="135000"/>
+              </a:lnSpc>
               <a:spcBef>
                 <a:spcPts val="0"/>
               </a:spcBef>
@@ -8868,6 +9123,9 @@
           <a:lstStyle/>
           <a:p>
             <a:pPr algn="r">
+              <a:lnSpc>
+                <a:spcPct val="135000"/>
+              </a:lnSpc>
               <a:spcBef>
                 <a:spcPts val="0"/>
               </a:spcBef>
@@ -8969,6 +9227,9 @@
           <a:lstStyle/>
           <a:p>
             <a:pPr algn="l">
+              <a:lnSpc>
+                <a:spcPct val="135000"/>
+              </a:lnSpc>
               <a:spcBef>
                 <a:spcPts val="0"/>
               </a:spcBef>
@@ -9009,6 +9270,9 @@
           <a:lstStyle/>
           <a:p>
             <a:pPr algn="l">
+              <a:lnSpc>
+                <a:spcPct val="135000"/>
+              </a:lnSpc>
               <a:spcBef>
                 <a:spcPts val="0"/>
               </a:spcBef>
@@ -9094,6 +9358,9 @@
           <a:lstStyle/>
           <a:p>
             <a:pPr algn="ctr">
+              <a:lnSpc>
+                <a:spcPct val="135000"/>
+              </a:lnSpc>
               <a:spcBef>
                 <a:spcPts val="0"/>
               </a:spcBef>
@@ -9121,8 +9388,8 @@
         </p:nvSpPr>
         <p:spPr>
           <a:xfrm>
-            <a:off x="868680" y="1463040"/>
-            <a:ext cx="2103120" cy="521208"/>
+            <a:off x="868680" y="1517904"/>
+            <a:ext cx="2103120" cy="466344"/>
           </a:xfrm>
           <a:prstGeom prst="rect">
             <a:avLst/>
@@ -9134,6 +9401,9 @@
           <a:lstStyle/>
           <a:p>
             <a:pPr algn="ctr">
+              <a:lnSpc>
+                <a:spcPct val="135000"/>
+              </a:lnSpc>
               <a:spcBef>
                 <a:spcPts val="0"/>
               </a:spcBef>
@@ -9175,6 +9445,9 @@
           <a:lstStyle/>
           <a:p>
             <a:pPr algn="ctr">
+              <a:lnSpc>
+                <a:spcPct val="135000"/>
+              </a:lnSpc>
               <a:spcBef>
                 <a:spcPts val="0"/>
               </a:spcBef>
@@ -9260,6 +9533,9 @@
           <a:lstStyle/>
           <a:p>
             <a:pPr algn="ctr">
+              <a:lnSpc>
+                <a:spcPct val="135000"/>
+              </a:lnSpc>
               <a:spcBef>
                 <a:spcPts val="0"/>
               </a:spcBef>
@@ -9287,8 +9563,8 @@
         </p:nvSpPr>
         <p:spPr>
           <a:xfrm>
-            <a:off x="3520440" y="1463040"/>
-            <a:ext cx="2103120" cy="521208"/>
+            <a:off x="3520440" y="1517904"/>
+            <a:ext cx="2103120" cy="466344"/>
           </a:xfrm>
           <a:prstGeom prst="rect">
             <a:avLst/>
@@ -9300,6 +9576,9 @@
           <a:lstStyle/>
           <a:p>
             <a:pPr algn="ctr">
+              <a:lnSpc>
+                <a:spcPct val="135000"/>
+              </a:lnSpc>
               <a:spcBef>
                 <a:spcPts val="0"/>
               </a:spcBef>
@@ -9341,6 +9620,9 @@
           <a:lstStyle/>
           <a:p>
             <a:pPr algn="ctr">
+              <a:lnSpc>
+                <a:spcPct val="135000"/>
+              </a:lnSpc>
               <a:spcBef>
                 <a:spcPts val="0"/>
               </a:spcBef>
@@ -9426,6 +9708,9 @@
           <a:lstStyle/>
           <a:p>
             <a:pPr algn="ctr">
+              <a:lnSpc>
+                <a:spcPct val="135000"/>
+              </a:lnSpc>
               <a:spcBef>
                 <a:spcPts val="0"/>
               </a:spcBef>
@@ -9453,8 +9738,8 @@
         </p:nvSpPr>
         <p:spPr>
           <a:xfrm>
-            <a:off x="6172200" y="1463040"/>
-            <a:ext cx="2103120" cy="521208"/>
+            <a:off x="6172200" y="1517904"/>
+            <a:ext cx="2103120" cy="466344"/>
           </a:xfrm>
           <a:prstGeom prst="rect">
             <a:avLst/>
@@ -9466,6 +9751,9 @@
           <a:lstStyle/>
           <a:p>
             <a:pPr algn="ctr">
+              <a:lnSpc>
+                <a:spcPct val="135000"/>
+              </a:lnSpc>
               <a:spcBef>
                 <a:spcPts val="0"/>
               </a:spcBef>
@@ -9593,6 +9881,9 @@
           <a:lstStyle/>
           <a:p>
             <a:pPr algn="l">
+              <a:lnSpc>
+                <a:spcPct val="135000"/>
+              </a:lnSpc>
               <a:spcBef>
                 <a:spcPts val="0"/>
               </a:spcBef>
@@ -9620,8 +9911,8 @@
         </p:nvSpPr>
         <p:spPr>
           <a:xfrm>
-            <a:off x="685800" y="2788920"/>
-            <a:ext cx="7543800" cy="594360"/>
+            <a:off x="685800" y="2834640"/>
+            <a:ext cx="7543800" cy="548640"/>
           </a:xfrm>
           <a:prstGeom prst="rect">
             <a:avLst/>
@@ -9633,6 +9924,9 @@
           <a:lstStyle/>
           <a:p>
             <a:pPr algn="l">
+              <a:lnSpc>
+                <a:spcPct val="135000"/>
+              </a:lnSpc>
               <a:spcBef>
                 <a:spcPts val="0"/>
               </a:spcBef>
@@ -9716,6 +10010,9 @@
           <a:lstStyle/>
           <a:p>
             <a:pPr algn="l">
+              <a:lnSpc>
+                <a:spcPct val="135000"/>
+              </a:lnSpc>
               <a:spcBef>
                 <a:spcPts val="0"/>
               </a:spcBef>
@@ -9756,6 +10053,9 @@
           <a:lstStyle/>
           <a:p>
             <a:pPr algn="ctr">
+              <a:lnSpc>
+                <a:spcPct val="135000"/>
+              </a:lnSpc>
               <a:spcBef>
                 <a:spcPts val="0"/>
               </a:spcBef>
@@ -9796,6 +10096,9 @@
           <a:lstStyle/>
           <a:p>
             <a:pPr algn="r">
+              <a:lnSpc>
+                <a:spcPct val="135000"/>
+              </a:lnSpc>
               <a:spcBef>
                 <a:spcPts val="0"/>
               </a:spcBef>
@@ -9897,6 +10200,9 @@
           <a:lstStyle/>
           <a:p>
             <a:pPr algn="l">
+              <a:lnSpc>
+                <a:spcPct val="135000"/>
+              </a:lnSpc>
               <a:spcBef>
                 <a:spcPts val="0"/>
               </a:spcBef>
@@ -9937,6 +10243,9 @@
           <a:lstStyle/>
           <a:p>
             <a:pPr algn="l">
+              <a:lnSpc>
+                <a:spcPct val="135000"/>
+              </a:lnSpc>
               <a:spcBef>
                 <a:spcPts val="0"/>
               </a:spcBef>
@@ -9977,6 +10286,9 @@
           <a:lstStyle/>
           <a:p>
             <a:pPr algn="l">
+              <a:lnSpc>
+                <a:spcPct val="135000"/>
+              </a:lnSpc>
               <a:spcBef>
                 <a:spcPts val="0"/>
               </a:spcBef>
@@ -10105,6 +10417,9 @@
           <a:lstStyle/>
           <a:p>
             <a:pPr algn="ctr">
+              <a:lnSpc>
+                <a:spcPct val="135000"/>
+              </a:lnSpc>
               <a:spcBef>
                 <a:spcPts val="0"/>
               </a:spcBef>
@@ -10145,6 +10460,9 @@
           <a:lstStyle/>
           <a:p>
             <a:pPr algn="ctr">
+              <a:lnSpc>
+                <a:spcPct val="135000"/>
+              </a:lnSpc>
               <a:spcBef>
                 <a:spcPts val="0"/>
               </a:spcBef>
@@ -10172,8 +10490,8 @@
         </p:nvSpPr>
         <p:spPr>
           <a:xfrm>
-            <a:off x="530352" y="2121408"/>
-            <a:ext cx="2459736" cy="594360"/>
+            <a:off x="530352" y="2194560"/>
+            <a:ext cx="2459736" cy="521208"/>
           </a:xfrm>
           <a:prstGeom prst="rect">
             <a:avLst/>
@@ -10185,6 +10503,9 @@
           <a:lstStyle/>
           <a:p>
             <a:pPr algn="ctr">
+              <a:lnSpc>
+                <a:spcPct val="135000"/>
+              </a:lnSpc>
               <a:spcBef>
                 <a:spcPts val="0"/>
               </a:spcBef>
@@ -10313,6 +10634,9 @@
           <a:lstStyle/>
           <a:p>
             <a:pPr algn="ctr">
+              <a:lnSpc>
+                <a:spcPct val="135000"/>
+              </a:lnSpc>
               <a:spcBef>
                 <a:spcPts val="0"/>
               </a:spcBef>
@@ -10353,6 +10677,9 @@
           <a:lstStyle/>
           <a:p>
             <a:pPr algn="ctr">
+              <a:lnSpc>
+                <a:spcPct val="135000"/>
+              </a:lnSpc>
               <a:spcBef>
                 <a:spcPts val="0"/>
               </a:spcBef>
@@ -10380,8 +10707,8 @@
         </p:nvSpPr>
         <p:spPr>
           <a:xfrm>
-            <a:off x="3346704" y="2121408"/>
-            <a:ext cx="2459736" cy="594360"/>
+            <a:off x="3346704" y="2194560"/>
+            <a:ext cx="2459736" cy="521208"/>
           </a:xfrm>
           <a:prstGeom prst="rect">
             <a:avLst/>
@@ -10393,6 +10720,9 @@
           <a:lstStyle/>
           <a:p>
             <a:pPr algn="ctr">
+              <a:lnSpc>
+                <a:spcPct val="135000"/>
+              </a:lnSpc>
               <a:spcBef>
                 <a:spcPts val="0"/>
               </a:spcBef>
@@ -10521,6 +10851,9 @@
           <a:lstStyle/>
           <a:p>
             <a:pPr algn="ctr">
+              <a:lnSpc>
+                <a:spcPct val="135000"/>
+              </a:lnSpc>
               <a:spcBef>
                 <a:spcPts val="0"/>
               </a:spcBef>
@@ -10561,6 +10894,9 @@
           <a:lstStyle/>
           <a:p>
             <a:pPr algn="ctr">
+              <a:lnSpc>
+                <a:spcPct val="135000"/>
+              </a:lnSpc>
               <a:spcBef>
                 <a:spcPts val="0"/>
               </a:spcBef>
@@ -10588,8 +10924,8 @@
         </p:nvSpPr>
         <p:spPr>
           <a:xfrm>
-            <a:off x="6163056" y="2121408"/>
-            <a:ext cx="2459736" cy="594360"/>
+            <a:off x="6163056" y="2194560"/>
+            <a:ext cx="2459736" cy="521208"/>
           </a:xfrm>
           <a:prstGeom prst="rect">
             <a:avLst/>
@@ -10601,6 +10937,9 @@
           <a:lstStyle/>
           <a:p>
             <a:pPr algn="ctr">
+              <a:lnSpc>
+                <a:spcPct val="135000"/>
+              </a:lnSpc>
               <a:spcBef>
                 <a:spcPts val="0"/>
               </a:spcBef>
@@ -10729,6 +11068,9 @@
           <a:lstStyle/>
           <a:p>
             <a:pPr algn="ctr">
+              <a:lnSpc>
+                <a:spcPct val="135000"/>
+              </a:lnSpc>
               <a:spcBef>
                 <a:spcPts val="0"/>
               </a:spcBef>
@@ -10769,6 +11111,9 @@
           <a:lstStyle/>
           <a:p>
             <a:pPr algn="ctr">
+              <a:lnSpc>
+                <a:spcPct val="135000"/>
+              </a:lnSpc>
               <a:spcBef>
                 <a:spcPts val="0"/>
               </a:spcBef>
@@ -10796,8 +11141,8 @@
         </p:nvSpPr>
         <p:spPr>
           <a:xfrm>
-            <a:off x="530352" y="3675888"/>
-            <a:ext cx="2459736" cy="594360"/>
+            <a:off x="530352" y="3749040"/>
+            <a:ext cx="2459736" cy="521208"/>
           </a:xfrm>
           <a:prstGeom prst="rect">
             <a:avLst/>
@@ -10809,6 +11154,9 @@
           <a:lstStyle/>
           <a:p>
             <a:pPr algn="ctr">
+              <a:lnSpc>
+                <a:spcPct val="135000"/>
+              </a:lnSpc>
               <a:spcBef>
                 <a:spcPts val="0"/>
               </a:spcBef>
@@ -10937,6 +11285,9 @@
           <a:lstStyle/>
           <a:p>
             <a:pPr algn="ctr">
+              <a:lnSpc>
+                <a:spcPct val="135000"/>
+              </a:lnSpc>
               <a:spcBef>
                 <a:spcPts val="0"/>
               </a:spcBef>
@@ -10977,6 +11328,9 @@
           <a:lstStyle/>
           <a:p>
             <a:pPr algn="ctr">
+              <a:lnSpc>
+                <a:spcPct val="135000"/>
+              </a:lnSpc>
               <a:spcBef>
                 <a:spcPts val="0"/>
               </a:spcBef>
@@ -11004,8 +11358,8 @@
         </p:nvSpPr>
         <p:spPr>
           <a:xfrm>
-            <a:off x="3346704" y="3675888"/>
-            <a:ext cx="2459736" cy="594360"/>
+            <a:off x="3346704" y="3749040"/>
+            <a:ext cx="2459736" cy="521208"/>
           </a:xfrm>
           <a:prstGeom prst="rect">
             <a:avLst/>
@@ -11017,6 +11371,9 @@
           <a:lstStyle/>
           <a:p>
             <a:pPr algn="ctr">
+              <a:lnSpc>
+                <a:spcPct val="135000"/>
+              </a:lnSpc>
               <a:spcBef>
                 <a:spcPts val="0"/>
               </a:spcBef>
@@ -11145,6 +11502,9 @@
           <a:lstStyle/>
           <a:p>
             <a:pPr algn="ctr">
+              <a:lnSpc>
+                <a:spcPct val="135000"/>
+              </a:lnSpc>
               <a:spcBef>
                 <a:spcPts val="0"/>
               </a:spcBef>
@@ -11185,6 +11545,9 @@
           <a:lstStyle/>
           <a:p>
             <a:pPr algn="ctr">
+              <a:lnSpc>
+                <a:spcPct val="135000"/>
+              </a:lnSpc>
               <a:spcBef>
                 <a:spcPts val="0"/>
               </a:spcBef>
@@ -11212,8 +11575,8 @@
         </p:nvSpPr>
         <p:spPr>
           <a:xfrm>
-            <a:off x="6163056" y="3675888"/>
-            <a:ext cx="2459736" cy="594360"/>
+            <a:off x="6163056" y="3749040"/>
+            <a:ext cx="2459736" cy="521208"/>
           </a:xfrm>
           <a:prstGeom prst="rect">
             <a:avLst/>
@@ -11225,6 +11588,9 @@
           <a:lstStyle/>
           <a:p>
             <a:pPr algn="ctr">
+              <a:lnSpc>
+                <a:spcPct val="135000"/>
+              </a:lnSpc>
               <a:spcBef>
                 <a:spcPts val="0"/>
               </a:spcBef>
@@ -11308,6 +11674,9 @@
           <a:lstStyle/>
           <a:p>
             <a:pPr algn="l">
+              <a:lnSpc>
+                <a:spcPct val="135000"/>
+              </a:lnSpc>
               <a:spcBef>
                 <a:spcPts val="0"/>
               </a:spcBef>
@@ -11348,6 +11717,9 @@
           <a:lstStyle/>
           <a:p>
             <a:pPr algn="ctr">
+              <a:lnSpc>
+                <a:spcPct val="135000"/>
+              </a:lnSpc>
               <a:spcBef>
                 <a:spcPts val="0"/>
               </a:spcBef>
@@ -11388,6 +11760,9 @@
           <a:lstStyle/>
           <a:p>
             <a:pPr algn="r">
+              <a:lnSpc>
+                <a:spcPct val="135000"/>
+              </a:lnSpc>
               <a:spcBef>
                 <a:spcPts val="0"/>
               </a:spcBef>
@@ -11489,6 +11864,9 @@
           <a:lstStyle/>
           <a:p>
             <a:pPr algn="l">
+              <a:lnSpc>
+                <a:spcPct val="135000"/>
+              </a:lnSpc>
               <a:spcBef>
                 <a:spcPts val="0"/>
               </a:spcBef>
@@ -11529,6 +11907,9 @@
           <a:lstStyle/>
           <a:p>
             <a:pPr algn="l">
+              <a:lnSpc>
+                <a:spcPct val="135000"/>
+              </a:lnSpc>
               <a:spcBef>
                 <a:spcPts val="0"/>
               </a:spcBef>
@@ -11593,6 +11974,9 @@
           <a:lstStyle/>
           <a:p>
             <a:pPr algn="l">
+              <a:lnSpc>
+                <a:spcPct val="135000"/>
+              </a:lnSpc>
               <a:spcBef>
                 <a:spcPts val="0"/>
               </a:spcBef>
@@ -11633,6 +12017,9 @@
           <a:lstStyle/>
           <a:p>
             <a:pPr algn="l">
+              <a:lnSpc>
+                <a:spcPct val="135000"/>
+              </a:lnSpc>
               <a:spcBef>
                 <a:spcPts val="0"/>
               </a:spcBef>
@@ -11718,6 +12105,9 @@
           <a:lstStyle/>
           <a:p>
             <a:pPr algn="ctr">
+              <a:lnSpc>
+                <a:spcPct val="135000"/>
+              </a:lnSpc>
               <a:spcBef>
                 <a:spcPts val="0"/>
               </a:spcBef>
@@ -11803,6 +12193,9 @@
           <a:lstStyle/>
           <a:p>
             <a:pPr algn="ctr">
+              <a:lnSpc>
+                <a:spcPct val="135000"/>
+              </a:lnSpc>
               <a:spcBef>
                 <a:spcPts val="0"/>
               </a:spcBef>
@@ -11888,6 +12281,9 @@
           <a:lstStyle/>
           <a:p>
             <a:pPr algn="ctr">
+              <a:lnSpc>
+                <a:spcPct val="135000"/>
+              </a:lnSpc>
               <a:spcBef>
                 <a:spcPts val="0"/>
               </a:spcBef>
@@ -11973,6 +12369,9 @@
           <a:lstStyle/>
           <a:p>
             <a:pPr algn="ctr">
+              <a:lnSpc>
+                <a:spcPct val="135000"/>
+              </a:lnSpc>
               <a:spcBef>
                 <a:spcPts val="0"/>
               </a:spcBef>
@@ -12058,6 +12457,9 @@
           <a:lstStyle/>
           <a:p>
             <a:pPr algn="ctr">
+              <a:lnSpc>
+                <a:spcPct val="135000"/>
+              </a:lnSpc>
               <a:spcBef>
                 <a:spcPts val="0"/>
               </a:spcBef>
@@ -12143,6 +12545,9 @@
           <a:lstStyle/>
           <a:p>
             <a:pPr algn="ctr">
+              <a:lnSpc>
+                <a:spcPct val="135000"/>
+              </a:lnSpc>
               <a:spcBef>
                 <a:spcPts val="0"/>
               </a:spcBef>
@@ -12269,6 +12674,9 @@
           <a:lstStyle/>
           <a:p>
             <a:pPr algn="l">
+              <a:lnSpc>
+                <a:spcPct val="135000"/>
+              </a:lnSpc>
               <a:spcBef>
                 <a:spcPts val="0"/>
               </a:spcBef>
@@ -12296,8 +12704,8 @@
         </p:nvSpPr>
         <p:spPr>
           <a:xfrm>
-            <a:off x="685800" y="3374136"/>
-            <a:ext cx="7543800" cy="393192"/>
+            <a:off x="685800" y="3429000"/>
+            <a:ext cx="7543800" cy="338328"/>
           </a:xfrm>
           <a:prstGeom prst="rect">
             <a:avLst/>
@@ -12309,6 +12717,9 @@
           <a:lstStyle/>
           <a:p>
             <a:pPr algn="l">
+              <a:lnSpc>
+                <a:spcPct val="135000"/>
+              </a:lnSpc>
               <a:spcBef>
                 <a:spcPts val="0"/>
               </a:spcBef>
@@ -12392,6 +12803,9 @@
           <a:lstStyle/>
           <a:p>
             <a:pPr algn="l">
+              <a:lnSpc>
+                <a:spcPct val="135000"/>
+              </a:lnSpc>
               <a:spcBef>
                 <a:spcPts val="0"/>
               </a:spcBef>
@@ -12432,6 +12846,9 @@
           <a:lstStyle/>
           <a:p>
             <a:pPr algn="ctr">
+              <a:lnSpc>
+                <a:spcPct val="135000"/>
+              </a:lnSpc>
               <a:spcBef>
                 <a:spcPts val="0"/>
               </a:spcBef>
@@ -12472,6 +12889,9 @@
           <a:lstStyle/>
           <a:p>
             <a:pPr algn="r">
+              <a:lnSpc>
+                <a:spcPct val="135000"/>
+              </a:lnSpc>
               <a:spcBef>
                 <a:spcPts val="0"/>
               </a:spcBef>
@@ -12573,6 +12993,9 @@
           <a:lstStyle/>
           <a:p>
             <a:pPr algn="l">
+              <a:lnSpc>
+                <a:spcPct val="135000"/>
+              </a:lnSpc>
               <a:spcBef>
                 <a:spcPts val="0"/>
               </a:spcBef>
@@ -12613,6 +13036,9 @@
           <a:lstStyle/>
           <a:p>
             <a:pPr algn="l">
+              <a:lnSpc>
+                <a:spcPct val="135000"/>
+              </a:lnSpc>
               <a:spcBef>
                 <a:spcPts val="0"/>
               </a:spcBef>
@@ -12696,6 +13122,9 @@
           <a:lstStyle/>
           <a:p>
             <a:pPr algn="ctr">
+              <a:lnSpc>
+                <a:spcPct val="135000"/>
+              </a:lnSpc>
               <a:spcBef>
                 <a:spcPts val="0"/>
               </a:spcBef>
@@ -12736,6 +13165,9 @@
           <a:lstStyle/>
           <a:p>
             <a:pPr algn="l">
+              <a:lnSpc>
+                <a:spcPct val="135000"/>
+              </a:lnSpc>
               <a:spcBef>
                 <a:spcPts val="0"/>
               </a:spcBef>
@@ -12776,6 +13208,9 @@
           <a:lstStyle/>
           <a:p>
             <a:pPr algn="l">
+              <a:lnSpc>
+                <a:spcPct val="135000"/>
+              </a:lnSpc>
               <a:spcBef>
                 <a:spcPts val="0"/>
               </a:spcBef>
@@ -12859,6 +13294,9 @@
           <a:lstStyle/>
           <a:p>
             <a:pPr algn="ctr">
+              <a:lnSpc>
+                <a:spcPct val="135000"/>
+              </a:lnSpc>
               <a:spcBef>
                 <a:spcPts val="0"/>
               </a:spcBef>
@@ -12899,6 +13337,9 @@
           <a:lstStyle/>
           <a:p>
             <a:pPr algn="l">
+              <a:lnSpc>
+                <a:spcPct val="135000"/>
+              </a:lnSpc>
               <a:spcBef>
                 <a:spcPts val="0"/>
               </a:spcBef>
@@ -12939,6 +13380,9 @@
           <a:lstStyle/>
           <a:p>
             <a:pPr algn="l">
+              <a:lnSpc>
+                <a:spcPct val="135000"/>
+              </a:lnSpc>
               <a:spcBef>
                 <a:spcPts val="0"/>
               </a:spcBef>
@@ -13022,6 +13466,9 @@
           <a:lstStyle/>
           <a:p>
             <a:pPr algn="ctr">
+              <a:lnSpc>
+                <a:spcPct val="135000"/>
+              </a:lnSpc>
               <a:spcBef>
                 <a:spcPts val="0"/>
               </a:spcBef>
@@ -13062,6 +13509,9 @@
           <a:lstStyle/>
           <a:p>
             <a:pPr algn="l">
+              <a:lnSpc>
+                <a:spcPct val="135000"/>
+              </a:lnSpc>
               <a:spcBef>
                 <a:spcPts val="0"/>
               </a:spcBef>
@@ -13102,6 +13552,9 @@
           <a:lstStyle/>
           <a:p>
             <a:pPr algn="l">
+              <a:lnSpc>
+                <a:spcPct val="135000"/>
+              </a:lnSpc>
               <a:spcBef>
                 <a:spcPts val="0"/>
               </a:spcBef>
@@ -13185,6 +13638,9 @@
           <a:lstStyle/>
           <a:p>
             <a:pPr algn="ctr">
+              <a:lnSpc>
+                <a:spcPct val="135000"/>
+              </a:lnSpc>
               <a:spcBef>
                 <a:spcPts val="0"/>
               </a:spcBef>
@@ -13225,6 +13681,9 @@
           <a:lstStyle/>
           <a:p>
             <a:pPr algn="l">
+              <a:lnSpc>
+                <a:spcPct val="135000"/>
+              </a:lnSpc>
               <a:spcBef>
                 <a:spcPts val="0"/>
               </a:spcBef>
@@ -13265,6 +13724,9 @@
           <a:lstStyle/>
           <a:p>
             <a:pPr algn="l">
+              <a:lnSpc>
+                <a:spcPct val="135000"/>
+              </a:lnSpc>
               <a:spcBef>
                 <a:spcPts val="0"/>
               </a:spcBef>
@@ -13305,6 +13767,9 @@
           <a:lstStyle/>
           <a:p>
             <a:pPr algn="l">
+              <a:lnSpc>
+                <a:spcPct val="135000"/>
+              </a:lnSpc>
               <a:spcBef>
                 <a:spcPts val="0"/>
               </a:spcBef>
@@ -13388,6 +13853,9 @@
           <a:lstStyle/>
           <a:p>
             <a:pPr algn="l">
+              <a:lnSpc>
+                <a:spcPct val="135000"/>
+              </a:lnSpc>
               <a:spcBef>
                 <a:spcPts val="0"/>
               </a:spcBef>
@@ -13428,6 +13896,9 @@
           <a:lstStyle/>
           <a:p>
             <a:pPr algn="ctr">
+              <a:lnSpc>
+                <a:spcPct val="135000"/>
+              </a:lnSpc>
               <a:spcBef>
                 <a:spcPts val="0"/>
               </a:spcBef>
@@ -13468,6 +13939,9 @@
           <a:lstStyle/>
           <a:p>
             <a:pPr algn="r">
+              <a:lnSpc>
+                <a:spcPct val="135000"/>
+              </a:lnSpc>
               <a:spcBef>
                 <a:spcPts val="0"/>
               </a:spcBef>

--- a/toki/tokistorage-partnership-deck-en.pptx
+++ b/toki/tokistorage-partnership-deck-en.pptx
@@ -4095,7 +4095,7 @@
         <p:spPr>
           <a:xfrm>
             <a:off x="594360" y="1463040"/>
-            <a:ext cx="2331720" cy="274320"/>
+            <a:ext cx="2331720" cy="457200"/>
           </a:xfrm>
           <a:prstGeom prst="rect">
             <a:avLst/>
@@ -4137,8 +4137,8 @@
         </p:nvSpPr>
         <p:spPr>
           <a:xfrm>
-            <a:off x="594360" y="1856232"/>
-            <a:ext cx="2331720" cy="2487168"/>
+            <a:off x="594360" y="2011680"/>
+            <a:ext cx="2331720" cy="2331720"/>
           </a:xfrm>
           <a:prstGeom prst="rect">
             <a:avLst/>
@@ -4269,7 +4269,7 @@
         <p:spPr>
           <a:xfrm>
             <a:off x="3410712" y="1463040"/>
-            <a:ext cx="2331720" cy="274320"/>
+            <a:ext cx="2331720" cy="457200"/>
           </a:xfrm>
           <a:prstGeom prst="rect">
             <a:avLst/>
@@ -4311,8 +4311,8 @@
         </p:nvSpPr>
         <p:spPr>
           <a:xfrm>
-            <a:off x="3410712" y="1856232"/>
-            <a:ext cx="2331720" cy="2487168"/>
+            <a:off x="3410712" y="2011680"/>
+            <a:ext cx="2331720" cy="2331720"/>
           </a:xfrm>
           <a:prstGeom prst="rect">
             <a:avLst/>
@@ -4443,7 +4443,7 @@
         <p:spPr>
           <a:xfrm>
             <a:off x="6227064" y="1463040"/>
-            <a:ext cx="2331720" cy="274320"/>
+            <a:ext cx="2331720" cy="457200"/>
           </a:xfrm>
           <a:prstGeom prst="rect">
             <a:avLst/>
@@ -4485,8 +4485,8 @@
         </p:nvSpPr>
         <p:spPr>
           <a:xfrm>
-            <a:off x="6227064" y="1856232"/>
-            <a:ext cx="2331720" cy="2487168"/>
+            <a:off x="6227064" y="2011680"/>
+            <a:ext cx="2331720" cy="2331720"/>
           </a:xfrm>
           <a:prstGeom prst="rect">
             <a:avLst/>
@@ -8202,7 +8202,7 @@
         <p:spPr>
           <a:xfrm>
             <a:off x="457200" y="1051560"/>
-            <a:ext cx="7863840" cy="960120"/>
+            <a:ext cx="7863840" cy="1051560"/>
           </a:xfrm>
           <a:prstGeom prst="rect">
             <a:avLst/>
@@ -8246,8 +8246,8 @@
         </p:nvSpPr>
         <p:spPr>
           <a:xfrm>
-            <a:off x="594360" y="1161288"/>
-            <a:ext cx="777240" cy="731520"/>
+            <a:off x="594360" y="1170432"/>
+            <a:ext cx="777240" cy="822960"/>
           </a:xfrm>
           <a:prstGeom prst="rect">
             <a:avLst/>
@@ -8289,8 +8289,8 @@
         </p:nvSpPr>
         <p:spPr>
           <a:xfrm>
-            <a:off x="594360" y="1161288"/>
-            <a:ext cx="777240" cy="731520"/>
+            <a:off x="594360" y="1170432"/>
+            <a:ext cx="777240" cy="822960"/>
           </a:xfrm>
           <a:prstGeom prst="rect">
             <a:avLst/>
@@ -8333,7 +8333,7 @@
         <p:spPr>
           <a:xfrm>
             <a:off x="1508760" y="1124712"/>
-            <a:ext cx="6675120" cy="256032"/>
+            <a:ext cx="6675120" cy="347472"/>
           </a:xfrm>
           <a:prstGeom prst="rect">
             <a:avLst/>
@@ -8375,8 +8375,8 @@
         </p:nvSpPr>
         <p:spPr>
           <a:xfrm>
-            <a:off x="1508760" y="1435608"/>
-            <a:ext cx="6675120" cy="292608"/>
+            <a:off x="1508760" y="1508760"/>
+            <a:ext cx="6675120" cy="310896"/>
           </a:xfrm>
           <a:prstGeom prst="rect">
             <a:avLst/>
@@ -8418,7 +8418,7 @@
         </p:nvSpPr>
         <p:spPr>
           <a:xfrm>
-            <a:off x="1508760" y="1746504"/>
+            <a:off x="1508760" y="1856232"/>
             <a:ext cx="6675120" cy="201168"/>
           </a:xfrm>
           <a:prstGeom prst="rect">
@@ -8461,8 +8461,8 @@
         </p:nvSpPr>
         <p:spPr>
           <a:xfrm>
-            <a:off x="457200" y="2121408"/>
-            <a:ext cx="7863840" cy="960120"/>
+            <a:off x="457200" y="2212848"/>
+            <a:ext cx="7863840" cy="1051560"/>
           </a:xfrm>
           <a:prstGeom prst="rect">
             <a:avLst/>
@@ -8506,8 +8506,8 @@
         </p:nvSpPr>
         <p:spPr>
           <a:xfrm>
-            <a:off x="594360" y="2231136"/>
-            <a:ext cx="777240" cy="731520"/>
+            <a:off x="594360" y="2331720"/>
+            <a:ext cx="777240" cy="822960"/>
           </a:xfrm>
           <a:prstGeom prst="rect">
             <a:avLst/>
@@ -8549,8 +8549,8 @@
         </p:nvSpPr>
         <p:spPr>
           <a:xfrm>
-            <a:off x="594360" y="2231136"/>
-            <a:ext cx="777240" cy="731520"/>
+            <a:off x="594360" y="2331720"/>
+            <a:ext cx="777240" cy="822960"/>
           </a:xfrm>
           <a:prstGeom prst="rect">
             <a:avLst/>
@@ -8592,8 +8592,8 @@
         </p:nvSpPr>
         <p:spPr>
           <a:xfrm>
-            <a:off x="1508760" y="2194560"/>
-            <a:ext cx="6675120" cy="256032"/>
+            <a:off x="1508760" y="2286000"/>
+            <a:ext cx="6675120" cy="347472"/>
           </a:xfrm>
           <a:prstGeom prst="rect">
             <a:avLst/>
@@ -8635,8 +8635,8 @@
         </p:nvSpPr>
         <p:spPr>
           <a:xfrm>
-            <a:off x="1508760" y="2505456"/>
-            <a:ext cx="6675120" cy="292608"/>
+            <a:off x="1508760" y="2670048"/>
+            <a:ext cx="6675120" cy="310896"/>
           </a:xfrm>
           <a:prstGeom prst="rect">
             <a:avLst/>
@@ -8678,7 +8678,7 @@
         </p:nvSpPr>
         <p:spPr>
           <a:xfrm>
-            <a:off x="1508760" y="2816352"/>
+            <a:off x="1508760" y="3017520"/>
             <a:ext cx="6675120" cy="201168"/>
           </a:xfrm>
           <a:prstGeom prst="rect">
@@ -8721,8 +8721,8 @@
         </p:nvSpPr>
         <p:spPr>
           <a:xfrm>
-            <a:off x="457200" y="3191256"/>
-            <a:ext cx="7863840" cy="960120"/>
+            <a:off x="457200" y="3374136"/>
+            <a:ext cx="7863840" cy="1051560"/>
           </a:xfrm>
           <a:prstGeom prst="rect">
             <a:avLst/>
@@ -8766,8 +8766,8 @@
         </p:nvSpPr>
         <p:spPr>
           <a:xfrm>
-            <a:off x="594360" y="3300984"/>
-            <a:ext cx="777240" cy="731520"/>
+            <a:off x="594360" y="3493008"/>
+            <a:ext cx="777240" cy="822960"/>
           </a:xfrm>
           <a:prstGeom prst="rect">
             <a:avLst/>
@@ -8809,8 +8809,8 @@
         </p:nvSpPr>
         <p:spPr>
           <a:xfrm>
-            <a:off x="594360" y="3300984"/>
-            <a:ext cx="777240" cy="731520"/>
+            <a:off x="594360" y="3493008"/>
+            <a:ext cx="777240" cy="822960"/>
           </a:xfrm>
           <a:prstGeom prst="rect">
             <a:avLst/>
@@ -8852,8 +8852,8 @@
         </p:nvSpPr>
         <p:spPr>
           <a:xfrm>
-            <a:off x="1508760" y="3264408"/>
-            <a:ext cx="6675120" cy="256032"/>
+            <a:off x="1508760" y="3447288"/>
+            <a:ext cx="6675120" cy="347472"/>
           </a:xfrm>
           <a:prstGeom prst="rect">
             <a:avLst/>
@@ -8895,8 +8895,8 @@
         </p:nvSpPr>
         <p:spPr>
           <a:xfrm>
-            <a:off x="1508760" y="3575304"/>
-            <a:ext cx="6675120" cy="292608"/>
+            <a:off x="1508760" y="3831336"/>
+            <a:ext cx="6675120" cy="310896"/>
           </a:xfrm>
           <a:prstGeom prst="rect">
             <a:avLst/>
@@ -8938,7 +8938,7 @@
         </p:nvSpPr>
         <p:spPr>
           <a:xfrm>
-            <a:off x="1508760" y="3886200"/>
+            <a:off x="1508760" y="4178808"/>
             <a:ext cx="6675120" cy="201168"/>
           </a:xfrm>
           <a:prstGeom prst="rect">
@@ -11945,8 +11945,8 @@
         </p:blipFill>
         <p:spPr>
           <a:xfrm>
-            <a:off x="457200" y="1051560"/>
-            <a:ext cx="731520" cy="731520"/>
+            <a:off x="457200" y="1024128"/>
+            <a:ext cx="914400" cy="914400"/>
           </a:xfrm>
           <a:prstGeom prst="rect">
             <a:avLst/>
@@ -11961,8 +11961,8 @@
         </p:nvSpPr>
         <p:spPr>
           <a:xfrm>
-            <a:off x="1325880" y="1051560"/>
-            <a:ext cx="6400800" cy="320040"/>
+            <a:off x="1508760" y="1078992"/>
+            <a:ext cx="6675120" cy="320040"/>
           </a:xfrm>
           <a:prstGeom prst="rect">
             <a:avLst/>
@@ -11985,7 +11985,7 @@
               </a:spcAft>
             </a:pPr>
             <a:r>
-              <a:rPr sz="1200" b="1">
+              <a:rPr sz="1300" b="1">
                 <a:solidFill>
                   <a:srgbClr val="1E293B"/>
                 </a:solidFill>
@@ -12004,8 +12004,8 @@
         </p:nvSpPr>
         <p:spPr>
           <a:xfrm>
-            <a:off x="1325880" y="1389888"/>
-            <a:ext cx="6858000" cy="868680"/>
+            <a:off x="1508760" y="1444752"/>
+            <a:ext cx="6675120" cy="1097280"/>
           </a:xfrm>
           <a:prstGeom prst="rect">
             <a:avLst/>
@@ -12047,8 +12047,8 @@
         </p:nvSpPr>
         <p:spPr>
           <a:xfrm>
-            <a:off x="1325880" y="2286000"/>
-            <a:ext cx="1394460" cy="274320"/>
+            <a:off x="457200" y="2688336"/>
+            <a:ext cx="1394460" cy="256032"/>
           </a:xfrm>
           <a:prstGeom prst="rect">
             <a:avLst/>
@@ -12092,8 +12092,8 @@
         </p:nvSpPr>
         <p:spPr>
           <a:xfrm>
-            <a:off x="1417320" y="2286000"/>
-            <a:ext cx="1211580" cy="274320"/>
+            <a:off x="548640" y="2688336"/>
+            <a:ext cx="1211580" cy="256032"/>
           </a:xfrm>
           <a:prstGeom prst="rect">
             <a:avLst/>
@@ -12116,7 +12116,7 @@
               </a:spcAft>
             </a:pPr>
             <a:r>
-              <a:rPr sz="750" b="0">
+              <a:rPr sz="800" b="0">
                 <a:solidFill>
                   <a:srgbClr val="475569"/>
                 </a:solidFill>
@@ -12135,8 +12135,8 @@
         </p:nvSpPr>
         <p:spPr>
           <a:xfrm>
-            <a:off x="2811780" y="2286000"/>
-            <a:ext cx="2628900" cy="274320"/>
+            <a:off x="1961388" y="2688336"/>
+            <a:ext cx="2628900" cy="256032"/>
           </a:xfrm>
           <a:prstGeom prst="rect">
             <a:avLst/>
@@ -12180,8 +12180,8 @@
         </p:nvSpPr>
         <p:spPr>
           <a:xfrm>
-            <a:off x="2903220" y="2286000"/>
-            <a:ext cx="2446020" cy="274320"/>
+            <a:off x="2052828" y="2688336"/>
+            <a:ext cx="2446020" cy="256032"/>
           </a:xfrm>
           <a:prstGeom prst="rect">
             <a:avLst/>
@@ -12204,7 +12204,7 @@
               </a:spcAft>
             </a:pPr>
             <a:r>
-              <a:rPr sz="750" b="0">
+              <a:rPr sz="800" b="0">
                 <a:solidFill>
                   <a:srgbClr val="475569"/>
                 </a:solidFill>
@@ -12223,8 +12223,8 @@
         </p:nvSpPr>
         <p:spPr>
           <a:xfrm>
-            <a:off x="5532120" y="2286000"/>
-            <a:ext cx="2834639" cy="274320"/>
+            <a:off x="4700016" y="2688336"/>
+            <a:ext cx="2834639" cy="256032"/>
           </a:xfrm>
           <a:prstGeom prst="rect">
             <a:avLst/>
@@ -12268,8 +12268,8 @@
         </p:nvSpPr>
         <p:spPr>
           <a:xfrm>
-            <a:off x="5623560" y="2286000"/>
-            <a:ext cx="2651759" cy="274320"/>
+            <a:off x="4791456" y="2688336"/>
+            <a:ext cx="2651759" cy="256032"/>
           </a:xfrm>
           <a:prstGeom prst="rect">
             <a:avLst/>
@@ -12292,7 +12292,7 @@
               </a:spcAft>
             </a:pPr>
             <a:r>
-              <a:rPr sz="750" b="0">
+              <a:rPr sz="800" b="0">
                 <a:solidFill>
                   <a:srgbClr val="475569"/>
                 </a:solidFill>
@@ -12311,8 +12311,8 @@
         </p:nvSpPr>
         <p:spPr>
           <a:xfrm>
-            <a:off x="1325880" y="2606040"/>
-            <a:ext cx="1668780" cy="274320"/>
+            <a:off x="457200" y="3035808"/>
+            <a:ext cx="1668780" cy="256032"/>
           </a:xfrm>
           <a:prstGeom prst="rect">
             <a:avLst/>
@@ -12356,8 +12356,8 @@
         </p:nvSpPr>
         <p:spPr>
           <a:xfrm>
-            <a:off x="1417320" y="2606040"/>
-            <a:ext cx="1485900" cy="274320"/>
+            <a:off x="548640" y="3035808"/>
+            <a:ext cx="1485900" cy="256032"/>
           </a:xfrm>
           <a:prstGeom prst="rect">
             <a:avLst/>
@@ -12380,7 +12380,7 @@
               </a:spcAft>
             </a:pPr>
             <a:r>
-              <a:rPr sz="750" b="0">
+              <a:rPr sz="800" b="0">
                 <a:solidFill>
                   <a:srgbClr val="475569"/>
                 </a:solidFill>
@@ -12399,8 +12399,8 @@
         </p:nvSpPr>
         <p:spPr>
           <a:xfrm>
-            <a:off x="3086100" y="2606040"/>
-            <a:ext cx="1600200" cy="274320"/>
+            <a:off x="2235708" y="3035808"/>
+            <a:ext cx="1600200" cy="256032"/>
           </a:xfrm>
           <a:prstGeom prst="rect">
             <a:avLst/>
@@ -12444,8 +12444,8 @@
         </p:nvSpPr>
         <p:spPr>
           <a:xfrm>
-            <a:off x="3177540" y="2606040"/>
-            <a:ext cx="1417320" cy="274320"/>
+            <a:off x="2327148" y="3035808"/>
+            <a:ext cx="1417320" cy="256032"/>
           </a:xfrm>
           <a:prstGeom prst="rect">
             <a:avLst/>
@@ -12468,7 +12468,7 @@
               </a:spcAft>
             </a:pPr>
             <a:r>
-              <a:rPr sz="750" b="0">
+              <a:rPr sz="800" b="0">
                 <a:solidFill>
                   <a:srgbClr val="475569"/>
                 </a:solidFill>
@@ -12487,8 +12487,8 @@
         </p:nvSpPr>
         <p:spPr>
           <a:xfrm>
-            <a:off x="4777740" y="2606040"/>
-            <a:ext cx="3040379" cy="274320"/>
+            <a:off x="3945636" y="3035808"/>
+            <a:ext cx="3040379" cy="256032"/>
           </a:xfrm>
           <a:prstGeom prst="rect">
             <a:avLst/>
@@ -12532,8 +12532,8 @@
         </p:nvSpPr>
         <p:spPr>
           <a:xfrm>
-            <a:off x="4869180" y="2606040"/>
-            <a:ext cx="2857499" cy="274320"/>
+            <a:off x="4037076" y="3035808"/>
+            <a:ext cx="2857499" cy="256032"/>
           </a:xfrm>
           <a:prstGeom prst="rect">
             <a:avLst/>
@@ -12556,7 +12556,7 @@
               </a:spcAft>
             </a:pPr>
             <a:r>
-              <a:rPr sz="750" b="0">
+              <a:rPr sz="800" b="0">
                 <a:solidFill>
                   <a:srgbClr val="475569"/>
                 </a:solidFill>
@@ -12575,8 +12575,8 @@
         </p:nvSpPr>
         <p:spPr>
           <a:xfrm>
-            <a:off x="457200" y="3044952"/>
-            <a:ext cx="7863840" cy="777240"/>
+            <a:off x="457200" y="3538728"/>
+            <a:ext cx="7863840" cy="804672"/>
           </a:xfrm>
           <a:prstGeom prst="rect">
             <a:avLst/>
@@ -12618,8 +12618,8 @@
         </p:nvSpPr>
         <p:spPr>
           <a:xfrm>
-            <a:off x="457200" y="3044952"/>
-            <a:ext cx="54864" cy="777240"/>
+            <a:off x="457200" y="3538728"/>
+            <a:ext cx="54864" cy="804672"/>
           </a:xfrm>
           <a:prstGeom prst="rect">
             <a:avLst/>
@@ -12661,8 +12661,8 @@
         </p:nvSpPr>
         <p:spPr>
           <a:xfrm>
-            <a:off x="685800" y="3118104"/>
-            <a:ext cx="7543800" cy="237744"/>
+            <a:off x="685800" y="3630168"/>
+            <a:ext cx="7543800" cy="256032"/>
           </a:xfrm>
           <a:prstGeom prst="rect">
             <a:avLst/>
@@ -12704,8 +12704,8 @@
         </p:nvSpPr>
         <p:spPr>
           <a:xfrm>
-            <a:off x="685800" y="3429000"/>
-            <a:ext cx="7543800" cy="338328"/>
+            <a:off x="685800" y="3941064"/>
+            <a:ext cx="7543800" cy="329184"/>
           </a:xfrm>
           <a:prstGeom prst="rect">
             <a:avLst/>

--- a/toki/tokistorage-partnership-deck-en.pptx
+++ b/toki/tokistorage-partnership-deck-en.pptx
@@ -8375,7 +8375,7 @@
         </p:nvSpPr>
         <p:spPr>
           <a:xfrm>
-            <a:off x="1508760" y="1508760"/>
+            <a:off x="1508760" y="1453896"/>
             <a:ext cx="6675120" cy="310896"/>
           </a:xfrm>
           <a:prstGeom prst="rect">
@@ -8418,7 +8418,7 @@
         </p:nvSpPr>
         <p:spPr>
           <a:xfrm>
-            <a:off x="1508760" y="1856232"/>
+            <a:off x="1508760" y="1783080"/>
             <a:ext cx="6675120" cy="201168"/>
           </a:xfrm>
           <a:prstGeom prst="rect">
@@ -8635,7 +8635,7 @@
         </p:nvSpPr>
         <p:spPr>
           <a:xfrm>
-            <a:off x="1508760" y="2670048"/>
+            <a:off x="1508760" y="2615184"/>
             <a:ext cx="6675120" cy="310896"/>
           </a:xfrm>
           <a:prstGeom prst="rect">
@@ -8678,7 +8678,7 @@
         </p:nvSpPr>
         <p:spPr>
           <a:xfrm>
-            <a:off x="1508760" y="3017520"/>
+            <a:off x="1508760" y="2944368"/>
             <a:ext cx="6675120" cy="201168"/>
           </a:xfrm>
           <a:prstGeom prst="rect">
@@ -8895,7 +8895,7 @@
         </p:nvSpPr>
         <p:spPr>
           <a:xfrm>
-            <a:off x="1508760" y="3831336"/>
+            <a:off x="1508760" y="3776472"/>
             <a:ext cx="6675120" cy="310896"/>
           </a:xfrm>
           <a:prstGeom prst="rect">
@@ -8938,7 +8938,7 @@
         </p:nvSpPr>
         <p:spPr>
           <a:xfrm>
-            <a:off x="1508760" y="4178808"/>
+            <a:off x="1508760" y="4105656"/>
             <a:ext cx="6675120" cy="201168"/>
           </a:xfrm>
           <a:prstGeom prst="rect">
@@ -12047,8 +12047,8 @@
         </p:nvSpPr>
         <p:spPr>
           <a:xfrm>
-            <a:off x="457200" y="2688336"/>
-            <a:ext cx="1394460" cy="256032"/>
+            <a:off x="457200" y="2807208"/>
+            <a:ext cx="1440180" cy="310896"/>
           </a:xfrm>
           <a:prstGeom prst="rect">
             <a:avLst/>
@@ -12092,8 +12092,8 @@
         </p:nvSpPr>
         <p:spPr>
           <a:xfrm>
-            <a:off x="548640" y="2688336"/>
-            <a:ext cx="1211580" cy="256032"/>
+            <a:off x="548640" y="2807208"/>
+            <a:ext cx="1257300" cy="310896"/>
           </a:xfrm>
           <a:prstGeom prst="rect">
             <a:avLst/>
@@ -12135,8 +12135,8 @@
         </p:nvSpPr>
         <p:spPr>
           <a:xfrm>
-            <a:off x="1961388" y="2688336"/>
-            <a:ext cx="2628900" cy="256032"/>
+            <a:off x="2007108" y="2807208"/>
+            <a:ext cx="2674620" cy="310896"/>
           </a:xfrm>
           <a:prstGeom prst="rect">
             <a:avLst/>
@@ -12180,8 +12180,8 @@
         </p:nvSpPr>
         <p:spPr>
           <a:xfrm>
-            <a:off x="2052828" y="2688336"/>
-            <a:ext cx="2446020" cy="256032"/>
+            <a:off x="2098548" y="2807208"/>
+            <a:ext cx="2491740" cy="310896"/>
           </a:xfrm>
           <a:prstGeom prst="rect">
             <a:avLst/>
@@ -12223,8 +12223,8 @@
         </p:nvSpPr>
         <p:spPr>
           <a:xfrm>
-            <a:off x="4700016" y="2688336"/>
-            <a:ext cx="2834639" cy="256032"/>
+            <a:off x="4791456" y="2807208"/>
+            <a:ext cx="2880360" cy="310896"/>
           </a:xfrm>
           <a:prstGeom prst="rect">
             <a:avLst/>
@@ -12268,8 +12268,8 @@
         </p:nvSpPr>
         <p:spPr>
           <a:xfrm>
-            <a:off x="4791456" y="2688336"/>
-            <a:ext cx="2651759" cy="256032"/>
+            <a:off x="4882896" y="2807208"/>
+            <a:ext cx="2697480" cy="310896"/>
           </a:xfrm>
           <a:prstGeom prst="rect">
             <a:avLst/>
@@ -12311,8 +12311,8 @@
         </p:nvSpPr>
         <p:spPr>
           <a:xfrm>
-            <a:off x="457200" y="3035808"/>
-            <a:ext cx="1668780" cy="256032"/>
+            <a:off x="457200" y="3191256"/>
+            <a:ext cx="1714500" cy="310896"/>
           </a:xfrm>
           <a:prstGeom prst="rect">
             <a:avLst/>
@@ -12356,8 +12356,8 @@
         </p:nvSpPr>
         <p:spPr>
           <a:xfrm>
-            <a:off x="548640" y="3035808"/>
-            <a:ext cx="1485900" cy="256032"/>
+            <a:off x="548640" y="3191256"/>
+            <a:ext cx="1531620" cy="310896"/>
           </a:xfrm>
           <a:prstGeom prst="rect">
             <a:avLst/>
@@ -12399,8 +12399,8 @@
         </p:nvSpPr>
         <p:spPr>
           <a:xfrm>
-            <a:off x="2235708" y="3035808"/>
-            <a:ext cx="1600200" cy="256032"/>
+            <a:off x="2281428" y="3191256"/>
+            <a:ext cx="1645919" cy="310896"/>
           </a:xfrm>
           <a:prstGeom prst="rect">
             <a:avLst/>
@@ -12444,8 +12444,8 @@
         </p:nvSpPr>
         <p:spPr>
           <a:xfrm>
-            <a:off x="2327148" y="3035808"/>
-            <a:ext cx="1417320" cy="256032"/>
+            <a:off x="2372868" y="3191256"/>
+            <a:ext cx="1463039" cy="310896"/>
           </a:xfrm>
           <a:prstGeom prst="rect">
             <a:avLst/>
@@ -12487,8 +12487,8 @@
         </p:nvSpPr>
         <p:spPr>
           <a:xfrm>
-            <a:off x="3945636" y="3035808"/>
-            <a:ext cx="3040379" cy="256032"/>
+            <a:off x="4037075" y="3191256"/>
+            <a:ext cx="3086100" cy="310896"/>
           </a:xfrm>
           <a:prstGeom prst="rect">
             <a:avLst/>
@@ -12532,8 +12532,8 @@
         </p:nvSpPr>
         <p:spPr>
           <a:xfrm>
-            <a:off x="4037076" y="3035808"/>
-            <a:ext cx="2857499" cy="256032"/>
+            <a:off x="4128515" y="3191256"/>
+            <a:ext cx="2903220" cy="310896"/>
           </a:xfrm>
           <a:prstGeom prst="rect">
             <a:avLst/>
@@ -12575,7 +12575,7 @@
         </p:nvSpPr>
         <p:spPr>
           <a:xfrm>
-            <a:off x="457200" y="3538728"/>
+            <a:off x="457200" y="3694176"/>
             <a:ext cx="7863840" cy="804672"/>
           </a:xfrm>
           <a:prstGeom prst="rect">
@@ -12618,7 +12618,7 @@
         </p:nvSpPr>
         <p:spPr>
           <a:xfrm>
-            <a:off x="457200" y="3538728"/>
+            <a:off x="457200" y="3694176"/>
             <a:ext cx="54864" cy="804672"/>
           </a:xfrm>
           <a:prstGeom prst="rect">
@@ -12661,7 +12661,7 @@
         </p:nvSpPr>
         <p:spPr>
           <a:xfrm>
-            <a:off x="685800" y="3630168"/>
+            <a:off x="685800" y="3785616"/>
             <a:ext cx="7543800" cy="256032"/>
           </a:xfrm>
           <a:prstGeom prst="rect">
@@ -12704,7 +12704,7 @@
         </p:nvSpPr>
         <p:spPr>
           <a:xfrm>
-            <a:off x="685800" y="3941064"/>
+            <a:off x="685800" y="4096512"/>
             <a:ext cx="7543800" cy="329184"/>
           </a:xfrm>
           <a:prstGeom prst="rect">

--- a/toki/tokistorage-partnership-deck-en.pptx
+++ b/toki/tokistorage-partnership-deck-en.pptx
@@ -8375,7 +8375,7 @@
         </p:nvSpPr>
         <p:spPr>
           <a:xfrm>
-            <a:off x="1508760" y="1453896"/>
+            <a:off x="1508760" y="1417320"/>
             <a:ext cx="6675120" cy="310896"/>
           </a:xfrm>
           <a:prstGeom prst="rect">
@@ -8635,7 +8635,7 @@
         </p:nvSpPr>
         <p:spPr>
           <a:xfrm>
-            <a:off x="1508760" y="2615184"/>
+            <a:off x="1508760" y="2578608"/>
             <a:ext cx="6675120" cy="310896"/>
           </a:xfrm>
           <a:prstGeom prst="rect">
@@ -8895,7 +8895,7 @@
         </p:nvSpPr>
         <p:spPr>
           <a:xfrm>
-            <a:off x="1508760" y="3776472"/>
+            <a:off x="1508760" y="3739896"/>
             <a:ext cx="6675120" cy="310896"/>
           </a:xfrm>
           <a:prstGeom prst="rect">
@@ -12048,7 +12048,7 @@
         <p:spPr>
           <a:xfrm>
             <a:off x="457200" y="2807208"/>
-            <a:ext cx="1440180" cy="310896"/>
+            <a:ext cx="1440180" cy="347472"/>
           </a:xfrm>
           <a:prstGeom prst="rect">
             <a:avLst/>
@@ -12093,7 +12093,7 @@
         <p:spPr>
           <a:xfrm>
             <a:off x="548640" y="2807208"/>
-            <a:ext cx="1257300" cy="310896"/>
+            <a:ext cx="1257300" cy="347472"/>
           </a:xfrm>
           <a:prstGeom prst="rect">
             <a:avLst/>
@@ -12136,7 +12136,7 @@
         <p:spPr>
           <a:xfrm>
             <a:off x="2007108" y="2807208"/>
-            <a:ext cx="2674620" cy="310896"/>
+            <a:ext cx="2674620" cy="347472"/>
           </a:xfrm>
           <a:prstGeom prst="rect">
             <a:avLst/>
@@ -12181,7 +12181,7 @@
         <p:spPr>
           <a:xfrm>
             <a:off x="2098548" y="2807208"/>
-            <a:ext cx="2491740" cy="310896"/>
+            <a:ext cx="2491740" cy="347472"/>
           </a:xfrm>
           <a:prstGeom prst="rect">
             <a:avLst/>
@@ -12224,7 +12224,7 @@
         <p:spPr>
           <a:xfrm>
             <a:off x="4791456" y="2807208"/>
-            <a:ext cx="2880360" cy="310896"/>
+            <a:ext cx="2880360" cy="347472"/>
           </a:xfrm>
           <a:prstGeom prst="rect">
             <a:avLst/>
@@ -12269,7 +12269,7 @@
         <p:spPr>
           <a:xfrm>
             <a:off x="4882896" y="2807208"/>
-            <a:ext cx="2697480" cy="310896"/>
+            <a:ext cx="2697480" cy="347472"/>
           </a:xfrm>
           <a:prstGeom prst="rect">
             <a:avLst/>
@@ -12311,8 +12311,8 @@
         </p:nvSpPr>
         <p:spPr>
           <a:xfrm>
-            <a:off x="457200" y="3191256"/>
-            <a:ext cx="1714500" cy="310896"/>
+            <a:off x="457200" y="3227832"/>
+            <a:ext cx="1714500" cy="347472"/>
           </a:xfrm>
           <a:prstGeom prst="rect">
             <a:avLst/>
@@ -12356,8 +12356,8 @@
         </p:nvSpPr>
         <p:spPr>
           <a:xfrm>
-            <a:off x="548640" y="3191256"/>
-            <a:ext cx="1531620" cy="310896"/>
+            <a:off x="548640" y="3227832"/>
+            <a:ext cx="1531620" cy="347472"/>
           </a:xfrm>
           <a:prstGeom prst="rect">
             <a:avLst/>
@@ -12399,8 +12399,8 @@
         </p:nvSpPr>
         <p:spPr>
           <a:xfrm>
-            <a:off x="2281428" y="3191256"/>
-            <a:ext cx="1645919" cy="310896"/>
+            <a:off x="2281428" y="3227832"/>
+            <a:ext cx="1645919" cy="347472"/>
           </a:xfrm>
           <a:prstGeom prst="rect">
             <a:avLst/>
@@ -12444,8 +12444,8 @@
         </p:nvSpPr>
         <p:spPr>
           <a:xfrm>
-            <a:off x="2372868" y="3191256"/>
-            <a:ext cx="1463039" cy="310896"/>
+            <a:off x="2372868" y="3227832"/>
+            <a:ext cx="1463039" cy="347472"/>
           </a:xfrm>
           <a:prstGeom prst="rect">
             <a:avLst/>
@@ -12487,8 +12487,8 @@
         </p:nvSpPr>
         <p:spPr>
           <a:xfrm>
-            <a:off x="4037075" y="3191256"/>
-            <a:ext cx="3086100" cy="310896"/>
+            <a:off x="4037075" y="3227832"/>
+            <a:ext cx="3086100" cy="347472"/>
           </a:xfrm>
           <a:prstGeom prst="rect">
             <a:avLst/>
@@ -12532,8 +12532,8 @@
         </p:nvSpPr>
         <p:spPr>
           <a:xfrm>
-            <a:off x="4128515" y="3191256"/>
-            <a:ext cx="2903220" cy="310896"/>
+            <a:off x="4128515" y="3227832"/>
+            <a:ext cx="2903220" cy="347472"/>
           </a:xfrm>
           <a:prstGeom prst="rect">
             <a:avLst/>
@@ -12575,8 +12575,8 @@
         </p:nvSpPr>
         <p:spPr>
           <a:xfrm>
-            <a:off x="457200" y="3694176"/>
-            <a:ext cx="7863840" cy="804672"/>
+            <a:off x="457200" y="3730752"/>
+            <a:ext cx="7863840" cy="914400"/>
           </a:xfrm>
           <a:prstGeom prst="rect">
             <a:avLst/>
@@ -12618,8 +12618,8 @@
         </p:nvSpPr>
         <p:spPr>
           <a:xfrm>
-            <a:off x="457200" y="3694176"/>
-            <a:ext cx="54864" cy="804672"/>
+            <a:off x="457200" y="3730752"/>
+            <a:ext cx="54864" cy="914400"/>
           </a:xfrm>
           <a:prstGeom prst="rect">
             <a:avLst/>
@@ -12661,7 +12661,7 @@
         </p:nvSpPr>
         <p:spPr>
           <a:xfrm>
-            <a:off x="685800" y="3785616"/>
+            <a:off x="685800" y="3822192"/>
             <a:ext cx="7543800" cy="256032"/>
           </a:xfrm>
           <a:prstGeom prst="rect">
@@ -12704,8 +12704,8 @@
         </p:nvSpPr>
         <p:spPr>
           <a:xfrm>
-            <a:off x="685800" y="4096512"/>
-            <a:ext cx="7543800" cy="329184"/>
+            <a:off x="685800" y="4133088"/>
+            <a:ext cx="7543800" cy="438912"/>
           </a:xfrm>
           <a:prstGeom prst="rect">
             <a:avLst/>

--- a/toki/tokistorage-partnership-deck-en.pptx
+++ b/toki/tokistorage-partnership-deck-en.pptx
@@ -12048,7 +12048,7 @@
         <p:spPr>
           <a:xfrm>
             <a:off x="457200" y="2807208"/>
-            <a:ext cx="1440180" cy="347472"/>
+            <a:ext cx="1440180" cy="402336"/>
           </a:xfrm>
           <a:prstGeom prst="rect">
             <a:avLst/>
@@ -12093,7 +12093,7 @@
         <p:spPr>
           <a:xfrm>
             <a:off x="548640" y="2807208"/>
-            <a:ext cx="1257300" cy="347472"/>
+            <a:ext cx="1257300" cy="402336"/>
           </a:xfrm>
           <a:prstGeom prst="rect">
             <a:avLst/>
@@ -12136,7 +12136,7 @@
         <p:spPr>
           <a:xfrm>
             <a:off x="2007108" y="2807208"/>
-            <a:ext cx="2674620" cy="347472"/>
+            <a:ext cx="2674620" cy="402336"/>
           </a:xfrm>
           <a:prstGeom prst="rect">
             <a:avLst/>
@@ -12181,7 +12181,7 @@
         <p:spPr>
           <a:xfrm>
             <a:off x="2098548" y="2807208"/>
-            <a:ext cx="2491740" cy="347472"/>
+            <a:ext cx="2491740" cy="402336"/>
           </a:xfrm>
           <a:prstGeom prst="rect">
             <a:avLst/>
@@ -12224,7 +12224,7 @@
         <p:spPr>
           <a:xfrm>
             <a:off x="4791456" y="2807208"/>
-            <a:ext cx="2880360" cy="347472"/>
+            <a:ext cx="2880360" cy="402336"/>
           </a:xfrm>
           <a:prstGeom prst="rect">
             <a:avLst/>
@@ -12269,7 +12269,7 @@
         <p:spPr>
           <a:xfrm>
             <a:off x="4882896" y="2807208"/>
-            <a:ext cx="2697480" cy="347472"/>
+            <a:ext cx="2697480" cy="402336"/>
           </a:xfrm>
           <a:prstGeom prst="rect">
             <a:avLst/>
@@ -12311,8 +12311,8 @@
         </p:nvSpPr>
         <p:spPr>
           <a:xfrm>
-            <a:off x="457200" y="3227832"/>
-            <a:ext cx="1714500" cy="347472"/>
+            <a:off x="457200" y="3282696"/>
+            <a:ext cx="1714500" cy="402336"/>
           </a:xfrm>
           <a:prstGeom prst="rect">
             <a:avLst/>
@@ -12356,8 +12356,8 @@
         </p:nvSpPr>
         <p:spPr>
           <a:xfrm>
-            <a:off x="548640" y="3227832"/>
-            <a:ext cx="1531620" cy="347472"/>
+            <a:off x="548640" y="3282696"/>
+            <a:ext cx="1531620" cy="402336"/>
           </a:xfrm>
           <a:prstGeom prst="rect">
             <a:avLst/>
@@ -12399,8 +12399,8 @@
         </p:nvSpPr>
         <p:spPr>
           <a:xfrm>
-            <a:off x="2281428" y="3227832"/>
-            <a:ext cx="1645919" cy="347472"/>
+            <a:off x="2281428" y="3282696"/>
+            <a:ext cx="1645919" cy="402336"/>
           </a:xfrm>
           <a:prstGeom prst="rect">
             <a:avLst/>
@@ -12444,8 +12444,8 @@
         </p:nvSpPr>
         <p:spPr>
           <a:xfrm>
-            <a:off x="2372868" y="3227832"/>
-            <a:ext cx="1463039" cy="347472"/>
+            <a:off x="2372868" y="3282696"/>
+            <a:ext cx="1463039" cy="402336"/>
           </a:xfrm>
           <a:prstGeom prst="rect">
             <a:avLst/>
@@ -12487,8 +12487,8 @@
         </p:nvSpPr>
         <p:spPr>
           <a:xfrm>
-            <a:off x="4037075" y="3227832"/>
-            <a:ext cx="3086100" cy="347472"/>
+            <a:off x="4037075" y="3282696"/>
+            <a:ext cx="3086100" cy="402336"/>
           </a:xfrm>
           <a:prstGeom prst="rect">
             <a:avLst/>
@@ -12532,8 +12532,8 @@
         </p:nvSpPr>
         <p:spPr>
           <a:xfrm>
-            <a:off x="4128515" y="3227832"/>
-            <a:ext cx="2903220" cy="347472"/>
+            <a:off x="4128515" y="3282696"/>
+            <a:ext cx="2903220" cy="402336"/>
           </a:xfrm>
           <a:prstGeom prst="rect">
             <a:avLst/>
@@ -12575,8 +12575,8 @@
         </p:nvSpPr>
         <p:spPr>
           <a:xfrm>
-            <a:off x="457200" y="3730752"/>
-            <a:ext cx="7863840" cy="914400"/>
+            <a:off x="457200" y="3785616"/>
+            <a:ext cx="7863840" cy="1051560"/>
           </a:xfrm>
           <a:prstGeom prst="rect">
             <a:avLst/>
@@ -12618,8 +12618,8 @@
         </p:nvSpPr>
         <p:spPr>
           <a:xfrm>
-            <a:off x="457200" y="3730752"/>
-            <a:ext cx="54864" cy="914400"/>
+            <a:off x="457200" y="3785616"/>
+            <a:ext cx="54864" cy="1051560"/>
           </a:xfrm>
           <a:prstGeom prst="rect">
             <a:avLst/>
@@ -12661,7 +12661,7 @@
         </p:nvSpPr>
         <p:spPr>
           <a:xfrm>
-            <a:off x="685800" y="3822192"/>
+            <a:off x="685800" y="3877056"/>
             <a:ext cx="7543800" cy="256032"/>
           </a:xfrm>
           <a:prstGeom prst="rect">
@@ -12704,8 +12704,8 @@
         </p:nvSpPr>
         <p:spPr>
           <a:xfrm>
-            <a:off x="685800" y="4133088"/>
-            <a:ext cx="7543800" cy="438912"/>
+            <a:off x="685800" y="4187952"/>
+            <a:ext cx="7543800" cy="576072"/>
           </a:xfrm>
           <a:prstGeom prst="rect">
             <a:avLst/>

--- a/toki/tokistorage-partnership-deck-en.pptx
+++ b/toki/tokistorage-partnership-deck-en.pptx
@@ -3352,7 +3352,7 @@
                 </a:solidFill>
                 <a:latin typeface="Calibri"/>
               </a:rPr>
-              <a:t>Universal Need Inc.</a:t>
+              <a:t>TokiStorage</a:t>
             </a:r>
           </a:p>
         </p:txBody>
@@ -3628,10 +3628,10 @@
                 </a:solidFill>
                 <a:latin typeface="Calibri"/>
               </a:rPr>
-              <a:t>This document has been prepared by Universal Need Inc. (the "Company") solely for the purpose of evaluating a potential partnership.
-The information contained herein reflects the Company's current views and plans and does not constitute a guarantee of accuracy, completeness, or future outcomes.
+              <a:t>This document has been prepared by TokiStorage (Takuya Sato) solely for the purpose of evaluating a potential partnership.
+The information contained herein reflects current views and plans and does not constitute a guarantee of accuracy, completeness, or future outcomes.
 This document is provided for informational purposes only and does not constitute legal, investment, or other professional advice.
-No part of this document may be disclosed, reproduced, or distributed to any third party without the prior written consent of the Company.</a:t>
+No part of this document may be disclosed, reproduced, or distributed to any third party without prior written consent.</a:t>
             </a:r>
           </a:p>
         </p:txBody>
@@ -3674,7 +3674,7 @@
                 </a:solidFill>
                 <a:latin typeface="Calibri"/>
               </a:rPr>
-              <a:t>© 2026 Universal Need Inc. All rights reserved.</a:t>
+              <a:t>© 2026 TokiStorage / Takuya Sato. All rights reserved.</a:t>
             </a:r>
           </a:p>
         </p:txBody>
@@ -3760,7 +3760,7 @@
                 </a:solidFill>
                 <a:latin typeface="Calibri"/>
               </a:rPr>
-              <a:t>Universal Need Inc. — TokiStorage</a:t>
+              <a:t>TokiStorage</a:t>
             </a:r>
           </a:p>
         </p:txBody>
@@ -11991,7 +11991,7 @@
                 </a:solidFill>
                 <a:latin typeface="Calibri"/>
               </a:rPr>
-              <a:t>Takuya Sato — CEO, Universal Need Inc.</a:t>
+              <a:t>Takuya Sato — Founder, TokiStorage</a:t>
             </a:r>
           </a:p>
         </p:txBody>
@@ -13784,7 +13784,7 @@
                 </a:solidFill>
                 <a:latin typeface="Calibri"/>
               </a:rPr>
-              <a:t>Takuya Sato — CEO, Universal Need Inc.</a:t>
+              <a:t>Takuya Sato — Founder, TokiStorage</a:t>
             </a:r>
           </a:p>
         </p:txBody>
@@ -13870,7 +13870,7 @@
                 </a:solidFill>
                 <a:latin typeface="Calibri"/>
               </a:rPr>
-              <a:t>Universal Need Inc. — TokiStorage</a:t>
+              <a:t>TokiStorage</a:t>
             </a:r>
           </a:p>
         </p:txBody>
